--- a/news.pptx
+++ b/news.pptx
@@ -6,6 +6,7 @@
   </p:sldMasterIdLst>
   <p:sldIdLst>
     <p:sldId id="256" r:id="rId2"/>
+    <p:sldId id="257" r:id="rId3"/>
   </p:sldIdLst>
   <p:sldSz cx="12192000" cy="6858000"/>
   <p:notesSz cx="6858000" cy="9144000"/>
@@ -104,7 +105,136 @@
       </a:defRPr>
     </a:lvl9pPr>
   </p:defaultTextStyle>
+  <p:extLst>
+    <p:ext uri="{EFAFB233-063F-42B5-8137-9DF3F51BA10A}">
+      <p15:sldGuideLst xmlns:p15="http://schemas.microsoft.com/office/powerpoint/2012/main"/>
+    </p:ext>
+  </p:extLst>
 </p:presentation>
+</file>
+
+<file path=ppt/revisionInfo.xml><?xml version="1.0" encoding="utf-8"?>
+<p1510:revInfo xmlns:a="http://schemas.openxmlformats.org/drawingml/2006/main" xmlns:r="http://schemas.openxmlformats.org/officeDocument/2006/relationships" xmlns:p1510="http://schemas.microsoft.com/office/powerpoint/2015/10/main">
+  <p1510:revLst>
+    <p1510:client id="{D453E9ED-2445-4863-8DAC-1F522F0E47F0}" v="5" dt="2021-10-18T18:12:10.740"/>
+  </p1510:revLst>
+</p1510:revInfo>
+</file>
+
+<file path=ppt/changesInfos/changesInfo1.xml><?xml version="1.0" encoding="utf-8"?>
+<pc:chgInfo xmlns:a="http://schemas.openxmlformats.org/drawingml/2006/main" xmlns:r="http://schemas.openxmlformats.org/officeDocument/2006/relationships" xmlns:ac="http://schemas.microsoft.com/office/drawing/2013/main/command" xmlns:pc="http://schemas.microsoft.com/office/powerpoint/2013/main/command">
+  <pc:docChgLst>
+    <pc:chgData name="Lenka Hasova" userId="ea5c8ace-893c-4ae9-95cf-0ff1299a7b7a" providerId="ADAL" clId="{D453E9ED-2445-4863-8DAC-1F522F0E47F0}"/>
+    <pc:docChg chg="custSel addSld modSld">
+      <pc:chgData name="Lenka Hasova" userId="ea5c8ace-893c-4ae9-95cf-0ff1299a7b7a" providerId="ADAL" clId="{D453E9ED-2445-4863-8DAC-1F522F0E47F0}" dt="2021-10-18T18:12:39.813" v="152" actId="14100"/>
+      <pc:docMkLst>
+        <pc:docMk/>
+      </pc:docMkLst>
+      <pc:sldChg chg="modSp mod">
+        <pc:chgData name="Lenka Hasova" userId="ea5c8ace-893c-4ae9-95cf-0ff1299a7b7a" providerId="ADAL" clId="{D453E9ED-2445-4863-8DAC-1F522F0E47F0}" dt="2021-10-18T18:11:02.950" v="84" actId="1076"/>
+        <pc:sldMkLst>
+          <pc:docMk/>
+          <pc:sldMk cId="2992507873" sldId="256"/>
+        </pc:sldMkLst>
+        <pc:spChg chg="mod">
+          <ac:chgData name="Lenka Hasova" userId="ea5c8ace-893c-4ae9-95cf-0ff1299a7b7a" providerId="ADAL" clId="{D453E9ED-2445-4863-8DAC-1F522F0E47F0}" dt="2021-10-18T18:11:02.950" v="84" actId="1076"/>
+          <ac:spMkLst>
+            <pc:docMk/>
+            <pc:sldMk cId="2992507873" sldId="256"/>
+            <ac:spMk id="18" creationId="{CD62598E-F9C1-46EF-A74D-6D09F87BAD79}"/>
+          </ac:spMkLst>
+        </pc:spChg>
+      </pc:sldChg>
+      <pc:sldChg chg="addSp delSp modSp new mod">
+        <pc:chgData name="Lenka Hasova" userId="ea5c8ace-893c-4ae9-95cf-0ff1299a7b7a" providerId="ADAL" clId="{D453E9ED-2445-4863-8DAC-1F522F0E47F0}" dt="2021-10-18T18:12:39.813" v="152" actId="14100"/>
+        <pc:sldMkLst>
+          <pc:docMk/>
+          <pc:sldMk cId="1489152647" sldId="257"/>
+        </pc:sldMkLst>
+        <pc:spChg chg="del">
+          <ac:chgData name="Lenka Hasova" userId="ea5c8ace-893c-4ae9-95cf-0ff1299a7b7a" providerId="ADAL" clId="{D453E9ED-2445-4863-8DAC-1F522F0E47F0}" dt="2021-10-18T18:09:02.891" v="2" actId="478"/>
+          <ac:spMkLst>
+            <pc:docMk/>
+            <pc:sldMk cId="1489152647" sldId="257"/>
+            <ac:spMk id="2" creationId="{7BFF8A88-E77E-4AFF-B6A0-1F09CB305FF5}"/>
+          </ac:spMkLst>
+        </pc:spChg>
+        <pc:spChg chg="del">
+          <ac:chgData name="Lenka Hasova" userId="ea5c8ace-893c-4ae9-95cf-0ff1299a7b7a" providerId="ADAL" clId="{D453E9ED-2445-4863-8DAC-1F522F0E47F0}" dt="2021-10-18T18:09:00.812" v="1" actId="478"/>
+          <ac:spMkLst>
+            <pc:docMk/>
+            <pc:sldMk cId="1489152647" sldId="257"/>
+            <ac:spMk id="3" creationId="{BEF15809-AE35-4229-A57C-C5E60705B8BC}"/>
+          </ac:spMkLst>
+        </pc:spChg>
+        <pc:spChg chg="add mod">
+          <ac:chgData name="Lenka Hasova" userId="ea5c8ace-893c-4ae9-95cf-0ff1299a7b7a" providerId="ADAL" clId="{D453E9ED-2445-4863-8DAC-1F522F0E47F0}" dt="2021-10-18T18:10:00.458" v="8"/>
+          <ac:spMkLst>
+            <pc:docMk/>
+            <pc:sldMk cId="1489152647" sldId="257"/>
+            <ac:spMk id="8" creationId="{EADCC8D0-FAC6-4026-B4EF-481E6CC2275D}"/>
+          </ac:spMkLst>
+        </pc:spChg>
+        <pc:spChg chg="add mod">
+          <ac:chgData name="Lenka Hasova" userId="ea5c8ace-893c-4ae9-95cf-0ff1299a7b7a" providerId="ADAL" clId="{D453E9ED-2445-4863-8DAC-1F522F0E47F0}" dt="2021-10-18T18:10:00.458" v="8"/>
+          <ac:spMkLst>
+            <pc:docMk/>
+            <pc:sldMk cId="1489152647" sldId="257"/>
+            <ac:spMk id="9" creationId="{1607868B-EAE9-47CE-908F-7F965A4A98C2}"/>
+          </ac:spMkLst>
+        </pc:spChg>
+        <pc:spChg chg="add mod">
+          <ac:chgData name="Lenka Hasova" userId="ea5c8ace-893c-4ae9-95cf-0ff1299a7b7a" providerId="ADAL" clId="{D453E9ED-2445-4863-8DAC-1F522F0E47F0}" dt="2021-10-18T18:12:03.080" v="146" actId="403"/>
+          <ac:spMkLst>
+            <pc:docMk/>
+            <pc:sldMk cId="1489152647" sldId="257"/>
+            <ac:spMk id="10" creationId="{7F956B51-1CAB-47FA-AABC-347BB8D44F7B}"/>
+          </ac:spMkLst>
+        </pc:spChg>
+        <pc:spChg chg="add mod ord">
+          <ac:chgData name="Lenka Hasova" userId="ea5c8ace-893c-4ae9-95cf-0ff1299a7b7a" providerId="ADAL" clId="{D453E9ED-2445-4863-8DAC-1F522F0E47F0}" dt="2021-10-18T18:11:16.161" v="88" actId="14100"/>
+          <ac:spMkLst>
+            <pc:docMk/>
+            <pc:sldMk cId="1489152647" sldId="257"/>
+            <ac:spMk id="11" creationId="{71E9347F-51C9-41FD-9B29-5A486008E10A}"/>
+          </ac:spMkLst>
+        </pc:spChg>
+        <pc:spChg chg="add mod">
+          <ac:chgData name="Lenka Hasova" userId="ea5c8ace-893c-4ae9-95cf-0ff1299a7b7a" providerId="ADAL" clId="{D453E9ED-2445-4863-8DAC-1F522F0E47F0}" dt="2021-10-18T18:11:59.652" v="144" actId="1076"/>
+          <ac:spMkLst>
+            <pc:docMk/>
+            <pc:sldMk cId="1489152647" sldId="257"/>
+            <ac:spMk id="12" creationId="{D2EDBA25-9334-4AC3-9F1E-A49F03444E41}"/>
+          </ac:spMkLst>
+        </pc:spChg>
+        <pc:spChg chg="add mod ord">
+          <ac:chgData name="Lenka Hasova" userId="ea5c8ace-893c-4ae9-95cf-0ff1299a7b7a" providerId="ADAL" clId="{D453E9ED-2445-4863-8DAC-1F522F0E47F0}" dt="2021-10-18T18:12:28.669" v="151" actId="14100"/>
+          <ac:spMkLst>
+            <pc:docMk/>
+            <pc:sldMk cId="1489152647" sldId="257"/>
+            <ac:spMk id="13" creationId="{FE241E90-D84C-4052-BBFB-FE951E7F13BA}"/>
+          </ac:spMkLst>
+        </pc:spChg>
+        <pc:picChg chg="add mod">
+          <ac:chgData name="Lenka Hasova" userId="ea5c8ace-893c-4ae9-95cf-0ff1299a7b7a" providerId="ADAL" clId="{D453E9ED-2445-4863-8DAC-1F522F0E47F0}" dt="2021-10-18T18:12:39.813" v="152" actId="14100"/>
+          <ac:picMkLst>
+            <pc:docMk/>
+            <pc:sldMk cId="1489152647" sldId="257"/>
+            <ac:picMk id="5" creationId="{49AFAECA-CE32-4868-8C6B-5CC442501FD2}"/>
+          </ac:picMkLst>
+        </pc:picChg>
+        <pc:picChg chg="add mod">
+          <ac:chgData name="Lenka Hasova" userId="ea5c8ace-893c-4ae9-95cf-0ff1299a7b7a" providerId="ADAL" clId="{D453E9ED-2445-4863-8DAC-1F522F0E47F0}" dt="2021-10-18T18:10:06.383" v="9" actId="14100"/>
+          <ac:picMkLst>
+            <pc:docMk/>
+            <pc:sldMk cId="1489152647" sldId="257"/>
+            <ac:picMk id="7" creationId="{B4445929-A623-482E-9640-C0D8E9D77869}"/>
+          </ac:picMkLst>
+        </pc:picChg>
+      </pc:sldChg>
+    </pc:docChg>
+  </pc:docChgLst>
+</pc:chgInfo>
 </file>
 
 <file path=ppt/slideLayouts/slideLayout1.xml><?xml version="1.0" encoding="utf-8"?>
@@ -256,7 +386,7 @@
           <a:p>
             <a:fld id="{7A5AD6B1-77C4-4C61-A1B3-827CDB98672B}" type="datetimeFigureOut">
               <a:rPr lang="en-GB" smtClean="0"/>
-              <a:t>09/10/2021</a:t>
+              <a:t>18/10/2021</a:t>
             </a:fld>
             <a:endParaRPr lang="en-GB"/>
           </a:p>
@@ -456,7 +586,7 @@
           <a:p>
             <a:fld id="{7A5AD6B1-77C4-4C61-A1B3-827CDB98672B}" type="datetimeFigureOut">
               <a:rPr lang="en-GB" smtClean="0"/>
-              <a:t>09/10/2021</a:t>
+              <a:t>18/10/2021</a:t>
             </a:fld>
             <a:endParaRPr lang="en-GB"/>
           </a:p>
@@ -666,7 +796,7 @@
           <a:p>
             <a:fld id="{7A5AD6B1-77C4-4C61-A1B3-827CDB98672B}" type="datetimeFigureOut">
               <a:rPr lang="en-GB" smtClean="0"/>
-              <a:t>09/10/2021</a:t>
+              <a:t>18/10/2021</a:t>
             </a:fld>
             <a:endParaRPr lang="en-GB"/>
           </a:p>
@@ -866,7 +996,7 @@
           <a:p>
             <a:fld id="{7A5AD6B1-77C4-4C61-A1B3-827CDB98672B}" type="datetimeFigureOut">
               <a:rPr lang="en-GB" smtClean="0"/>
-              <a:t>09/10/2021</a:t>
+              <a:t>18/10/2021</a:t>
             </a:fld>
             <a:endParaRPr lang="en-GB"/>
           </a:p>
@@ -1142,7 +1272,7 @@
           <a:p>
             <a:fld id="{7A5AD6B1-77C4-4C61-A1B3-827CDB98672B}" type="datetimeFigureOut">
               <a:rPr lang="en-GB" smtClean="0"/>
-              <a:t>09/10/2021</a:t>
+              <a:t>18/10/2021</a:t>
             </a:fld>
             <a:endParaRPr lang="en-GB"/>
           </a:p>
@@ -1410,7 +1540,7 @@
           <a:p>
             <a:fld id="{7A5AD6B1-77C4-4C61-A1B3-827CDB98672B}" type="datetimeFigureOut">
               <a:rPr lang="en-GB" smtClean="0"/>
-              <a:t>09/10/2021</a:t>
+              <a:t>18/10/2021</a:t>
             </a:fld>
             <a:endParaRPr lang="en-GB"/>
           </a:p>
@@ -1825,7 +1955,7 @@
           <a:p>
             <a:fld id="{7A5AD6B1-77C4-4C61-A1B3-827CDB98672B}" type="datetimeFigureOut">
               <a:rPr lang="en-GB" smtClean="0"/>
-              <a:t>09/10/2021</a:t>
+              <a:t>18/10/2021</a:t>
             </a:fld>
             <a:endParaRPr lang="en-GB"/>
           </a:p>
@@ -1967,7 +2097,7 @@
           <a:p>
             <a:fld id="{7A5AD6B1-77C4-4C61-A1B3-827CDB98672B}" type="datetimeFigureOut">
               <a:rPr lang="en-GB" smtClean="0"/>
-              <a:t>09/10/2021</a:t>
+              <a:t>18/10/2021</a:t>
             </a:fld>
             <a:endParaRPr lang="en-GB"/>
           </a:p>
@@ -2080,7 +2210,7 @@
           <a:p>
             <a:fld id="{7A5AD6B1-77C4-4C61-A1B3-827CDB98672B}" type="datetimeFigureOut">
               <a:rPr lang="en-GB" smtClean="0"/>
-              <a:t>09/10/2021</a:t>
+              <a:t>18/10/2021</a:t>
             </a:fld>
             <a:endParaRPr lang="en-GB"/>
           </a:p>
@@ -2393,7 +2523,7 @@
           <a:p>
             <a:fld id="{7A5AD6B1-77C4-4C61-A1B3-827CDB98672B}" type="datetimeFigureOut">
               <a:rPr lang="en-GB" smtClean="0"/>
-              <a:t>09/10/2021</a:t>
+              <a:t>18/10/2021</a:t>
             </a:fld>
             <a:endParaRPr lang="en-GB"/>
           </a:p>
@@ -2682,7 +2812,7 @@
           <a:p>
             <a:fld id="{7A5AD6B1-77C4-4C61-A1B3-827CDB98672B}" type="datetimeFigureOut">
               <a:rPr lang="en-GB" smtClean="0"/>
-              <a:t>09/10/2021</a:t>
+              <a:t>18/10/2021</a:t>
             </a:fld>
             <a:endParaRPr lang="en-GB"/>
           </a:p>
@@ -2925,7 +3055,7 @@
           <a:p>
             <a:fld id="{7A5AD6B1-77C4-4C61-A1B3-827CDB98672B}" type="datetimeFigureOut">
               <a:rPr lang="en-GB" smtClean="0"/>
-              <a:t>09/10/2021</a:t>
+              <a:t>18/10/2021</a:t>
             </a:fld>
             <a:endParaRPr lang="en-GB"/>
           </a:p>
@@ -3521,7 +3651,7 @@
         </p:nvSpPr>
         <p:spPr>
           <a:xfrm>
-            <a:off x="0" y="632890"/>
+            <a:off x="0" y="546393"/>
             <a:ext cx="7191909" cy="964381"/>
           </a:xfrm>
           <a:prstGeom prst="rect">
@@ -3916,6 +4046,354 @@
     <p:extLst>
       <p:ext uri="{BB962C8B-B14F-4D97-AF65-F5344CB8AC3E}">
         <p14:creationId xmlns:p14="http://schemas.microsoft.com/office/powerpoint/2010/main" val="2992507873"/>
+      </p:ext>
+    </p:extLst>
+  </p:cSld>
+  <p:clrMapOvr>
+    <a:masterClrMapping/>
+  </p:clrMapOvr>
+</p:sld>
+</file>
+
+<file path=ppt/slides/slide2.xml><?xml version="1.0" encoding="utf-8"?>
+<p:sld xmlns:a="http://schemas.openxmlformats.org/drawingml/2006/main" xmlns:r="http://schemas.openxmlformats.org/officeDocument/2006/relationships" xmlns:p="http://schemas.openxmlformats.org/presentationml/2006/main">
+  <p:cSld>
+    <p:spTree>
+      <p:nvGrpSpPr>
+        <p:cNvPr id="1" name=""/>
+        <p:cNvGrpSpPr/>
+        <p:nvPr/>
+      </p:nvGrpSpPr>
+      <p:grpSpPr>
+        <a:xfrm>
+          <a:off x="0" y="0"/>
+          <a:ext cx="0" cy="0"/>
+          <a:chOff x="0" y="0"/>
+          <a:chExt cx="0" cy="0"/>
+        </a:xfrm>
+      </p:grpSpPr>
+      <p:sp>
+        <p:nvSpPr>
+          <p:cNvPr id="13" name="Rectangle 12">
+            <a:extLst>
+              <a:ext uri="{FF2B5EF4-FFF2-40B4-BE49-F238E27FC236}">
+                <a16:creationId xmlns:a16="http://schemas.microsoft.com/office/drawing/2014/main" id="{FE241E90-D84C-4052-BBFB-FE951E7F13BA}"/>
+              </a:ext>
+            </a:extLst>
+          </p:cNvPr>
+          <p:cNvSpPr/>
+          <p:nvPr/>
+        </p:nvSpPr>
+        <p:spPr>
+          <a:xfrm>
+            <a:off x="82193" y="3950600"/>
+            <a:ext cx="12109808" cy="2797730"/>
+          </a:xfrm>
+          <a:prstGeom prst="rect">
+            <a:avLst/>
+          </a:prstGeom>
+          <a:solidFill>
+            <a:schemeClr val="accent4">
+              <a:lumMod val="20000"/>
+              <a:lumOff val="80000"/>
+            </a:schemeClr>
+          </a:solidFill>
+          <a:ln>
+            <a:noFill/>
+          </a:ln>
+        </p:spPr>
+        <p:style>
+          <a:lnRef idx="2">
+            <a:schemeClr val="accent1">
+              <a:shade val="50000"/>
+            </a:schemeClr>
+          </a:lnRef>
+          <a:fillRef idx="1">
+            <a:schemeClr val="accent1"/>
+          </a:fillRef>
+          <a:effectRef idx="0">
+            <a:schemeClr val="accent1"/>
+          </a:effectRef>
+          <a:fontRef idx="minor">
+            <a:schemeClr val="lt1"/>
+          </a:fontRef>
+        </p:style>
+        <p:txBody>
+          <a:bodyPr rtlCol="0" anchor="ctr"/>
+          <a:lstStyle/>
+          <a:p>
+            <a:pPr algn="ctr"/>
+            <a:endParaRPr lang="en-GB"/>
+          </a:p>
+        </p:txBody>
+      </p:sp>
+      <p:sp>
+        <p:nvSpPr>
+          <p:cNvPr id="11" name="Rectangle 10">
+            <a:extLst>
+              <a:ext uri="{FF2B5EF4-FFF2-40B4-BE49-F238E27FC236}">
+                <a16:creationId xmlns:a16="http://schemas.microsoft.com/office/drawing/2014/main" id="{71E9347F-51C9-41FD-9B29-5A486008E10A}"/>
+              </a:ext>
+            </a:extLst>
+          </p:cNvPr>
+          <p:cNvSpPr/>
+          <p:nvPr/>
+        </p:nvSpPr>
+        <p:spPr>
+          <a:xfrm>
+            <a:off x="0" y="1134319"/>
+            <a:ext cx="12192000" cy="2897209"/>
+          </a:xfrm>
+          <a:prstGeom prst="rect">
+            <a:avLst/>
+          </a:prstGeom>
+          <a:solidFill>
+            <a:schemeClr val="accent1">
+              <a:lumMod val="20000"/>
+              <a:lumOff val="80000"/>
+            </a:schemeClr>
+          </a:solidFill>
+          <a:ln>
+            <a:noFill/>
+          </a:ln>
+        </p:spPr>
+        <p:style>
+          <a:lnRef idx="2">
+            <a:schemeClr val="accent1">
+              <a:shade val="50000"/>
+            </a:schemeClr>
+          </a:lnRef>
+          <a:fillRef idx="1">
+            <a:schemeClr val="accent1"/>
+          </a:fillRef>
+          <a:effectRef idx="0">
+            <a:schemeClr val="accent1"/>
+          </a:effectRef>
+          <a:fontRef idx="minor">
+            <a:schemeClr val="lt1"/>
+          </a:fontRef>
+        </p:style>
+        <p:txBody>
+          <a:bodyPr rtlCol="0" anchor="ctr"/>
+          <a:lstStyle/>
+          <a:p>
+            <a:pPr algn="ctr"/>
+            <a:endParaRPr lang="en-GB"/>
+          </a:p>
+        </p:txBody>
+      </p:sp>
+      <p:pic>
+        <p:nvPicPr>
+          <p:cNvPr id="5" name="Picture 4">
+            <a:extLst>
+              <a:ext uri="{FF2B5EF4-FFF2-40B4-BE49-F238E27FC236}">
+                <a16:creationId xmlns:a16="http://schemas.microsoft.com/office/drawing/2014/main" id="{49AFAECA-CE32-4868-8C6B-5CC442501FD2}"/>
+              </a:ext>
+            </a:extLst>
+          </p:cNvPr>
+          <p:cNvPicPr>
+            <a:picLocks noChangeAspect="1"/>
+          </p:cNvPicPr>
+          <p:nvPr/>
+        </p:nvPicPr>
+        <p:blipFill>
+          <a:blip r:embed="rId2"/>
+          <a:stretch>
+            <a:fillRect/>
+          </a:stretch>
+        </p:blipFill>
+        <p:spPr>
+          <a:xfrm>
+            <a:off x="4467828" y="4184016"/>
+            <a:ext cx="7502203" cy="2470909"/>
+          </a:xfrm>
+          <a:prstGeom prst="rect">
+            <a:avLst/>
+          </a:prstGeom>
+        </p:spPr>
+      </p:pic>
+      <p:pic>
+        <p:nvPicPr>
+          <p:cNvPr id="7" name="Picture 6">
+            <a:extLst>
+              <a:ext uri="{FF2B5EF4-FFF2-40B4-BE49-F238E27FC236}">
+                <a16:creationId xmlns:a16="http://schemas.microsoft.com/office/drawing/2014/main" id="{B4445929-A623-482E-9640-C0D8E9D77869}"/>
+              </a:ext>
+            </a:extLst>
+          </p:cNvPr>
+          <p:cNvPicPr>
+            <a:picLocks noChangeAspect="1"/>
+          </p:cNvPicPr>
+          <p:nvPr/>
+        </p:nvPicPr>
+        <p:blipFill>
+          <a:blip r:embed="rId3"/>
+          <a:stretch>
+            <a:fillRect/>
+          </a:stretch>
+        </p:blipFill>
+        <p:spPr>
+          <a:xfrm>
+            <a:off x="158596" y="1327202"/>
+            <a:ext cx="9467776" cy="2623398"/>
+          </a:xfrm>
+          <a:prstGeom prst="rect">
+            <a:avLst/>
+          </a:prstGeom>
+        </p:spPr>
+      </p:pic>
+      <p:sp>
+        <p:nvSpPr>
+          <p:cNvPr id="8" name="TextBox 7">
+            <a:extLst>
+              <a:ext uri="{FF2B5EF4-FFF2-40B4-BE49-F238E27FC236}">
+                <a16:creationId xmlns:a16="http://schemas.microsoft.com/office/drawing/2014/main" id="{EADCC8D0-FAC6-4026-B4EF-481E6CC2275D}"/>
+              </a:ext>
+            </a:extLst>
+          </p:cNvPr>
+          <p:cNvSpPr txBox="1"/>
+          <p:nvPr/>
+        </p:nvSpPr>
+        <p:spPr>
+          <a:xfrm>
+            <a:off x="327803" y="109670"/>
+            <a:ext cx="2115131" cy="523220"/>
+          </a:xfrm>
+          <a:prstGeom prst="rect">
+            <a:avLst/>
+          </a:prstGeom>
+          <a:noFill/>
+        </p:spPr>
+        <p:txBody>
+          <a:bodyPr wrap="none" rtlCol="0">
+            <a:spAutoFit/>
+          </a:bodyPr>
+          <a:lstStyle/>
+          <a:p>
+            <a:r>
+              <a:rPr lang="en-GB" sz="2800" b="1" dirty="0">
+                <a:solidFill>
+                  <a:srgbClr val="FF0000"/>
+                </a:solidFill>
+              </a:rPr>
+              <a:t>What’s new?</a:t>
+            </a:r>
+          </a:p>
+        </p:txBody>
+      </p:sp>
+      <p:sp>
+        <p:nvSpPr>
+          <p:cNvPr id="9" name="TextBox 8">
+            <a:extLst>
+              <a:ext uri="{FF2B5EF4-FFF2-40B4-BE49-F238E27FC236}">
+                <a16:creationId xmlns:a16="http://schemas.microsoft.com/office/drawing/2014/main" id="{1607868B-EAE9-47CE-908F-7F965A4A98C2}"/>
+              </a:ext>
+            </a:extLst>
+          </p:cNvPr>
+          <p:cNvSpPr txBox="1"/>
+          <p:nvPr/>
+        </p:nvSpPr>
+        <p:spPr>
+          <a:xfrm>
+            <a:off x="9183911" y="203074"/>
+            <a:ext cx="2680286" cy="523220"/>
+          </a:xfrm>
+          <a:prstGeom prst="rect">
+            <a:avLst/>
+          </a:prstGeom>
+          <a:noFill/>
+        </p:spPr>
+        <p:txBody>
+          <a:bodyPr wrap="none" rtlCol="0">
+            <a:spAutoFit/>
+          </a:bodyPr>
+          <a:lstStyle/>
+          <a:p>
+            <a:r>
+              <a:rPr lang="en-GB" sz="2800" b="1" dirty="0">
+                <a:solidFill>
+                  <a:srgbClr val="FF0000"/>
+                </a:solidFill>
+              </a:rPr>
+              <a:t>geogbrowns.info</a:t>
+            </a:r>
+          </a:p>
+        </p:txBody>
+      </p:sp>
+      <p:sp>
+        <p:nvSpPr>
+          <p:cNvPr id="10" name="TextBox 9">
+            <a:extLst>
+              <a:ext uri="{FF2B5EF4-FFF2-40B4-BE49-F238E27FC236}">
+                <a16:creationId xmlns:a16="http://schemas.microsoft.com/office/drawing/2014/main" id="{7F956B51-1CAB-47FA-AABC-347BB8D44F7B}"/>
+              </a:ext>
+            </a:extLst>
+          </p:cNvPr>
+          <p:cNvSpPr txBox="1"/>
+          <p:nvPr/>
+        </p:nvSpPr>
+        <p:spPr>
+          <a:xfrm>
+            <a:off x="9626372" y="1886467"/>
+            <a:ext cx="2407032" cy="1569660"/>
+          </a:xfrm>
+          <a:prstGeom prst="rect">
+            <a:avLst/>
+          </a:prstGeom>
+          <a:noFill/>
+        </p:spPr>
+        <p:txBody>
+          <a:bodyPr wrap="square" rtlCol="0">
+            <a:spAutoFit/>
+          </a:bodyPr>
+          <a:lstStyle/>
+          <a:p>
+            <a:r>
+              <a:rPr lang="en-GB" sz="2400" b="1" dirty="0"/>
+              <a:t>1. Directions to how to update your research profile</a:t>
+            </a:r>
+          </a:p>
+        </p:txBody>
+      </p:sp>
+      <p:sp>
+        <p:nvSpPr>
+          <p:cNvPr id="12" name="TextBox 11">
+            <a:extLst>
+              <a:ext uri="{FF2B5EF4-FFF2-40B4-BE49-F238E27FC236}">
+                <a16:creationId xmlns:a16="http://schemas.microsoft.com/office/drawing/2014/main" id="{D2EDBA25-9334-4AC3-9F1E-A49F03444E41}"/>
+              </a:ext>
+            </a:extLst>
+          </p:cNvPr>
+          <p:cNvSpPr txBox="1"/>
+          <p:nvPr/>
+        </p:nvSpPr>
+        <p:spPr>
+          <a:xfrm>
+            <a:off x="1597808" y="4743062"/>
+            <a:ext cx="2407032" cy="1200329"/>
+          </a:xfrm>
+          <a:prstGeom prst="rect">
+            <a:avLst/>
+          </a:prstGeom>
+          <a:noFill/>
+        </p:spPr>
+        <p:txBody>
+          <a:bodyPr wrap="square" rtlCol="0">
+            <a:spAutoFit/>
+          </a:bodyPr>
+          <a:lstStyle/>
+          <a:p>
+            <a:r>
+              <a:rPr lang="en-GB" sz="2400" b="1" dirty="0"/>
+              <a:t>2. Tickets for GS Christmas dinner are out!</a:t>
+            </a:r>
+          </a:p>
+        </p:txBody>
+      </p:sp>
+    </p:spTree>
+    <p:extLst>
+      <p:ext uri="{BB962C8B-B14F-4D97-AF65-F5344CB8AC3E}">
+        <p14:creationId xmlns:p14="http://schemas.microsoft.com/office/powerpoint/2010/main" val="1489152647"/>
       </p:ext>
     </p:extLst>
   </p:cSld>

--- a/news.pptx
+++ b/news.pptx
@@ -7,6 +7,7 @@
   <p:sldIdLst>
     <p:sldId id="256" r:id="rId2"/>
     <p:sldId id="257" r:id="rId3"/>
+    <p:sldId id="258" r:id="rId4"/>
   </p:sldIdLst>
   <p:sldSz cx="12192000" cy="6858000"/>
   <p:notesSz cx="6858000" cy="9144000"/>
@@ -116,7 +117,7 @@
 <file path=ppt/revisionInfo.xml><?xml version="1.0" encoding="utf-8"?>
 <p1510:revInfo xmlns:a="http://schemas.openxmlformats.org/drawingml/2006/main" xmlns:r="http://schemas.openxmlformats.org/officeDocument/2006/relationships" xmlns:p1510="http://schemas.microsoft.com/office/powerpoint/2015/10/main">
   <p1510:revLst>
-    <p1510:client id="{D453E9ED-2445-4863-8DAC-1F522F0E47F0}" v="5" dt="2021-10-18T18:12:10.740"/>
+    <p1510:client id="{D453E9ED-2445-4863-8DAC-1F522F0E47F0}" v="6" dt="2021-10-26T09:39:04.560"/>
   </p1510:revLst>
 </p1510:revInfo>
 </file>
@@ -126,7 +127,7 @@
   <pc:docChgLst>
     <pc:chgData name="Lenka Hasova" userId="ea5c8ace-893c-4ae9-95cf-0ff1299a7b7a" providerId="ADAL" clId="{D453E9ED-2445-4863-8DAC-1F522F0E47F0}"/>
     <pc:docChg chg="custSel addSld modSld">
-      <pc:chgData name="Lenka Hasova" userId="ea5c8ace-893c-4ae9-95cf-0ff1299a7b7a" providerId="ADAL" clId="{D453E9ED-2445-4863-8DAC-1F522F0E47F0}" dt="2021-10-18T18:12:39.813" v="152" actId="14100"/>
+      <pc:chgData name="Lenka Hasova" userId="ea5c8ace-893c-4ae9-95cf-0ff1299a7b7a" providerId="ADAL" clId="{D453E9ED-2445-4863-8DAC-1F522F0E47F0}" dt="2021-10-26T09:40:33.281" v="165" actId="1076"/>
       <pc:docMkLst>
         <pc:docMk/>
       </pc:docMkLst>
@@ -232,6 +233,69 @@
           </ac:picMkLst>
         </pc:picChg>
       </pc:sldChg>
+      <pc:sldChg chg="addSp delSp modSp add mod">
+        <pc:chgData name="Lenka Hasova" userId="ea5c8ace-893c-4ae9-95cf-0ff1299a7b7a" providerId="ADAL" clId="{D453E9ED-2445-4863-8DAC-1F522F0E47F0}" dt="2021-10-26T09:40:33.281" v="165" actId="1076"/>
+        <pc:sldMkLst>
+          <pc:docMk/>
+          <pc:sldMk cId="1491932171" sldId="258"/>
+        </pc:sldMkLst>
+        <pc:spChg chg="del mod">
+          <ac:chgData name="Lenka Hasova" userId="ea5c8ace-893c-4ae9-95cf-0ff1299a7b7a" providerId="ADAL" clId="{D453E9ED-2445-4863-8DAC-1F522F0E47F0}" dt="2021-10-26T09:39:33.769" v="158" actId="478"/>
+          <ac:spMkLst>
+            <pc:docMk/>
+            <pc:sldMk cId="1491932171" sldId="258"/>
+            <ac:spMk id="10" creationId="{7F956B51-1CAB-47FA-AABC-347BB8D44F7B}"/>
+          </ac:spMkLst>
+        </pc:spChg>
+        <pc:spChg chg="del">
+          <ac:chgData name="Lenka Hasova" userId="ea5c8ace-893c-4ae9-95cf-0ff1299a7b7a" providerId="ADAL" clId="{D453E9ED-2445-4863-8DAC-1F522F0E47F0}" dt="2021-10-26T09:39:38.527" v="160" actId="478"/>
+          <ac:spMkLst>
+            <pc:docMk/>
+            <pc:sldMk cId="1491932171" sldId="258"/>
+            <ac:spMk id="11" creationId="{71E9347F-51C9-41FD-9B29-5A486008E10A}"/>
+          </ac:spMkLst>
+        </pc:spChg>
+        <pc:spChg chg="del">
+          <ac:chgData name="Lenka Hasova" userId="ea5c8ace-893c-4ae9-95cf-0ff1299a7b7a" providerId="ADAL" clId="{D453E9ED-2445-4863-8DAC-1F522F0E47F0}" dt="2021-10-26T09:39:37.488" v="159" actId="478"/>
+          <ac:spMkLst>
+            <pc:docMk/>
+            <pc:sldMk cId="1491932171" sldId="258"/>
+            <ac:spMk id="12" creationId="{D2EDBA25-9334-4AC3-9F1E-A49F03444E41}"/>
+          </ac:spMkLst>
+        </pc:spChg>
+        <pc:spChg chg="del mod">
+          <ac:chgData name="Lenka Hasova" userId="ea5c8ace-893c-4ae9-95cf-0ff1299a7b7a" providerId="ADAL" clId="{D453E9ED-2445-4863-8DAC-1F522F0E47F0}" dt="2021-10-26T09:39:39.643" v="162" actId="478"/>
+          <ac:spMkLst>
+            <pc:docMk/>
+            <pc:sldMk cId="1491932171" sldId="258"/>
+            <ac:spMk id="13" creationId="{FE241E90-D84C-4052-BBFB-FE951E7F13BA}"/>
+          </ac:spMkLst>
+        </pc:spChg>
+        <pc:picChg chg="add mod">
+          <ac:chgData name="Lenka Hasova" userId="ea5c8ace-893c-4ae9-95cf-0ff1299a7b7a" providerId="ADAL" clId="{D453E9ED-2445-4863-8DAC-1F522F0E47F0}" dt="2021-10-26T09:40:33.281" v="165" actId="1076"/>
+          <ac:picMkLst>
+            <pc:docMk/>
+            <pc:sldMk cId="1491932171" sldId="258"/>
+            <ac:picMk id="3" creationId="{9808E9A8-2FB1-49AF-9E73-05755F71412E}"/>
+          </ac:picMkLst>
+        </pc:picChg>
+        <pc:picChg chg="del">
+          <ac:chgData name="Lenka Hasova" userId="ea5c8ace-893c-4ae9-95cf-0ff1299a7b7a" providerId="ADAL" clId="{D453E9ED-2445-4863-8DAC-1F522F0E47F0}" dt="2021-10-26T09:39:30.841" v="156" actId="478"/>
+          <ac:picMkLst>
+            <pc:docMk/>
+            <pc:sldMk cId="1491932171" sldId="258"/>
+            <ac:picMk id="5" creationId="{49AFAECA-CE32-4868-8C6B-5CC442501FD2}"/>
+          </ac:picMkLst>
+        </pc:picChg>
+        <pc:picChg chg="del">
+          <ac:chgData name="Lenka Hasova" userId="ea5c8ace-893c-4ae9-95cf-0ff1299a7b7a" providerId="ADAL" clId="{D453E9ED-2445-4863-8DAC-1F522F0E47F0}" dt="2021-10-26T09:39:25.829" v="154" actId="478"/>
+          <ac:picMkLst>
+            <pc:docMk/>
+            <pc:sldMk cId="1491932171" sldId="258"/>
+            <ac:picMk id="7" creationId="{B4445929-A623-482E-9640-C0D8E9D77869}"/>
+          </ac:picMkLst>
+        </pc:picChg>
+      </pc:sldChg>
     </pc:docChg>
   </pc:docChgLst>
 </pc:chgInfo>
@@ -386,7 +450,7 @@
           <a:p>
             <a:fld id="{7A5AD6B1-77C4-4C61-A1B3-827CDB98672B}" type="datetimeFigureOut">
               <a:rPr lang="en-GB" smtClean="0"/>
-              <a:t>18/10/2021</a:t>
+              <a:t>26/10/2021</a:t>
             </a:fld>
             <a:endParaRPr lang="en-GB"/>
           </a:p>
@@ -586,7 +650,7 @@
           <a:p>
             <a:fld id="{7A5AD6B1-77C4-4C61-A1B3-827CDB98672B}" type="datetimeFigureOut">
               <a:rPr lang="en-GB" smtClean="0"/>
-              <a:t>18/10/2021</a:t>
+              <a:t>26/10/2021</a:t>
             </a:fld>
             <a:endParaRPr lang="en-GB"/>
           </a:p>
@@ -796,7 +860,7 @@
           <a:p>
             <a:fld id="{7A5AD6B1-77C4-4C61-A1B3-827CDB98672B}" type="datetimeFigureOut">
               <a:rPr lang="en-GB" smtClean="0"/>
-              <a:t>18/10/2021</a:t>
+              <a:t>26/10/2021</a:t>
             </a:fld>
             <a:endParaRPr lang="en-GB"/>
           </a:p>
@@ -996,7 +1060,7 @@
           <a:p>
             <a:fld id="{7A5AD6B1-77C4-4C61-A1B3-827CDB98672B}" type="datetimeFigureOut">
               <a:rPr lang="en-GB" smtClean="0"/>
-              <a:t>18/10/2021</a:t>
+              <a:t>26/10/2021</a:t>
             </a:fld>
             <a:endParaRPr lang="en-GB"/>
           </a:p>
@@ -1272,7 +1336,7 @@
           <a:p>
             <a:fld id="{7A5AD6B1-77C4-4C61-A1B3-827CDB98672B}" type="datetimeFigureOut">
               <a:rPr lang="en-GB" smtClean="0"/>
-              <a:t>18/10/2021</a:t>
+              <a:t>26/10/2021</a:t>
             </a:fld>
             <a:endParaRPr lang="en-GB"/>
           </a:p>
@@ -1540,7 +1604,7 @@
           <a:p>
             <a:fld id="{7A5AD6B1-77C4-4C61-A1B3-827CDB98672B}" type="datetimeFigureOut">
               <a:rPr lang="en-GB" smtClean="0"/>
-              <a:t>18/10/2021</a:t>
+              <a:t>26/10/2021</a:t>
             </a:fld>
             <a:endParaRPr lang="en-GB"/>
           </a:p>
@@ -1955,7 +2019,7 @@
           <a:p>
             <a:fld id="{7A5AD6B1-77C4-4C61-A1B3-827CDB98672B}" type="datetimeFigureOut">
               <a:rPr lang="en-GB" smtClean="0"/>
-              <a:t>18/10/2021</a:t>
+              <a:t>26/10/2021</a:t>
             </a:fld>
             <a:endParaRPr lang="en-GB"/>
           </a:p>
@@ -2097,7 +2161,7 @@
           <a:p>
             <a:fld id="{7A5AD6B1-77C4-4C61-A1B3-827CDB98672B}" type="datetimeFigureOut">
               <a:rPr lang="en-GB" smtClean="0"/>
-              <a:t>18/10/2021</a:t>
+              <a:t>26/10/2021</a:t>
             </a:fld>
             <a:endParaRPr lang="en-GB"/>
           </a:p>
@@ -2210,7 +2274,7 @@
           <a:p>
             <a:fld id="{7A5AD6B1-77C4-4C61-A1B3-827CDB98672B}" type="datetimeFigureOut">
               <a:rPr lang="en-GB" smtClean="0"/>
-              <a:t>18/10/2021</a:t>
+              <a:t>26/10/2021</a:t>
             </a:fld>
             <a:endParaRPr lang="en-GB"/>
           </a:p>
@@ -2523,7 +2587,7 @@
           <a:p>
             <a:fld id="{7A5AD6B1-77C4-4C61-A1B3-827CDB98672B}" type="datetimeFigureOut">
               <a:rPr lang="en-GB" smtClean="0"/>
-              <a:t>18/10/2021</a:t>
+              <a:t>26/10/2021</a:t>
             </a:fld>
             <a:endParaRPr lang="en-GB"/>
           </a:p>
@@ -2812,7 +2876,7 @@
           <a:p>
             <a:fld id="{7A5AD6B1-77C4-4C61-A1B3-827CDB98672B}" type="datetimeFigureOut">
               <a:rPr lang="en-GB" smtClean="0"/>
-              <a:t>18/10/2021</a:t>
+              <a:t>26/10/2021</a:t>
             </a:fld>
             <a:endParaRPr lang="en-GB"/>
           </a:p>
@@ -3055,7 +3119,7 @@
           <a:p>
             <a:fld id="{7A5AD6B1-77C4-4C61-A1B3-827CDB98672B}" type="datetimeFigureOut">
               <a:rPr lang="en-GB" smtClean="0"/>
-              <a:t>18/10/2021</a:t>
+              <a:t>26/10/2021</a:t>
             </a:fld>
             <a:endParaRPr lang="en-GB"/>
           </a:p>
@@ -4403,6 +4467,144 @@
 </p:sld>
 </file>
 
+<file path=ppt/slides/slide3.xml><?xml version="1.0" encoding="utf-8"?>
+<p:sld xmlns:a="http://schemas.openxmlformats.org/drawingml/2006/main" xmlns:r="http://schemas.openxmlformats.org/officeDocument/2006/relationships" xmlns:p="http://schemas.openxmlformats.org/presentationml/2006/main">
+  <p:cSld>
+    <p:spTree>
+      <p:nvGrpSpPr>
+        <p:cNvPr id="1" name=""/>
+        <p:cNvGrpSpPr/>
+        <p:nvPr/>
+      </p:nvGrpSpPr>
+      <p:grpSpPr>
+        <a:xfrm>
+          <a:off x="0" y="0"/>
+          <a:ext cx="0" cy="0"/>
+          <a:chOff x="0" y="0"/>
+          <a:chExt cx="0" cy="0"/>
+        </a:xfrm>
+      </p:grpSpPr>
+      <p:sp>
+        <p:nvSpPr>
+          <p:cNvPr id="8" name="TextBox 7">
+            <a:extLst>
+              <a:ext uri="{FF2B5EF4-FFF2-40B4-BE49-F238E27FC236}">
+                <a16:creationId xmlns:a16="http://schemas.microsoft.com/office/drawing/2014/main" id="{EADCC8D0-FAC6-4026-B4EF-481E6CC2275D}"/>
+              </a:ext>
+            </a:extLst>
+          </p:cNvPr>
+          <p:cNvSpPr txBox="1"/>
+          <p:nvPr/>
+        </p:nvSpPr>
+        <p:spPr>
+          <a:xfrm>
+            <a:off x="327803" y="109670"/>
+            <a:ext cx="2115131" cy="523220"/>
+          </a:xfrm>
+          <a:prstGeom prst="rect">
+            <a:avLst/>
+          </a:prstGeom>
+          <a:noFill/>
+        </p:spPr>
+        <p:txBody>
+          <a:bodyPr wrap="none" rtlCol="0">
+            <a:spAutoFit/>
+          </a:bodyPr>
+          <a:lstStyle/>
+          <a:p>
+            <a:r>
+              <a:rPr lang="en-GB" sz="2800" b="1" dirty="0">
+                <a:solidFill>
+                  <a:srgbClr val="FF0000"/>
+                </a:solidFill>
+              </a:rPr>
+              <a:t>What’s new?</a:t>
+            </a:r>
+          </a:p>
+        </p:txBody>
+      </p:sp>
+      <p:sp>
+        <p:nvSpPr>
+          <p:cNvPr id="9" name="TextBox 8">
+            <a:extLst>
+              <a:ext uri="{FF2B5EF4-FFF2-40B4-BE49-F238E27FC236}">
+                <a16:creationId xmlns:a16="http://schemas.microsoft.com/office/drawing/2014/main" id="{1607868B-EAE9-47CE-908F-7F965A4A98C2}"/>
+              </a:ext>
+            </a:extLst>
+          </p:cNvPr>
+          <p:cNvSpPr txBox="1"/>
+          <p:nvPr/>
+        </p:nvSpPr>
+        <p:spPr>
+          <a:xfrm>
+            <a:off x="9183911" y="203074"/>
+            <a:ext cx="2680286" cy="523220"/>
+          </a:xfrm>
+          <a:prstGeom prst="rect">
+            <a:avLst/>
+          </a:prstGeom>
+          <a:noFill/>
+        </p:spPr>
+        <p:txBody>
+          <a:bodyPr wrap="none" rtlCol="0">
+            <a:spAutoFit/>
+          </a:bodyPr>
+          <a:lstStyle/>
+          <a:p>
+            <a:r>
+              <a:rPr lang="en-GB" sz="2800" b="1" dirty="0">
+                <a:solidFill>
+                  <a:srgbClr val="FF0000"/>
+                </a:solidFill>
+              </a:rPr>
+              <a:t>geogbrowns.info</a:t>
+            </a:r>
+          </a:p>
+        </p:txBody>
+      </p:sp>
+      <p:pic>
+        <p:nvPicPr>
+          <p:cNvPr id="3" name="Picture 2">
+            <a:extLst>
+              <a:ext uri="{FF2B5EF4-FFF2-40B4-BE49-F238E27FC236}">
+                <a16:creationId xmlns:a16="http://schemas.microsoft.com/office/drawing/2014/main" id="{9808E9A8-2FB1-49AF-9E73-05755F71412E}"/>
+              </a:ext>
+            </a:extLst>
+          </p:cNvPr>
+          <p:cNvPicPr>
+            <a:picLocks noChangeAspect="1"/>
+          </p:cNvPicPr>
+          <p:nvPr/>
+        </p:nvPicPr>
+        <p:blipFill>
+          <a:blip r:embed="rId2"/>
+          <a:stretch>
+            <a:fillRect/>
+          </a:stretch>
+        </p:blipFill>
+        <p:spPr>
+          <a:xfrm>
+            <a:off x="771705" y="2411083"/>
+            <a:ext cx="5048249" cy="3414712"/>
+          </a:xfrm>
+          <a:prstGeom prst="rect">
+            <a:avLst/>
+          </a:prstGeom>
+        </p:spPr>
+      </p:pic>
+    </p:spTree>
+    <p:extLst>
+      <p:ext uri="{BB962C8B-B14F-4D97-AF65-F5344CB8AC3E}">
+        <p14:creationId xmlns:p14="http://schemas.microsoft.com/office/powerpoint/2010/main" val="1491932171"/>
+      </p:ext>
+    </p:extLst>
+  </p:cSld>
+  <p:clrMapOvr>
+    <a:masterClrMapping/>
+  </p:clrMapOvr>
+</p:sld>
+</file>
+
 <file path=ppt/theme/theme1.xml><?xml version="1.0" encoding="utf-8"?>
 <a:theme xmlns:a="http://schemas.openxmlformats.org/drawingml/2006/main" name="Office Theme">
   <a:themeElements>

--- a/news.pptx
+++ b/news.pptx
@@ -8,6 +8,7 @@
     <p:sldId id="256" r:id="rId2"/>
     <p:sldId id="257" r:id="rId3"/>
     <p:sldId id="258" r:id="rId4"/>
+    <p:sldId id="259" r:id="rId5"/>
   </p:sldIdLst>
   <p:sldSz cx="12192000" cy="6858000"/>
   <p:notesSz cx="6858000" cy="9144000"/>
@@ -117,7 +118,7 @@
 <file path=ppt/revisionInfo.xml><?xml version="1.0" encoding="utf-8"?>
 <p1510:revInfo xmlns:a="http://schemas.openxmlformats.org/drawingml/2006/main" xmlns:r="http://schemas.openxmlformats.org/officeDocument/2006/relationships" xmlns:p1510="http://schemas.microsoft.com/office/powerpoint/2015/10/main">
   <p1510:revLst>
-    <p1510:client id="{D453E9ED-2445-4863-8DAC-1F522F0E47F0}" v="6" dt="2021-10-26T09:39:04.560"/>
+    <p1510:client id="{D453E9ED-2445-4863-8DAC-1F522F0E47F0}" v="7" dt="2021-10-26T09:54:00.608"/>
   </p1510:revLst>
 </p1510:revInfo>
 </file>
@@ -127,7 +128,7 @@
   <pc:docChgLst>
     <pc:chgData name="Lenka Hasova" userId="ea5c8ace-893c-4ae9-95cf-0ff1299a7b7a" providerId="ADAL" clId="{D453E9ED-2445-4863-8DAC-1F522F0E47F0}"/>
     <pc:docChg chg="custSel addSld modSld">
-      <pc:chgData name="Lenka Hasova" userId="ea5c8ace-893c-4ae9-95cf-0ff1299a7b7a" providerId="ADAL" clId="{D453E9ED-2445-4863-8DAC-1F522F0E47F0}" dt="2021-10-26T09:40:33.281" v="165" actId="1076"/>
+      <pc:chgData name="Lenka Hasova" userId="ea5c8ace-893c-4ae9-95cf-0ff1299a7b7a" providerId="ADAL" clId="{D453E9ED-2445-4863-8DAC-1F522F0E47F0}" dt="2021-10-26T09:55:24.163" v="203" actId="478"/>
       <pc:docMkLst>
         <pc:docMk/>
       </pc:docMkLst>
@@ -234,7 +235,7 @@
         </pc:picChg>
       </pc:sldChg>
       <pc:sldChg chg="addSp delSp modSp add mod">
-        <pc:chgData name="Lenka Hasova" userId="ea5c8ace-893c-4ae9-95cf-0ff1299a7b7a" providerId="ADAL" clId="{D453E9ED-2445-4863-8DAC-1F522F0E47F0}" dt="2021-10-26T09:40:33.281" v="165" actId="1076"/>
+        <pc:chgData name="Lenka Hasova" userId="ea5c8ace-893c-4ae9-95cf-0ff1299a7b7a" providerId="ADAL" clId="{D453E9ED-2445-4863-8DAC-1F522F0E47F0}" dt="2021-10-26T09:55:00.108" v="200" actId="1076"/>
         <pc:sldMkLst>
           <pc:docMk/>
           <pc:sldMk cId="1491932171" sldId="258"/>
@@ -271,12 +272,20 @@
             <ac:spMk id="13" creationId="{FE241E90-D84C-4052-BBFB-FE951E7F13BA}"/>
           </ac:spMkLst>
         </pc:spChg>
-        <pc:picChg chg="add mod">
-          <ac:chgData name="Lenka Hasova" userId="ea5c8ace-893c-4ae9-95cf-0ff1299a7b7a" providerId="ADAL" clId="{D453E9ED-2445-4863-8DAC-1F522F0E47F0}" dt="2021-10-26T09:40:33.281" v="165" actId="1076"/>
+        <pc:picChg chg="add del mod">
+          <ac:chgData name="Lenka Hasova" userId="ea5c8ace-893c-4ae9-95cf-0ff1299a7b7a" providerId="ADAL" clId="{D453E9ED-2445-4863-8DAC-1F522F0E47F0}" dt="2021-10-26T09:45:05.937" v="173" actId="478"/>
           <ac:picMkLst>
             <pc:docMk/>
             <pc:sldMk cId="1491932171" sldId="258"/>
             <ac:picMk id="3" creationId="{9808E9A8-2FB1-49AF-9E73-05755F71412E}"/>
+          </ac:picMkLst>
+        </pc:picChg>
+        <pc:picChg chg="add mod">
+          <ac:chgData name="Lenka Hasova" userId="ea5c8ace-893c-4ae9-95cf-0ff1299a7b7a" providerId="ADAL" clId="{D453E9ED-2445-4863-8DAC-1F522F0E47F0}" dt="2021-10-26T09:54:35.798" v="192" actId="1076"/>
+          <ac:picMkLst>
+            <pc:docMk/>
+            <pc:sldMk cId="1491932171" sldId="258"/>
+            <ac:picMk id="4" creationId="{FC0E4B15-13A3-44ED-92EB-28BC5F118CB9}"/>
           </ac:picMkLst>
         </pc:picChg>
         <pc:picChg chg="del">
@@ -287,6 +296,14 @@
             <ac:picMk id="5" creationId="{49AFAECA-CE32-4868-8C6B-5CC442501FD2}"/>
           </ac:picMkLst>
         </pc:picChg>
+        <pc:picChg chg="add mod">
+          <ac:chgData name="Lenka Hasova" userId="ea5c8ace-893c-4ae9-95cf-0ff1299a7b7a" providerId="ADAL" clId="{D453E9ED-2445-4863-8DAC-1F522F0E47F0}" dt="2021-10-26T09:54:49.863" v="197" actId="1076"/>
+          <ac:picMkLst>
+            <pc:docMk/>
+            <pc:sldMk cId="1491932171" sldId="258"/>
+            <ac:picMk id="6" creationId="{F115C811-93B6-4F77-A6A5-E3933C30EC77}"/>
+          </ac:picMkLst>
+        </pc:picChg>
         <pc:picChg chg="del">
           <ac:chgData name="Lenka Hasova" userId="ea5c8ace-893c-4ae9-95cf-0ff1299a7b7a" providerId="ADAL" clId="{D453E9ED-2445-4863-8DAC-1F522F0E47F0}" dt="2021-10-26T09:39:25.829" v="154" actId="478"/>
           <ac:picMkLst>
@@ -295,6 +312,53 @@
             <ac:picMk id="7" creationId="{B4445929-A623-482E-9640-C0D8E9D77869}"/>
           </ac:picMkLst>
         </pc:picChg>
+        <pc:picChg chg="add mod">
+          <ac:chgData name="Lenka Hasova" userId="ea5c8ace-893c-4ae9-95cf-0ff1299a7b7a" providerId="ADAL" clId="{D453E9ED-2445-4863-8DAC-1F522F0E47F0}" dt="2021-10-26T09:55:00.108" v="200" actId="1076"/>
+          <ac:picMkLst>
+            <pc:docMk/>
+            <pc:sldMk cId="1491932171" sldId="258"/>
+            <ac:picMk id="10" creationId="{68612E5B-CA74-4933-A5A8-5309DDFEE7D4}"/>
+          </ac:picMkLst>
+        </pc:picChg>
+        <pc:picChg chg="add mod">
+          <ac:chgData name="Lenka Hasova" userId="ea5c8ace-893c-4ae9-95cf-0ff1299a7b7a" providerId="ADAL" clId="{D453E9ED-2445-4863-8DAC-1F522F0E47F0}" dt="2021-10-26T09:54:53.304" v="198" actId="1076"/>
+          <ac:picMkLst>
+            <pc:docMk/>
+            <pc:sldMk cId="1491932171" sldId="258"/>
+            <ac:picMk id="12" creationId="{E3C3A717-3A12-45E4-8FB7-EF3548B6EF05}"/>
+          </ac:picMkLst>
+        </pc:picChg>
+        <pc:picChg chg="add mod modCrop">
+          <ac:chgData name="Lenka Hasova" userId="ea5c8ace-893c-4ae9-95cf-0ff1299a7b7a" providerId="ADAL" clId="{D453E9ED-2445-4863-8DAC-1F522F0E47F0}" dt="2021-10-26T09:54:28.550" v="189" actId="1076"/>
+          <ac:picMkLst>
+            <pc:docMk/>
+            <pc:sldMk cId="1491932171" sldId="258"/>
+            <ac:picMk id="13" creationId="{58B92E54-5F2C-4A87-8033-959C9B0CFA16}"/>
+          </ac:picMkLst>
+        </pc:picChg>
+      </pc:sldChg>
+      <pc:sldChg chg="delSp new mod">
+        <pc:chgData name="Lenka Hasova" userId="ea5c8ace-893c-4ae9-95cf-0ff1299a7b7a" providerId="ADAL" clId="{D453E9ED-2445-4863-8DAC-1F522F0E47F0}" dt="2021-10-26T09:55:24.163" v="203" actId="478"/>
+        <pc:sldMkLst>
+          <pc:docMk/>
+          <pc:sldMk cId="1798950392" sldId="259"/>
+        </pc:sldMkLst>
+        <pc:spChg chg="del">
+          <ac:chgData name="Lenka Hasova" userId="ea5c8ace-893c-4ae9-95cf-0ff1299a7b7a" providerId="ADAL" clId="{D453E9ED-2445-4863-8DAC-1F522F0E47F0}" dt="2021-10-26T09:55:24.163" v="203" actId="478"/>
+          <ac:spMkLst>
+            <pc:docMk/>
+            <pc:sldMk cId="1798950392" sldId="259"/>
+            <ac:spMk id="2" creationId="{270B5993-5B00-4BA6-B475-8449BFFA3E59}"/>
+          </ac:spMkLst>
+        </pc:spChg>
+        <pc:spChg chg="del">
+          <ac:chgData name="Lenka Hasova" userId="ea5c8ace-893c-4ae9-95cf-0ff1299a7b7a" providerId="ADAL" clId="{D453E9ED-2445-4863-8DAC-1F522F0E47F0}" dt="2021-10-26T09:55:21.574" v="202" actId="478"/>
+          <ac:spMkLst>
+            <pc:docMk/>
+            <pc:sldMk cId="1798950392" sldId="259"/>
+            <ac:spMk id="3" creationId="{D06AE8DE-D7FB-4CAA-99E0-703B7D77E797}"/>
+          </ac:spMkLst>
+        </pc:spChg>
       </pc:sldChg>
     </pc:docChg>
   </pc:docChgLst>
@@ -4564,10 +4628,10 @@
       </p:sp>
       <p:pic>
         <p:nvPicPr>
-          <p:cNvPr id="3" name="Picture 2">
-            <a:extLst>
-              <a:ext uri="{FF2B5EF4-FFF2-40B4-BE49-F238E27FC236}">
-                <a16:creationId xmlns:a16="http://schemas.microsoft.com/office/drawing/2014/main" id="{9808E9A8-2FB1-49AF-9E73-05755F71412E}"/>
+          <p:cNvPr id="4" name="Picture 3">
+            <a:extLst>
+              <a:ext uri="{FF2B5EF4-FFF2-40B4-BE49-F238E27FC236}">
+                <a16:creationId xmlns:a16="http://schemas.microsoft.com/office/drawing/2014/main" id="{FC0E4B15-13A3-44ED-92EB-28BC5F118CB9}"/>
               </a:ext>
             </a:extLst>
           </p:cNvPr>
@@ -4584,8 +4648,127 @@
         </p:blipFill>
         <p:spPr>
           <a:xfrm>
-            <a:off x="771705" y="2411083"/>
-            <a:ext cx="5048249" cy="3414712"/>
+            <a:off x="7172672" y="1528977"/>
+            <a:ext cx="4691525" cy="1040977"/>
+          </a:xfrm>
+          <a:prstGeom prst="rect">
+            <a:avLst/>
+          </a:prstGeom>
+        </p:spPr>
+      </p:pic>
+      <p:pic>
+        <p:nvPicPr>
+          <p:cNvPr id="6" name="Picture 5">
+            <a:extLst>
+              <a:ext uri="{FF2B5EF4-FFF2-40B4-BE49-F238E27FC236}">
+                <a16:creationId xmlns:a16="http://schemas.microsoft.com/office/drawing/2014/main" id="{F115C811-93B6-4F77-A6A5-E3933C30EC77}"/>
+              </a:ext>
+            </a:extLst>
+          </p:cNvPr>
+          <p:cNvPicPr>
+            <a:picLocks noChangeAspect="1"/>
+          </p:cNvPicPr>
+          <p:nvPr/>
+        </p:nvPicPr>
+        <p:blipFill>
+          <a:blip r:embed="rId3"/>
+          <a:stretch>
+            <a:fillRect/>
+          </a:stretch>
+        </p:blipFill>
+        <p:spPr>
+          <a:xfrm>
+            <a:off x="7110188" y="2694208"/>
+            <a:ext cx="4925408" cy="948129"/>
+          </a:xfrm>
+          <a:prstGeom prst="rect">
+            <a:avLst/>
+          </a:prstGeom>
+        </p:spPr>
+      </p:pic>
+      <p:pic>
+        <p:nvPicPr>
+          <p:cNvPr id="10" name="Picture 9">
+            <a:extLst>
+              <a:ext uri="{FF2B5EF4-FFF2-40B4-BE49-F238E27FC236}">
+                <a16:creationId xmlns:a16="http://schemas.microsoft.com/office/drawing/2014/main" id="{68612E5B-CA74-4933-A5A8-5309DDFEE7D4}"/>
+              </a:ext>
+            </a:extLst>
+          </p:cNvPr>
+          <p:cNvPicPr>
+            <a:picLocks noChangeAspect="1"/>
+          </p:cNvPicPr>
+          <p:nvPr/>
+        </p:nvPicPr>
+        <p:blipFill>
+          <a:blip r:embed="rId4"/>
+          <a:stretch>
+            <a:fillRect/>
+          </a:stretch>
+        </p:blipFill>
+        <p:spPr>
+          <a:xfrm>
+            <a:off x="688253" y="1241542"/>
+            <a:ext cx="3866494" cy="2905332"/>
+          </a:xfrm>
+          <a:prstGeom prst="rect">
+            <a:avLst/>
+          </a:prstGeom>
+        </p:spPr>
+      </p:pic>
+      <p:pic>
+        <p:nvPicPr>
+          <p:cNvPr id="12" name="Picture 11">
+            <a:extLst>
+              <a:ext uri="{FF2B5EF4-FFF2-40B4-BE49-F238E27FC236}">
+                <a16:creationId xmlns:a16="http://schemas.microsoft.com/office/drawing/2014/main" id="{E3C3A717-3A12-45E4-8FB7-EF3548B6EF05}"/>
+              </a:ext>
+            </a:extLst>
+          </p:cNvPr>
+          <p:cNvPicPr>
+            <a:picLocks noChangeAspect="1"/>
+          </p:cNvPicPr>
+          <p:nvPr/>
+        </p:nvPicPr>
+        <p:blipFill>
+          <a:blip r:embed="rId5"/>
+          <a:stretch>
+            <a:fillRect/>
+          </a:stretch>
+        </p:blipFill>
+        <p:spPr>
+          <a:xfrm>
+            <a:off x="6779348" y="3954589"/>
+            <a:ext cx="4724399" cy="2700337"/>
+          </a:xfrm>
+          <a:prstGeom prst="rect">
+            <a:avLst/>
+          </a:prstGeom>
+        </p:spPr>
+      </p:pic>
+      <p:pic>
+        <p:nvPicPr>
+          <p:cNvPr id="13" name="Picture 12">
+            <a:extLst>
+              <a:ext uri="{FF2B5EF4-FFF2-40B4-BE49-F238E27FC236}">
+                <a16:creationId xmlns:a16="http://schemas.microsoft.com/office/drawing/2014/main" id="{58B92E54-5F2C-4A87-8033-959C9B0CFA16}"/>
+              </a:ext>
+            </a:extLst>
+          </p:cNvPr>
+          <p:cNvPicPr>
+            <a:picLocks noChangeAspect="1"/>
+          </p:cNvPicPr>
+          <p:nvPr/>
+        </p:nvPicPr>
+        <p:blipFill rotWithShape="1">
+          <a:blip r:embed="rId6"/>
+          <a:srcRect l="5298" t="424" r="25532" b="72121"/>
+          <a:stretch/>
+        </p:blipFill>
+        <p:spPr>
+          <a:xfrm>
+            <a:off x="7110188" y="937518"/>
+            <a:ext cx="3398830" cy="444326"/>
           </a:xfrm>
           <a:prstGeom prst="rect">
             <a:avLst/>
@@ -4596,6 +4779,36 @@
     <p:extLst>
       <p:ext uri="{BB962C8B-B14F-4D97-AF65-F5344CB8AC3E}">
         <p14:creationId xmlns:p14="http://schemas.microsoft.com/office/powerpoint/2010/main" val="1491932171"/>
+      </p:ext>
+    </p:extLst>
+  </p:cSld>
+  <p:clrMapOvr>
+    <a:masterClrMapping/>
+  </p:clrMapOvr>
+</p:sld>
+</file>
+
+<file path=ppt/slides/slide4.xml><?xml version="1.0" encoding="utf-8"?>
+<p:sld xmlns:a="http://schemas.openxmlformats.org/drawingml/2006/main" xmlns:r="http://schemas.openxmlformats.org/officeDocument/2006/relationships" xmlns:p="http://schemas.openxmlformats.org/presentationml/2006/main">
+  <p:cSld>
+    <p:spTree>
+      <p:nvGrpSpPr>
+        <p:cNvPr id="1" name=""/>
+        <p:cNvGrpSpPr/>
+        <p:nvPr/>
+      </p:nvGrpSpPr>
+      <p:grpSpPr>
+        <a:xfrm>
+          <a:off x="0" y="0"/>
+          <a:ext cx="0" cy="0"/>
+          <a:chOff x="0" y="0"/>
+          <a:chExt cx="0" cy="0"/>
+        </a:xfrm>
+      </p:grpSpPr>
+    </p:spTree>
+    <p:extLst>
+      <p:ext uri="{BB962C8B-B14F-4D97-AF65-F5344CB8AC3E}">
+        <p14:creationId xmlns:p14="http://schemas.microsoft.com/office/powerpoint/2010/main" val="1798950392"/>
       </p:ext>
     </p:extLst>
   </p:cSld>

--- a/news.pptx
+++ b/news.pptx
@@ -118,7 +118,7 @@
 <file path=ppt/revisionInfo.xml><?xml version="1.0" encoding="utf-8"?>
 <p1510:revInfo xmlns:a="http://schemas.openxmlformats.org/drawingml/2006/main" xmlns:r="http://schemas.openxmlformats.org/officeDocument/2006/relationships" xmlns:p1510="http://schemas.microsoft.com/office/powerpoint/2015/10/main">
   <p1510:revLst>
-    <p1510:client id="{D453E9ED-2445-4863-8DAC-1F522F0E47F0}" v="7" dt="2021-10-26T09:54:00.608"/>
+    <p1510:client id="{D453E9ED-2445-4863-8DAC-1F522F0E47F0}" v="16" dt="2021-10-26T10:27:44.800"/>
   </p1510:revLst>
 </p1510:revInfo>
 </file>
@@ -128,7 +128,7 @@
   <pc:docChgLst>
     <pc:chgData name="Lenka Hasova" userId="ea5c8ace-893c-4ae9-95cf-0ff1299a7b7a" providerId="ADAL" clId="{D453E9ED-2445-4863-8DAC-1F522F0E47F0}"/>
     <pc:docChg chg="custSel addSld modSld">
-      <pc:chgData name="Lenka Hasova" userId="ea5c8ace-893c-4ae9-95cf-0ff1299a7b7a" providerId="ADAL" clId="{D453E9ED-2445-4863-8DAC-1F522F0E47F0}" dt="2021-10-26T09:55:24.163" v="203" actId="478"/>
+      <pc:chgData name="Lenka Hasova" userId="ea5c8ace-893c-4ae9-95cf-0ff1299a7b7a" providerId="ADAL" clId="{D453E9ED-2445-4863-8DAC-1F522F0E47F0}" dt="2021-10-26T10:28:29.458" v="521" actId="1076"/>
       <pc:docMkLst>
         <pc:docMk/>
       </pc:docMkLst>
@@ -235,17 +235,41 @@
         </pc:picChg>
       </pc:sldChg>
       <pc:sldChg chg="addSp delSp modSp add mod">
-        <pc:chgData name="Lenka Hasova" userId="ea5c8ace-893c-4ae9-95cf-0ff1299a7b7a" providerId="ADAL" clId="{D453E9ED-2445-4863-8DAC-1F522F0E47F0}" dt="2021-10-26T09:55:00.108" v="200" actId="1076"/>
+        <pc:chgData name="Lenka Hasova" userId="ea5c8ace-893c-4ae9-95cf-0ff1299a7b7a" providerId="ADAL" clId="{D453E9ED-2445-4863-8DAC-1F522F0E47F0}" dt="2021-10-26T10:28:29.458" v="521" actId="1076"/>
         <pc:sldMkLst>
           <pc:docMk/>
           <pc:sldMk cId="1491932171" sldId="258"/>
         </pc:sldMkLst>
+        <pc:spChg chg="mod">
+          <ac:chgData name="Lenka Hasova" userId="ea5c8ace-893c-4ae9-95cf-0ff1299a7b7a" providerId="ADAL" clId="{D453E9ED-2445-4863-8DAC-1F522F0E47F0}" dt="2021-10-26T10:24:28.615" v="279" actId="1076"/>
+          <ac:spMkLst>
+            <pc:docMk/>
+            <pc:sldMk cId="1491932171" sldId="258"/>
+            <ac:spMk id="8" creationId="{EADCC8D0-FAC6-4026-B4EF-481E6CC2275D}"/>
+          </ac:spMkLst>
+        </pc:spChg>
+        <pc:spChg chg="mod">
+          <ac:chgData name="Lenka Hasova" userId="ea5c8ace-893c-4ae9-95cf-0ff1299a7b7a" providerId="ADAL" clId="{D453E9ED-2445-4863-8DAC-1F522F0E47F0}" dt="2021-10-26T10:24:32.546" v="280" actId="1076"/>
+          <ac:spMkLst>
+            <pc:docMk/>
+            <pc:sldMk cId="1491932171" sldId="258"/>
+            <ac:spMk id="9" creationId="{1607868B-EAE9-47CE-908F-7F965A4A98C2}"/>
+          </ac:spMkLst>
+        </pc:spChg>
         <pc:spChg chg="del mod">
           <ac:chgData name="Lenka Hasova" userId="ea5c8ace-893c-4ae9-95cf-0ff1299a7b7a" providerId="ADAL" clId="{D453E9ED-2445-4863-8DAC-1F522F0E47F0}" dt="2021-10-26T09:39:33.769" v="158" actId="478"/>
           <ac:spMkLst>
             <pc:docMk/>
             <pc:sldMk cId="1491932171" sldId="258"/>
             <ac:spMk id="10" creationId="{7F956B51-1CAB-47FA-AABC-347BB8D44F7B}"/>
+          </ac:spMkLst>
+        </pc:spChg>
+        <pc:spChg chg="add mod">
+          <ac:chgData name="Lenka Hasova" userId="ea5c8ace-893c-4ae9-95cf-0ff1299a7b7a" providerId="ADAL" clId="{D453E9ED-2445-4863-8DAC-1F522F0E47F0}" dt="2021-10-26T10:23:46.115" v="267" actId="1076"/>
+          <ac:spMkLst>
+            <pc:docMk/>
+            <pc:sldMk cId="1491932171" sldId="258"/>
+            <ac:spMk id="11" creationId="{4CC1C8B8-AADB-4931-95FC-6B5F004214AB}"/>
           </ac:spMkLst>
         </pc:spChg>
         <pc:spChg chg="del">
@@ -272,6 +296,78 @@
             <ac:spMk id="13" creationId="{FE241E90-D84C-4052-BBFB-FE951E7F13BA}"/>
           </ac:spMkLst>
         </pc:spChg>
+        <pc:spChg chg="add mod ord">
+          <ac:chgData name="Lenka Hasova" userId="ea5c8ace-893c-4ae9-95cf-0ff1299a7b7a" providerId="ADAL" clId="{D453E9ED-2445-4863-8DAC-1F522F0E47F0}" dt="2021-10-26T10:24:25.971" v="278" actId="14100"/>
+          <ac:spMkLst>
+            <pc:docMk/>
+            <pc:sldMk cId="1491932171" sldId="258"/>
+            <ac:spMk id="14" creationId="{7AD774FB-DAF8-4FDC-8780-02E49A662B32}"/>
+          </ac:spMkLst>
+        </pc:spChg>
+        <pc:spChg chg="add mod ord">
+          <ac:chgData name="Lenka Hasova" userId="ea5c8ace-893c-4ae9-95cf-0ff1299a7b7a" providerId="ADAL" clId="{D453E9ED-2445-4863-8DAC-1F522F0E47F0}" dt="2021-10-26T10:24:10.924" v="273" actId="14100"/>
+          <ac:spMkLst>
+            <pc:docMk/>
+            <pc:sldMk cId="1491932171" sldId="258"/>
+            <ac:spMk id="15" creationId="{986A2E38-A8FD-4657-9F0B-7164A1ACCEDD}"/>
+          </ac:spMkLst>
+        </pc:spChg>
+        <pc:spChg chg="add mod ord">
+          <ac:chgData name="Lenka Hasova" userId="ea5c8ace-893c-4ae9-95cf-0ff1299a7b7a" providerId="ADAL" clId="{D453E9ED-2445-4863-8DAC-1F522F0E47F0}" dt="2021-10-26T10:22:55.704" v="256" actId="167"/>
+          <ac:spMkLst>
+            <pc:docMk/>
+            <pc:sldMk cId="1491932171" sldId="258"/>
+            <ac:spMk id="16" creationId="{3D578D0E-5AEE-4D49-B7BE-6D76F950954B}"/>
+          </ac:spMkLst>
+        </pc:spChg>
+        <pc:spChg chg="add mod ord">
+          <ac:chgData name="Lenka Hasova" userId="ea5c8ace-893c-4ae9-95cf-0ff1299a7b7a" providerId="ADAL" clId="{D453E9ED-2445-4863-8DAC-1F522F0E47F0}" dt="2021-10-26T10:28:26.137" v="520" actId="1076"/>
+          <ac:spMkLst>
+            <pc:docMk/>
+            <pc:sldMk cId="1491932171" sldId="258"/>
+            <ac:spMk id="17" creationId="{DEF4D13E-2C81-49D6-BF3C-677B2832DE12}"/>
+          </ac:spMkLst>
+        </pc:spChg>
+        <pc:spChg chg="add mod">
+          <ac:chgData name="Lenka Hasova" userId="ea5c8ace-893c-4ae9-95cf-0ff1299a7b7a" providerId="ADAL" clId="{D453E9ED-2445-4863-8DAC-1F522F0E47F0}" dt="2021-10-26T10:25:42.039" v="376" actId="113"/>
+          <ac:spMkLst>
+            <pc:docMk/>
+            <pc:sldMk cId="1491932171" sldId="258"/>
+            <ac:spMk id="18" creationId="{981F59D2-6D81-488D-A20E-FDBEF47EF358}"/>
+          </ac:spMkLst>
+        </pc:spChg>
+        <pc:spChg chg="add mod">
+          <ac:chgData name="Lenka Hasova" userId="ea5c8ace-893c-4ae9-95cf-0ff1299a7b7a" providerId="ADAL" clId="{D453E9ED-2445-4863-8DAC-1F522F0E47F0}" dt="2021-10-26T10:28:29.458" v="521" actId="1076"/>
+          <ac:spMkLst>
+            <pc:docMk/>
+            <pc:sldMk cId="1491932171" sldId="258"/>
+            <ac:spMk id="19" creationId="{B74BEE7B-F4C5-4CC5-A8D4-8B3DE777B2FA}"/>
+          </ac:spMkLst>
+        </pc:spChg>
+        <pc:spChg chg="add mod">
+          <ac:chgData name="Lenka Hasova" userId="ea5c8ace-893c-4ae9-95cf-0ff1299a7b7a" providerId="ADAL" clId="{D453E9ED-2445-4863-8DAC-1F522F0E47F0}" dt="2021-10-26T10:28:09.079" v="517" actId="20577"/>
+          <ac:spMkLst>
+            <pc:docMk/>
+            <pc:sldMk cId="1491932171" sldId="258"/>
+            <ac:spMk id="20" creationId="{8BA56B8F-221C-437A-91CA-3C9A649BE74F}"/>
+          </ac:spMkLst>
+        </pc:spChg>
+        <pc:spChg chg="add mod">
+          <ac:chgData name="Lenka Hasova" userId="ea5c8ace-893c-4ae9-95cf-0ff1299a7b7a" providerId="ADAL" clId="{D453E9ED-2445-4863-8DAC-1F522F0E47F0}" dt="2021-10-26T10:28:18.875" v="518" actId="1076"/>
+          <ac:spMkLst>
+            <pc:docMk/>
+            <pc:sldMk cId="1491932171" sldId="258"/>
+            <ac:spMk id="21" creationId="{F3399C2C-C336-4221-B875-C3FF9D8011C6}"/>
+          </ac:spMkLst>
+        </pc:spChg>
+        <pc:picChg chg="add mod">
+          <ac:chgData name="Lenka Hasova" userId="ea5c8ace-893c-4ae9-95cf-0ff1299a7b7a" providerId="ADAL" clId="{D453E9ED-2445-4863-8DAC-1F522F0E47F0}" dt="2021-10-26T10:21:13.750" v="215" actId="14100"/>
+          <ac:picMkLst>
+            <pc:docMk/>
+            <pc:sldMk cId="1491932171" sldId="258"/>
+            <ac:picMk id="3" creationId="{8B598DB6-EA0B-49E2-8D04-3BEF8D04CCA4}"/>
+          </ac:picMkLst>
+        </pc:picChg>
         <pc:picChg chg="add del mod">
           <ac:chgData name="Lenka Hasova" userId="ea5c8ace-893c-4ae9-95cf-0ff1299a7b7a" providerId="ADAL" clId="{D453E9ED-2445-4863-8DAC-1F522F0E47F0}" dt="2021-10-26T09:45:05.937" v="173" actId="478"/>
           <ac:picMkLst>
@@ -281,7 +377,7 @@
           </ac:picMkLst>
         </pc:picChg>
         <pc:picChg chg="add mod">
-          <ac:chgData name="Lenka Hasova" userId="ea5c8ace-893c-4ae9-95cf-0ff1299a7b7a" providerId="ADAL" clId="{D453E9ED-2445-4863-8DAC-1F522F0E47F0}" dt="2021-10-26T09:54:35.798" v="192" actId="1076"/>
+          <ac:chgData name="Lenka Hasova" userId="ea5c8ace-893c-4ae9-95cf-0ff1299a7b7a" providerId="ADAL" clId="{D453E9ED-2445-4863-8DAC-1F522F0E47F0}" dt="2021-10-26T10:23:16.559" v="262" actId="1076"/>
           <ac:picMkLst>
             <pc:docMk/>
             <pc:sldMk cId="1491932171" sldId="258"/>
@@ -297,7 +393,7 @@
           </ac:picMkLst>
         </pc:picChg>
         <pc:picChg chg="add mod">
-          <ac:chgData name="Lenka Hasova" userId="ea5c8ace-893c-4ae9-95cf-0ff1299a7b7a" providerId="ADAL" clId="{D453E9ED-2445-4863-8DAC-1F522F0E47F0}" dt="2021-10-26T09:54:49.863" v="197" actId="1076"/>
+          <ac:chgData name="Lenka Hasova" userId="ea5c8ace-893c-4ae9-95cf-0ff1299a7b7a" providerId="ADAL" clId="{D453E9ED-2445-4863-8DAC-1F522F0E47F0}" dt="2021-10-26T10:23:14.516" v="261" actId="1076"/>
           <ac:picMkLst>
             <pc:docMk/>
             <pc:sldMk cId="1491932171" sldId="258"/>
@@ -313,7 +409,15 @@
           </ac:picMkLst>
         </pc:picChg>
         <pc:picChg chg="add mod">
-          <ac:chgData name="Lenka Hasova" userId="ea5c8ace-893c-4ae9-95cf-0ff1299a7b7a" providerId="ADAL" clId="{D453E9ED-2445-4863-8DAC-1F522F0E47F0}" dt="2021-10-26T09:55:00.108" v="200" actId="1076"/>
+          <ac:chgData name="Lenka Hasova" userId="ea5c8ace-893c-4ae9-95cf-0ff1299a7b7a" providerId="ADAL" clId="{D453E9ED-2445-4863-8DAC-1F522F0E47F0}" dt="2021-10-26T10:24:18.502" v="276" actId="1076"/>
+          <ac:picMkLst>
+            <pc:docMk/>
+            <pc:sldMk cId="1491932171" sldId="258"/>
+            <ac:picMk id="7" creationId="{D86CE367-CA73-4E21-827F-86F419DD8BAF}"/>
+          </ac:picMkLst>
+        </pc:picChg>
+        <pc:picChg chg="add del mod">
+          <ac:chgData name="Lenka Hasova" userId="ea5c8ace-893c-4ae9-95cf-0ff1299a7b7a" providerId="ADAL" clId="{D453E9ED-2445-4863-8DAC-1F522F0E47F0}" dt="2021-10-26T10:16:56.994" v="204" actId="478"/>
           <ac:picMkLst>
             <pc:docMk/>
             <pc:sldMk cId="1491932171" sldId="258"/>
@@ -321,7 +425,7 @@
           </ac:picMkLst>
         </pc:picChg>
         <pc:picChg chg="add mod">
-          <ac:chgData name="Lenka Hasova" userId="ea5c8ace-893c-4ae9-95cf-0ff1299a7b7a" providerId="ADAL" clId="{D453E9ED-2445-4863-8DAC-1F522F0E47F0}" dt="2021-10-26T09:54:53.304" v="198" actId="1076"/>
+          <ac:chgData name="Lenka Hasova" userId="ea5c8ace-893c-4ae9-95cf-0ff1299a7b7a" providerId="ADAL" clId="{D453E9ED-2445-4863-8DAC-1F522F0E47F0}" dt="2021-10-26T10:22:36.466" v="252" actId="1076"/>
           <ac:picMkLst>
             <pc:docMk/>
             <pc:sldMk cId="1491932171" sldId="258"/>
@@ -329,7 +433,7 @@
           </ac:picMkLst>
         </pc:picChg>
         <pc:picChg chg="add mod modCrop">
-          <ac:chgData name="Lenka Hasova" userId="ea5c8ace-893c-4ae9-95cf-0ff1299a7b7a" providerId="ADAL" clId="{D453E9ED-2445-4863-8DAC-1F522F0E47F0}" dt="2021-10-26T09:54:28.550" v="189" actId="1076"/>
+          <ac:chgData name="Lenka Hasova" userId="ea5c8ace-893c-4ae9-95cf-0ff1299a7b7a" providerId="ADAL" clId="{D453E9ED-2445-4863-8DAC-1F522F0E47F0}" dt="2021-10-26T10:23:19.459" v="263" actId="1076"/>
           <ac:picMkLst>
             <pc:docMk/>
             <pc:sldMk cId="1491932171" sldId="258"/>
@@ -4550,6 +4654,226 @@
       </p:grpSpPr>
       <p:sp>
         <p:nvSpPr>
+          <p:cNvPr id="15" name="Rectangle 14">
+            <a:extLst>
+              <a:ext uri="{FF2B5EF4-FFF2-40B4-BE49-F238E27FC236}">
+                <a16:creationId xmlns:a16="http://schemas.microsoft.com/office/drawing/2014/main" id="{986A2E38-A8FD-4657-9F0B-7164A1ACCEDD}"/>
+              </a:ext>
+            </a:extLst>
+          </p:cNvPr>
+          <p:cNvSpPr/>
+          <p:nvPr/>
+        </p:nvSpPr>
+        <p:spPr>
+          <a:xfrm>
+            <a:off x="5548045" y="3642337"/>
+            <a:ext cx="6643955" cy="3673602"/>
+          </a:xfrm>
+          <a:prstGeom prst="rect">
+            <a:avLst/>
+          </a:prstGeom>
+          <a:solidFill>
+            <a:schemeClr val="accent4">
+              <a:lumMod val="20000"/>
+              <a:lumOff val="80000"/>
+            </a:schemeClr>
+          </a:solidFill>
+          <a:ln>
+            <a:noFill/>
+          </a:ln>
+        </p:spPr>
+        <p:style>
+          <a:lnRef idx="2">
+            <a:schemeClr val="accent1">
+              <a:shade val="50000"/>
+            </a:schemeClr>
+          </a:lnRef>
+          <a:fillRef idx="1">
+            <a:schemeClr val="accent1"/>
+          </a:fillRef>
+          <a:effectRef idx="0">
+            <a:schemeClr val="accent1"/>
+          </a:effectRef>
+          <a:fontRef idx="minor">
+            <a:schemeClr val="lt1"/>
+          </a:fontRef>
+        </p:style>
+        <p:txBody>
+          <a:bodyPr rtlCol="0" anchor="ctr"/>
+          <a:lstStyle/>
+          <a:p>
+            <a:pPr algn="ctr"/>
+            <a:endParaRPr lang="en-GB"/>
+          </a:p>
+        </p:txBody>
+      </p:sp>
+      <p:sp>
+        <p:nvSpPr>
+          <p:cNvPr id="17" name="Rectangle 16">
+            <a:extLst>
+              <a:ext uri="{FF2B5EF4-FFF2-40B4-BE49-F238E27FC236}">
+                <a16:creationId xmlns:a16="http://schemas.microsoft.com/office/drawing/2014/main" id="{DEF4D13E-2C81-49D6-BF3C-677B2832DE12}"/>
+              </a:ext>
+            </a:extLst>
+          </p:cNvPr>
+          <p:cNvSpPr/>
+          <p:nvPr/>
+        </p:nvSpPr>
+        <p:spPr>
+          <a:xfrm>
+            <a:off x="-351727" y="3791620"/>
+            <a:ext cx="6352854" cy="3196514"/>
+          </a:xfrm>
+          <a:prstGeom prst="rect">
+            <a:avLst/>
+          </a:prstGeom>
+          <a:solidFill>
+            <a:schemeClr val="accent1">
+              <a:lumMod val="20000"/>
+              <a:lumOff val="80000"/>
+            </a:schemeClr>
+          </a:solidFill>
+          <a:ln>
+            <a:noFill/>
+          </a:ln>
+        </p:spPr>
+        <p:style>
+          <a:lnRef idx="2">
+            <a:schemeClr val="accent1">
+              <a:shade val="50000"/>
+            </a:schemeClr>
+          </a:lnRef>
+          <a:fillRef idx="1">
+            <a:schemeClr val="accent1"/>
+          </a:fillRef>
+          <a:effectRef idx="0">
+            <a:schemeClr val="accent1"/>
+          </a:effectRef>
+          <a:fontRef idx="minor">
+            <a:schemeClr val="lt1"/>
+          </a:fontRef>
+        </p:style>
+        <p:txBody>
+          <a:bodyPr rtlCol="0" anchor="ctr"/>
+          <a:lstStyle/>
+          <a:p>
+            <a:pPr algn="ctr"/>
+            <a:endParaRPr lang="en-GB"/>
+          </a:p>
+        </p:txBody>
+      </p:sp>
+      <p:sp>
+        <p:nvSpPr>
+          <p:cNvPr id="16" name="Rectangle 15">
+            <a:extLst>
+              <a:ext uri="{FF2B5EF4-FFF2-40B4-BE49-F238E27FC236}">
+                <a16:creationId xmlns:a16="http://schemas.microsoft.com/office/drawing/2014/main" id="{3D578D0E-5AEE-4D49-B7BE-6D76F950954B}"/>
+              </a:ext>
+            </a:extLst>
+          </p:cNvPr>
+          <p:cNvSpPr/>
+          <p:nvPr/>
+        </p:nvSpPr>
+        <p:spPr>
+          <a:xfrm>
+            <a:off x="5753528" y="726295"/>
+            <a:ext cx="6438472" cy="3065325"/>
+          </a:xfrm>
+          <a:prstGeom prst="rect">
+            <a:avLst/>
+          </a:prstGeom>
+          <a:solidFill>
+            <a:schemeClr val="accent1">
+              <a:lumMod val="20000"/>
+              <a:lumOff val="80000"/>
+            </a:schemeClr>
+          </a:solidFill>
+          <a:ln>
+            <a:noFill/>
+          </a:ln>
+        </p:spPr>
+        <p:style>
+          <a:lnRef idx="2">
+            <a:schemeClr val="accent1">
+              <a:shade val="50000"/>
+            </a:schemeClr>
+          </a:lnRef>
+          <a:fillRef idx="1">
+            <a:schemeClr val="accent1"/>
+          </a:fillRef>
+          <a:effectRef idx="0">
+            <a:schemeClr val="accent1"/>
+          </a:effectRef>
+          <a:fontRef idx="minor">
+            <a:schemeClr val="lt1"/>
+          </a:fontRef>
+        </p:style>
+        <p:txBody>
+          <a:bodyPr rtlCol="0" anchor="ctr"/>
+          <a:lstStyle/>
+          <a:p>
+            <a:pPr algn="ctr"/>
+            <a:endParaRPr lang="en-GB"/>
+          </a:p>
+        </p:txBody>
+      </p:sp>
+      <p:sp>
+        <p:nvSpPr>
+          <p:cNvPr id="14" name="Rectangle 13">
+            <a:extLst>
+              <a:ext uri="{FF2B5EF4-FFF2-40B4-BE49-F238E27FC236}">
+                <a16:creationId xmlns:a16="http://schemas.microsoft.com/office/drawing/2014/main" id="{7AD774FB-DAF8-4FDC-8780-02E49A662B32}"/>
+              </a:ext>
+            </a:extLst>
+          </p:cNvPr>
+          <p:cNvSpPr/>
+          <p:nvPr/>
+        </p:nvSpPr>
+        <p:spPr>
+          <a:xfrm>
+            <a:off x="-14951" y="632890"/>
+            <a:ext cx="5825447" cy="3271484"/>
+          </a:xfrm>
+          <a:prstGeom prst="rect">
+            <a:avLst/>
+          </a:prstGeom>
+          <a:solidFill>
+            <a:schemeClr val="accent4">
+              <a:lumMod val="20000"/>
+              <a:lumOff val="80000"/>
+            </a:schemeClr>
+          </a:solidFill>
+          <a:ln>
+            <a:noFill/>
+          </a:ln>
+        </p:spPr>
+        <p:style>
+          <a:lnRef idx="2">
+            <a:schemeClr val="accent1">
+              <a:shade val="50000"/>
+            </a:schemeClr>
+          </a:lnRef>
+          <a:fillRef idx="1">
+            <a:schemeClr val="accent1"/>
+          </a:fillRef>
+          <a:effectRef idx="0">
+            <a:schemeClr val="accent1"/>
+          </a:effectRef>
+          <a:fontRef idx="minor">
+            <a:schemeClr val="lt1"/>
+          </a:fontRef>
+        </p:style>
+        <p:txBody>
+          <a:bodyPr rtlCol="0" anchor="ctr"/>
+          <a:lstStyle/>
+          <a:p>
+            <a:pPr algn="ctr"/>
+            <a:endParaRPr lang="en-GB"/>
+          </a:p>
+        </p:txBody>
+      </p:sp>
+      <p:sp>
+        <p:nvSpPr>
           <p:cNvPr id="8" name="TextBox 7">
             <a:extLst>
               <a:ext uri="{FF2B5EF4-FFF2-40B4-BE49-F238E27FC236}">
@@ -4562,7 +4886,7 @@
         </p:nvSpPr>
         <p:spPr>
           <a:xfrm>
-            <a:off x="327803" y="109670"/>
+            <a:off x="718824" y="35028"/>
             <a:ext cx="2115131" cy="523220"/>
           </a:xfrm>
           <a:prstGeom prst="rect">
@@ -4601,7 +4925,7 @@
         </p:nvSpPr>
         <p:spPr>
           <a:xfrm>
-            <a:off x="9183911" y="203074"/>
+            <a:off x="8567462" y="71144"/>
             <a:ext cx="2680286" cy="523220"/>
           </a:xfrm>
           <a:prstGeom prst="rect">
@@ -4648,7 +4972,7 @@
         </p:blipFill>
         <p:spPr>
           <a:xfrm>
-            <a:off x="7172672" y="1528977"/>
+            <a:off x="7406555" y="1524895"/>
             <a:ext cx="4691525" cy="1040977"/>
           </a:xfrm>
           <a:prstGeom prst="rect">
@@ -4678,8 +5002,8 @@
         </p:blipFill>
         <p:spPr>
           <a:xfrm>
-            <a:off x="7110188" y="2694208"/>
-            <a:ext cx="4925408" cy="948129"/>
+            <a:off x="7406555" y="2585790"/>
+            <a:ext cx="4785445" cy="921186"/>
           </a:xfrm>
           <a:prstGeom prst="rect">
             <a:avLst/>
@@ -4688,10 +5012,10 @@
       </p:pic>
       <p:pic>
         <p:nvPicPr>
-          <p:cNvPr id="10" name="Picture 9">
-            <a:extLst>
-              <a:ext uri="{FF2B5EF4-FFF2-40B4-BE49-F238E27FC236}">
-                <a16:creationId xmlns:a16="http://schemas.microsoft.com/office/drawing/2014/main" id="{68612E5B-CA74-4933-A5A8-5309DDFEE7D4}"/>
+          <p:cNvPr id="12" name="Picture 11">
+            <a:extLst>
+              <a:ext uri="{FF2B5EF4-FFF2-40B4-BE49-F238E27FC236}">
+                <a16:creationId xmlns:a16="http://schemas.microsoft.com/office/drawing/2014/main" id="{E3C3A717-3A12-45E4-8FB7-EF3548B6EF05}"/>
               </a:ext>
             </a:extLst>
           </p:cNvPr>
@@ -4708,8 +5032,8 @@
         </p:blipFill>
         <p:spPr>
           <a:xfrm>
-            <a:off x="688253" y="1241542"/>
-            <a:ext cx="3866494" cy="2905332"/>
+            <a:off x="7284379" y="3954589"/>
+            <a:ext cx="4724399" cy="2700337"/>
           </a:xfrm>
           <a:prstGeom prst="rect">
             <a:avLst/>
@@ -4718,10 +5042,39 @@
       </p:pic>
       <p:pic>
         <p:nvPicPr>
-          <p:cNvPr id="12" name="Picture 11">
-            <a:extLst>
-              <a:ext uri="{FF2B5EF4-FFF2-40B4-BE49-F238E27FC236}">
-                <a16:creationId xmlns:a16="http://schemas.microsoft.com/office/drawing/2014/main" id="{E3C3A717-3A12-45E4-8FB7-EF3548B6EF05}"/>
+          <p:cNvPr id="13" name="Picture 12">
+            <a:extLst>
+              <a:ext uri="{FF2B5EF4-FFF2-40B4-BE49-F238E27FC236}">
+                <a16:creationId xmlns:a16="http://schemas.microsoft.com/office/drawing/2014/main" id="{58B92E54-5F2C-4A87-8033-959C9B0CFA16}"/>
+              </a:ext>
+            </a:extLst>
+          </p:cNvPr>
+          <p:cNvPicPr>
+            <a:picLocks noChangeAspect="1"/>
+          </p:cNvPicPr>
+          <p:nvPr/>
+        </p:nvPicPr>
+        <p:blipFill rotWithShape="1">
+          <a:blip r:embed="rId5"/>
+          <a:srcRect l="5298" t="424" r="25532" b="72121"/>
+          <a:stretch/>
+        </p:blipFill>
+        <p:spPr>
+          <a:xfrm>
+            <a:off x="7414637" y="1080569"/>
+            <a:ext cx="3398830" cy="444326"/>
+          </a:xfrm>
+          <a:prstGeom prst="rect">
+            <a:avLst/>
+          </a:prstGeom>
+        </p:spPr>
+      </p:pic>
+      <p:pic>
+        <p:nvPicPr>
+          <p:cNvPr id="3" name="Picture 2">
+            <a:extLst>
+              <a:ext uri="{FF2B5EF4-FFF2-40B4-BE49-F238E27FC236}">
+                <a16:creationId xmlns:a16="http://schemas.microsoft.com/office/drawing/2014/main" id="{8B598DB6-EA0B-49E2-8D04-3BEF8D04CCA4}"/>
               </a:ext>
             </a:extLst>
           </p:cNvPr>
@@ -4731,15 +5084,15 @@
           <p:nvPr/>
         </p:nvPicPr>
         <p:blipFill>
-          <a:blip r:embed="rId5"/>
+          <a:blip r:embed="rId6"/>
           <a:stretch>
             <a:fillRect/>
           </a:stretch>
         </p:blipFill>
         <p:spPr>
           <a:xfrm>
-            <a:off x="6779348" y="3954589"/>
-            <a:ext cx="4724399" cy="2700337"/>
+            <a:off x="212600" y="1134355"/>
+            <a:ext cx="3866239" cy="2657265"/>
           </a:xfrm>
           <a:prstGeom prst="rect">
             <a:avLst/>
@@ -4748,10 +5101,10 @@
       </p:pic>
       <p:pic>
         <p:nvPicPr>
-          <p:cNvPr id="13" name="Picture 12">
-            <a:extLst>
-              <a:ext uri="{FF2B5EF4-FFF2-40B4-BE49-F238E27FC236}">
-                <a16:creationId xmlns:a16="http://schemas.microsoft.com/office/drawing/2014/main" id="{58B92E54-5F2C-4A87-8033-959C9B0CFA16}"/>
+          <p:cNvPr id="7" name="Picture 6">
+            <a:extLst>
+              <a:ext uri="{FF2B5EF4-FFF2-40B4-BE49-F238E27FC236}">
+                <a16:creationId xmlns:a16="http://schemas.microsoft.com/office/drawing/2014/main" id="{D86CE367-CA73-4E21-827F-86F419DD8BAF}"/>
               </a:ext>
             </a:extLst>
           </p:cNvPr>
@@ -4760,21 +5113,203 @@
           </p:cNvPicPr>
           <p:nvPr/>
         </p:nvPicPr>
-        <p:blipFill rotWithShape="1">
-          <a:blip r:embed="rId6"/>
-          <a:srcRect l="5298" t="424" r="25532" b="72121"/>
-          <a:stretch/>
+        <p:blipFill>
+          <a:blip r:embed="rId7"/>
+          <a:stretch>
+            <a:fillRect/>
+          </a:stretch>
         </p:blipFill>
         <p:spPr>
           <a:xfrm>
-            <a:off x="7110188" y="937518"/>
-            <a:ext cx="3398830" cy="444326"/>
+            <a:off x="143971" y="3979016"/>
+            <a:ext cx="4482690" cy="2651482"/>
           </a:xfrm>
           <a:prstGeom prst="rect">
             <a:avLst/>
           </a:prstGeom>
         </p:spPr>
       </p:pic>
+      <p:sp>
+        <p:nvSpPr>
+          <p:cNvPr id="11" name="TextBox 10">
+            <a:extLst>
+              <a:ext uri="{FF2B5EF4-FFF2-40B4-BE49-F238E27FC236}">
+                <a16:creationId xmlns:a16="http://schemas.microsoft.com/office/drawing/2014/main" id="{4CC1C8B8-AADB-4931-95FC-6B5F004214AB}"/>
+              </a:ext>
+            </a:extLst>
+          </p:cNvPr>
+          <p:cNvSpPr txBox="1"/>
+          <p:nvPr/>
+        </p:nvSpPr>
+        <p:spPr>
+          <a:xfrm>
+            <a:off x="1545892" y="795801"/>
+            <a:ext cx="1474710" cy="338554"/>
+          </a:xfrm>
+          <a:prstGeom prst="rect">
+            <a:avLst/>
+          </a:prstGeom>
+          <a:solidFill>
+            <a:schemeClr val="bg1"/>
+          </a:solidFill>
+        </p:spPr>
+        <p:txBody>
+          <a:bodyPr wrap="square" rtlCol="0">
+            <a:spAutoFit/>
+          </a:bodyPr>
+          <a:lstStyle/>
+          <a:p>
+            <a:pPr algn="ctr"/>
+            <a:r>
+              <a:rPr lang="en-GB" sz="1600" dirty="0">
+                <a:latin typeface="Arial" panose="020B0604020202020204" pitchFamily="34" charset="0"/>
+                <a:cs typeface="Arial" panose="020B0604020202020204" pitchFamily="34" charset="0"/>
+              </a:rPr>
+              <a:t>Tools &amp; Links</a:t>
+            </a:r>
+          </a:p>
+        </p:txBody>
+      </p:sp>
+      <p:sp>
+        <p:nvSpPr>
+          <p:cNvPr id="18" name="TextBox 17">
+            <a:extLst>
+              <a:ext uri="{FF2B5EF4-FFF2-40B4-BE49-F238E27FC236}">
+                <a16:creationId xmlns:a16="http://schemas.microsoft.com/office/drawing/2014/main" id="{981F59D2-6D81-488D-A20E-FDBEF47EF358}"/>
+              </a:ext>
+            </a:extLst>
+          </p:cNvPr>
+          <p:cNvSpPr txBox="1"/>
+          <p:nvPr/>
+        </p:nvSpPr>
+        <p:spPr>
+          <a:xfrm>
+            <a:off x="4170261" y="1263721"/>
+            <a:ext cx="1648317" cy="1477328"/>
+          </a:xfrm>
+          <a:prstGeom prst="rect">
+            <a:avLst/>
+          </a:prstGeom>
+          <a:noFill/>
+        </p:spPr>
+        <p:txBody>
+          <a:bodyPr wrap="square" rtlCol="0">
+            <a:spAutoFit/>
+          </a:bodyPr>
+          <a:lstStyle/>
+          <a:p>
+            <a:r>
+              <a:rPr lang="en-GB" b="1" dirty="0"/>
+              <a:t>1. New tools, all the news and school updates on one place</a:t>
+            </a:r>
+          </a:p>
+        </p:txBody>
+      </p:sp>
+      <p:sp>
+        <p:nvSpPr>
+          <p:cNvPr id="19" name="TextBox 18">
+            <a:extLst>
+              <a:ext uri="{FF2B5EF4-FFF2-40B4-BE49-F238E27FC236}">
+                <a16:creationId xmlns:a16="http://schemas.microsoft.com/office/drawing/2014/main" id="{B74BEE7B-F4C5-4CC5-A8D4-8B3DE777B2FA}"/>
+              </a:ext>
+            </a:extLst>
+          </p:cNvPr>
+          <p:cNvSpPr txBox="1"/>
+          <p:nvPr/>
+        </p:nvSpPr>
+        <p:spPr>
+          <a:xfrm>
+            <a:off x="4619878" y="4798149"/>
+            <a:ext cx="1469206" cy="1200329"/>
+          </a:xfrm>
+          <a:prstGeom prst="rect">
+            <a:avLst/>
+          </a:prstGeom>
+          <a:noFill/>
+        </p:spPr>
+        <p:txBody>
+          <a:bodyPr wrap="square" rtlCol="0">
+            <a:spAutoFit/>
+          </a:bodyPr>
+          <a:lstStyle/>
+          <a:p>
+            <a:r>
+              <a:rPr lang="en-GB" b="1" dirty="0"/>
+              <a:t>2. New articles from your peers and lecturers</a:t>
+            </a:r>
+          </a:p>
+        </p:txBody>
+      </p:sp>
+      <p:sp>
+        <p:nvSpPr>
+          <p:cNvPr id="20" name="TextBox 19">
+            <a:extLst>
+              <a:ext uri="{FF2B5EF4-FFF2-40B4-BE49-F238E27FC236}">
+                <a16:creationId xmlns:a16="http://schemas.microsoft.com/office/drawing/2014/main" id="{8BA56B8F-221C-437A-91CA-3C9A649BE74F}"/>
+              </a:ext>
+            </a:extLst>
+          </p:cNvPr>
+          <p:cNvSpPr txBox="1"/>
+          <p:nvPr/>
+        </p:nvSpPr>
+        <p:spPr>
+          <a:xfrm>
+            <a:off x="5945431" y="1656826"/>
+            <a:ext cx="1469206" cy="646331"/>
+          </a:xfrm>
+          <a:prstGeom prst="rect">
+            <a:avLst/>
+          </a:prstGeom>
+          <a:noFill/>
+        </p:spPr>
+        <p:txBody>
+          <a:bodyPr wrap="square" rtlCol="0">
+            <a:spAutoFit/>
+          </a:bodyPr>
+          <a:lstStyle/>
+          <a:p>
+            <a:r>
+              <a:rPr lang="en-GB" b="1" dirty="0"/>
+              <a:t>3. Important dates </a:t>
+            </a:r>
+          </a:p>
+        </p:txBody>
+      </p:sp>
+      <p:sp>
+        <p:nvSpPr>
+          <p:cNvPr id="21" name="TextBox 20">
+            <a:extLst>
+              <a:ext uri="{FF2B5EF4-FFF2-40B4-BE49-F238E27FC236}">
+                <a16:creationId xmlns:a16="http://schemas.microsoft.com/office/drawing/2014/main" id="{F3399C2C-C336-4221-B875-C3FF9D8011C6}"/>
+              </a:ext>
+            </a:extLst>
+          </p:cNvPr>
+          <p:cNvSpPr txBox="1"/>
+          <p:nvPr/>
+        </p:nvSpPr>
+        <p:spPr>
+          <a:xfrm>
+            <a:off x="6010382" y="4353450"/>
+            <a:ext cx="1469206" cy="1200329"/>
+          </a:xfrm>
+          <a:prstGeom prst="rect">
+            <a:avLst/>
+          </a:prstGeom>
+          <a:noFill/>
+        </p:spPr>
+        <p:txBody>
+          <a:bodyPr wrap="square" rtlCol="0">
+            <a:spAutoFit/>
+          </a:bodyPr>
+          <a:lstStyle/>
+          <a:p>
+            <a:r>
+              <a:rPr lang="en-GB" b="1" dirty="0"/>
+              <a:t>4. All the opportunities at one place</a:t>
+            </a:r>
+          </a:p>
+        </p:txBody>
+      </p:sp>
     </p:spTree>
     <p:extLst>
       <p:ext uri="{BB962C8B-B14F-4D97-AF65-F5344CB8AC3E}">

--- a/news.pptx
+++ b/news.pptx
@@ -118,7 +118,7 @@
 <file path=ppt/revisionInfo.xml><?xml version="1.0" encoding="utf-8"?>
 <p1510:revInfo xmlns:a="http://schemas.openxmlformats.org/drawingml/2006/main" xmlns:r="http://schemas.openxmlformats.org/officeDocument/2006/relationships" xmlns:p1510="http://schemas.microsoft.com/office/powerpoint/2015/10/main">
   <p1510:revLst>
-    <p1510:client id="{D453E9ED-2445-4863-8DAC-1F522F0E47F0}" v="16" dt="2021-10-26T10:27:44.800"/>
+    <p1510:client id="{D453E9ED-2445-4863-8DAC-1F522F0E47F0}" v="28" dt="2021-11-02T09:35:27.794"/>
   </p1510:revLst>
 </p1510:revInfo>
 </file>
@@ -127,8 +127,8 @@
 <pc:chgInfo xmlns:a="http://schemas.openxmlformats.org/drawingml/2006/main" xmlns:r="http://schemas.openxmlformats.org/officeDocument/2006/relationships" xmlns:ac="http://schemas.microsoft.com/office/drawing/2013/main/command" xmlns:pc="http://schemas.microsoft.com/office/powerpoint/2013/main/command">
   <pc:docChgLst>
     <pc:chgData name="Lenka Hasova" userId="ea5c8ace-893c-4ae9-95cf-0ff1299a7b7a" providerId="ADAL" clId="{D453E9ED-2445-4863-8DAC-1F522F0E47F0}"/>
-    <pc:docChg chg="custSel addSld modSld">
-      <pc:chgData name="Lenka Hasova" userId="ea5c8ace-893c-4ae9-95cf-0ff1299a7b7a" providerId="ADAL" clId="{D453E9ED-2445-4863-8DAC-1F522F0E47F0}" dt="2021-10-26T10:28:29.458" v="521" actId="1076"/>
+    <pc:docChg chg="undo custSel addSld modSld">
+      <pc:chgData name="Lenka Hasova" userId="ea5c8ace-893c-4ae9-95cf-0ff1299a7b7a" providerId="ADAL" clId="{D453E9ED-2445-4863-8DAC-1F522F0E47F0}" dt="2021-11-02T09:37:29.054" v="810" actId="1076"/>
       <pc:docMkLst>
         <pc:docMk/>
       </pc:docMkLst>
@@ -235,7 +235,7 @@
         </pc:picChg>
       </pc:sldChg>
       <pc:sldChg chg="addSp delSp modSp add mod">
-        <pc:chgData name="Lenka Hasova" userId="ea5c8ace-893c-4ae9-95cf-0ff1299a7b7a" providerId="ADAL" clId="{D453E9ED-2445-4863-8DAC-1F522F0E47F0}" dt="2021-10-26T10:28:29.458" v="521" actId="1076"/>
+        <pc:chgData name="Lenka Hasova" userId="ea5c8ace-893c-4ae9-95cf-0ff1299a7b7a" providerId="ADAL" clId="{D453E9ED-2445-4863-8DAC-1F522F0E47F0}" dt="2021-11-02T09:33:56.244" v="617" actId="21"/>
         <pc:sldMkLst>
           <pc:docMk/>
           <pc:sldMk cId="1491932171" sldId="258"/>
@@ -360,6 +360,30 @@
             <ac:spMk id="21" creationId="{F3399C2C-C336-4221-B875-C3FF9D8011C6}"/>
           </ac:spMkLst>
         </pc:spChg>
+        <pc:spChg chg="add mod">
+          <ac:chgData name="Lenka Hasova" userId="ea5c8ace-893c-4ae9-95cf-0ff1299a7b7a" providerId="ADAL" clId="{D453E9ED-2445-4863-8DAC-1F522F0E47F0}" dt="2021-11-02T09:23:30.074" v="524" actId="571"/>
+          <ac:spMkLst>
+            <pc:docMk/>
+            <pc:sldMk cId="1491932171" sldId="258"/>
+            <ac:spMk id="22" creationId="{EDAF9416-71F9-4453-9DE2-892918FA4333}"/>
+          </ac:spMkLst>
+        </pc:spChg>
+        <pc:spChg chg="add mod">
+          <ac:chgData name="Lenka Hasova" userId="ea5c8ace-893c-4ae9-95cf-0ff1299a7b7a" providerId="ADAL" clId="{D453E9ED-2445-4863-8DAC-1F522F0E47F0}" dt="2021-11-02T09:23:30.074" v="524" actId="571"/>
+          <ac:spMkLst>
+            <pc:docMk/>
+            <pc:sldMk cId="1491932171" sldId="258"/>
+            <ac:spMk id="23" creationId="{0CC412DF-C149-4519-AE7F-ACB4D641FB53}"/>
+          </ac:spMkLst>
+        </pc:spChg>
+        <pc:spChg chg="add del mod">
+          <ac:chgData name="Lenka Hasova" userId="ea5c8ace-893c-4ae9-95cf-0ff1299a7b7a" providerId="ADAL" clId="{D453E9ED-2445-4863-8DAC-1F522F0E47F0}" dt="2021-11-02T09:33:56.244" v="617" actId="21"/>
+          <ac:spMkLst>
+            <pc:docMk/>
+            <pc:sldMk cId="1491932171" sldId="258"/>
+            <ac:spMk id="24" creationId="{AC6A53B2-B191-41B4-B0CB-C5C98DBE8E9C}"/>
+          </ac:spMkLst>
+        </pc:spChg>
         <pc:picChg chg="add mod">
           <ac:chgData name="Lenka Hasova" userId="ea5c8ace-893c-4ae9-95cf-0ff1299a7b7a" providerId="ADAL" clId="{D453E9ED-2445-4863-8DAC-1F522F0E47F0}" dt="2021-10-26T10:21:13.750" v="215" actId="14100"/>
           <ac:picMkLst>
@@ -441,8 +465,8 @@
           </ac:picMkLst>
         </pc:picChg>
       </pc:sldChg>
-      <pc:sldChg chg="delSp new mod">
-        <pc:chgData name="Lenka Hasova" userId="ea5c8ace-893c-4ae9-95cf-0ff1299a7b7a" providerId="ADAL" clId="{D453E9ED-2445-4863-8DAC-1F522F0E47F0}" dt="2021-10-26T09:55:24.163" v="203" actId="478"/>
+      <pc:sldChg chg="addSp delSp modSp new mod">
+        <pc:chgData name="Lenka Hasova" userId="ea5c8ace-893c-4ae9-95cf-0ff1299a7b7a" providerId="ADAL" clId="{D453E9ED-2445-4863-8DAC-1F522F0E47F0}" dt="2021-11-02T09:37:29.054" v="810" actId="1076"/>
         <pc:sldMkLst>
           <pc:docMk/>
           <pc:sldMk cId="1798950392" sldId="259"/>
@@ -455,6 +479,14 @@
             <ac:spMk id="2" creationId="{270B5993-5B00-4BA6-B475-8449BFFA3E59}"/>
           </ac:spMkLst>
         </pc:spChg>
+        <pc:spChg chg="add mod">
+          <ac:chgData name="Lenka Hasova" userId="ea5c8ace-893c-4ae9-95cf-0ff1299a7b7a" providerId="ADAL" clId="{D453E9ED-2445-4863-8DAC-1F522F0E47F0}" dt="2021-11-02T09:23:21.772" v="522"/>
+          <ac:spMkLst>
+            <pc:docMk/>
+            <pc:sldMk cId="1798950392" sldId="259"/>
+            <ac:spMk id="2" creationId="{632C0D62-B4AD-478D-84C9-33179BDE50E0}"/>
+          </ac:spMkLst>
+        </pc:spChg>
         <pc:spChg chg="del">
           <ac:chgData name="Lenka Hasova" userId="ea5c8ace-893c-4ae9-95cf-0ff1299a7b7a" providerId="ADAL" clId="{D453E9ED-2445-4863-8DAC-1F522F0E47F0}" dt="2021-10-26T09:55:21.574" v="202" actId="478"/>
           <ac:spMkLst>
@@ -463,6 +495,126 @@
             <ac:spMk id="3" creationId="{D06AE8DE-D7FB-4CAA-99E0-703B7D77E797}"/>
           </ac:spMkLst>
         </pc:spChg>
+        <pc:spChg chg="add mod">
+          <ac:chgData name="Lenka Hasova" userId="ea5c8ace-893c-4ae9-95cf-0ff1299a7b7a" providerId="ADAL" clId="{D453E9ED-2445-4863-8DAC-1F522F0E47F0}" dt="2021-11-02T09:23:21.772" v="522"/>
+          <ac:spMkLst>
+            <pc:docMk/>
+            <pc:sldMk cId="1798950392" sldId="259"/>
+            <ac:spMk id="3" creationId="{EBF31359-98AD-4195-98E1-D422DB412006}"/>
+          </ac:spMkLst>
+        </pc:spChg>
+        <pc:spChg chg="add mod">
+          <ac:chgData name="Lenka Hasova" userId="ea5c8ace-893c-4ae9-95cf-0ff1299a7b7a" providerId="ADAL" clId="{D453E9ED-2445-4863-8DAC-1F522F0E47F0}" dt="2021-11-02T09:31:24.947" v="611" actId="14100"/>
+          <ac:spMkLst>
+            <pc:docMk/>
+            <pc:sldMk cId="1798950392" sldId="259"/>
+            <ac:spMk id="4" creationId="{C47CCC9E-770E-4406-A6E1-CF6DE9317D3D}"/>
+          </ac:spMkLst>
+        </pc:spChg>
+        <pc:spChg chg="add mod">
+          <ac:chgData name="Lenka Hasova" userId="ea5c8ace-893c-4ae9-95cf-0ff1299a7b7a" providerId="ADAL" clId="{D453E9ED-2445-4863-8DAC-1F522F0E47F0}" dt="2021-11-02T09:37:16.094" v="807" actId="1076"/>
+          <ac:spMkLst>
+            <pc:docMk/>
+            <pc:sldMk cId="1798950392" sldId="259"/>
+            <ac:spMk id="5" creationId="{B1223149-D466-401A-BC5C-DF1D37FFE6C2}"/>
+          </ac:spMkLst>
+        </pc:spChg>
+        <pc:spChg chg="add mod">
+          <ac:chgData name="Lenka Hasova" userId="ea5c8ace-893c-4ae9-95cf-0ff1299a7b7a" providerId="ADAL" clId="{D453E9ED-2445-4863-8DAC-1F522F0E47F0}" dt="2021-11-02T09:37:20.934" v="808" actId="1076"/>
+          <ac:spMkLst>
+            <pc:docMk/>
+            <pc:sldMk cId="1798950392" sldId="259"/>
+            <ac:spMk id="12" creationId="{FFB99DA8-16CE-4C40-8627-9C4A953D3E27}"/>
+          </ac:spMkLst>
+        </pc:spChg>
+        <pc:spChg chg="add mod">
+          <ac:chgData name="Lenka Hasova" userId="ea5c8ace-893c-4ae9-95cf-0ff1299a7b7a" providerId="ADAL" clId="{D453E9ED-2445-4863-8DAC-1F522F0E47F0}" dt="2021-11-02T09:30:42.821" v="598" actId="1076"/>
+          <ac:spMkLst>
+            <pc:docMk/>
+            <pc:sldMk cId="1798950392" sldId="259"/>
+            <ac:spMk id="13" creationId="{9C7A8F4E-6393-4000-9A87-B80D8E7ABBB8}"/>
+          </ac:spMkLst>
+        </pc:spChg>
+        <pc:spChg chg="add mod">
+          <ac:chgData name="Lenka Hasova" userId="ea5c8ace-893c-4ae9-95cf-0ff1299a7b7a" providerId="ADAL" clId="{D453E9ED-2445-4863-8DAC-1F522F0E47F0}" dt="2021-11-02T09:35:16.329" v="671" actId="1076"/>
+          <ac:spMkLst>
+            <pc:docMk/>
+            <pc:sldMk cId="1798950392" sldId="259"/>
+            <ac:spMk id="53" creationId="{952FC86B-1B62-42AD-8B5D-99B31900222C}"/>
+          </ac:spMkLst>
+        </pc:spChg>
+        <pc:spChg chg="add mod">
+          <ac:chgData name="Lenka Hasova" userId="ea5c8ace-893c-4ae9-95cf-0ff1299a7b7a" providerId="ADAL" clId="{D453E9ED-2445-4863-8DAC-1F522F0E47F0}" dt="2021-11-02T09:37:29.054" v="810" actId="1076"/>
+          <ac:spMkLst>
+            <pc:docMk/>
+            <pc:sldMk cId="1798950392" sldId="259"/>
+            <ac:spMk id="54" creationId="{C7C354F4-3F78-4684-9F0F-FDCA3AA5E8AE}"/>
+          </ac:spMkLst>
+        </pc:spChg>
+        <pc:picChg chg="add mod modCrop">
+          <ac:chgData name="Lenka Hasova" userId="ea5c8ace-893c-4ae9-95cf-0ff1299a7b7a" providerId="ADAL" clId="{D453E9ED-2445-4863-8DAC-1F522F0E47F0}" dt="2021-11-02T09:30:53.733" v="603" actId="1076"/>
+          <ac:picMkLst>
+            <pc:docMk/>
+            <pc:sldMk cId="1798950392" sldId="259"/>
+            <ac:picMk id="7" creationId="{17222C93-43B3-4830-BB9B-52F171EACD91}"/>
+          </ac:picMkLst>
+        </pc:picChg>
+        <pc:picChg chg="add mod">
+          <ac:chgData name="Lenka Hasova" userId="ea5c8ace-893c-4ae9-95cf-0ff1299a7b7a" providerId="ADAL" clId="{D453E9ED-2445-4863-8DAC-1F522F0E47F0}" dt="2021-11-02T09:30:07.836" v="591" actId="14100"/>
+          <ac:picMkLst>
+            <pc:docMk/>
+            <pc:sldMk cId="1798950392" sldId="259"/>
+            <ac:picMk id="9" creationId="{4CF4AA19-3E60-4BAB-AC9B-FAAAD16D2DEB}"/>
+          </ac:picMkLst>
+        </pc:picChg>
+        <pc:picChg chg="add mod modCrop">
+          <ac:chgData name="Lenka Hasova" userId="ea5c8ace-893c-4ae9-95cf-0ff1299a7b7a" providerId="ADAL" clId="{D453E9ED-2445-4863-8DAC-1F522F0E47F0}" dt="2021-11-02T09:30:52.006" v="602" actId="1076"/>
+          <ac:picMkLst>
+            <pc:docMk/>
+            <pc:sldMk cId="1798950392" sldId="259"/>
+            <ac:picMk id="11" creationId="{2B9D9AEB-80AA-46D5-9AF4-1218B9402F0A}"/>
+          </ac:picMkLst>
+        </pc:picChg>
+        <pc:picChg chg="add mod">
+          <ac:chgData name="Lenka Hasova" userId="ea5c8ace-893c-4ae9-95cf-0ff1299a7b7a" providerId="ADAL" clId="{D453E9ED-2445-4863-8DAC-1F522F0E47F0}" dt="2021-11-02T09:33:47.168" v="615" actId="1076"/>
+          <ac:picMkLst>
+            <pc:docMk/>
+            <pc:sldMk cId="1798950392" sldId="259"/>
+            <ac:picMk id="52" creationId="{B4908FE8-CD3B-4352-807D-ADC32B680CFB}"/>
+          </ac:picMkLst>
+        </pc:picChg>
+        <pc:cxnChg chg="add mod">
+          <ac:chgData name="Lenka Hasova" userId="ea5c8ace-893c-4ae9-95cf-0ff1299a7b7a" providerId="ADAL" clId="{D453E9ED-2445-4863-8DAC-1F522F0E47F0}" dt="2021-11-02T09:30:42.821" v="598" actId="1076"/>
+          <ac:cxnSpMkLst>
+            <pc:docMk/>
+            <pc:sldMk cId="1798950392" sldId="259"/>
+            <ac:cxnSpMk id="15" creationId="{5F013155-8FEF-49FE-A455-825A8D7DE4C6}"/>
+          </ac:cxnSpMkLst>
+        </pc:cxnChg>
+        <pc:cxnChg chg="add mod">
+          <ac:chgData name="Lenka Hasova" userId="ea5c8ace-893c-4ae9-95cf-0ff1299a7b7a" providerId="ADAL" clId="{D453E9ED-2445-4863-8DAC-1F522F0E47F0}" dt="2021-11-02T09:37:20.934" v="808" actId="1076"/>
+          <ac:cxnSpMkLst>
+            <pc:docMk/>
+            <pc:sldMk cId="1798950392" sldId="259"/>
+            <ac:cxnSpMk id="17" creationId="{91889BBC-1A7E-4397-BCFA-2B573B3B435E}"/>
+          </ac:cxnSpMkLst>
+        </pc:cxnChg>
+        <pc:cxnChg chg="add mod">
+          <ac:chgData name="Lenka Hasova" userId="ea5c8ace-893c-4ae9-95cf-0ff1299a7b7a" providerId="ADAL" clId="{D453E9ED-2445-4863-8DAC-1F522F0E47F0}" dt="2021-11-02T09:30:52.006" v="602" actId="1076"/>
+          <ac:cxnSpMkLst>
+            <pc:docMk/>
+            <pc:sldMk cId="1798950392" sldId="259"/>
+            <ac:cxnSpMk id="21" creationId="{F0B24F8E-0D30-43E5-8CD7-46F1E57B30B7}"/>
+          </ac:cxnSpMkLst>
+        </pc:cxnChg>
+        <pc:cxnChg chg="add mod">
+          <ac:chgData name="Lenka Hasova" userId="ea5c8ace-893c-4ae9-95cf-0ff1299a7b7a" providerId="ADAL" clId="{D453E9ED-2445-4863-8DAC-1F522F0E47F0}" dt="2021-11-02T09:37:20.934" v="808" actId="1076"/>
+          <ac:cxnSpMkLst>
+            <pc:docMk/>
+            <pc:sldMk cId="1798950392" sldId="259"/>
+            <ac:cxnSpMk id="25" creationId="{A27B20E4-90A0-4AD0-A910-1979D13FBEF9}"/>
+          </ac:cxnSpMkLst>
+        </pc:cxnChg>
       </pc:sldChg>
     </pc:docChg>
   </pc:docChgLst>
@@ -618,7 +770,7 @@
           <a:p>
             <a:fld id="{7A5AD6B1-77C4-4C61-A1B3-827CDB98672B}" type="datetimeFigureOut">
               <a:rPr lang="en-GB" smtClean="0"/>
-              <a:t>26/10/2021</a:t>
+              <a:t>02/11/2021</a:t>
             </a:fld>
             <a:endParaRPr lang="en-GB"/>
           </a:p>
@@ -818,7 +970,7 @@
           <a:p>
             <a:fld id="{7A5AD6B1-77C4-4C61-A1B3-827CDB98672B}" type="datetimeFigureOut">
               <a:rPr lang="en-GB" smtClean="0"/>
-              <a:t>26/10/2021</a:t>
+              <a:t>02/11/2021</a:t>
             </a:fld>
             <a:endParaRPr lang="en-GB"/>
           </a:p>
@@ -1028,7 +1180,7 @@
           <a:p>
             <a:fld id="{7A5AD6B1-77C4-4C61-A1B3-827CDB98672B}" type="datetimeFigureOut">
               <a:rPr lang="en-GB" smtClean="0"/>
-              <a:t>26/10/2021</a:t>
+              <a:t>02/11/2021</a:t>
             </a:fld>
             <a:endParaRPr lang="en-GB"/>
           </a:p>
@@ -1228,7 +1380,7 @@
           <a:p>
             <a:fld id="{7A5AD6B1-77C4-4C61-A1B3-827CDB98672B}" type="datetimeFigureOut">
               <a:rPr lang="en-GB" smtClean="0"/>
-              <a:t>26/10/2021</a:t>
+              <a:t>02/11/2021</a:t>
             </a:fld>
             <a:endParaRPr lang="en-GB"/>
           </a:p>
@@ -1504,7 +1656,7 @@
           <a:p>
             <a:fld id="{7A5AD6B1-77C4-4C61-A1B3-827CDB98672B}" type="datetimeFigureOut">
               <a:rPr lang="en-GB" smtClean="0"/>
-              <a:t>26/10/2021</a:t>
+              <a:t>02/11/2021</a:t>
             </a:fld>
             <a:endParaRPr lang="en-GB"/>
           </a:p>
@@ -1772,7 +1924,7 @@
           <a:p>
             <a:fld id="{7A5AD6B1-77C4-4C61-A1B3-827CDB98672B}" type="datetimeFigureOut">
               <a:rPr lang="en-GB" smtClean="0"/>
-              <a:t>26/10/2021</a:t>
+              <a:t>02/11/2021</a:t>
             </a:fld>
             <a:endParaRPr lang="en-GB"/>
           </a:p>
@@ -2187,7 +2339,7 @@
           <a:p>
             <a:fld id="{7A5AD6B1-77C4-4C61-A1B3-827CDB98672B}" type="datetimeFigureOut">
               <a:rPr lang="en-GB" smtClean="0"/>
-              <a:t>26/10/2021</a:t>
+              <a:t>02/11/2021</a:t>
             </a:fld>
             <a:endParaRPr lang="en-GB"/>
           </a:p>
@@ -2329,7 +2481,7 @@
           <a:p>
             <a:fld id="{7A5AD6B1-77C4-4C61-A1B3-827CDB98672B}" type="datetimeFigureOut">
               <a:rPr lang="en-GB" smtClean="0"/>
-              <a:t>26/10/2021</a:t>
+              <a:t>02/11/2021</a:t>
             </a:fld>
             <a:endParaRPr lang="en-GB"/>
           </a:p>
@@ -2442,7 +2594,7 @@
           <a:p>
             <a:fld id="{7A5AD6B1-77C4-4C61-A1B3-827CDB98672B}" type="datetimeFigureOut">
               <a:rPr lang="en-GB" smtClean="0"/>
-              <a:t>26/10/2021</a:t>
+              <a:t>02/11/2021</a:t>
             </a:fld>
             <a:endParaRPr lang="en-GB"/>
           </a:p>
@@ -2755,7 +2907,7 @@
           <a:p>
             <a:fld id="{7A5AD6B1-77C4-4C61-A1B3-827CDB98672B}" type="datetimeFigureOut">
               <a:rPr lang="en-GB" smtClean="0"/>
-              <a:t>26/10/2021</a:t>
+              <a:t>02/11/2021</a:t>
             </a:fld>
             <a:endParaRPr lang="en-GB"/>
           </a:p>
@@ -3044,7 +3196,7 @@
           <a:p>
             <a:fld id="{7A5AD6B1-77C4-4C61-A1B3-827CDB98672B}" type="datetimeFigureOut">
               <a:rPr lang="en-GB" smtClean="0"/>
-              <a:t>26/10/2021</a:t>
+              <a:t>02/11/2021</a:t>
             </a:fld>
             <a:endParaRPr lang="en-GB"/>
           </a:p>
@@ -3287,7 +3439,7 @@
           <a:p>
             <a:fld id="{7A5AD6B1-77C4-4C61-A1B3-827CDB98672B}" type="datetimeFigureOut">
               <a:rPr lang="en-GB" smtClean="0"/>
-              <a:t>26/10/2021</a:t>
+              <a:t>02/11/2021</a:t>
             </a:fld>
             <a:endParaRPr lang="en-GB"/>
           </a:p>
@@ -5340,6 +5492,648 @@
           <a:chExt cx="0" cy="0"/>
         </a:xfrm>
       </p:grpSpPr>
+      <p:sp>
+        <p:nvSpPr>
+          <p:cNvPr id="2" name="TextBox 1">
+            <a:extLst>
+              <a:ext uri="{FF2B5EF4-FFF2-40B4-BE49-F238E27FC236}">
+                <a16:creationId xmlns:a16="http://schemas.microsoft.com/office/drawing/2014/main" id="{632C0D62-B4AD-478D-84C9-33179BDE50E0}"/>
+              </a:ext>
+            </a:extLst>
+          </p:cNvPr>
+          <p:cNvSpPr txBox="1"/>
+          <p:nvPr/>
+        </p:nvSpPr>
+        <p:spPr>
+          <a:xfrm>
+            <a:off x="327803" y="109670"/>
+            <a:ext cx="2115131" cy="523220"/>
+          </a:xfrm>
+          <a:prstGeom prst="rect">
+            <a:avLst/>
+          </a:prstGeom>
+          <a:noFill/>
+        </p:spPr>
+        <p:txBody>
+          <a:bodyPr wrap="none" rtlCol="0">
+            <a:spAutoFit/>
+          </a:bodyPr>
+          <a:lstStyle/>
+          <a:p>
+            <a:r>
+              <a:rPr lang="en-GB" sz="2800" b="1" dirty="0">
+                <a:solidFill>
+                  <a:srgbClr val="FF0000"/>
+                </a:solidFill>
+              </a:rPr>
+              <a:t>What’s new?</a:t>
+            </a:r>
+          </a:p>
+        </p:txBody>
+      </p:sp>
+      <p:sp>
+        <p:nvSpPr>
+          <p:cNvPr id="3" name="TextBox 2">
+            <a:extLst>
+              <a:ext uri="{FF2B5EF4-FFF2-40B4-BE49-F238E27FC236}">
+                <a16:creationId xmlns:a16="http://schemas.microsoft.com/office/drawing/2014/main" id="{EBF31359-98AD-4195-98E1-D422DB412006}"/>
+              </a:ext>
+            </a:extLst>
+          </p:cNvPr>
+          <p:cNvSpPr txBox="1"/>
+          <p:nvPr/>
+        </p:nvSpPr>
+        <p:spPr>
+          <a:xfrm>
+            <a:off x="9183911" y="203074"/>
+            <a:ext cx="2680286" cy="523220"/>
+          </a:xfrm>
+          <a:prstGeom prst="rect">
+            <a:avLst/>
+          </a:prstGeom>
+          <a:noFill/>
+        </p:spPr>
+        <p:txBody>
+          <a:bodyPr wrap="none" rtlCol="0">
+            <a:spAutoFit/>
+          </a:bodyPr>
+          <a:lstStyle/>
+          <a:p>
+            <a:r>
+              <a:rPr lang="en-GB" sz="2800" b="1" dirty="0">
+                <a:solidFill>
+                  <a:srgbClr val="FF0000"/>
+                </a:solidFill>
+              </a:rPr>
+              <a:t>geogbrowns.info</a:t>
+            </a:r>
+          </a:p>
+        </p:txBody>
+      </p:sp>
+      <p:sp>
+        <p:nvSpPr>
+          <p:cNvPr id="4" name="Rectangle 3">
+            <a:extLst>
+              <a:ext uri="{FF2B5EF4-FFF2-40B4-BE49-F238E27FC236}">
+                <a16:creationId xmlns:a16="http://schemas.microsoft.com/office/drawing/2014/main" id="{C47CCC9E-770E-4406-A6E1-CF6DE9317D3D}"/>
+              </a:ext>
+            </a:extLst>
+          </p:cNvPr>
+          <p:cNvSpPr/>
+          <p:nvPr/>
+        </p:nvSpPr>
+        <p:spPr>
+          <a:xfrm>
+            <a:off x="-207033" y="4630534"/>
+            <a:ext cx="12603848" cy="2509100"/>
+          </a:xfrm>
+          <a:prstGeom prst="rect">
+            <a:avLst/>
+          </a:prstGeom>
+          <a:solidFill>
+            <a:schemeClr val="accent1">
+              <a:lumMod val="20000"/>
+              <a:lumOff val="80000"/>
+            </a:schemeClr>
+          </a:solidFill>
+          <a:ln>
+            <a:noFill/>
+          </a:ln>
+        </p:spPr>
+        <p:style>
+          <a:lnRef idx="2">
+            <a:schemeClr val="accent1">
+              <a:shade val="50000"/>
+            </a:schemeClr>
+          </a:lnRef>
+          <a:fillRef idx="1">
+            <a:schemeClr val="accent1"/>
+          </a:fillRef>
+          <a:effectRef idx="0">
+            <a:schemeClr val="accent1"/>
+          </a:effectRef>
+          <a:fontRef idx="minor">
+            <a:schemeClr val="lt1"/>
+          </a:fontRef>
+        </p:style>
+        <p:txBody>
+          <a:bodyPr rtlCol="0" anchor="ctr"/>
+          <a:lstStyle/>
+          <a:p>
+            <a:pPr algn="ctr"/>
+            <a:endParaRPr lang="en-GB"/>
+          </a:p>
+        </p:txBody>
+      </p:sp>
+      <p:sp>
+        <p:nvSpPr>
+          <p:cNvPr id="5" name="Rectangle 4">
+            <a:extLst>
+              <a:ext uri="{FF2B5EF4-FFF2-40B4-BE49-F238E27FC236}">
+                <a16:creationId xmlns:a16="http://schemas.microsoft.com/office/drawing/2014/main" id="{B1223149-D466-401A-BC5C-DF1D37FFE6C2}"/>
+              </a:ext>
+            </a:extLst>
+          </p:cNvPr>
+          <p:cNvSpPr/>
+          <p:nvPr/>
+        </p:nvSpPr>
+        <p:spPr>
+          <a:xfrm>
+            <a:off x="0" y="632890"/>
+            <a:ext cx="12396815" cy="4179588"/>
+          </a:xfrm>
+          <a:prstGeom prst="rect">
+            <a:avLst/>
+          </a:prstGeom>
+          <a:solidFill>
+            <a:schemeClr val="accent4">
+              <a:lumMod val="20000"/>
+              <a:lumOff val="80000"/>
+            </a:schemeClr>
+          </a:solidFill>
+          <a:ln>
+            <a:noFill/>
+          </a:ln>
+        </p:spPr>
+        <p:style>
+          <a:lnRef idx="2">
+            <a:schemeClr val="accent1">
+              <a:shade val="50000"/>
+            </a:schemeClr>
+          </a:lnRef>
+          <a:fillRef idx="1">
+            <a:schemeClr val="accent1"/>
+          </a:fillRef>
+          <a:effectRef idx="0">
+            <a:schemeClr val="accent1"/>
+          </a:effectRef>
+          <a:fontRef idx="minor">
+            <a:schemeClr val="lt1"/>
+          </a:fontRef>
+        </p:style>
+        <p:txBody>
+          <a:bodyPr rtlCol="0" anchor="ctr"/>
+          <a:lstStyle/>
+          <a:p>
+            <a:pPr algn="ctr"/>
+            <a:endParaRPr lang="en-GB"/>
+          </a:p>
+        </p:txBody>
+      </p:sp>
+      <p:pic>
+        <p:nvPicPr>
+          <p:cNvPr id="7" name="Picture 6">
+            <a:extLst>
+              <a:ext uri="{FF2B5EF4-FFF2-40B4-BE49-F238E27FC236}">
+                <a16:creationId xmlns:a16="http://schemas.microsoft.com/office/drawing/2014/main" id="{17222C93-43B3-4830-BB9B-52F171EACD91}"/>
+              </a:ext>
+            </a:extLst>
+          </p:cNvPr>
+          <p:cNvPicPr>
+            <a:picLocks noChangeAspect="1"/>
+          </p:cNvPicPr>
+          <p:nvPr/>
+        </p:nvPicPr>
+        <p:blipFill rotWithShape="1">
+          <a:blip r:embed="rId2"/>
+          <a:srcRect t="3357"/>
+          <a:stretch/>
+        </p:blipFill>
+        <p:spPr>
+          <a:xfrm>
+            <a:off x="6277817" y="2582072"/>
+            <a:ext cx="2661345" cy="2230406"/>
+          </a:xfrm>
+          <a:prstGeom prst="rect">
+            <a:avLst/>
+          </a:prstGeom>
+        </p:spPr>
+      </p:pic>
+      <p:pic>
+        <p:nvPicPr>
+          <p:cNvPr id="9" name="Picture 8">
+            <a:extLst>
+              <a:ext uri="{FF2B5EF4-FFF2-40B4-BE49-F238E27FC236}">
+                <a16:creationId xmlns:a16="http://schemas.microsoft.com/office/drawing/2014/main" id="{4CF4AA19-3E60-4BAB-AC9B-FAAAD16D2DEB}"/>
+              </a:ext>
+            </a:extLst>
+          </p:cNvPr>
+          <p:cNvPicPr>
+            <a:picLocks noChangeAspect="1"/>
+          </p:cNvPicPr>
+          <p:nvPr/>
+        </p:nvPicPr>
+        <p:blipFill>
+          <a:blip r:embed="rId3"/>
+          <a:stretch>
+            <a:fillRect/>
+          </a:stretch>
+        </p:blipFill>
+        <p:spPr>
+          <a:xfrm>
+            <a:off x="206031" y="1198594"/>
+            <a:ext cx="2533643" cy="3304395"/>
+          </a:xfrm>
+          <a:prstGeom prst="rect">
+            <a:avLst/>
+          </a:prstGeom>
+        </p:spPr>
+      </p:pic>
+      <p:pic>
+        <p:nvPicPr>
+          <p:cNvPr id="11" name="Picture 10">
+            <a:extLst>
+              <a:ext uri="{FF2B5EF4-FFF2-40B4-BE49-F238E27FC236}">
+                <a16:creationId xmlns:a16="http://schemas.microsoft.com/office/drawing/2014/main" id="{2B9D9AEB-80AA-46D5-9AF4-1218B9402F0A}"/>
+              </a:ext>
+            </a:extLst>
+          </p:cNvPr>
+          <p:cNvPicPr>
+            <a:picLocks noChangeAspect="1"/>
+          </p:cNvPicPr>
+          <p:nvPr/>
+        </p:nvPicPr>
+        <p:blipFill rotWithShape="1">
+          <a:blip r:embed="rId4"/>
+          <a:srcRect l="10574" t="10676" r="6153"/>
+          <a:stretch/>
+        </p:blipFill>
+        <p:spPr>
+          <a:xfrm>
+            <a:off x="6104920" y="726294"/>
+            <a:ext cx="3566661" cy="1501173"/>
+          </a:xfrm>
+          <a:prstGeom prst="rect">
+            <a:avLst/>
+          </a:prstGeom>
+        </p:spPr>
+      </p:pic>
+      <p:sp>
+        <p:nvSpPr>
+          <p:cNvPr id="12" name="TextBox 11">
+            <a:extLst>
+              <a:ext uri="{FF2B5EF4-FFF2-40B4-BE49-F238E27FC236}">
+                <a16:creationId xmlns:a16="http://schemas.microsoft.com/office/drawing/2014/main" id="{FFB99DA8-16CE-4C40-8627-9C4A953D3E27}"/>
+              </a:ext>
+            </a:extLst>
+          </p:cNvPr>
+          <p:cNvSpPr txBox="1"/>
+          <p:nvPr/>
+        </p:nvSpPr>
+        <p:spPr>
+          <a:xfrm>
+            <a:off x="3404534" y="3145504"/>
+            <a:ext cx="2208421" cy="707886"/>
+          </a:xfrm>
+          <a:prstGeom prst="rect">
+            <a:avLst/>
+          </a:prstGeom>
+          <a:solidFill>
+            <a:schemeClr val="bg1"/>
+          </a:solidFill>
+        </p:spPr>
+        <p:txBody>
+          <a:bodyPr wrap="square" rtlCol="0">
+            <a:spAutoFit/>
+          </a:bodyPr>
+          <a:lstStyle/>
+          <a:p>
+            <a:pPr algn="ctr"/>
+            <a:r>
+              <a:rPr lang="en-GB" sz="2000" dirty="0">
+                <a:latin typeface="Arial" panose="020B0604020202020204" pitchFamily="34" charset="0"/>
+                <a:cs typeface="Arial" panose="020B0604020202020204" pitchFamily="34" charset="0"/>
+              </a:rPr>
+              <a:t>Tools &amp; Links – research groups</a:t>
+            </a:r>
+          </a:p>
+        </p:txBody>
+      </p:sp>
+      <p:sp>
+        <p:nvSpPr>
+          <p:cNvPr id="13" name="TextBox 12">
+            <a:extLst>
+              <a:ext uri="{FF2B5EF4-FFF2-40B4-BE49-F238E27FC236}">
+                <a16:creationId xmlns:a16="http://schemas.microsoft.com/office/drawing/2014/main" id="{9C7A8F4E-6393-4000-9A87-B80D8E7ABBB8}"/>
+              </a:ext>
+            </a:extLst>
+          </p:cNvPr>
+          <p:cNvSpPr txBox="1"/>
+          <p:nvPr/>
+        </p:nvSpPr>
+        <p:spPr>
+          <a:xfrm>
+            <a:off x="3571277" y="1050875"/>
+            <a:ext cx="1874937" cy="400110"/>
+          </a:xfrm>
+          <a:prstGeom prst="rect">
+            <a:avLst/>
+          </a:prstGeom>
+          <a:solidFill>
+            <a:schemeClr val="bg1"/>
+          </a:solidFill>
+        </p:spPr>
+        <p:txBody>
+          <a:bodyPr wrap="square" rtlCol="0">
+            <a:spAutoFit/>
+          </a:bodyPr>
+          <a:lstStyle/>
+          <a:p>
+            <a:pPr algn="ctr"/>
+            <a:r>
+              <a:rPr lang="en-GB" sz="2000" dirty="0">
+                <a:latin typeface="Arial" panose="020B0604020202020204" pitchFamily="34" charset="0"/>
+                <a:cs typeface="Arial" panose="020B0604020202020204" pitchFamily="34" charset="0"/>
+              </a:rPr>
+              <a:t>Main page</a:t>
+            </a:r>
+          </a:p>
+        </p:txBody>
+      </p:sp>
+      <p:cxnSp>
+        <p:nvCxnSpPr>
+          <p:cNvPr id="15" name="Straight Arrow Connector 14">
+            <a:extLst>
+              <a:ext uri="{FF2B5EF4-FFF2-40B4-BE49-F238E27FC236}">
+                <a16:creationId xmlns:a16="http://schemas.microsoft.com/office/drawing/2014/main" id="{5F013155-8FEF-49FE-A455-825A8D7DE4C6}"/>
+              </a:ext>
+            </a:extLst>
+          </p:cNvPr>
+          <p:cNvCxnSpPr>
+            <a:cxnSpLocks/>
+            <a:stCxn id="9" idx="3"/>
+            <a:endCxn id="13" idx="1"/>
+          </p:cNvCxnSpPr>
+          <p:nvPr/>
+        </p:nvCxnSpPr>
+        <p:spPr>
+          <a:xfrm flipV="1">
+            <a:off x="2739674" y="1250930"/>
+            <a:ext cx="831603" cy="1599862"/>
+          </a:xfrm>
+          <a:prstGeom prst="straightConnector1">
+            <a:avLst/>
+          </a:prstGeom>
+          <a:ln w="28575">
+            <a:solidFill>
+              <a:schemeClr val="tx1"/>
+            </a:solidFill>
+            <a:tailEnd type="triangle"/>
+          </a:ln>
+        </p:spPr>
+        <p:style>
+          <a:lnRef idx="1">
+            <a:schemeClr val="accent1"/>
+          </a:lnRef>
+          <a:fillRef idx="0">
+            <a:schemeClr val="accent1"/>
+          </a:fillRef>
+          <a:effectRef idx="0">
+            <a:schemeClr val="accent1"/>
+          </a:effectRef>
+          <a:fontRef idx="minor">
+            <a:schemeClr val="tx1"/>
+          </a:fontRef>
+        </p:style>
+      </p:cxnSp>
+      <p:cxnSp>
+        <p:nvCxnSpPr>
+          <p:cNvPr id="17" name="Straight Arrow Connector 16">
+            <a:extLst>
+              <a:ext uri="{FF2B5EF4-FFF2-40B4-BE49-F238E27FC236}">
+                <a16:creationId xmlns:a16="http://schemas.microsoft.com/office/drawing/2014/main" id="{91889BBC-1A7E-4397-BCFA-2B573B3B435E}"/>
+              </a:ext>
+            </a:extLst>
+          </p:cNvPr>
+          <p:cNvCxnSpPr>
+            <a:cxnSpLocks/>
+            <a:stCxn id="9" idx="3"/>
+            <a:endCxn id="12" idx="1"/>
+          </p:cNvCxnSpPr>
+          <p:nvPr/>
+        </p:nvCxnSpPr>
+        <p:spPr>
+          <a:xfrm>
+            <a:off x="2739674" y="2850792"/>
+            <a:ext cx="664860" cy="648655"/>
+          </a:xfrm>
+          <a:prstGeom prst="straightConnector1">
+            <a:avLst/>
+          </a:prstGeom>
+          <a:ln w="28575">
+            <a:solidFill>
+              <a:schemeClr val="tx1"/>
+            </a:solidFill>
+            <a:tailEnd type="triangle"/>
+          </a:ln>
+        </p:spPr>
+        <p:style>
+          <a:lnRef idx="1">
+            <a:schemeClr val="accent1"/>
+          </a:lnRef>
+          <a:fillRef idx="0">
+            <a:schemeClr val="accent1"/>
+          </a:fillRef>
+          <a:effectRef idx="0">
+            <a:schemeClr val="accent1"/>
+          </a:effectRef>
+          <a:fontRef idx="minor">
+            <a:schemeClr val="tx1"/>
+          </a:fontRef>
+        </p:style>
+      </p:cxnSp>
+      <p:cxnSp>
+        <p:nvCxnSpPr>
+          <p:cNvPr id="21" name="Straight Arrow Connector 20">
+            <a:extLst>
+              <a:ext uri="{FF2B5EF4-FFF2-40B4-BE49-F238E27FC236}">
+                <a16:creationId xmlns:a16="http://schemas.microsoft.com/office/drawing/2014/main" id="{F0B24F8E-0D30-43E5-8CD7-46F1E57B30B7}"/>
+              </a:ext>
+            </a:extLst>
+          </p:cNvPr>
+          <p:cNvCxnSpPr>
+            <a:cxnSpLocks/>
+            <a:stCxn id="13" idx="3"/>
+            <a:endCxn id="11" idx="1"/>
+          </p:cNvCxnSpPr>
+          <p:nvPr/>
+        </p:nvCxnSpPr>
+        <p:spPr>
+          <a:xfrm>
+            <a:off x="5446214" y="1250930"/>
+            <a:ext cx="658706" cy="225951"/>
+          </a:xfrm>
+          <a:prstGeom prst="straightConnector1">
+            <a:avLst/>
+          </a:prstGeom>
+          <a:ln w="28575">
+            <a:solidFill>
+              <a:schemeClr val="tx1"/>
+            </a:solidFill>
+            <a:tailEnd type="triangle"/>
+          </a:ln>
+        </p:spPr>
+        <p:style>
+          <a:lnRef idx="1">
+            <a:schemeClr val="accent1"/>
+          </a:lnRef>
+          <a:fillRef idx="0">
+            <a:schemeClr val="accent1"/>
+          </a:fillRef>
+          <a:effectRef idx="0">
+            <a:schemeClr val="accent1"/>
+          </a:effectRef>
+          <a:fontRef idx="minor">
+            <a:schemeClr val="tx1"/>
+          </a:fontRef>
+        </p:style>
+      </p:cxnSp>
+      <p:cxnSp>
+        <p:nvCxnSpPr>
+          <p:cNvPr id="25" name="Straight Arrow Connector 24">
+            <a:extLst>
+              <a:ext uri="{FF2B5EF4-FFF2-40B4-BE49-F238E27FC236}">
+                <a16:creationId xmlns:a16="http://schemas.microsoft.com/office/drawing/2014/main" id="{A27B20E4-90A0-4AD0-A910-1979D13FBEF9}"/>
+              </a:ext>
+            </a:extLst>
+          </p:cNvPr>
+          <p:cNvCxnSpPr>
+            <a:cxnSpLocks/>
+            <a:stCxn id="12" idx="3"/>
+            <a:endCxn id="7" idx="1"/>
+          </p:cNvCxnSpPr>
+          <p:nvPr/>
+        </p:nvCxnSpPr>
+        <p:spPr>
+          <a:xfrm>
+            <a:off x="5612955" y="3499447"/>
+            <a:ext cx="664862" cy="197828"/>
+          </a:xfrm>
+          <a:prstGeom prst="straightConnector1">
+            <a:avLst/>
+          </a:prstGeom>
+          <a:ln w="28575">
+            <a:solidFill>
+              <a:schemeClr val="tx1"/>
+            </a:solidFill>
+            <a:tailEnd type="triangle"/>
+          </a:ln>
+        </p:spPr>
+        <p:style>
+          <a:lnRef idx="1">
+            <a:schemeClr val="accent1"/>
+          </a:lnRef>
+          <a:fillRef idx="0">
+            <a:schemeClr val="accent1"/>
+          </a:fillRef>
+          <a:effectRef idx="0">
+            <a:schemeClr val="accent1"/>
+          </a:effectRef>
+          <a:fontRef idx="minor">
+            <a:schemeClr val="tx1"/>
+          </a:fontRef>
+        </p:style>
+      </p:cxnSp>
+      <p:pic>
+        <p:nvPicPr>
+          <p:cNvPr id="52" name="Picture 51">
+            <a:extLst>
+              <a:ext uri="{FF2B5EF4-FFF2-40B4-BE49-F238E27FC236}">
+                <a16:creationId xmlns:a16="http://schemas.microsoft.com/office/drawing/2014/main" id="{B4908FE8-CD3B-4352-807D-ADC32B680CFB}"/>
+              </a:ext>
+            </a:extLst>
+          </p:cNvPr>
+          <p:cNvPicPr>
+            <a:picLocks noChangeAspect="1"/>
+          </p:cNvPicPr>
+          <p:nvPr/>
+        </p:nvPicPr>
+        <p:blipFill>
+          <a:blip r:embed="rId5"/>
+          <a:stretch>
+            <a:fillRect/>
+          </a:stretch>
+        </p:blipFill>
+        <p:spPr>
+          <a:xfrm>
+            <a:off x="3403191" y="4833290"/>
+            <a:ext cx="6585440" cy="2054308"/>
+          </a:xfrm>
+          <a:prstGeom prst="rect">
+            <a:avLst/>
+          </a:prstGeom>
+        </p:spPr>
+      </p:pic>
+      <p:sp>
+        <p:nvSpPr>
+          <p:cNvPr id="53" name="TextBox 52">
+            <a:extLst>
+              <a:ext uri="{FF2B5EF4-FFF2-40B4-BE49-F238E27FC236}">
+                <a16:creationId xmlns:a16="http://schemas.microsoft.com/office/drawing/2014/main" id="{952FC86B-1B62-42AD-8B5D-99B31900222C}"/>
+              </a:ext>
+            </a:extLst>
+          </p:cNvPr>
+          <p:cNvSpPr txBox="1"/>
+          <p:nvPr/>
+        </p:nvSpPr>
+        <p:spPr>
+          <a:xfrm>
+            <a:off x="648693" y="5583445"/>
+            <a:ext cx="2754498" cy="369332"/>
+          </a:xfrm>
+          <a:prstGeom prst="rect">
+            <a:avLst/>
+          </a:prstGeom>
+          <a:noFill/>
+        </p:spPr>
+        <p:txBody>
+          <a:bodyPr wrap="square" rtlCol="0">
+            <a:spAutoFit/>
+          </a:bodyPr>
+          <a:lstStyle/>
+          <a:p>
+            <a:r>
+              <a:rPr lang="en-GB" b="1" dirty="0"/>
+              <a:t>2. Deadline tomorrow.</a:t>
+            </a:r>
+          </a:p>
+        </p:txBody>
+      </p:sp>
+      <p:sp>
+        <p:nvSpPr>
+          <p:cNvPr id="54" name="TextBox 53">
+            <a:extLst>
+              <a:ext uri="{FF2B5EF4-FFF2-40B4-BE49-F238E27FC236}">
+                <a16:creationId xmlns:a16="http://schemas.microsoft.com/office/drawing/2014/main" id="{C7C354F4-3F78-4684-9F0F-FDCA3AA5E8AE}"/>
+              </a:ext>
+            </a:extLst>
+          </p:cNvPr>
+          <p:cNvSpPr txBox="1"/>
+          <p:nvPr/>
+        </p:nvSpPr>
+        <p:spPr>
+          <a:xfrm>
+            <a:off x="9556066" y="2666126"/>
+            <a:ext cx="2921239" cy="369332"/>
+          </a:xfrm>
+          <a:prstGeom prst="rect">
+            <a:avLst/>
+          </a:prstGeom>
+          <a:noFill/>
+        </p:spPr>
+        <p:txBody>
+          <a:bodyPr wrap="square" rtlCol="0">
+            <a:spAutoFit/>
+          </a:bodyPr>
+          <a:lstStyle/>
+          <a:p>
+            <a:r>
+              <a:rPr lang="en-GB" b="1" dirty="0"/>
+              <a:t>1. Seminars on visible place</a:t>
+            </a:r>
+          </a:p>
+        </p:txBody>
+      </p:sp>
     </p:spTree>
     <p:extLst>
       <p:ext uri="{BB962C8B-B14F-4D97-AF65-F5344CB8AC3E}">

--- a/news.pptx
+++ b/news.pptx
@@ -9,6 +9,7 @@
     <p:sldId id="257" r:id="rId3"/>
     <p:sldId id="258" r:id="rId4"/>
     <p:sldId id="259" r:id="rId5"/>
+    <p:sldId id="260" r:id="rId6"/>
   </p:sldIdLst>
   <p:sldSz cx="12192000" cy="6858000"/>
   <p:notesSz cx="6858000" cy="9144000"/>
@@ -118,7 +119,7 @@
 <file path=ppt/revisionInfo.xml><?xml version="1.0" encoding="utf-8"?>
 <p1510:revInfo xmlns:a="http://schemas.openxmlformats.org/drawingml/2006/main" xmlns:r="http://schemas.openxmlformats.org/officeDocument/2006/relationships" xmlns:p1510="http://schemas.microsoft.com/office/powerpoint/2015/10/main">
   <p1510:revLst>
-    <p1510:client id="{D453E9ED-2445-4863-8DAC-1F522F0E47F0}" v="28" dt="2021-11-02T09:35:27.794"/>
+    <p1510:client id="{D453E9ED-2445-4863-8DAC-1F522F0E47F0}" v="29" dt="2021-11-29T10:19:11.314"/>
   </p1510:revLst>
 </p1510:revInfo>
 </file>
@@ -128,7 +129,7 @@
   <pc:docChgLst>
     <pc:chgData name="Lenka Hasova" userId="ea5c8ace-893c-4ae9-95cf-0ff1299a7b7a" providerId="ADAL" clId="{D453E9ED-2445-4863-8DAC-1F522F0E47F0}"/>
     <pc:docChg chg="undo custSel addSld modSld">
-      <pc:chgData name="Lenka Hasova" userId="ea5c8ace-893c-4ae9-95cf-0ff1299a7b7a" providerId="ADAL" clId="{D453E9ED-2445-4863-8DAC-1F522F0E47F0}" dt="2021-11-02T09:37:29.054" v="810" actId="1076"/>
+      <pc:chgData name="Lenka Hasova" userId="ea5c8ace-893c-4ae9-95cf-0ff1299a7b7a" providerId="ADAL" clId="{D453E9ED-2445-4863-8DAC-1F522F0E47F0}" dt="2021-11-29T10:19:27.931" v="826" actId="478"/>
       <pc:docMkLst>
         <pc:docMk/>
       </pc:docMkLst>
@@ -466,7 +467,7 @@
         </pc:picChg>
       </pc:sldChg>
       <pc:sldChg chg="addSp delSp modSp new mod">
-        <pc:chgData name="Lenka Hasova" userId="ea5c8ace-893c-4ae9-95cf-0ff1299a7b7a" providerId="ADAL" clId="{D453E9ED-2445-4863-8DAC-1F522F0E47F0}" dt="2021-11-02T09:37:29.054" v="810" actId="1076"/>
+        <pc:chgData name="Lenka Hasova" userId="ea5c8ace-893c-4ae9-95cf-0ff1299a7b7a" providerId="ADAL" clId="{D453E9ED-2445-4863-8DAC-1F522F0E47F0}" dt="2021-11-29T10:19:07.904" v="812" actId="22"/>
         <pc:sldMkLst>
           <pc:docMk/>
           <pc:sldMk cId="1798950392" sldId="259"/>
@@ -535,6 +536,14 @@
             <ac:spMk id="13" creationId="{9C7A8F4E-6393-4000-9A87-B80D8E7ABBB8}"/>
           </ac:spMkLst>
         </pc:spChg>
+        <pc:spChg chg="add del">
+          <ac:chgData name="Lenka Hasova" userId="ea5c8ace-893c-4ae9-95cf-0ff1299a7b7a" providerId="ADAL" clId="{D453E9ED-2445-4863-8DAC-1F522F0E47F0}" dt="2021-11-29T10:19:07.904" v="812" actId="22"/>
+          <ac:spMkLst>
+            <pc:docMk/>
+            <pc:sldMk cId="1798950392" sldId="259"/>
+            <ac:spMk id="19" creationId="{C6CF2AB5-7199-453D-BDAF-F1FC1B7BD5FB}"/>
+          </ac:spMkLst>
+        </pc:spChg>
         <pc:spChg chg="add mod">
           <ac:chgData name="Lenka Hasova" userId="ea5c8ace-893c-4ae9-95cf-0ff1299a7b7a" providerId="ADAL" clId="{D453E9ED-2445-4863-8DAC-1F522F0E47F0}" dt="2021-11-02T09:35:16.329" v="671" actId="1076"/>
           <ac:spMkLst>
@@ -612,6 +621,109 @@
           <ac:cxnSpMkLst>
             <pc:docMk/>
             <pc:sldMk cId="1798950392" sldId="259"/>
+            <ac:cxnSpMk id="25" creationId="{A27B20E4-90A0-4AD0-A910-1979D13FBEF9}"/>
+          </ac:cxnSpMkLst>
+        </pc:cxnChg>
+      </pc:sldChg>
+      <pc:sldChg chg="delSp modSp add mod">
+        <pc:chgData name="Lenka Hasova" userId="ea5c8ace-893c-4ae9-95cf-0ff1299a7b7a" providerId="ADAL" clId="{D453E9ED-2445-4863-8DAC-1F522F0E47F0}" dt="2021-11-29T10:19:27.931" v="826" actId="478"/>
+        <pc:sldMkLst>
+          <pc:docMk/>
+          <pc:sldMk cId="3505615963" sldId="260"/>
+        </pc:sldMkLst>
+        <pc:spChg chg="del">
+          <ac:chgData name="Lenka Hasova" userId="ea5c8ace-893c-4ae9-95cf-0ff1299a7b7a" providerId="ADAL" clId="{D453E9ED-2445-4863-8DAC-1F522F0E47F0}" dt="2021-11-29T10:19:21.739" v="819" actId="478"/>
+          <ac:spMkLst>
+            <pc:docMk/>
+            <pc:sldMk cId="3505615963" sldId="260"/>
+            <ac:spMk id="12" creationId="{FFB99DA8-16CE-4C40-8627-9C4A953D3E27}"/>
+          </ac:spMkLst>
+        </pc:spChg>
+        <pc:spChg chg="del mod">
+          <ac:chgData name="Lenka Hasova" userId="ea5c8ace-893c-4ae9-95cf-0ff1299a7b7a" providerId="ADAL" clId="{D453E9ED-2445-4863-8DAC-1F522F0E47F0}" dt="2021-11-29T10:19:18.428" v="816" actId="478"/>
+          <ac:spMkLst>
+            <pc:docMk/>
+            <pc:sldMk cId="3505615963" sldId="260"/>
+            <ac:spMk id="13" creationId="{9C7A8F4E-6393-4000-9A87-B80D8E7ABBB8}"/>
+          </ac:spMkLst>
+        </pc:spChg>
+        <pc:spChg chg="del">
+          <ac:chgData name="Lenka Hasova" userId="ea5c8ace-893c-4ae9-95cf-0ff1299a7b7a" providerId="ADAL" clId="{D453E9ED-2445-4863-8DAC-1F522F0E47F0}" dt="2021-11-29T10:19:27.931" v="826" actId="478"/>
+          <ac:spMkLst>
+            <pc:docMk/>
+            <pc:sldMk cId="3505615963" sldId="260"/>
+            <ac:spMk id="53" creationId="{952FC86B-1B62-42AD-8B5D-99B31900222C}"/>
+          </ac:spMkLst>
+        </pc:spChg>
+        <pc:spChg chg="del">
+          <ac:chgData name="Lenka Hasova" userId="ea5c8ace-893c-4ae9-95cf-0ff1299a7b7a" providerId="ADAL" clId="{D453E9ED-2445-4863-8DAC-1F522F0E47F0}" dt="2021-11-29T10:19:25.930" v="824" actId="478"/>
+          <ac:spMkLst>
+            <pc:docMk/>
+            <pc:sldMk cId="3505615963" sldId="260"/>
+            <ac:spMk id="54" creationId="{C7C354F4-3F78-4684-9F0F-FDCA3AA5E8AE}"/>
+          </ac:spMkLst>
+        </pc:spChg>
+        <pc:picChg chg="del">
+          <ac:chgData name="Lenka Hasova" userId="ea5c8ace-893c-4ae9-95cf-0ff1299a7b7a" providerId="ADAL" clId="{D453E9ED-2445-4863-8DAC-1F522F0E47F0}" dt="2021-11-29T10:19:24.619" v="823" actId="478"/>
+          <ac:picMkLst>
+            <pc:docMk/>
+            <pc:sldMk cId="3505615963" sldId="260"/>
+            <ac:picMk id="7" creationId="{17222C93-43B3-4830-BB9B-52F171EACD91}"/>
+          </ac:picMkLst>
+        </pc:picChg>
+        <pc:picChg chg="del">
+          <ac:chgData name="Lenka Hasova" userId="ea5c8ace-893c-4ae9-95cf-0ff1299a7b7a" providerId="ADAL" clId="{D453E9ED-2445-4863-8DAC-1F522F0E47F0}" dt="2021-11-29T10:19:15.806" v="814" actId="478"/>
+          <ac:picMkLst>
+            <pc:docMk/>
+            <pc:sldMk cId="3505615963" sldId="260"/>
+            <ac:picMk id="9" creationId="{4CF4AA19-3E60-4BAB-AC9B-FAAAD16D2DEB}"/>
+          </ac:picMkLst>
+        </pc:picChg>
+        <pc:picChg chg="del">
+          <ac:chgData name="Lenka Hasova" userId="ea5c8ace-893c-4ae9-95cf-0ff1299a7b7a" providerId="ADAL" clId="{D453E9ED-2445-4863-8DAC-1F522F0E47F0}" dt="2021-11-29T10:19:22.491" v="820" actId="478"/>
+          <ac:picMkLst>
+            <pc:docMk/>
+            <pc:sldMk cId="3505615963" sldId="260"/>
+            <ac:picMk id="11" creationId="{2B9D9AEB-80AA-46D5-9AF4-1218B9402F0A}"/>
+          </ac:picMkLst>
+        </pc:picChg>
+        <pc:picChg chg="del">
+          <ac:chgData name="Lenka Hasova" userId="ea5c8ace-893c-4ae9-95cf-0ff1299a7b7a" providerId="ADAL" clId="{D453E9ED-2445-4863-8DAC-1F522F0E47F0}" dt="2021-11-29T10:19:26.860" v="825" actId="478"/>
+          <ac:picMkLst>
+            <pc:docMk/>
+            <pc:sldMk cId="3505615963" sldId="260"/>
+            <ac:picMk id="52" creationId="{B4908FE8-CD3B-4352-807D-ADC32B680CFB}"/>
+          </ac:picMkLst>
+        </pc:picChg>
+        <pc:cxnChg chg="del mod">
+          <ac:chgData name="Lenka Hasova" userId="ea5c8ace-893c-4ae9-95cf-0ff1299a7b7a" providerId="ADAL" clId="{D453E9ED-2445-4863-8DAC-1F522F0E47F0}" dt="2021-11-29T10:19:19.104" v="817" actId="478"/>
+          <ac:cxnSpMkLst>
+            <pc:docMk/>
+            <pc:sldMk cId="3505615963" sldId="260"/>
+            <ac:cxnSpMk id="15" creationId="{5F013155-8FEF-49FE-A455-825A8D7DE4C6}"/>
+          </ac:cxnSpMkLst>
+        </pc:cxnChg>
+        <pc:cxnChg chg="del mod">
+          <ac:chgData name="Lenka Hasova" userId="ea5c8ace-893c-4ae9-95cf-0ff1299a7b7a" providerId="ADAL" clId="{D453E9ED-2445-4863-8DAC-1F522F0E47F0}" dt="2021-11-29T10:19:19.937" v="818" actId="478"/>
+          <ac:cxnSpMkLst>
+            <pc:docMk/>
+            <pc:sldMk cId="3505615963" sldId="260"/>
+            <ac:cxnSpMk id="17" creationId="{91889BBC-1A7E-4397-BCFA-2B573B3B435E}"/>
+          </ac:cxnSpMkLst>
+        </pc:cxnChg>
+        <pc:cxnChg chg="del mod">
+          <ac:chgData name="Lenka Hasova" userId="ea5c8ace-893c-4ae9-95cf-0ff1299a7b7a" providerId="ADAL" clId="{D453E9ED-2445-4863-8DAC-1F522F0E47F0}" dt="2021-11-29T10:19:23.163" v="821" actId="478"/>
+          <ac:cxnSpMkLst>
+            <pc:docMk/>
+            <pc:sldMk cId="3505615963" sldId="260"/>
+            <ac:cxnSpMk id="21" creationId="{F0B24F8E-0D30-43E5-8CD7-46F1E57B30B7}"/>
+          </ac:cxnSpMkLst>
+        </pc:cxnChg>
+        <pc:cxnChg chg="del mod">
+          <ac:chgData name="Lenka Hasova" userId="ea5c8ace-893c-4ae9-95cf-0ff1299a7b7a" providerId="ADAL" clId="{D453E9ED-2445-4863-8DAC-1F522F0E47F0}" dt="2021-11-29T10:19:24.075" v="822" actId="478"/>
+          <ac:cxnSpMkLst>
+            <pc:docMk/>
+            <pc:sldMk cId="3505615963" sldId="260"/>
             <ac:cxnSpMk id="25" creationId="{A27B20E4-90A0-4AD0-A910-1979D13FBEF9}"/>
           </ac:cxnSpMkLst>
         </pc:cxnChg>
@@ -770,7 +882,7 @@
           <a:p>
             <a:fld id="{7A5AD6B1-77C4-4C61-A1B3-827CDB98672B}" type="datetimeFigureOut">
               <a:rPr lang="en-GB" smtClean="0"/>
-              <a:t>02/11/2021</a:t>
+              <a:t>29/11/2021</a:t>
             </a:fld>
             <a:endParaRPr lang="en-GB"/>
           </a:p>
@@ -970,7 +1082,7 @@
           <a:p>
             <a:fld id="{7A5AD6B1-77C4-4C61-A1B3-827CDB98672B}" type="datetimeFigureOut">
               <a:rPr lang="en-GB" smtClean="0"/>
-              <a:t>02/11/2021</a:t>
+              <a:t>29/11/2021</a:t>
             </a:fld>
             <a:endParaRPr lang="en-GB"/>
           </a:p>
@@ -1180,7 +1292,7 @@
           <a:p>
             <a:fld id="{7A5AD6B1-77C4-4C61-A1B3-827CDB98672B}" type="datetimeFigureOut">
               <a:rPr lang="en-GB" smtClean="0"/>
-              <a:t>02/11/2021</a:t>
+              <a:t>29/11/2021</a:t>
             </a:fld>
             <a:endParaRPr lang="en-GB"/>
           </a:p>
@@ -1380,7 +1492,7 @@
           <a:p>
             <a:fld id="{7A5AD6B1-77C4-4C61-A1B3-827CDB98672B}" type="datetimeFigureOut">
               <a:rPr lang="en-GB" smtClean="0"/>
-              <a:t>02/11/2021</a:t>
+              <a:t>29/11/2021</a:t>
             </a:fld>
             <a:endParaRPr lang="en-GB"/>
           </a:p>
@@ -1656,7 +1768,7 @@
           <a:p>
             <a:fld id="{7A5AD6B1-77C4-4C61-A1B3-827CDB98672B}" type="datetimeFigureOut">
               <a:rPr lang="en-GB" smtClean="0"/>
-              <a:t>02/11/2021</a:t>
+              <a:t>29/11/2021</a:t>
             </a:fld>
             <a:endParaRPr lang="en-GB"/>
           </a:p>
@@ -1924,7 +2036,7 @@
           <a:p>
             <a:fld id="{7A5AD6B1-77C4-4C61-A1B3-827CDB98672B}" type="datetimeFigureOut">
               <a:rPr lang="en-GB" smtClean="0"/>
-              <a:t>02/11/2021</a:t>
+              <a:t>29/11/2021</a:t>
             </a:fld>
             <a:endParaRPr lang="en-GB"/>
           </a:p>
@@ -2339,7 +2451,7 @@
           <a:p>
             <a:fld id="{7A5AD6B1-77C4-4C61-A1B3-827CDB98672B}" type="datetimeFigureOut">
               <a:rPr lang="en-GB" smtClean="0"/>
-              <a:t>02/11/2021</a:t>
+              <a:t>29/11/2021</a:t>
             </a:fld>
             <a:endParaRPr lang="en-GB"/>
           </a:p>
@@ -2481,7 +2593,7 @@
           <a:p>
             <a:fld id="{7A5AD6B1-77C4-4C61-A1B3-827CDB98672B}" type="datetimeFigureOut">
               <a:rPr lang="en-GB" smtClean="0"/>
-              <a:t>02/11/2021</a:t>
+              <a:t>29/11/2021</a:t>
             </a:fld>
             <a:endParaRPr lang="en-GB"/>
           </a:p>
@@ -2594,7 +2706,7 @@
           <a:p>
             <a:fld id="{7A5AD6B1-77C4-4C61-A1B3-827CDB98672B}" type="datetimeFigureOut">
               <a:rPr lang="en-GB" smtClean="0"/>
-              <a:t>02/11/2021</a:t>
+              <a:t>29/11/2021</a:t>
             </a:fld>
             <a:endParaRPr lang="en-GB"/>
           </a:p>
@@ -2907,7 +3019,7 @@
           <a:p>
             <a:fld id="{7A5AD6B1-77C4-4C61-A1B3-827CDB98672B}" type="datetimeFigureOut">
               <a:rPr lang="en-GB" smtClean="0"/>
-              <a:t>02/11/2021</a:t>
+              <a:t>29/11/2021</a:t>
             </a:fld>
             <a:endParaRPr lang="en-GB"/>
           </a:p>
@@ -3196,7 +3308,7 @@
           <a:p>
             <a:fld id="{7A5AD6B1-77C4-4C61-A1B3-827CDB98672B}" type="datetimeFigureOut">
               <a:rPr lang="en-GB" smtClean="0"/>
-              <a:t>02/11/2021</a:t>
+              <a:t>29/11/2021</a:t>
             </a:fld>
             <a:endParaRPr lang="en-GB"/>
           </a:p>
@@ -3439,7 +3551,7 @@
           <a:p>
             <a:fld id="{7A5AD6B1-77C4-4C61-A1B3-827CDB98672B}" type="datetimeFigureOut">
               <a:rPr lang="en-GB" smtClean="0"/>
-              <a:t>02/11/2021</a:t>
+              <a:t>29/11/2021</a:t>
             </a:fld>
             <a:endParaRPr lang="en-GB"/>
           </a:p>
@@ -6147,6 +6259,224 @@
 </p:sld>
 </file>
 
+<file path=ppt/slides/slide5.xml><?xml version="1.0" encoding="utf-8"?>
+<p:sld xmlns:a="http://schemas.openxmlformats.org/drawingml/2006/main" xmlns:r="http://schemas.openxmlformats.org/officeDocument/2006/relationships" xmlns:p="http://schemas.openxmlformats.org/presentationml/2006/main">
+  <p:cSld>
+    <p:spTree>
+      <p:nvGrpSpPr>
+        <p:cNvPr id="1" name=""/>
+        <p:cNvGrpSpPr/>
+        <p:nvPr/>
+      </p:nvGrpSpPr>
+      <p:grpSpPr>
+        <a:xfrm>
+          <a:off x="0" y="0"/>
+          <a:ext cx="0" cy="0"/>
+          <a:chOff x="0" y="0"/>
+          <a:chExt cx="0" cy="0"/>
+        </a:xfrm>
+      </p:grpSpPr>
+      <p:sp>
+        <p:nvSpPr>
+          <p:cNvPr id="2" name="TextBox 1">
+            <a:extLst>
+              <a:ext uri="{FF2B5EF4-FFF2-40B4-BE49-F238E27FC236}">
+                <a16:creationId xmlns:a16="http://schemas.microsoft.com/office/drawing/2014/main" id="{632C0D62-B4AD-478D-84C9-33179BDE50E0}"/>
+              </a:ext>
+            </a:extLst>
+          </p:cNvPr>
+          <p:cNvSpPr txBox="1"/>
+          <p:nvPr/>
+        </p:nvSpPr>
+        <p:spPr>
+          <a:xfrm>
+            <a:off x="327803" y="109670"/>
+            <a:ext cx="2115131" cy="523220"/>
+          </a:xfrm>
+          <a:prstGeom prst="rect">
+            <a:avLst/>
+          </a:prstGeom>
+          <a:noFill/>
+        </p:spPr>
+        <p:txBody>
+          <a:bodyPr wrap="none" rtlCol="0">
+            <a:spAutoFit/>
+          </a:bodyPr>
+          <a:lstStyle/>
+          <a:p>
+            <a:r>
+              <a:rPr lang="en-GB" sz="2800" b="1" dirty="0">
+                <a:solidFill>
+                  <a:srgbClr val="FF0000"/>
+                </a:solidFill>
+              </a:rPr>
+              <a:t>What’s new?</a:t>
+            </a:r>
+          </a:p>
+        </p:txBody>
+      </p:sp>
+      <p:sp>
+        <p:nvSpPr>
+          <p:cNvPr id="3" name="TextBox 2">
+            <a:extLst>
+              <a:ext uri="{FF2B5EF4-FFF2-40B4-BE49-F238E27FC236}">
+                <a16:creationId xmlns:a16="http://schemas.microsoft.com/office/drawing/2014/main" id="{EBF31359-98AD-4195-98E1-D422DB412006}"/>
+              </a:ext>
+            </a:extLst>
+          </p:cNvPr>
+          <p:cNvSpPr txBox="1"/>
+          <p:nvPr/>
+        </p:nvSpPr>
+        <p:spPr>
+          <a:xfrm>
+            <a:off x="9183911" y="203074"/>
+            <a:ext cx="2680286" cy="523220"/>
+          </a:xfrm>
+          <a:prstGeom prst="rect">
+            <a:avLst/>
+          </a:prstGeom>
+          <a:noFill/>
+        </p:spPr>
+        <p:txBody>
+          <a:bodyPr wrap="none" rtlCol="0">
+            <a:spAutoFit/>
+          </a:bodyPr>
+          <a:lstStyle/>
+          <a:p>
+            <a:r>
+              <a:rPr lang="en-GB" sz="2800" b="1" dirty="0">
+                <a:solidFill>
+                  <a:srgbClr val="FF0000"/>
+                </a:solidFill>
+              </a:rPr>
+              <a:t>geogbrowns.info</a:t>
+            </a:r>
+          </a:p>
+        </p:txBody>
+      </p:sp>
+      <p:sp>
+        <p:nvSpPr>
+          <p:cNvPr id="4" name="Rectangle 3">
+            <a:extLst>
+              <a:ext uri="{FF2B5EF4-FFF2-40B4-BE49-F238E27FC236}">
+                <a16:creationId xmlns:a16="http://schemas.microsoft.com/office/drawing/2014/main" id="{C47CCC9E-770E-4406-A6E1-CF6DE9317D3D}"/>
+              </a:ext>
+            </a:extLst>
+          </p:cNvPr>
+          <p:cNvSpPr/>
+          <p:nvPr/>
+        </p:nvSpPr>
+        <p:spPr>
+          <a:xfrm>
+            <a:off x="-207033" y="4630534"/>
+            <a:ext cx="12603848" cy="2509100"/>
+          </a:xfrm>
+          <a:prstGeom prst="rect">
+            <a:avLst/>
+          </a:prstGeom>
+          <a:solidFill>
+            <a:schemeClr val="accent1">
+              <a:lumMod val="20000"/>
+              <a:lumOff val="80000"/>
+            </a:schemeClr>
+          </a:solidFill>
+          <a:ln>
+            <a:noFill/>
+          </a:ln>
+        </p:spPr>
+        <p:style>
+          <a:lnRef idx="2">
+            <a:schemeClr val="accent1">
+              <a:shade val="50000"/>
+            </a:schemeClr>
+          </a:lnRef>
+          <a:fillRef idx="1">
+            <a:schemeClr val="accent1"/>
+          </a:fillRef>
+          <a:effectRef idx="0">
+            <a:schemeClr val="accent1"/>
+          </a:effectRef>
+          <a:fontRef idx="minor">
+            <a:schemeClr val="lt1"/>
+          </a:fontRef>
+        </p:style>
+        <p:txBody>
+          <a:bodyPr rtlCol="0" anchor="ctr"/>
+          <a:lstStyle/>
+          <a:p>
+            <a:pPr algn="ctr"/>
+            <a:endParaRPr lang="en-GB"/>
+          </a:p>
+        </p:txBody>
+      </p:sp>
+      <p:sp>
+        <p:nvSpPr>
+          <p:cNvPr id="5" name="Rectangle 4">
+            <a:extLst>
+              <a:ext uri="{FF2B5EF4-FFF2-40B4-BE49-F238E27FC236}">
+                <a16:creationId xmlns:a16="http://schemas.microsoft.com/office/drawing/2014/main" id="{B1223149-D466-401A-BC5C-DF1D37FFE6C2}"/>
+              </a:ext>
+            </a:extLst>
+          </p:cNvPr>
+          <p:cNvSpPr/>
+          <p:nvPr/>
+        </p:nvSpPr>
+        <p:spPr>
+          <a:xfrm>
+            <a:off x="0" y="632890"/>
+            <a:ext cx="12396815" cy="4179588"/>
+          </a:xfrm>
+          <a:prstGeom prst="rect">
+            <a:avLst/>
+          </a:prstGeom>
+          <a:solidFill>
+            <a:schemeClr val="accent4">
+              <a:lumMod val="20000"/>
+              <a:lumOff val="80000"/>
+            </a:schemeClr>
+          </a:solidFill>
+          <a:ln>
+            <a:noFill/>
+          </a:ln>
+        </p:spPr>
+        <p:style>
+          <a:lnRef idx="2">
+            <a:schemeClr val="accent1">
+              <a:shade val="50000"/>
+            </a:schemeClr>
+          </a:lnRef>
+          <a:fillRef idx="1">
+            <a:schemeClr val="accent1"/>
+          </a:fillRef>
+          <a:effectRef idx="0">
+            <a:schemeClr val="accent1"/>
+          </a:effectRef>
+          <a:fontRef idx="minor">
+            <a:schemeClr val="lt1"/>
+          </a:fontRef>
+        </p:style>
+        <p:txBody>
+          <a:bodyPr rtlCol="0" anchor="ctr"/>
+          <a:lstStyle/>
+          <a:p>
+            <a:pPr algn="ctr"/>
+            <a:endParaRPr lang="en-GB"/>
+          </a:p>
+        </p:txBody>
+      </p:sp>
+    </p:spTree>
+    <p:extLst>
+      <p:ext uri="{BB962C8B-B14F-4D97-AF65-F5344CB8AC3E}">
+        <p14:creationId xmlns:p14="http://schemas.microsoft.com/office/powerpoint/2010/main" val="3505615963"/>
+      </p:ext>
+    </p:extLst>
+  </p:cSld>
+  <p:clrMapOvr>
+    <a:masterClrMapping/>
+  </p:clrMapOvr>
+</p:sld>
+</file>
+
 <file path=ppt/theme/theme1.xml><?xml version="1.0" encoding="utf-8"?>
 <a:theme xmlns:a="http://schemas.openxmlformats.org/drawingml/2006/main" name="Office Theme">
   <a:themeElements>

--- a/news.pptx
+++ b/news.pptx
@@ -119,7 +119,7 @@
 <file path=ppt/revisionInfo.xml><?xml version="1.0" encoding="utf-8"?>
 <p1510:revInfo xmlns:a="http://schemas.openxmlformats.org/drawingml/2006/main" xmlns:r="http://schemas.openxmlformats.org/officeDocument/2006/relationships" xmlns:p1510="http://schemas.microsoft.com/office/powerpoint/2015/10/main">
   <p1510:revLst>
-    <p1510:client id="{D453E9ED-2445-4863-8DAC-1F522F0E47F0}" v="29" dt="2021-11-29T10:19:11.314"/>
+    <p1510:client id="{D453E9ED-2445-4863-8DAC-1F522F0E47F0}" v="33" dt="2021-11-29T10:33:05.875"/>
   </p1510:revLst>
 </p1510:revInfo>
 </file>
@@ -129,7 +129,7 @@
   <pc:docChgLst>
     <pc:chgData name="Lenka Hasova" userId="ea5c8ace-893c-4ae9-95cf-0ff1299a7b7a" providerId="ADAL" clId="{D453E9ED-2445-4863-8DAC-1F522F0E47F0}"/>
     <pc:docChg chg="undo custSel addSld modSld">
-      <pc:chgData name="Lenka Hasova" userId="ea5c8ace-893c-4ae9-95cf-0ff1299a7b7a" providerId="ADAL" clId="{D453E9ED-2445-4863-8DAC-1F522F0E47F0}" dt="2021-11-29T10:19:27.931" v="826" actId="478"/>
+      <pc:chgData name="Lenka Hasova" userId="ea5c8ace-893c-4ae9-95cf-0ff1299a7b7a" providerId="ADAL" clId="{D453E9ED-2445-4863-8DAC-1F522F0E47F0}" dt="2021-11-29T10:34:21.849" v="977" actId="1076"/>
       <pc:docMkLst>
         <pc:docMk/>
       </pc:docMkLst>
@@ -625,12 +625,28 @@
           </ac:cxnSpMkLst>
         </pc:cxnChg>
       </pc:sldChg>
-      <pc:sldChg chg="delSp modSp add mod">
-        <pc:chgData name="Lenka Hasova" userId="ea5c8ace-893c-4ae9-95cf-0ff1299a7b7a" providerId="ADAL" clId="{D453E9ED-2445-4863-8DAC-1F522F0E47F0}" dt="2021-11-29T10:19:27.931" v="826" actId="478"/>
+      <pc:sldChg chg="addSp delSp modSp add mod">
+        <pc:chgData name="Lenka Hasova" userId="ea5c8ace-893c-4ae9-95cf-0ff1299a7b7a" providerId="ADAL" clId="{D453E9ED-2445-4863-8DAC-1F522F0E47F0}" dt="2021-11-29T10:34:21.849" v="977" actId="1076"/>
         <pc:sldMkLst>
           <pc:docMk/>
           <pc:sldMk cId="3505615963" sldId="260"/>
         </pc:sldMkLst>
+        <pc:spChg chg="mod">
+          <ac:chgData name="Lenka Hasova" userId="ea5c8ace-893c-4ae9-95cf-0ff1299a7b7a" providerId="ADAL" clId="{D453E9ED-2445-4863-8DAC-1F522F0E47F0}" dt="2021-11-29T10:32:28.281" v="871" actId="14100"/>
+          <ac:spMkLst>
+            <pc:docMk/>
+            <pc:sldMk cId="3505615963" sldId="260"/>
+            <ac:spMk id="4" creationId="{C47CCC9E-770E-4406-A6E1-CF6DE9317D3D}"/>
+          </ac:spMkLst>
+        </pc:spChg>
+        <pc:spChg chg="mod">
+          <ac:chgData name="Lenka Hasova" userId="ea5c8ace-893c-4ae9-95cf-0ff1299a7b7a" providerId="ADAL" clId="{D453E9ED-2445-4863-8DAC-1F522F0E47F0}" dt="2021-11-29T10:32:25.842" v="870" actId="14100"/>
+          <ac:spMkLst>
+            <pc:docMk/>
+            <pc:sldMk cId="3505615963" sldId="260"/>
+            <ac:spMk id="5" creationId="{B1223149-D466-401A-BC5C-DF1D37FFE6C2}"/>
+          </ac:spMkLst>
+        </pc:spChg>
         <pc:spChg chg="del">
           <ac:chgData name="Lenka Hasova" userId="ea5c8ace-893c-4ae9-95cf-0ff1299a7b7a" providerId="ADAL" clId="{D453E9ED-2445-4863-8DAC-1F522F0E47F0}" dt="2021-11-29T10:19:21.739" v="819" actId="478"/>
           <ac:spMkLst>
@@ -647,6 +663,38 @@
             <ac:spMk id="13" creationId="{9C7A8F4E-6393-4000-9A87-B80D8E7ABBB8}"/>
           </ac:spMkLst>
         </pc:spChg>
+        <pc:spChg chg="add mod ord">
+          <ac:chgData name="Lenka Hasova" userId="ea5c8ace-893c-4ae9-95cf-0ff1299a7b7a" providerId="ADAL" clId="{D453E9ED-2445-4863-8DAC-1F522F0E47F0}" dt="2021-11-29T10:32:04.743" v="864" actId="167"/>
+          <ac:spMkLst>
+            <pc:docMk/>
+            <pc:sldMk cId="3505615963" sldId="260"/>
+            <ac:spMk id="14" creationId="{3C4A605D-A321-4B93-B2DA-B304654C790A}"/>
+          </ac:spMkLst>
+        </pc:spChg>
+        <pc:spChg chg="add mod ord">
+          <ac:chgData name="Lenka Hasova" userId="ea5c8ace-893c-4ae9-95cf-0ff1299a7b7a" providerId="ADAL" clId="{D453E9ED-2445-4863-8DAC-1F522F0E47F0}" dt="2021-11-29T10:32:14.209" v="868" actId="167"/>
+          <ac:spMkLst>
+            <pc:docMk/>
+            <pc:sldMk cId="3505615963" sldId="260"/>
+            <ac:spMk id="15" creationId="{7D02956C-7E18-4418-8EFE-6364B5A5C6D6}"/>
+          </ac:spMkLst>
+        </pc:spChg>
+        <pc:spChg chg="add mod ord">
+          <ac:chgData name="Lenka Hasova" userId="ea5c8ace-893c-4ae9-95cf-0ff1299a7b7a" providerId="ADAL" clId="{D453E9ED-2445-4863-8DAC-1F522F0E47F0}" dt="2021-11-29T10:32:43.714" v="875" actId="14100"/>
+          <ac:spMkLst>
+            <pc:docMk/>
+            <pc:sldMk cId="3505615963" sldId="260"/>
+            <ac:spMk id="16" creationId="{C1F3BE31-786A-4533-9910-3DAA86E99B32}"/>
+          </ac:spMkLst>
+        </pc:spChg>
+        <pc:spChg chg="add mod">
+          <ac:chgData name="Lenka Hasova" userId="ea5c8ace-893c-4ae9-95cf-0ff1299a7b7a" providerId="ADAL" clId="{D453E9ED-2445-4863-8DAC-1F522F0E47F0}" dt="2021-11-29T10:34:04.332" v="974" actId="20577"/>
+          <ac:spMkLst>
+            <pc:docMk/>
+            <pc:sldMk cId="3505615963" sldId="260"/>
+            <ac:spMk id="17" creationId="{3E5FE9C4-CC46-494C-98F5-676D6A370018}"/>
+          </ac:spMkLst>
+        </pc:spChg>
         <pc:spChg chg="del">
           <ac:chgData name="Lenka Hasova" userId="ea5c8ace-893c-4ae9-95cf-0ff1299a7b7a" providerId="ADAL" clId="{D453E9ED-2445-4863-8DAC-1F522F0E47F0}" dt="2021-11-29T10:19:27.931" v="826" actId="478"/>
           <ac:spMkLst>
@@ -671,12 +719,28 @@
             <ac:picMk id="7" creationId="{17222C93-43B3-4830-BB9B-52F171EACD91}"/>
           </ac:picMkLst>
         </pc:picChg>
+        <pc:picChg chg="add mod">
+          <ac:chgData name="Lenka Hasova" userId="ea5c8ace-893c-4ae9-95cf-0ff1299a7b7a" providerId="ADAL" clId="{D453E9ED-2445-4863-8DAC-1F522F0E47F0}" dt="2021-11-29T10:34:18.626" v="976" actId="14100"/>
+          <ac:picMkLst>
+            <pc:docMk/>
+            <pc:sldMk cId="3505615963" sldId="260"/>
+            <ac:picMk id="7" creationId="{E3E73839-B1C8-4257-ADD6-48FE48ED2EB8}"/>
+          </ac:picMkLst>
+        </pc:picChg>
         <pc:picChg chg="del">
           <ac:chgData name="Lenka Hasova" userId="ea5c8ace-893c-4ae9-95cf-0ff1299a7b7a" providerId="ADAL" clId="{D453E9ED-2445-4863-8DAC-1F522F0E47F0}" dt="2021-11-29T10:19:15.806" v="814" actId="478"/>
           <ac:picMkLst>
             <pc:docMk/>
             <pc:sldMk cId="3505615963" sldId="260"/>
             <ac:picMk id="9" creationId="{4CF4AA19-3E60-4BAB-AC9B-FAAAD16D2DEB}"/>
+          </ac:picMkLst>
+        </pc:picChg>
+        <pc:picChg chg="add mod">
+          <ac:chgData name="Lenka Hasova" userId="ea5c8ace-893c-4ae9-95cf-0ff1299a7b7a" providerId="ADAL" clId="{D453E9ED-2445-4863-8DAC-1F522F0E47F0}" dt="2021-11-29T10:31:40.065" v="857" actId="1076"/>
+          <ac:picMkLst>
+            <pc:docMk/>
+            <pc:sldMk cId="3505615963" sldId="260"/>
+            <ac:picMk id="9" creationId="{D1F08DDD-7909-46B1-A42E-F11EFED9066A}"/>
           </ac:picMkLst>
         </pc:picChg>
         <pc:picChg chg="del">
@@ -685,6 +749,22 @@
             <pc:docMk/>
             <pc:sldMk cId="3505615963" sldId="260"/>
             <ac:picMk id="11" creationId="{2B9D9AEB-80AA-46D5-9AF4-1218B9402F0A}"/>
+          </ac:picMkLst>
+        </pc:picChg>
+        <pc:picChg chg="add mod">
+          <ac:chgData name="Lenka Hasova" userId="ea5c8ace-893c-4ae9-95cf-0ff1299a7b7a" providerId="ADAL" clId="{D453E9ED-2445-4863-8DAC-1F522F0E47F0}" dt="2021-11-29T10:31:28.633" v="852" actId="1076"/>
+          <ac:picMkLst>
+            <pc:docMk/>
+            <pc:sldMk cId="3505615963" sldId="260"/>
+            <ac:picMk id="11" creationId="{CB8B2EAD-6CC9-4E28-B57E-4727C5E1A24B}"/>
+          </ac:picMkLst>
+        </pc:picChg>
+        <pc:picChg chg="add mod">
+          <ac:chgData name="Lenka Hasova" userId="ea5c8ace-893c-4ae9-95cf-0ff1299a7b7a" providerId="ADAL" clId="{D453E9ED-2445-4863-8DAC-1F522F0E47F0}" dt="2021-11-29T10:34:21.849" v="977" actId="1076"/>
+          <ac:picMkLst>
+            <pc:docMk/>
+            <pc:sldMk cId="3505615963" sldId="260"/>
+            <ac:picMk id="13" creationId="{EAFDFFFF-8B2B-4E11-8EE3-907B28FE2A16}"/>
           </ac:picMkLst>
         </pc:picChg>
         <pc:picChg chg="del">
@@ -6278,88 +6358,10 @@
       </p:grpSpPr>
       <p:sp>
         <p:nvSpPr>
-          <p:cNvPr id="2" name="TextBox 1">
-            <a:extLst>
-              <a:ext uri="{FF2B5EF4-FFF2-40B4-BE49-F238E27FC236}">
-                <a16:creationId xmlns:a16="http://schemas.microsoft.com/office/drawing/2014/main" id="{632C0D62-B4AD-478D-84C9-33179BDE50E0}"/>
-              </a:ext>
-            </a:extLst>
-          </p:cNvPr>
-          <p:cNvSpPr txBox="1"/>
-          <p:nvPr/>
-        </p:nvSpPr>
-        <p:spPr>
-          <a:xfrm>
-            <a:off x="327803" y="109670"/>
-            <a:ext cx="2115131" cy="523220"/>
-          </a:xfrm>
-          <a:prstGeom prst="rect">
-            <a:avLst/>
-          </a:prstGeom>
-          <a:noFill/>
-        </p:spPr>
-        <p:txBody>
-          <a:bodyPr wrap="none" rtlCol="0">
-            <a:spAutoFit/>
-          </a:bodyPr>
-          <a:lstStyle/>
-          <a:p>
-            <a:r>
-              <a:rPr lang="en-GB" sz="2800" b="1" dirty="0">
-                <a:solidFill>
-                  <a:srgbClr val="FF0000"/>
-                </a:solidFill>
-              </a:rPr>
-              <a:t>What’s new?</a:t>
-            </a:r>
-          </a:p>
-        </p:txBody>
-      </p:sp>
-      <p:sp>
-        <p:nvSpPr>
-          <p:cNvPr id="3" name="TextBox 2">
-            <a:extLst>
-              <a:ext uri="{FF2B5EF4-FFF2-40B4-BE49-F238E27FC236}">
-                <a16:creationId xmlns:a16="http://schemas.microsoft.com/office/drawing/2014/main" id="{EBF31359-98AD-4195-98E1-D422DB412006}"/>
-              </a:ext>
-            </a:extLst>
-          </p:cNvPr>
-          <p:cNvSpPr txBox="1"/>
-          <p:nvPr/>
-        </p:nvSpPr>
-        <p:spPr>
-          <a:xfrm>
-            <a:off x="9183911" y="203074"/>
-            <a:ext cx="2680286" cy="523220"/>
-          </a:xfrm>
-          <a:prstGeom prst="rect">
-            <a:avLst/>
-          </a:prstGeom>
-          <a:noFill/>
-        </p:spPr>
-        <p:txBody>
-          <a:bodyPr wrap="none" rtlCol="0">
-            <a:spAutoFit/>
-          </a:bodyPr>
-          <a:lstStyle/>
-          <a:p>
-            <a:r>
-              <a:rPr lang="en-GB" sz="2800" b="1" dirty="0">
-                <a:solidFill>
-                  <a:srgbClr val="FF0000"/>
-                </a:solidFill>
-              </a:rPr>
-              <a:t>geogbrowns.info</a:t>
-            </a:r>
-          </a:p>
-        </p:txBody>
-      </p:sp>
-      <p:sp>
-        <p:nvSpPr>
-          <p:cNvPr id="4" name="Rectangle 3">
-            <a:extLst>
-              <a:ext uri="{FF2B5EF4-FFF2-40B4-BE49-F238E27FC236}">
-                <a16:creationId xmlns:a16="http://schemas.microsoft.com/office/drawing/2014/main" id="{C47CCC9E-770E-4406-A6E1-CF6DE9317D3D}"/>
+          <p:cNvPr id="16" name="Rectangle 15">
+            <a:extLst>
+              <a:ext uri="{FF2B5EF4-FFF2-40B4-BE49-F238E27FC236}">
+                <a16:creationId xmlns:a16="http://schemas.microsoft.com/office/drawing/2014/main" id="{C1F3BE31-786A-4533-9910-3DAA86E99B32}"/>
               </a:ext>
             </a:extLst>
           </p:cNvPr>
@@ -6368,14 +6370,14 @@
         </p:nvSpPr>
         <p:spPr>
           <a:xfrm>
-            <a:off x="-207033" y="4630534"/>
-            <a:ext cx="12603848" cy="2509100"/>
+            <a:off x="7203138" y="726293"/>
+            <a:ext cx="5025995" cy="3958723"/>
           </a:xfrm>
           <a:prstGeom prst="rect">
             <a:avLst/>
           </a:prstGeom>
           <a:solidFill>
-            <a:schemeClr val="accent1">
+            <a:schemeClr val="accent4">
               <a:lumMod val="20000"/>
               <a:lumOff val="80000"/>
             </a:schemeClr>
@@ -6411,10 +6413,10 @@
       </p:sp>
       <p:sp>
         <p:nvSpPr>
-          <p:cNvPr id="5" name="Rectangle 4">
-            <a:extLst>
-              <a:ext uri="{FF2B5EF4-FFF2-40B4-BE49-F238E27FC236}">
-                <a16:creationId xmlns:a16="http://schemas.microsoft.com/office/drawing/2014/main" id="{B1223149-D466-401A-BC5C-DF1D37FFE6C2}"/>
+          <p:cNvPr id="15" name="Rectangle 14">
+            <a:extLst>
+              <a:ext uri="{FF2B5EF4-FFF2-40B4-BE49-F238E27FC236}">
+                <a16:creationId xmlns:a16="http://schemas.microsoft.com/office/drawing/2014/main" id="{7D02956C-7E18-4418-8EFE-6364B5A5C6D6}"/>
               </a:ext>
             </a:extLst>
           </p:cNvPr>
@@ -6423,8 +6425,8 @@
         </p:nvSpPr>
         <p:spPr>
           <a:xfrm>
-            <a:off x="0" y="632890"/>
-            <a:ext cx="12396815" cy="4179588"/>
+            <a:off x="6906494" y="3513762"/>
+            <a:ext cx="5473865" cy="3958723"/>
           </a:xfrm>
           <a:prstGeom prst="rect">
             <a:avLst/>
@@ -6461,6 +6463,435 @@
           <a:p>
             <a:pPr algn="ctr"/>
             <a:endParaRPr lang="en-GB"/>
+          </a:p>
+        </p:txBody>
+      </p:sp>
+      <p:sp>
+        <p:nvSpPr>
+          <p:cNvPr id="14" name="Rectangle 13">
+            <a:extLst>
+              <a:ext uri="{FF2B5EF4-FFF2-40B4-BE49-F238E27FC236}">
+                <a16:creationId xmlns:a16="http://schemas.microsoft.com/office/drawing/2014/main" id="{3C4A605D-A321-4B93-B2DA-B304654C790A}"/>
+              </a:ext>
+            </a:extLst>
+          </p:cNvPr>
+          <p:cNvSpPr/>
+          <p:nvPr/>
+        </p:nvSpPr>
+        <p:spPr>
+          <a:xfrm>
+            <a:off x="147183" y="3513762"/>
+            <a:ext cx="6810516" cy="3788923"/>
+          </a:xfrm>
+          <a:prstGeom prst="rect">
+            <a:avLst/>
+          </a:prstGeom>
+          <a:solidFill>
+            <a:schemeClr val="accent1">
+              <a:lumMod val="20000"/>
+              <a:lumOff val="80000"/>
+            </a:schemeClr>
+          </a:solidFill>
+          <a:ln>
+            <a:noFill/>
+          </a:ln>
+        </p:spPr>
+        <p:style>
+          <a:lnRef idx="2">
+            <a:schemeClr val="accent1">
+              <a:shade val="50000"/>
+            </a:schemeClr>
+          </a:lnRef>
+          <a:fillRef idx="1">
+            <a:schemeClr val="accent1"/>
+          </a:fillRef>
+          <a:effectRef idx="0">
+            <a:schemeClr val="accent1"/>
+          </a:effectRef>
+          <a:fontRef idx="minor">
+            <a:schemeClr val="lt1"/>
+          </a:fontRef>
+        </p:style>
+        <p:txBody>
+          <a:bodyPr rtlCol="0" anchor="ctr"/>
+          <a:lstStyle/>
+          <a:p>
+            <a:pPr algn="ctr"/>
+            <a:endParaRPr lang="en-GB"/>
+          </a:p>
+        </p:txBody>
+      </p:sp>
+      <p:sp>
+        <p:nvSpPr>
+          <p:cNvPr id="2" name="TextBox 1">
+            <a:extLst>
+              <a:ext uri="{FF2B5EF4-FFF2-40B4-BE49-F238E27FC236}">
+                <a16:creationId xmlns:a16="http://schemas.microsoft.com/office/drawing/2014/main" id="{632C0D62-B4AD-478D-84C9-33179BDE50E0}"/>
+              </a:ext>
+            </a:extLst>
+          </p:cNvPr>
+          <p:cNvSpPr txBox="1"/>
+          <p:nvPr/>
+        </p:nvSpPr>
+        <p:spPr>
+          <a:xfrm>
+            <a:off x="327803" y="109670"/>
+            <a:ext cx="2115131" cy="523220"/>
+          </a:xfrm>
+          <a:prstGeom prst="rect">
+            <a:avLst/>
+          </a:prstGeom>
+          <a:noFill/>
+        </p:spPr>
+        <p:txBody>
+          <a:bodyPr wrap="none" rtlCol="0">
+            <a:spAutoFit/>
+          </a:bodyPr>
+          <a:lstStyle/>
+          <a:p>
+            <a:r>
+              <a:rPr lang="en-GB" sz="2800" b="1" dirty="0">
+                <a:solidFill>
+                  <a:srgbClr val="FF0000"/>
+                </a:solidFill>
+              </a:rPr>
+              <a:t>What’s new?</a:t>
+            </a:r>
+          </a:p>
+        </p:txBody>
+      </p:sp>
+      <p:sp>
+        <p:nvSpPr>
+          <p:cNvPr id="3" name="TextBox 2">
+            <a:extLst>
+              <a:ext uri="{FF2B5EF4-FFF2-40B4-BE49-F238E27FC236}">
+                <a16:creationId xmlns:a16="http://schemas.microsoft.com/office/drawing/2014/main" id="{EBF31359-98AD-4195-98E1-D422DB412006}"/>
+              </a:ext>
+            </a:extLst>
+          </p:cNvPr>
+          <p:cNvSpPr txBox="1"/>
+          <p:nvPr/>
+        </p:nvSpPr>
+        <p:spPr>
+          <a:xfrm>
+            <a:off x="9183911" y="203074"/>
+            <a:ext cx="2680286" cy="523220"/>
+          </a:xfrm>
+          <a:prstGeom prst="rect">
+            <a:avLst/>
+          </a:prstGeom>
+          <a:noFill/>
+        </p:spPr>
+        <p:txBody>
+          <a:bodyPr wrap="none" rtlCol="0">
+            <a:spAutoFit/>
+          </a:bodyPr>
+          <a:lstStyle/>
+          <a:p>
+            <a:r>
+              <a:rPr lang="en-GB" sz="2800" b="1" dirty="0">
+                <a:solidFill>
+                  <a:srgbClr val="FF0000"/>
+                </a:solidFill>
+              </a:rPr>
+              <a:t>geogbrowns.info</a:t>
+            </a:r>
+          </a:p>
+        </p:txBody>
+      </p:sp>
+      <p:sp>
+        <p:nvSpPr>
+          <p:cNvPr id="4" name="Rectangle 3">
+            <a:extLst>
+              <a:ext uri="{FF2B5EF4-FFF2-40B4-BE49-F238E27FC236}">
+                <a16:creationId xmlns:a16="http://schemas.microsoft.com/office/drawing/2014/main" id="{C47CCC9E-770E-4406-A6E1-CF6DE9317D3D}"/>
+              </a:ext>
+            </a:extLst>
+          </p:cNvPr>
+          <p:cNvSpPr/>
+          <p:nvPr/>
+        </p:nvSpPr>
+        <p:spPr>
+          <a:xfrm>
+            <a:off x="5025996" y="726293"/>
+            <a:ext cx="4826921" cy="3558031"/>
+          </a:xfrm>
+          <a:prstGeom prst="rect">
+            <a:avLst/>
+          </a:prstGeom>
+          <a:solidFill>
+            <a:schemeClr val="accent1">
+              <a:lumMod val="20000"/>
+              <a:lumOff val="80000"/>
+            </a:schemeClr>
+          </a:solidFill>
+          <a:ln>
+            <a:noFill/>
+          </a:ln>
+        </p:spPr>
+        <p:style>
+          <a:lnRef idx="2">
+            <a:schemeClr val="accent1">
+              <a:shade val="50000"/>
+            </a:schemeClr>
+          </a:lnRef>
+          <a:fillRef idx="1">
+            <a:schemeClr val="accent1"/>
+          </a:fillRef>
+          <a:effectRef idx="0">
+            <a:schemeClr val="accent1"/>
+          </a:effectRef>
+          <a:fontRef idx="minor">
+            <a:schemeClr val="lt1"/>
+          </a:fontRef>
+        </p:style>
+        <p:txBody>
+          <a:bodyPr rtlCol="0" anchor="ctr"/>
+          <a:lstStyle/>
+          <a:p>
+            <a:pPr algn="ctr"/>
+            <a:endParaRPr lang="en-GB"/>
+          </a:p>
+        </p:txBody>
+      </p:sp>
+      <p:sp>
+        <p:nvSpPr>
+          <p:cNvPr id="5" name="Rectangle 4">
+            <a:extLst>
+              <a:ext uri="{FF2B5EF4-FFF2-40B4-BE49-F238E27FC236}">
+                <a16:creationId xmlns:a16="http://schemas.microsoft.com/office/drawing/2014/main" id="{B1223149-D466-401A-BC5C-DF1D37FFE6C2}"/>
+              </a:ext>
+            </a:extLst>
+          </p:cNvPr>
+          <p:cNvSpPr/>
+          <p:nvPr/>
+        </p:nvSpPr>
+        <p:spPr>
+          <a:xfrm>
+            <a:off x="1" y="726294"/>
+            <a:ext cx="5025995" cy="3958722"/>
+          </a:xfrm>
+          <a:prstGeom prst="rect">
+            <a:avLst/>
+          </a:prstGeom>
+          <a:solidFill>
+            <a:schemeClr val="accent4">
+              <a:lumMod val="20000"/>
+              <a:lumOff val="80000"/>
+            </a:schemeClr>
+          </a:solidFill>
+          <a:ln>
+            <a:noFill/>
+          </a:ln>
+        </p:spPr>
+        <p:style>
+          <a:lnRef idx="2">
+            <a:schemeClr val="accent1">
+              <a:shade val="50000"/>
+            </a:schemeClr>
+          </a:lnRef>
+          <a:fillRef idx="1">
+            <a:schemeClr val="accent1"/>
+          </a:fillRef>
+          <a:effectRef idx="0">
+            <a:schemeClr val="accent1"/>
+          </a:effectRef>
+          <a:fontRef idx="minor">
+            <a:schemeClr val="lt1"/>
+          </a:fontRef>
+        </p:style>
+        <p:txBody>
+          <a:bodyPr rtlCol="0" anchor="ctr"/>
+          <a:lstStyle/>
+          <a:p>
+            <a:pPr algn="ctr"/>
+            <a:endParaRPr lang="en-GB"/>
+          </a:p>
+        </p:txBody>
+      </p:sp>
+      <p:pic>
+        <p:nvPicPr>
+          <p:cNvPr id="7" name="Picture 6">
+            <a:extLst>
+              <a:ext uri="{FF2B5EF4-FFF2-40B4-BE49-F238E27FC236}">
+                <a16:creationId xmlns:a16="http://schemas.microsoft.com/office/drawing/2014/main" id="{E3E73839-B1C8-4257-ADD6-48FE48ED2EB8}"/>
+              </a:ext>
+            </a:extLst>
+          </p:cNvPr>
+          <p:cNvPicPr>
+            <a:picLocks noChangeAspect="1"/>
+          </p:cNvPicPr>
+          <p:nvPr/>
+        </p:nvPicPr>
+        <p:blipFill>
+          <a:blip r:embed="rId2"/>
+          <a:stretch>
+            <a:fillRect/>
+          </a:stretch>
+        </p:blipFill>
+        <p:spPr>
+          <a:xfrm>
+            <a:off x="151738" y="835900"/>
+            <a:ext cx="4434898" cy="3079650"/>
+          </a:xfrm>
+          <a:prstGeom prst="rect">
+            <a:avLst/>
+          </a:prstGeom>
+        </p:spPr>
+      </p:pic>
+      <p:pic>
+        <p:nvPicPr>
+          <p:cNvPr id="9" name="Picture 8">
+            <a:extLst>
+              <a:ext uri="{FF2B5EF4-FFF2-40B4-BE49-F238E27FC236}">
+                <a16:creationId xmlns:a16="http://schemas.microsoft.com/office/drawing/2014/main" id="{D1F08DDD-7909-46B1-A42E-F11EFED9066A}"/>
+              </a:ext>
+            </a:extLst>
+          </p:cNvPr>
+          <p:cNvPicPr>
+            <a:picLocks noChangeAspect="1"/>
+          </p:cNvPicPr>
+          <p:nvPr/>
+        </p:nvPicPr>
+        <p:blipFill>
+          <a:blip r:embed="rId3"/>
+          <a:stretch>
+            <a:fillRect/>
+          </a:stretch>
+        </p:blipFill>
+        <p:spPr>
+          <a:xfrm>
+            <a:off x="5465356" y="859823"/>
+            <a:ext cx="3990514" cy="3273985"/>
+          </a:xfrm>
+          <a:prstGeom prst="rect">
+            <a:avLst/>
+          </a:prstGeom>
+        </p:spPr>
+      </p:pic>
+      <p:pic>
+        <p:nvPicPr>
+          <p:cNvPr id="11" name="Picture 10">
+            <a:extLst>
+              <a:ext uri="{FF2B5EF4-FFF2-40B4-BE49-F238E27FC236}">
+                <a16:creationId xmlns:a16="http://schemas.microsoft.com/office/drawing/2014/main" id="{CB8B2EAD-6CC9-4E28-B57E-4727C5E1A24B}"/>
+              </a:ext>
+            </a:extLst>
+          </p:cNvPr>
+          <p:cNvPicPr>
+            <a:picLocks noChangeAspect="1"/>
+          </p:cNvPicPr>
+          <p:nvPr/>
+        </p:nvPicPr>
+        <p:blipFill>
+          <a:blip r:embed="rId4"/>
+          <a:stretch>
+            <a:fillRect/>
+          </a:stretch>
+        </p:blipFill>
+        <p:spPr>
+          <a:xfrm>
+            <a:off x="8022607" y="3943238"/>
+            <a:ext cx="4144264" cy="2932523"/>
+          </a:xfrm>
+          <a:prstGeom prst="rect">
+            <a:avLst/>
+          </a:prstGeom>
+        </p:spPr>
+      </p:pic>
+      <p:pic>
+        <p:nvPicPr>
+          <p:cNvPr id="13" name="Picture 12">
+            <a:extLst>
+              <a:ext uri="{FF2B5EF4-FFF2-40B4-BE49-F238E27FC236}">
+                <a16:creationId xmlns:a16="http://schemas.microsoft.com/office/drawing/2014/main" id="{EAFDFFFF-8B2B-4E11-8EE3-907B28FE2A16}"/>
+              </a:ext>
+            </a:extLst>
+          </p:cNvPr>
+          <p:cNvPicPr>
+            <a:picLocks noChangeAspect="1"/>
+          </p:cNvPicPr>
+          <p:nvPr/>
+        </p:nvPicPr>
+        <p:blipFill>
+          <a:blip r:embed="rId5"/>
+          <a:stretch>
+            <a:fillRect/>
+          </a:stretch>
+        </p:blipFill>
+        <p:spPr>
+          <a:xfrm>
+            <a:off x="519296" y="3732117"/>
+            <a:ext cx="6141759" cy="3189159"/>
+          </a:xfrm>
+          <a:prstGeom prst="rect">
+            <a:avLst/>
+          </a:prstGeom>
+        </p:spPr>
+      </p:pic>
+      <p:sp>
+        <p:nvSpPr>
+          <p:cNvPr id="17" name="TextBox 16">
+            <a:extLst>
+              <a:ext uri="{FF2B5EF4-FFF2-40B4-BE49-F238E27FC236}">
+                <a16:creationId xmlns:a16="http://schemas.microsoft.com/office/drawing/2014/main" id="{3E5FE9C4-CC46-494C-98F5-676D6A370018}"/>
+              </a:ext>
+            </a:extLst>
+          </p:cNvPr>
+          <p:cNvSpPr txBox="1"/>
+          <p:nvPr/>
+        </p:nvSpPr>
+        <p:spPr>
+          <a:xfrm>
+            <a:off x="9691082" y="1752493"/>
+            <a:ext cx="2498171" cy="1477328"/>
+          </a:xfrm>
+          <a:prstGeom prst="rect">
+            <a:avLst/>
+          </a:prstGeom>
+          <a:noFill/>
+        </p:spPr>
+        <p:txBody>
+          <a:bodyPr wrap="square" rtlCol="0">
+            <a:spAutoFit/>
+          </a:bodyPr>
+          <a:lstStyle/>
+          <a:p>
+            <a:pPr marL="285750" indent="-285750">
+              <a:buFont typeface="Arial" panose="020B0604020202020204" pitchFamily="34" charset="0"/>
+              <a:buChar char="•"/>
+            </a:pPr>
+            <a:r>
+              <a:rPr lang="en-GB" b="1" dirty="0"/>
+              <a:t>New publications</a:t>
+            </a:r>
+          </a:p>
+          <a:p>
+            <a:pPr marL="285750" indent="-285750">
+              <a:buFont typeface="Arial" panose="020B0604020202020204" pitchFamily="34" charset="0"/>
+              <a:buChar char="•"/>
+            </a:pPr>
+            <a:r>
+              <a:rPr lang="en-GB" b="1" dirty="0"/>
+              <a:t>New opportunities</a:t>
+            </a:r>
+          </a:p>
+          <a:p>
+            <a:pPr marL="285750" indent="-285750">
+              <a:buFont typeface="Arial" panose="020B0604020202020204" pitchFamily="34" charset="0"/>
+              <a:buChar char="•"/>
+            </a:pPr>
+            <a:endParaRPr lang="en-GB" b="1" dirty="0"/>
+          </a:p>
+          <a:p>
+            <a:pPr marL="285750" indent="-285750">
+              <a:buFont typeface="Arial" panose="020B0604020202020204" pitchFamily="34" charset="0"/>
+              <a:buChar char="•"/>
+            </a:pPr>
+            <a:r>
+              <a:rPr lang="en-GB" b="1" dirty="0"/>
+              <a:t>Keep up to date with events and twitter</a:t>
+            </a:r>
           </a:p>
         </p:txBody>
       </p:sp>

--- a/news.pptx
+++ b/news.pptx
@@ -10,6 +10,7 @@
     <p:sldId id="258" r:id="rId4"/>
     <p:sldId id="259" r:id="rId5"/>
     <p:sldId id="260" r:id="rId6"/>
+    <p:sldId id="261" r:id="rId7"/>
   </p:sldIdLst>
   <p:sldSz cx="12192000" cy="6858000"/>
   <p:notesSz cx="6858000" cy="9144000"/>
@@ -119,7 +120,7 @@
 <file path=ppt/revisionInfo.xml><?xml version="1.0" encoding="utf-8"?>
 <p1510:revInfo xmlns:a="http://schemas.openxmlformats.org/drawingml/2006/main" xmlns:r="http://schemas.openxmlformats.org/officeDocument/2006/relationships" xmlns:p1510="http://schemas.microsoft.com/office/powerpoint/2015/10/main">
   <p1510:revLst>
-    <p1510:client id="{D453E9ED-2445-4863-8DAC-1F522F0E47F0}" v="33" dt="2021-11-29T10:33:05.875"/>
+    <p1510:client id="{E19A9581-60C2-4DEE-8383-EB74FB369CED}" v="6" dt="2022-02-02T09:54:43.723"/>
   </p1510:revLst>
 </p1510:revInfo>
 </file>
@@ -807,6 +808,173 @@
             <ac:cxnSpMk id="25" creationId="{A27B20E4-90A0-4AD0-A910-1979D13FBEF9}"/>
           </ac:cxnSpMkLst>
         </pc:cxnChg>
+      </pc:sldChg>
+    </pc:docChg>
+  </pc:docChgLst>
+  <pc:docChgLst>
+    <pc:chgData name="Lenka Hasova" userId="ea5c8ace-893c-4ae9-95cf-0ff1299a7b7a" providerId="ADAL" clId="{E19A9581-60C2-4DEE-8383-EB74FB369CED}"/>
+    <pc:docChg chg="undo custSel addSld modSld">
+      <pc:chgData name="Lenka Hasova" userId="ea5c8ace-893c-4ae9-95cf-0ff1299a7b7a" providerId="ADAL" clId="{E19A9581-60C2-4DEE-8383-EB74FB369CED}" dt="2022-02-02T09:55:08.800" v="209" actId="20577"/>
+      <pc:docMkLst>
+        <pc:docMk/>
+      </pc:docMkLst>
+      <pc:sldChg chg="addSp delSp mod">
+        <pc:chgData name="Lenka Hasova" userId="ea5c8ace-893c-4ae9-95cf-0ff1299a7b7a" providerId="ADAL" clId="{E19A9581-60C2-4DEE-8383-EB74FB369CED}" dt="2022-02-02T09:48:22.521" v="1" actId="22"/>
+        <pc:sldMkLst>
+          <pc:docMk/>
+          <pc:sldMk cId="3505615963" sldId="260"/>
+        </pc:sldMkLst>
+        <pc:spChg chg="add del">
+          <ac:chgData name="Lenka Hasova" userId="ea5c8ace-893c-4ae9-95cf-0ff1299a7b7a" providerId="ADAL" clId="{E19A9581-60C2-4DEE-8383-EB74FB369CED}" dt="2022-02-02T09:48:22.521" v="1" actId="22"/>
+          <ac:spMkLst>
+            <pc:docMk/>
+            <pc:sldMk cId="3505615963" sldId="260"/>
+            <ac:spMk id="18" creationId="{E8890C72-A85D-42F7-A726-F9F20A10C6A0}"/>
+          </ac:spMkLst>
+        </pc:spChg>
+      </pc:sldChg>
+      <pc:sldChg chg="addSp delSp modSp add mod">
+        <pc:chgData name="Lenka Hasova" userId="ea5c8ace-893c-4ae9-95cf-0ff1299a7b7a" providerId="ADAL" clId="{E19A9581-60C2-4DEE-8383-EB74FB369CED}" dt="2022-02-02T09:55:08.800" v="209" actId="20577"/>
+        <pc:sldMkLst>
+          <pc:docMk/>
+          <pc:sldMk cId="1541690451" sldId="261"/>
+        </pc:sldMkLst>
+        <pc:spChg chg="del">
+          <ac:chgData name="Lenka Hasova" userId="ea5c8ace-893c-4ae9-95cf-0ff1299a7b7a" providerId="ADAL" clId="{E19A9581-60C2-4DEE-8383-EB74FB369CED}" dt="2022-02-02T09:53:04.375" v="137" actId="478"/>
+          <ac:spMkLst>
+            <pc:docMk/>
+            <pc:sldMk cId="1541690451" sldId="261"/>
+            <ac:spMk id="4" creationId="{C47CCC9E-770E-4406-A6E1-CF6DE9317D3D}"/>
+          </ac:spMkLst>
+        </pc:spChg>
+        <pc:spChg chg="mod ord">
+          <ac:chgData name="Lenka Hasova" userId="ea5c8ace-893c-4ae9-95cf-0ff1299a7b7a" providerId="ADAL" clId="{E19A9581-60C2-4DEE-8383-EB74FB369CED}" dt="2022-02-02T09:54:46.172" v="167" actId="14100"/>
+          <ac:spMkLst>
+            <pc:docMk/>
+            <pc:sldMk cId="1541690451" sldId="261"/>
+            <ac:spMk id="5" creationId="{B1223149-D466-401A-BC5C-DF1D37FFE6C2}"/>
+          </ac:spMkLst>
+        </pc:spChg>
+        <pc:spChg chg="del mod">
+          <ac:chgData name="Lenka Hasova" userId="ea5c8ace-893c-4ae9-95cf-0ff1299a7b7a" providerId="ADAL" clId="{E19A9581-60C2-4DEE-8383-EB74FB369CED}" dt="2022-02-02T09:54:31.848" v="162" actId="478"/>
+          <ac:spMkLst>
+            <pc:docMk/>
+            <pc:sldMk cId="1541690451" sldId="261"/>
+            <ac:spMk id="14" creationId="{3C4A605D-A321-4B93-B2DA-B304654C790A}"/>
+          </ac:spMkLst>
+        </pc:spChg>
+        <pc:spChg chg="mod">
+          <ac:chgData name="Lenka Hasova" userId="ea5c8ace-893c-4ae9-95cf-0ff1299a7b7a" providerId="ADAL" clId="{E19A9581-60C2-4DEE-8383-EB74FB369CED}" dt="2022-02-02T09:54:37.835" v="164" actId="14100"/>
+          <ac:spMkLst>
+            <pc:docMk/>
+            <pc:sldMk cId="1541690451" sldId="261"/>
+            <ac:spMk id="15" creationId="{7D02956C-7E18-4418-8EFE-6364B5A5C6D6}"/>
+          </ac:spMkLst>
+        </pc:spChg>
+        <pc:spChg chg="del mod">
+          <ac:chgData name="Lenka Hasova" userId="ea5c8ace-893c-4ae9-95cf-0ff1299a7b7a" providerId="ADAL" clId="{E19A9581-60C2-4DEE-8383-EB74FB369CED}" dt="2022-02-02T09:54:41.687" v="165" actId="478"/>
+          <ac:spMkLst>
+            <pc:docMk/>
+            <pc:sldMk cId="1541690451" sldId="261"/>
+            <ac:spMk id="16" creationId="{C1F3BE31-786A-4533-9910-3DAA86E99B32}"/>
+          </ac:spMkLst>
+        </pc:spChg>
+        <pc:spChg chg="mod">
+          <ac:chgData name="Lenka Hasova" userId="ea5c8ace-893c-4ae9-95cf-0ff1299a7b7a" providerId="ADAL" clId="{E19A9581-60C2-4DEE-8383-EB74FB369CED}" dt="2022-02-02T09:55:08.800" v="209" actId="20577"/>
+          <ac:spMkLst>
+            <pc:docMk/>
+            <pc:sldMk cId="1541690451" sldId="261"/>
+            <ac:spMk id="17" creationId="{3E5FE9C4-CC46-494C-98F5-676D6A370018}"/>
+          </ac:spMkLst>
+        </pc:spChg>
+        <pc:spChg chg="add del mod">
+          <ac:chgData name="Lenka Hasova" userId="ea5c8ace-893c-4ae9-95cf-0ff1299a7b7a" providerId="ADAL" clId="{E19A9581-60C2-4DEE-8383-EB74FB369CED}" dt="2022-02-02T09:51:46.952" v="87" actId="478"/>
+          <ac:spMkLst>
+            <pc:docMk/>
+            <pc:sldMk cId="1541690451" sldId="261"/>
+            <ac:spMk id="18" creationId="{D354B017-6A8E-4C1F-8E6D-7F70CE156A68}"/>
+          </ac:spMkLst>
+        </pc:spChg>
+        <pc:spChg chg="add del mod">
+          <ac:chgData name="Lenka Hasova" userId="ea5c8ace-893c-4ae9-95cf-0ff1299a7b7a" providerId="ADAL" clId="{E19A9581-60C2-4DEE-8383-EB74FB369CED}" dt="2022-02-02T09:53:48.468" v="150"/>
+          <ac:spMkLst>
+            <pc:docMk/>
+            <pc:sldMk cId="1541690451" sldId="261"/>
+            <ac:spMk id="19" creationId="{6B345403-DEEA-4873-9AA7-4D0CA24840DF}"/>
+          </ac:spMkLst>
+        </pc:spChg>
+        <pc:spChg chg="add mod ord">
+          <ac:chgData name="Lenka Hasova" userId="ea5c8ace-893c-4ae9-95cf-0ff1299a7b7a" providerId="ADAL" clId="{E19A9581-60C2-4DEE-8383-EB74FB369CED}" dt="2022-02-02T09:54:29.539" v="161" actId="14100"/>
+          <ac:spMkLst>
+            <pc:docMk/>
+            <pc:sldMk cId="1541690451" sldId="261"/>
+            <ac:spMk id="22" creationId="{936DE5BD-3C58-4C18-A237-23802A408108}"/>
+          </ac:spMkLst>
+        </pc:spChg>
+        <pc:spChg chg="add mod ord">
+          <ac:chgData name="Lenka Hasova" userId="ea5c8ace-893c-4ae9-95cf-0ff1299a7b7a" providerId="ADAL" clId="{E19A9581-60C2-4DEE-8383-EB74FB369CED}" dt="2022-02-02T09:54:54.075" v="170" actId="1076"/>
+          <ac:spMkLst>
+            <pc:docMk/>
+            <pc:sldMk cId="1541690451" sldId="261"/>
+            <ac:spMk id="23" creationId="{7C6289F4-8C29-45E9-BD77-AA98606D655E}"/>
+          </ac:spMkLst>
+        </pc:spChg>
+        <pc:picChg chg="del">
+          <ac:chgData name="Lenka Hasova" userId="ea5c8ace-893c-4ae9-95cf-0ff1299a7b7a" providerId="ADAL" clId="{E19A9581-60C2-4DEE-8383-EB74FB369CED}" dt="2022-02-02T09:48:28.856" v="3" actId="478"/>
+          <ac:picMkLst>
+            <pc:docMk/>
+            <pc:sldMk cId="1541690451" sldId="261"/>
+            <ac:picMk id="7" creationId="{E3E73839-B1C8-4257-ADD6-48FE48ED2EB8}"/>
+          </ac:picMkLst>
+        </pc:picChg>
+        <pc:picChg chg="add mod">
+          <ac:chgData name="Lenka Hasova" userId="ea5c8ace-893c-4ae9-95cf-0ff1299a7b7a" providerId="ADAL" clId="{E19A9581-60C2-4DEE-8383-EB74FB369CED}" dt="2022-02-02T09:51:10.706" v="12" actId="14100"/>
+          <ac:picMkLst>
+            <pc:docMk/>
+            <pc:sldMk cId="1541690451" sldId="261"/>
+            <ac:picMk id="8" creationId="{45BD9E65-01A6-4EF2-98BA-8D098A610C67}"/>
+          </ac:picMkLst>
+        </pc:picChg>
+        <pc:picChg chg="del">
+          <ac:chgData name="Lenka Hasova" userId="ea5c8ace-893c-4ae9-95cf-0ff1299a7b7a" providerId="ADAL" clId="{E19A9581-60C2-4DEE-8383-EB74FB369CED}" dt="2022-02-02T09:48:30.037" v="5" actId="478"/>
+          <ac:picMkLst>
+            <pc:docMk/>
+            <pc:sldMk cId="1541690451" sldId="261"/>
+            <ac:picMk id="9" creationId="{D1F08DDD-7909-46B1-A42E-F11EFED9066A}"/>
+          </ac:picMkLst>
+        </pc:picChg>
+        <pc:picChg chg="del">
+          <ac:chgData name="Lenka Hasova" userId="ea5c8ace-893c-4ae9-95cf-0ff1299a7b7a" providerId="ADAL" clId="{E19A9581-60C2-4DEE-8383-EB74FB369CED}" dt="2022-02-02T09:48:30.582" v="6" actId="478"/>
+          <ac:picMkLst>
+            <pc:docMk/>
+            <pc:sldMk cId="1541690451" sldId="261"/>
+            <ac:picMk id="11" creationId="{CB8B2EAD-6CC9-4E28-B57E-4727C5E1A24B}"/>
+          </ac:picMkLst>
+        </pc:picChg>
+        <pc:picChg chg="add mod">
+          <ac:chgData name="Lenka Hasova" userId="ea5c8ace-893c-4ae9-95cf-0ff1299a7b7a" providerId="ADAL" clId="{E19A9581-60C2-4DEE-8383-EB74FB369CED}" dt="2022-02-02T09:53:16.763" v="143" actId="1076"/>
+          <ac:picMkLst>
+            <pc:docMk/>
+            <pc:sldMk cId="1541690451" sldId="261"/>
+            <ac:picMk id="12" creationId="{D041C867-FA86-454F-A754-D1B7B30D32A3}"/>
+          </ac:picMkLst>
+        </pc:picChg>
+        <pc:picChg chg="del">
+          <ac:chgData name="Lenka Hasova" userId="ea5c8ace-893c-4ae9-95cf-0ff1299a7b7a" providerId="ADAL" clId="{E19A9581-60C2-4DEE-8383-EB74FB369CED}" dt="2022-02-02T09:48:29.492" v="4" actId="478"/>
+          <ac:picMkLst>
+            <pc:docMk/>
+            <pc:sldMk cId="1541690451" sldId="261"/>
+            <ac:picMk id="13" creationId="{EAFDFFFF-8B2B-4E11-8EE3-907B28FE2A16}"/>
+          </ac:picMkLst>
+        </pc:picChg>
+        <pc:picChg chg="add mod">
+          <ac:chgData name="Lenka Hasova" userId="ea5c8ace-893c-4ae9-95cf-0ff1299a7b7a" providerId="ADAL" clId="{E19A9581-60C2-4DEE-8383-EB74FB369CED}" dt="2022-02-02T09:53:59.523" v="153" actId="1076"/>
+          <ac:picMkLst>
+            <pc:docMk/>
+            <pc:sldMk cId="1541690451" sldId="261"/>
+            <ac:picMk id="21" creationId="{1D4923BB-BADD-4264-8B14-34F8FB40ADE9}"/>
+          </ac:picMkLst>
+        </pc:picChg>
       </pc:sldChg>
     </pc:docChg>
   </pc:docChgLst>
@@ -962,7 +1130,7 @@
           <a:p>
             <a:fld id="{7A5AD6B1-77C4-4C61-A1B3-827CDB98672B}" type="datetimeFigureOut">
               <a:rPr lang="en-GB" smtClean="0"/>
-              <a:t>29/11/2021</a:t>
+              <a:t>02/02/2022</a:t>
             </a:fld>
             <a:endParaRPr lang="en-GB"/>
           </a:p>
@@ -1162,7 +1330,7 @@
           <a:p>
             <a:fld id="{7A5AD6B1-77C4-4C61-A1B3-827CDB98672B}" type="datetimeFigureOut">
               <a:rPr lang="en-GB" smtClean="0"/>
-              <a:t>29/11/2021</a:t>
+              <a:t>02/02/2022</a:t>
             </a:fld>
             <a:endParaRPr lang="en-GB"/>
           </a:p>
@@ -1372,7 +1540,7 @@
           <a:p>
             <a:fld id="{7A5AD6B1-77C4-4C61-A1B3-827CDB98672B}" type="datetimeFigureOut">
               <a:rPr lang="en-GB" smtClean="0"/>
-              <a:t>29/11/2021</a:t>
+              <a:t>02/02/2022</a:t>
             </a:fld>
             <a:endParaRPr lang="en-GB"/>
           </a:p>
@@ -1572,7 +1740,7 @@
           <a:p>
             <a:fld id="{7A5AD6B1-77C4-4C61-A1B3-827CDB98672B}" type="datetimeFigureOut">
               <a:rPr lang="en-GB" smtClean="0"/>
-              <a:t>29/11/2021</a:t>
+              <a:t>02/02/2022</a:t>
             </a:fld>
             <a:endParaRPr lang="en-GB"/>
           </a:p>
@@ -1848,7 +2016,7 @@
           <a:p>
             <a:fld id="{7A5AD6B1-77C4-4C61-A1B3-827CDB98672B}" type="datetimeFigureOut">
               <a:rPr lang="en-GB" smtClean="0"/>
-              <a:t>29/11/2021</a:t>
+              <a:t>02/02/2022</a:t>
             </a:fld>
             <a:endParaRPr lang="en-GB"/>
           </a:p>
@@ -2116,7 +2284,7 @@
           <a:p>
             <a:fld id="{7A5AD6B1-77C4-4C61-A1B3-827CDB98672B}" type="datetimeFigureOut">
               <a:rPr lang="en-GB" smtClean="0"/>
-              <a:t>29/11/2021</a:t>
+              <a:t>02/02/2022</a:t>
             </a:fld>
             <a:endParaRPr lang="en-GB"/>
           </a:p>
@@ -2531,7 +2699,7 @@
           <a:p>
             <a:fld id="{7A5AD6B1-77C4-4C61-A1B3-827CDB98672B}" type="datetimeFigureOut">
               <a:rPr lang="en-GB" smtClean="0"/>
-              <a:t>29/11/2021</a:t>
+              <a:t>02/02/2022</a:t>
             </a:fld>
             <a:endParaRPr lang="en-GB"/>
           </a:p>
@@ -2673,7 +2841,7 @@
           <a:p>
             <a:fld id="{7A5AD6B1-77C4-4C61-A1B3-827CDB98672B}" type="datetimeFigureOut">
               <a:rPr lang="en-GB" smtClean="0"/>
-              <a:t>29/11/2021</a:t>
+              <a:t>02/02/2022</a:t>
             </a:fld>
             <a:endParaRPr lang="en-GB"/>
           </a:p>
@@ -2786,7 +2954,7 @@
           <a:p>
             <a:fld id="{7A5AD6B1-77C4-4C61-A1B3-827CDB98672B}" type="datetimeFigureOut">
               <a:rPr lang="en-GB" smtClean="0"/>
-              <a:t>29/11/2021</a:t>
+              <a:t>02/02/2022</a:t>
             </a:fld>
             <a:endParaRPr lang="en-GB"/>
           </a:p>
@@ -3099,7 +3267,7 @@
           <a:p>
             <a:fld id="{7A5AD6B1-77C4-4C61-A1B3-827CDB98672B}" type="datetimeFigureOut">
               <a:rPr lang="en-GB" smtClean="0"/>
-              <a:t>29/11/2021</a:t>
+              <a:t>02/02/2022</a:t>
             </a:fld>
             <a:endParaRPr lang="en-GB"/>
           </a:p>
@@ -3388,7 +3556,7 @@
           <a:p>
             <a:fld id="{7A5AD6B1-77C4-4C61-A1B3-827CDB98672B}" type="datetimeFigureOut">
               <a:rPr lang="en-GB" smtClean="0"/>
-              <a:t>29/11/2021</a:t>
+              <a:t>02/02/2022</a:t>
             </a:fld>
             <a:endParaRPr lang="en-GB"/>
           </a:p>
@@ -3631,7 +3799,7 @@
           <a:p>
             <a:fld id="{7A5AD6B1-77C4-4C61-A1B3-827CDB98672B}" type="datetimeFigureOut">
               <a:rPr lang="en-GB" smtClean="0"/>
-              <a:t>29/11/2021</a:t>
+              <a:t>02/02/2022</a:t>
             </a:fld>
             <a:endParaRPr lang="en-GB"/>
           </a:p>
@@ -6908,6 +7076,486 @@
 </p:sld>
 </file>
 
+<file path=ppt/slides/slide6.xml><?xml version="1.0" encoding="utf-8"?>
+<p:sld xmlns:a="http://schemas.openxmlformats.org/drawingml/2006/main" xmlns:r="http://schemas.openxmlformats.org/officeDocument/2006/relationships" xmlns:p="http://schemas.openxmlformats.org/presentationml/2006/main">
+  <p:cSld>
+    <p:spTree>
+      <p:nvGrpSpPr>
+        <p:cNvPr id="1" name=""/>
+        <p:cNvGrpSpPr/>
+        <p:nvPr/>
+      </p:nvGrpSpPr>
+      <p:grpSpPr>
+        <a:xfrm>
+          <a:off x="0" y="0"/>
+          <a:ext cx="0" cy="0"/>
+          <a:chOff x="0" y="0"/>
+          <a:chExt cx="0" cy="0"/>
+        </a:xfrm>
+      </p:grpSpPr>
+      <p:sp>
+        <p:nvSpPr>
+          <p:cNvPr id="23" name="Rectangle 22">
+            <a:extLst>
+              <a:ext uri="{FF2B5EF4-FFF2-40B4-BE49-F238E27FC236}">
+                <a16:creationId xmlns:a16="http://schemas.microsoft.com/office/drawing/2014/main" id="{7C6289F4-8C29-45E9-BD77-AA98606D655E}"/>
+              </a:ext>
+            </a:extLst>
+          </p:cNvPr>
+          <p:cNvSpPr/>
+          <p:nvPr/>
+        </p:nvSpPr>
+        <p:spPr>
+          <a:xfrm>
+            <a:off x="5378254" y="690518"/>
+            <a:ext cx="6813746" cy="2393699"/>
+          </a:xfrm>
+          <a:prstGeom prst="rect">
+            <a:avLst/>
+          </a:prstGeom>
+          <a:solidFill>
+            <a:schemeClr val="accent1">
+              <a:lumMod val="20000"/>
+              <a:lumOff val="80000"/>
+            </a:schemeClr>
+          </a:solidFill>
+          <a:ln>
+            <a:noFill/>
+          </a:ln>
+        </p:spPr>
+        <p:style>
+          <a:lnRef idx="2">
+            <a:schemeClr val="accent1">
+              <a:shade val="50000"/>
+            </a:schemeClr>
+          </a:lnRef>
+          <a:fillRef idx="1">
+            <a:schemeClr val="accent1"/>
+          </a:fillRef>
+          <a:effectRef idx="0">
+            <a:schemeClr val="accent1"/>
+          </a:effectRef>
+          <a:fontRef idx="minor">
+            <a:schemeClr val="lt1"/>
+          </a:fontRef>
+        </p:style>
+        <p:txBody>
+          <a:bodyPr rtlCol="0" anchor="ctr"/>
+          <a:lstStyle/>
+          <a:p>
+            <a:pPr algn="ctr"/>
+            <a:endParaRPr lang="en-GB"/>
+          </a:p>
+        </p:txBody>
+      </p:sp>
+      <p:sp>
+        <p:nvSpPr>
+          <p:cNvPr id="5" name="Rectangle 4">
+            <a:extLst>
+              <a:ext uri="{FF2B5EF4-FFF2-40B4-BE49-F238E27FC236}">
+                <a16:creationId xmlns:a16="http://schemas.microsoft.com/office/drawing/2014/main" id="{B1223149-D466-401A-BC5C-DF1D37FFE6C2}"/>
+              </a:ext>
+            </a:extLst>
+          </p:cNvPr>
+          <p:cNvSpPr/>
+          <p:nvPr/>
+        </p:nvSpPr>
+        <p:spPr>
+          <a:xfrm>
+            <a:off x="1" y="726294"/>
+            <a:ext cx="5683321" cy="3958722"/>
+          </a:xfrm>
+          <a:prstGeom prst="rect">
+            <a:avLst/>
+          </a:prstGeom>
+          <a:solidFill>
+            <a:schemeClr val="accent4">
+              <a:lumMod val="20000"/>
+              <a:lumOff val="80000"/>
+            </a:schemeClr>
+          </a:solidFill>
+          <a:ln>
+            <a:noFill/>
+          </a:ln>
+        </p:spPr>
+        <p:style>
+          <a:lnRef idx="2">
+            <a:schemeClr val="accent1">
+              <a:shade val="50000"/>
+            </a:schemeClr>
+          </a:lnRef>
+          <a:fillRef idx="1">
+            <a:schemeClr val="accent1"/>
+          </a:fillRef>
+          <a:effectRef idx="0">
+            <a:schemeClr val="accent1"/>
+          </a:effectRef>
+          <a:fontRef idx="minor">
+            <a:schemeClr val="lt1"/>
+          </a:fontRef>
+        </p:style>
+        <p:txBody>
+          <a:bodyPr rtlCol="0" anchor="ctr"/>
+          <a:lstStyle/>
+          <a:p>
+            <a:pPr algn="ctr"/>
+            <a:endParaRPr lang="en-GB"/>
+          </a:p>
+        </p:txBody>
+      </p:sp>
+      <p:sp>
+        <p:nvSpPr>
+          <p:cNvPr id="22" name="Rectangle 21">
+            <a:extLst>
+              <a:ext uri="{FF2B5EF4-FFF2-40B4-BE49-F238E27FC236}">
+                <a16:creationId xmlns:a16="http://schemas.microsoft.com/office/drawing/2014/main" id="{936DE5BD-3C58-4C18-A237-23802A408108}"/>
+              </a:ext>
+            </a:extLst>
+          </p:cNvPr>
+          <p:cNvSpPr/>
+          <p:nvPr/>
+        </p:nvSpPr>
+        <p:spPr>
+          <a:xfrm>
+            <a:off x="-42575" y="4500077"/>
+            <a:ext cx="6813746" cy="2393699"/>
+          </a:xfrm>
+          <a:prstGeom prst="rect">
+            <a:avLst/>
+          </a:prstGeom>
+          <a:solidFill>
+            <a:schemeClr val="accent1">
+              <a:lumMod val="20000"/>
+              <a:lumOff val="80000"/>
+            </a:schemeClr>
+          </a:solidFill>
+          <a:ln>
+            <a:noFill/>
+          </a:ln>
+        </p:spPr>
+        <p:style>
+          <a:lnRef idx="2">
+            <a:schemeClr val="accent1">
+              <a:shade val="50000"/>
+            </a:schemeClr>
+          </a:lnRef>
+          <a:fillRef idx="1">
+            <a:schemeClr val="accent1"/>
+          </a:fillRef>
+          <a:effectRef idx="0">
+            <a:schemeClr val="accent1"/>
+          </a:effectRef>
+          <a:fontRef idx="minor">
+            <a:schemeClr val="lt1"/>
+          </a:fontRef>
+        </p:style>
+        <p:txBody>
+          <a:bodyPr rtlCol="0" anchor="ctr"/>
+          <a:lstStyle/>
+          <a:p>
+            <a:pPr algn="ctr"/>
+            <a:endParaRPr lang="en-GB"/>
+          </a:p>
+        </p:txBody>
+      </p:sp>
+      <p:sp>
+        <p:nvSpPr>
+          <p:cNvPr id="15" name="Rectangle 14">
+            <a:extLst>
+              <a:ext uri="{FF2B5EF4-FFF2-40B4-BE49-F238E27FC236}">
+                <a16:creationId xmlns:a16="http://schemas.microsoft.com/office/drawing/2014/main" id="{7D02956C-7E18-4418-8EFE-6364B5A5C6D6}"/>
+              </a:ext>
+            </a:extLst>
+          </p:cNvPr>
+          <p:cNvSpPr/>
+          <p:nvPr/>
+        </p:nvSpPr>
+        <p:spPr>
+          <a:xfrm>
+            <a:off x="5683322" y="2644886"/>
+            <a:ext cx="6508678" cy="4213114"/>
+          </a:xfrm>
+          <a:prstGeom prst="rect">
+            <a:avLst/>
+          </a:prstGeom>
+          <a:solidFill>
+            <a:schemeClr val="accent4">
+              <a:lumMod val="20000"/>
+              <a:lumOff val="80000"/>
+            </a:schemeClr>
+          </a:solidFill>
+          <a:ln>
+            <a:noFill/>
+          </a:ln>
+        </p:spPr>
+        <p:style>
+          <a:lnRef idx="2">
+            <a:schemeClr val="accent1">
+              <a:shade val="50000"/>
+            </a:schemeClr>
+          </a:lnRef>
+          <a:fillRef idx="1">
+            <a:schemeClr val="accent1"/>
+          </a:fillRef>
+          <a:effectRef idx="0">
+            <a:schemeClr val="accent1"/>
+          </a:effectRef>
+          <a:fontRef idx="minor">
+            <a:schemeClr val="lt1"/>
+          </a:fontRef>
+        </p:style>
+        <p:txBody>
+          <a:bodyPr rtlCol="0" anchor="ctr"/>
+          <a:lstStyle/>
+          <a:p>
+            <a:pPr algn="ctr"/>
+            <a:endParaRPr lang="en-GB"/>
+          </a:p>
+        </p:txBody>
+      </p:sp>
+      <p:sp>
+        <p:nvSpPr>
+          <p:cNvPr id="2" name="TextBox 1">
+            <a:extLst>
+              <a:ext uri="{FF2B5EF4-FFF2-40B4-BE49-F238E27FC236}">
+                <a16:creationId xmlns:a16="http://schemas.microsoft.com/office/drawing/2014/main" id="{632C0D62-B4AD-478D-84C9-33179BDE50E0}"/>
+              </a:ext>
+            </a:extLst>
+          </p:cNvPr>
+          <p:cNvSpPr txBox="1"/>
+          <p:nvPr/>
+        </p:nvSpPr>
+        <p:spPr>
+          <a:xfrm>
+            <a:off x="327803" y="109670"/>
+            <a:ext cx="2115131" cy="523220"/>
+          </a:xfrm>
+          <a:prstGeom prst="rect">
+            <a:avLst/>
+          </a:prstGeom>
+          <a:noFill/>
+        </p:spPr>
+        <p:txBody>
+          <a:bodyPr wrap="none" rtlCol="0">
+            <a:spAutoFit/>
+          </a:bodyPr>
+          <a:lstStyle/>
+          <a:p>
+            <a:r>
+              <a:rPr lang="en-GB" sz="2800" b="1" dirty="0">
+                <a:solidFill>
+                  <a:srgbClr val="FF0000"/>
+                </a:solidFill>
+              </a:rPr>
+              <a:t>What’s new?</a:t>
+            </a:r>
+          </a:p>
+        </p:txBody>
+      </p:sp>
+      <p:sp>
+        <p:nvSpPr>
+          <p:cNvPr id="3" name="TextBox 2">
+            <a:extLst>
+              <a:ext uri="{FF2B5EF4-FFF2-40B4-BE49-F238E27FC236}">
+                <a16:creationId xmlns:a16="http://schemas.microsoft.com/office/drawing/2014/main" id="{EBF31359-98AD-4195-98E1-D422DB412006}"/>
+              </a:ext>
+            </a:extLst>
+          </p:cNvPr>
+          <p:cNvSpPr txBox="1"/>
+          <p:nvPr/>
+        </p:nvSpPr>
+        <p:spPr>
+          <a:xfrm>
+            <a:off x="9183911" y="203074"/>
+            <a:ext cx="2680286" cy="523220"/>
+          </a:xfrm>
+          <a:prstGeom prst="rect">
+            <a:avLst/>
+          </a:prstGeom>
+          <a:noFill/>
+        </p:spPr>
+        <p:txBody>
+          <a:bodyPr wrap="none" rtlCol="0">
+            <a:spAutoFit/>
+          </a:bodyPr>
+          <a:lstStyle/>
+          <a:p>
+            <a:r>
+              <a:rPr lang="en-GB" sz="2800" b="1" dirty="0">
+                <a:solidFill>
+                  <a:srgbClr val="FF0000"/>
+                </a:solidFill>
+              </a:rPr>
+              <a:t>geogbrowns.info</a:t>
+            </a:r>
+          </a:p>
+        </p:txBody>
+      </p:sp>
+      <p:sp>
+        <p:nvSpPr>
+          <p:cNvPr id="17" name="TextBox 16">
+            <a:extLst>
+              <a:ext uri="{FF2B5EF4-FFF2-40B4-BE49-F238E27FC236}">
+                <a16:creationId xmlns:a16="http://schemas.microsoft.com/office/drawing/2014/main" id="{3E5FE9C4-CC46-494C-98F5-676D6A370018}"/>
+              </a:ext>
+            </a:extLst>
+          </p:cNvPr>
+          <p:cNvSpPr txBox="1"/>
+          <p:nvPr/>
+        </p:nvSpPr>
+        <p:spPr>
+          <a:xfrm>
+            <a:off x="6771171" y="1112413"/>
+            <a:ext cx="3915829" cy="1200329"/>
+          </a:xfrm>
+          <a:prstGeom prst="rect">
+            <a:avLst/>
+          </a:prstGeom>
+          <a:noFill/>
+        </p:spPr>
+        <p:txBody>
+          <a:bodyPr wrap="square" rtlCol="0">
+            <a:spAutoFit/>
+          </a:bodyPr>
+          <a:lstStyle/>
+          <a:p>
+            <a:pPr marL="285750" indent="-285750">
+              <a:buFont typeface="Arial" panose="020B0604020202020204" pitchFamily="34" charset="0"/>
+              <a:buChar char="•"/>
+            </a:pPr>
+            <a:r>
+              <a:rPr lang="en-GB" b="1" dirty="0"/>
+              <a:t>Victoria has joined our Rep team</a:t>
+            </a:r>
+          </a:p>
+          <a:p>
+            <a:pPr marL="285750" indent="-285750">
+              <a:buFont typeface="Arial" panose="020B0604020202020204" pitchFamily="34" charset="0"/>
+              <a:buChar char="•"/>
+            </a:pPr>
+            <a:r>
+              <a:rPr lang="en-GB" b="1" dirty="0"/>
+              <a:t>New opportunities</a:t>
+            </a:r>
+          </a:p>
+          <a:p>
+            <a:pPr marL="285750" indent="-285750">
+              <a:buFont typeface="Arial" panose="020B0604020202020204" pitchFamily="34" charset="0"/>
+              <a:buChar char="•"/>
+            </a:pPr>
+            <a:r>
+              <a:rPr lang="en-GB" b="1" dirty="0"/>
+              <a:t>Don’t forget for Friday social</a:t>
+            </a:r>
+          </a:p>
+          <a:p>
+            <a:endParaRPr lang="en-GB" b="1" dirty="0"/>
+          </a:p>
+        </p:txBody>
+      </p:sp>
+      <p:pic>
+        <p:nvPicPr>
+          <p:cNvPr id="8" name="Picture 7">
+            <a:extLst>
+              <a:ext uri="{FF2B5EF4-FFF2-40B4-BE49-F238E27FC236}">
+                <a16:creationId xmlns:a16="http://schemas.microsoft.com/office/drawing/2014/main" id="{45BD9E65-01A6-4EF2-98BA-8D098A610C67}"/>
+              </a:ext>
+            </a:extLst>
+          </p:cNvPr>
+          <p:cNvPicPr>
+            <a:picLocks noChangeAspect="1"/>
+          </p:cNvPicPr>
+          <p:nvPr/>
+        </p:nvPicPr>
+        <p:blipFill>
+          <a:blip r:embed="rId2"/>
+          <a:stretch>
+            <a:fillRect/>
+          </a:stretch>
+        </p:blipFill>
+        <p:spPr>
+          <a:xfrm>
+            <a:off x="390859" y="1079863"/>
+            <a:ext cx="4683775" cy="3204461"/>
+          </a:xfrm>
+          <a:prstGeom prst="rect">
+            <a:avLst/>
+          </a:prstGeom>
+        </p:spPr>
+      </p:pic>
+      <p:pic>
+        <p:nvPicPr>
+          <p:cNvPr id="12" name="Picture 11">
+            <a:extLst>
+              <a:ext uri="{FF2B5EF4-FFF2-40B4-BE49-F238E27FC236}">
+                <a16:creationId xmlns:a16="http://schemas.microsoft.com/office/drawing/2014/main" id="{D041C867-FA86-454F-A754-D1B7B30D32A3}"/>
+              </a:ext>
+            </a:extLst>
+          </p:cNvPr>
+          <p:cNvPicPr>
+            <a:picLocks noChangeAspect="1"/>
+          </p:cNvPicPr>
+          <p:nvPr/>
+        </p:nvPicPr>
+        <p:blipFill>
+          <a:blip r:embed="rId3"/>
+          <a:stretch>
+            <a:fillRect/>
+          </a:stretch>
+        </p:blipFill>
+        <p:spPr>
+          <a:xfrm>
+            <a:off x="6394231" y="2796952"/>
+            <a:ext cx="5353007" cy="3898805"/>
+          </a:xfrm>
+          <a:prstGeom prst="rect">
+            <a:avLst/>
+          </a:prstGeom>
+        </p:spPr>
+      </p:pic>
+      <p:pic>
+        <p:nvPicPr>
+          <p:cNvPr id="21" name="Picture 20">
+            <a:extLst>
+              <a:ext uri="{FF2B5EF4-FFF2-40B4-BE49-F238E27FC236}">
+                <a16:creationId xmlns:a16="http://schemas.microsoft.com/office/drawing/2014/main" id="{1D4923BB-BADD-4264-8B14-34F8FB40ADE9}"/>
+              </a:ext>
+            </a:extLst>
+          </p:cNvPr>
+          <p:cNvPicPr>
+            <a:picLocks noChangeAspect="1"/>
+          </p:cNvPicPr>
+          <p:nvPr/>
+        </p:nvPicPr>
+        <p:blipFill>
+          <a:blip r:embed="rId4"/>
+          <a:stretch>
+            <a:fillRect/>
+          </a:stretch>
+        </p:blipFill>
+        <p:spPr>
+          <a:xfrm>
+            <a:off x="635212" y="4825942"/>
+            <a:ext cx="4857749" cy="1633537"/>
+          </a:xfrm>
+          <a:prstGeom prst="rect">
+            <a:avLst/>
+          </a:prstGeom>
+        </p:spPr>
+      </p:pic>
+    </p:spTree>
+    <p:extLst>
+      <p:ext uri="{BB962C8B-B14F-4D97-AF65-F5344CB8AC3E}">
+        <p14:creationId xmlns:p14="http://schemas.microsoft.com/office/powerpoint/2010/main" val="1541690451"/>
+      </p:ext>
+    </p:extLst>
+  </p:cSld>
+  <p:clrMapOvr>
+    <a:masterClrMapping/>
+  </p:clrMapOvr>
+</p:sld>
+</file>
+
 <file path=ppt/theme/theme1.xml><?xml version="1.0" encoding="utf-8"?>
 <a:theme xmlns:a="http://schemas.openxmlformats.org/drawingml/2006/main" name="Office Theme">
   <a:themeElements>

--- a/news.pptx
+++ b/news.pptx
@@ -5,12 +5,13 @@
     <p:sldMasterId id="2147483648" r:id="rId1"/>
   </p:sldMasterIdLst>
   <p:sldIdLst>
-    <p:sldId id="256" r:id="rId2"/>
-    <p:sldId id="257" r:id="rId3"/>
-    <p:sldId id="258" r:id="rId4"/>
-    <p:sldId id="259" r:id="rId5"/>
-    <p:sldId id="260" r:id="rId6"/>
-    <p:sldId id="261" r:id="rId7"/>
+    <p:sldId id="262" r:id="rId2"/>
+    <p:sldId id="256" r:id="rId3"/>
+    <p:sldId id="257" r:id="rId4"/>
+    <p:sldId id="258" r:id="rId5"/>
+    <p:sldId id="259" r:id="rId6"/>
+    <p:sldId id="260" r:id="rId7"/>
+    <p:sldId id="261" r:id="rId8"/>
   </p:sldIdLst>
   <p:sldSz cx="12192000" cy="6858000"/>
   <p:notesSz cx="6858000" cy="9144000"/>
@@ -120,7 +121,7 @@
 <file path=ppt/revisionInfo.xml><?xml version="1.0" encoding="utf-8"?>
 <p1510:revInfo xmlns:a="http://schemas.openxmlformats.org/drawingml/2006/main" xmlns:r="http://schemas.openxmlformats.org/officeDocument/2006/relationships" xmlns:p1510="http://schemas.microsoft.com/office/powerpoint/2015/10/main">
   <p1510:revLst>
-    <p1510:client id="{E19A9581-60C2-4DEE-8383-EB74FB369CED}" v="6" dt="2022-02-02T09:54:43.723"/>
+    <p1510:client id="{94ED806C-97D9-4B4C-A0D9-8EAC7CA9A272}" v="11" dt="2022-02-20T14:03:07.760"/>
   </p1510:revLst>
 </p1510:revInfo>
 </file>
@@ -975,6 +976,54 @@
             <ac:picMk id="21" creationId="{1D4923BB-BADD-4264-8B14-34F8FB40ADE9}"/>
           </ac:picMkLst>
         </pc:picChg>
+      </pc:sldChg>
+    </pc:docChg>
+  </pc:docChgLst>
+  <pc:docChgLst>
+    <pc:chgData name="Lenka Hasova" userId="ea5c8ace-893c-4ae9-95cf-0ff1299a7b7a" providerId="ADAL" clId="{94ED806C-97D9-4B4C-A0D9-8EAC7CA9A272}"/>
+    <pc:docChg chg="custSel addSld modSld sldOrd">
+      <pc:chgData name="Lenka Hasova" userId="ea5c8ace-893c-4ae9-95cf-0ff1299a7b7a" providerId="ADAL" clId="{94ED806C-97D9-4B4C-A0D9-8EAC7CA9A272}" dt="2022-02-20T14:03:56.537" v="75" actId="1076"/>
+      <pc:docMkLst>
+        <pc:docMk/>
+      </pc:docMkLst>
+      <pc:sldChg chg="addSp delSp modSp new mod ord setBg">
+        <pc:chgData name="Lenka Hasova" userId="ea5c8ace-893c-4ae9-95cf-0ff1299a7b7a" providerId="ADAL" clId="{94ED806C-97D9-4B4C-A0D9-8EAC7CA9A272}" dt="2022-02-20T14:03:56.537" v="75" actId="1076"/>
+        <pc:sldMkLst>
+          <pc:docMk/>
+          <pc:sldMk cId="101023856" sldId="262"/>
+        </pc:sldMkLst>
+        <pc:spChg chg="del">
+          <ac:chgData name="Lenka Hasova" userId="ea5c8ace-893c-4ae9-95cf-0ff1299a7b7a" providerId="ADAL" clId="{94ED806C-97D9-4B4C-A0D9-8EAC7CA9A272}" dt="2022-02-20T13:55:23.931" v="3" actId="478"/>
+          <ac:spMkLst>
+            <pc:docMk/>
+            <pc:sldMk cId="101023856" sldId="262"/>
+            <ac:spMk id="2" creationId="{C483F564-7038-450D-A54F-6A425979C99A}"/>
+          </ac:spMkLst>
+        </pc:spChg>
+        <pc:spChg chg="del">
+          <ac:chgData name="Lenka Hasova" userId="ea5c8ace-893c-4ae9-95cf-0ff1299a7b7a" providerId="ADAL" clId="{94ED806C-97D9-4B4C-A0D9-8EAC7CA9A272}" dt="2022-02-20T13:55:24.667" v="4" actId="478"/>
+          <ac:spMkLst>
+            <pc:docMk/>
+            <pc:sldMk cId="101023856" sldId="262"/>
+            <ac:spMk id="3" creationId="{684DC928-9022-4A59-BA89-DFD9A52CF186}"/>
+          </ac:spMkLst>
+        </pc:spChg>
+        <pc:spChg chg="add mod">
+          <ac:chgData name="Lenka Hasova" userId="ea5c8ace-893c-4ae9-95cf-0ff1299a7b7a" providerId="ADAL" clId="{94ED806C-97D9-4B4C-A0D9-8EAC7CA9A272}" dt="2022-02-20T14:03:47.714" v="69" actId="1076"/>
+          <ac:spMkLst>
+            <pc:docMk/>
+            <pc:sldMk cId="101023856" sldId="262"/>
+            <ac:spMk id="4" creationId="{16662DC4-307B-4B57-AAC0-9C32DCA7B483}"/>
+          </ac:spMkLst>
+        </pc:spChg>
+        <pc:spChg chg="add mod">
+          <ac:chgData name="Lenka Hasova" userId="ea5c8ace-893c-4ae9-95cf-0ff1299a7b7a" providerId="ADAL" clId="{94ED806C-97D9-4B4C-A0D9-8EAC7CA9A272}" dt="2022-02-20T14:03:56.537" v="75" actId="1076"/>
+          <ac:spMkLst>
+            <pc:docMk/>
+            <pc:sldMk cId="101023856" sldId="262"/>
+            <ac:spMk id="5" creationId="{5BC1A39A-3A0C-4036-BEA6-476F507A4052}"/>
+          </ac:spMkLst>
+        </pc:spChg>
       </pc:sldChg>
     </pc:docChg>
   </pc:docChgLst>
@@ -1130,7 +1179,7 @@
           <a:p>
             <a:fld id="{7A5AD6B1-77C4-4C61-A1B3-827CDB98672B}" type="datetimeFigureOut">
               <a:rPr lang="en-GB" smtClean="0"/>
-              <a:t>02/02/2022</a:t>
+              <a:t>20/02/2022</a:t>
             </a:fld>
             <a:endParaRPr lang="en-GB"/>
           </a:p>
@@ -1330,7 +1379,7 @@
           <a:p>
             <a:fld id="{7A5AD6B1-77C4-4C61-A1B3-827CDB98672B}" type="datetimeFigureOut">
               <a:rPr lang="en-GB" smtClean="0"/>
-              <a:t>02/02/2022</a:t>
+              <a:t>20/02/2022</a:t>
             </a:fld>
             <a:endParaRPr lang="en-GB"/>
           </a:p>
@@ -1540,7 +1589,7 @@
           <a:p>
             <a:fld id="{7A5AD6B1-77C4-4C61-A1B3-827CDB98672B}" type="datetimeFigureOut">
               <a:rPr lang="en-GB" smtClean="0"/>
-              <a:t>02/02/2022</a:t>
+              <a:t>20/02/2022</a:t>
             </a:fld>
             <a:endParaRPr lang="en-GB"/>
           </a:p>
@@ -1740,7 +1789,7 @@
           <a:p>
             <a:fld id="{7A5AD6B1-77C4-4C61-A1B3-827CDB98672B}" type="datetimeFigureOut">
               <a:rPr lang="en-GB" smtClean="0"/>
-              <a:t>02/02/2022</a:t>
+              <a:t>20/02/2022</a:t>
             </a:fld>
             <a:endParaRPr lang="en-GB"/>
           </a:p>
@@ -2016,7 +2065,7 @@
           <a:p>
             <a:fld id="{7A5AD6B1-77C4-4C61-A1B3-827CDB98672B}" type="datetimeFigureOut">
               <a:rPr lang="en-GB" smtClean="0"/>
-              <a:t>02/02/2022</a:t>
+              <a:t>20/02/2022</a:t>
             </a:fld>
             <a:endParaRPr lang="en-GB"/>
           </a:p>
@@ -2284,7 +2333,7 @@
           <a:p>
             <a:fld id="{7A5AD6B1-77C4-4C61-A1B3-827CDB98672B}" type="datetimeFigureOut">
               <a:rPr lang="en-GB" smtClean="0"/>
-              <a:t>02/02/2022</a:t>
+              <a:t>20/02/2022</a:t>
             </a:fld>
             <a:endParaRPr lang="en-GB"/>
           </a:p>
@@ -2699,7 +2748,7 @@
           <a:p>
             <a:fld id="{7A5AD6B1-77C4-4C61-A1B3-827CDB98672B}" type="datetimeFigureOut">
               <a:rPr lang="en-GB" smtClean="0"/>
-              <a:t>02/02/2022</a:t>
+              <a:t>20/02/2022</a:t>
             </a:fld>
             <a:endParaRPr lang="en-GB"/>
           </a:p>
@@ -2841,7 +2890,7 @@
           <a:p>
             <a:fld id="{7A5AD6B1-77C4-4C61-A1B3-827CDB98672B}" type="datetimeFigureOut">
               <a:rPr lang="en-GB" smtClean="0"/>
-              <a:t>02/02/2022</a:t>
+              <a:t>20/02/2022</a:t>
             </a:fld>
             <a:endParaRPr lang="en-GB"/>
           </a:p>
@@ -2954,7 +3003,7 @@
           <a:p>
             <a:fld id="{7A5AD6B1-77C4-4C61-A1B3-827CDB98672B}" type="datetimeFigureOut">
               <a:rPr lang="en-GB" smtClean="0"/>
-              <a:t>02/02/2022</a:t>
+              <a:t>20/02/2022</a:t>
             </a:fld>
             <a:endParaRPr lang="en-GB"/>
           </a:p>
@@ -3267,7 +3316,7 @@
           <a:p>
             <a:fld id="{7A5AD6B1-77C4-4C61-A1B3-827CDB98672B}" type="datetimeFigureOut">
               <a:rPr lang="en-GB" smtClean="0"/>
-              <a:t>02/02/2022</a:t>
+              <a:t>20/02/2022</a:t>
             </a:fld>
             <a:endParaRPr lang="en-GB"/>
           </a:p>
@@ -3556,7 +3605,7 @@
           <a:p>
             <a:fld id="{7A5AD6B1-77C4-4C61-A1B3-827CDB98672B}" type="datetimeFigureOut">
               <a:rPr lang="en-GB" smtClean="0"/>
-              <a:t>02/02/2022</a:t>
+              <a:t>20/02/2022</a:t>
             </a:fld>
             <a:endParaRPr lang="en-GB"/>
           </a:p>
@@ -3799,7 +3848,7 @@
           <a:p>
             <a:fld id="{7A5AD6B1-77C4-4C61-A1B3-827CDB98672B}" type="datetimeFigureOut">
               <a:rPr lang="en-GB" smtClean="0"/>
-              <a:t>02/02/2022</a:t>
+              <a:t>20/02/2022</a:t>
             </a:fld>
             <a:endParaRPr lang="en-GB"/>
           </a:p>
@@ -4202,6 +4251,25 @@
 <file path=ppt/slides/slide1.xml><?xml version="1.0" encoding="utf-8"?>
 <p:sld xmlns:a="http://schemas.openxmlformats.org/drawingml/2006/main" xmlns:r="http://schemas.openxmlformats.org/officeDocument/2006/relationships" xmlns:p="http://schemas.openxmlformats.org/presentationml/2006/main">
   <p:cSld>
+    <p:bg>
+      <p:bgPr>
+        <a:blipFill dpi="0" rotWithShape="1">
+          <a:blip r:embed="rId2">
+            <a:lum/>
+            <a:extLst>
+              <a:ext uri="{837473B0-CC2E-450A-ABE3-18F120FF3D39}">
+                <a1611:picAttrSrcUrl xmlns:a1611="http://schemas.microsoft.com/office/drawing/2016/11/main" r:id="rId3"/>
+              </a:ext>
+            </a:extLst>
+          </a:blip>
+          <a:srcRect/>
+          <a:stretch>
+            <a:fillRect t="-9000" b="-9000"/>
+          </a:stretch>
+        </a:blipFill>
+        <a:effectLst/>
+      </p:bgPr>
+    </p:bg>
     <p:spTree>
       <p:nvGrpSpPr>
         <p:cNvPr id="1" name=""/>
@@ -4218,260 +4286,10 @@
       </p:grpSpPr>
       <p:sp>
         <p:nvSpPr>
-          <p:cNvPr id="19" name="Rectangle 18">
-            <a:extLst>
-              <a:ext uri="{FF2B5EF4-FFF2-40B4-BE49-F238E27FC236}">
-                <a16:creationId xmlns:a16="http://schemas.microsoft.com/office/drawing/2014/main" id="{70F82359-2A2B-4F3F-A22E-C08D9CD5A044}"/>
-              </a:ext>
-            </a:extLst>
-          </p:cNvPr>
-          <p:cNvSpPr/>
-          <p:nvPr/>
-        </p:nvSpPr>
-        <p:spPr>
-          <a:xfrm>
-            <a:off x="82193" y="1940190"/>
-            <a:ext cx="4204106" cy="4686641"/>
-          </a:xfrm>
-          <a:prstGeom prst="rect">
-            <a:avLst/>
-          </a:prstGeom>
-          <a:solidFill>
-            <a:schemeClr val="accent4">
-              <a:lumMod val="20000"/>
-              <a:lumOff val="80000"/>
-            </a:schemeClr>
-          </a:solidFill>
-          <a:ln>
-            <a:noFill/>
-          </a:ln>
-        </p:spPr>
-        <p:style>
-          <a:lnRef idx="2">
-            <a:schemeClr val="accent1">
-              <a:shade val="50000"/>
-            </a:schemeClr>
-          </a:lnRef>
-          <a:fillRef idx="1">
-            <a:schemeClr val="accent1"/>
-          </a:fillRef>
-          <a:effectRef idx="0">
-            <a:schemeClr val="accent1"/>
-          </a:effectRef>
-          <a:fontRef idx="minor">
-            <a:schemeClr val="lt1"/>
-          </a:fontRef>
-        </p:style>
-        <p:txBody>
-          <a:bodyPr rtlCol="0" anchor="ctr"/>
-          <a:lstStyle/>
-          <a:p>
-            <a:pPr algn="ctr"/>
-            <a:endParaRPr lang="en-GB"/>
-          </a:p>
-        </p:txBody>
-      </p:sp>
-      <p:sp>
-        <p:nvSpPr>
-          <p:cNvPr id="20" name="Rectangle 19">
-            <a:extLst>
-              <a:ext uri="{FF2B5EF4-FFF2-40B4-BE49-F238E27FC236}">
-                <a16:creationId xmlns:a16="http://schemas.microsoft.com/office/drawing/2014/main" id="{993B3AA8-FE53-4CC2-986A-F5AAF43E028B}"/>
-              </a:ext>
-            </a:extLst>
-          </p:cNvPr>
-          <p:cNvSpPr/>
-          <p:nvPr/>
-        </p:nvSpPr>
-        <p:spPr>
-          <a:xfrm>
-            <a:off x="3575548" y="2397362"/>
-            <a:ext cx="8434942" cy="4302234"/>
-          </a:xfrm>
-          <a:prstGeom prst="rect">
-            <a:avLst/>
-          </a:prstGeom>
-          <a:solidFill>
-            <a:schemeClr val="accent1">
-              <a:lumMod val="20000"/>
-              <a:lumOff val="80000"/>
-            </a:schemeClr>
-          </a:solidFill>
-          <a:ln>
-            <a:noFill/>
-          </a:ln>
-        </p:spPr>
-        <p:style>
-          <a:lnRef idx="2">
-            <a:schemeClr val="accent1">
-              <a:shade val="50000"/>
-            </a:schemeClr>
-          </a:lnRef>
-          <a:fillRef idx="1">
-            <a:schemeClr val="accent1"/>
-          </a:fillRef>
-          <a:effectRef idx="0">
-            <a:schemeClr val="accent1"/>
-          </a:effectRef>
-          <a:fontRef idx="minor">
-            <a:schemeClr val="lt1"/>
-          </a:fontRef>
-        </p:style>
-        <p:txBody>
-          <a:bodyPr rtlCol="0" anchor="ctr"/>
-          <a:lstStyle/>
-          <a:p>
-            <a:pPr algn="ctr"/>
-            <a:endParaRPr lang="en-GB"/>
-          </a:p>
-        </p:txBody>
-      </p:sp>
-      <p:sp>
-        <p:nvSpPr>
-          <p:cNvPr id="21" name="Rectangle 20">
-            <a:extLst>
-              <a:ext uri="{FF2B5EF4-FFF2-40B4-BE49-F238E27FC236}">
-                <a16:creationId xmlns:a16="http://schemas.microsoft.com/office/drawing/2014/main" id="{79312B81-F622-4C2F-8D2F-850A77F31E6A}"/>
-              </a:ext>
-            </a:extLst>
-          </p:cNvPr>
-          <p:cNvSpPr/>
-          <p:nvPr/>
-        </p:nvSpPr>
-        <p:spPr>
-          <a:xfrm>
-            <a:off x="7355488" y="726294"/>
-            <a:ext cx="4997574" cy="2505435"/>
-          </a:xfrm>
-          <a:prstGeom prst="rect">
-            <a:avLst/>
-          </a:prstGeom>
-          <a:solidFill>
-            <a:schemeClr val="accent4">
-              <a:lumMod val="20000"/>
-              <a:lumOff val="80000"/>
-            </a:schemeClr>
-          </a:solidFill>
-          <a:ln>
-            <a:noFill/>
-          </a:ln>
-        </p:spPr>
-        <p:style>
-          <a:lnRef idx="2">
-            <a:schemeClr val="accent1">
-              <a:shade val="50000"/>
-            </a:schemeClr>
-          </a:lnRef>
-          <a:fillRef idx="1">
-            <a:schemeClr val="accent1"/>
-          </a:fillRef>
-          <a:effectRef idx="0">
-            <a:schemeClr val="accent1"/>
-          </a:effectRef>
-          <a:fontRef idx="minor">
-            <a:schemeClr val="lt1"/>
-          </a:fontRef>
-        </p:style>
-        <p:txBody>
-          <a:bodyPr rtlCol="0" anchor="ctr"/>
-          <a:lstStyle/>
-          <a:p>
-            <a:pPr algn="ctr"/>
-            <a:endParaRPr lang="en-GB"/>
-          </a:p>
-        </p:txBody>
-      </p:sp>
-      <p:sp>
-        <p:nvSpPr>
-          <p:cNvPr id="18" name="Rectangle 17">
-            <a:extLst>
-              <a:ext uri="{FF2B5EF4-FFF2-40B4-BE49-F238E27FC236}">
-                <a16:creationId xmlns:a16="http://schemas.microsoft.com/office/drawing/2014/main" id="{CD62598E-F9C1-46EF-A74D-6D09F87BAD79}"/>
-              </a:ext>
-            </a:extLst>
-          </p:cNvPr>
-          <p:cNvSpPr/>
-          <p:nvPr/>
-        </p:nvSpPr>
-        <p:spPr>
-          <a:xfrm>
-            <a:off x="0" y="546393"/>
-            <a:ext cx="7191909" cy="964381"/>
-          </a:xfrm>
-          <a:prstGeom prst="rect">
-            <a:avLst/>
-          </a:prstGeom>
-          <a:solidFill>
-            <a:schemeClr val="accent1">
-              <a:lumMod val="20000"/>
-              <a:lumOff val="80000"/>
-            </a:schemeClr>
-          </a:solidFill>
-          <a:ln>
-            <a:noFill/>
-          </a:ln>
-        </p:spPr>
-        <p:style>
-          <a:lnRef idx="2">
-            <a:schemeClr val="accent1">
-              <a:shade val="50000"/>
-            </a:schemeClr>
-          </a:lnRef>
-          <a:fillRef idx="1">
-            <a:schemeClr val="accent1"/>
-          </a:fillRef>
-          <a:effectRef idx="0">
-            <a:schemeClr val="accent1"/>
-          </a:effectRef>
-          <a:fontRef idx="minor">
-            <a:schemeClr val="lt1"/>
-          </a:fontRef>
-        </p:style>
-        <p:txBody>
-          <a:bodyPr rtlCol="0" anchor="ctr"/>
-          <a:lstStyle/>
-          <a:p>
-            <a:pPr algn="ctr"/>
-            <a:endParaRPr lang="en-GB"/>
-          </a:p>
-        </p:txBody>
-      </p:sp>
-      <p:pic>
-        <p:nvPicPr>
-          <p:cNvPr id="12" name="Picture 11">
-            <a:extLst>
-              <a:ext uri="{FF2B5EF4-FFF2-40B4-BE49-F238E27FC236}">
-                <a16:creationId xmlns:a16="http://schemas.microsoft.com/office/drawing/2014/main" id="{F3E130FB-A4F8-454A-8A27-95D73B1BD5F2}"/>
-              </a:ext>
-            </a:extLst>
-          </p:cNvPr>
-          <p:cNvPicPr>
-            <a:picLocks noChangeAspect="1"/>
-          </p:cNvPicPr>
-          <p:nvPr/>
-        </p:nvPicPr>
-        <p:blipFill>
-          <a:blip r:embed="rId2"/>
-          <a:stretch>
-            <a:fillRect/>
-          </a:stretch>
-        </p:blipFill>
-        <p:spPr>
-          <a:xfrm>
-            <a:off x="3814068" y="2603667"/>
-            <a:ext cx="4836771" cy="3809932"/>
-          </a:xfrm>
-          <a:prstGeom prst="rect">
-            <a:avLst/>
-          </a:prstGeom>
-        </p:spPr>
-      </p:pic>
-      <p:sp>
-        <p:nvSpPr>
           <p:cNvPr id="4" name="TextBox 3">
             <a:extLst>
               <a:ext uri="{FF2B5EF4-FFF2-40B4-BE49-F238E27FC236}">
-                <a16:creationId xmlns:a16="http://schemas.microsoft.com/office/drawing/2014/main" id="{5EA35729-094C-428D-AF85-21F47F89CAE8}"/>
+                <a16:creationId xmlns:a16="http://schemas.microsoft.com/office/drawing/2014/main" id="{16662DC4-307B-4B57-AAC0-9C32DCA7B483}"/>
               </a:ext>
             </a:extLst>
           </p:cNvPr>
@@ -4480,8 +4298,8 @@
         </p:nvSpPr>
         <p:spPr>
           <a:xfrm>
-            <a:off x="327803" y="109670"/>
-            <a:ext cx="2115131" cy="523220"/>
+            <a:off x="2643809" y="1451113"/>
+            <a:ext cx="7404335" cy="1323439"/>
           </a:xfrm>
           <a:prstGeom prst="rect">
             <a:avLst/>
@@ -4495,112 +4313,43 @@
           <a:lstStyle/>
           <a:p>
             <a:r>
-              <a:rPr lang="en-GB" sz="2800" b="1" dirty="0">
+              <a:rPr lang="en-GB" sz="8000" b="1" dirty="0">
                 <a:solidFill>
-                  <a:srgbClr val="FF0000"/>
+                  <a:schemeClr val="bg1"/>
                 </a:solidFill>
               </a:rPr>
-              <a:t>What’s new?</a:t>
-            </a:r>
-          </a:p>
-        </p:txBody>
-      </p:sp>
-      <p:pic>
-        <p:nvPicPr>
-          <p:cNvPr id="6" name="Picture 5">
-            <a:extLst>
-              <a:ext uri="{FF2B5EF4-FFF2-40B4-BE49-F238E27FC236}">
-                <a16:creationId xmlns:a16="http://schemas.microsoft.com/office/drawing/2014/main" id="{4224E59B-4B42-4F89-BFE8-0894B939DEE3}"/>
-              </a:ext>
-            </a:extLst>
-          </p:cNvPr>
-          <p:cNvPicPr>
-            <a:picLocks noChangeAspect="1"/>
-          </p:cNvPicPr>
-          <p:nvPr/>
-        </p:nvPicPr>
-        <p:blipFill>
-          <a:blip r:embed="rId3"/>
-          <a:stretch>
-            <a:fillRect/>
-          </a:stretch>
-        </p:blipFill>
-        <p:spPr>
-          <a:xfrm>
-            <a:off x="3010237" y="906928"/>
-            <a:ext cx="4048108" cy="1059675"/>
-          </a:xfrm>
-          <a:prstGeom prst="rect">
-            <a:avLst/>
-          </a:prstGeom>
-        </p:spPr>
-      </p:pic>
-      <p:pic>
-        <p:nvPicPr>
-          <p:cNvPr id="8" name="Picture 7">
-            <a:extLst>
-              <a:ext uri="{FF2B5EF4-FFF2-40B4-BE49-F238E27FC236}">
-                <a16:creationId xmlns:a16="http://schemas.microsoft.com/office/drawing/2014/main" id="{61FA6FC2-5706-47C7-9A05-307561ECCB0E}"/>
-              </a:ext>
-            </a:extLst>
-          </p:cNvPr>
-          <p:cNvPicPr>
-            <a:picLocks noChangeAspect="1"/>
-          </p:cNvPicPr>
-          <p:nvPr/>
-        </p:nvPicPr>
-        <p:blipFill>
-          <a:blip r:embed="rId4"/>
-          <a:stretch>
-            <a:fillRect/>
-          </a:stretch>
-        </p:blipFill>
-        <p:spPr>
-          <a:xfrm>
-            <a:off x="272907" y="2549728"/>
-            <a:ext cx="2929105" cy="3142875"/>
-          </a:xfrm>
-          <a:prstGeom prst="rect">
-            <a:avLst/>
-          </a:prstGeom>
-        </p:spPr>
-      </p:pic>
-      <p:pic>
-        <p:nvPicPr>
-          <p:cNvPr id="10" name="Picture 9">
-            <a:extLst>
-              <a:ext uri="{FF2B5EF4-FFF2-40B4-BE49-F238E27FC236}">
-                <a16:creationId xmlns:a16="http://schemas.microsoft.com/office/drawing/2014/main" id="{C032E448-E6A5-49CD-B674-014E0FA40367}"/>
-              </a:ext>
-            </a:extLst>
-          </p:cNvPr>
-          <p:cNvPicPr>
-            <a:picLocks noChangeAspect="1"/>
-          </p:cNvPicPr>
-          <p:nvPr/>
-        </p:nvPicPr>
-        <p:blipFill>
-          <a:blip r:embed="rId5"/>
-          <a:stretch>
-            <a:fillRect/>
-          </a:stretch>
-        </p:blipFill>
-        <p:spPr>
-          <a:xfrm>
-            <a:off x="7905702" y="1296672"/>
-            <a:ext cx="4286298" cy="1671451"/>
-          </a:xfrm>
-          <a:prstGeom prst="rect">
-            <a:avLst/>
-          </a:prstGeom>
-        </p:spPr>
-      </p:pic>
-      <p:sp>
-        <p:nvSpPr>
-          <p:cNvPr id="13" name="TextBox 12">
-            <a:extLst>
-              <a:ext uri="{FF2B5EF4-FFF2-40B4-BE49-F238E27FC236}">
-                <a16:creationId xmlns:a16="http://schemas.microsoft.com/office/drawing/2014/main" id="{09179950-DC74-4834-B999-64AEB0C9B309}"/>
+              <a:t>2</a:t>
+            </a:r>
+            <a:r>
+              <a:rPr lang="en-GB" sz="8000" b="1" baseline="30000" dirty="0">
+                <a:solidFill>
+                  <a:schemeClr val="bg1"/>
+                </a:solidFill>
+              </a:rPr>
+              <a:t>nd</a:t>
+            </a:r>
+            <a:r>
+              <a:rPr lang="en-GB" sz="8000" b="1" dirty="0">
+                <a:solidFill>
+                  <a:schemeClr val="bg1"/>
+                </a:solidFill>
+              </a:rPr>
+              <a:t> SSLC Meeting</a:t>
+            </a:r>
+            <a:endParaRPr lang="en-GI" sz="8000" b="1" dirty="0">
+              <a:solidFill>
+                <a:schemeClr val="bg1"/>
+              </a:solidFill>
+            </a:endParaRPr>
+          </a:p>
+        </p:txBody>
+      </p:sp>
+      <p:sp>
+        <p:nvSpPr>
+          <p:cNvPr id="5" name="TextBox 4">
+            <a:extLst>
+              <a:ext uri="{FF2B5EF4-FFF2-40B4-BE49-F238E27FC236}">
+                <a16:creationId xmlns:a16="http://schemas.microsoft.com/office/drawing/2014/main" id="{5BC1A39A-3A0C-4036-BEA6-476F507A4052}"/>
               </a:ext>
             </a:extLst>
           </p:cNvPr>
@@ -4609,8 +4358,8 @@
         </p:nvSpPr>
         <p:spPr>
           <a:xfrm>
-            <a:off x="291920" y="905189"/>
-            <a:ext cx="2554738" cy="369332"/>
+            <a:off x="3174944" y="3160643"/>
+            <a:ext cx="5842112" cy="1107996"/>
           </a:xfrm>
           <a:prstGeom prst="rect">
             <a:avLst/>
@@ -4624,172 +4373,41 @@
           <a:lstStyle/>
           <a:p>
             <a:r>
-              <a:rPr lang="en-GB" b="1" dirty="0"/>
-              <a:t>1. New opportunities tab</a:t>
-            </a:r>
-          </a:p>
-        </p:txBody>
-      </p:sp>
-      <p:sp>
-        <p:nvSpPr>
-          <p:cNvPr id="14" name="TextBox 13">
-            <a:extLst>
-              <a:ext uri="{FF2B5EF4-FFF2-40B4-BE49-F238E27FC236}">
-                <a16:creationId xmlns:a16="http://schemas.microsoft.com/office/drawing/2014/main" id="{F161276A-FF5E-48BC-A91A-5C263203387D}"/>
-              </a:ext>
-            </a:extLst>
-          </p:cNvPr>
-          <p:cNvSpPr txBox="1"/>
-          <p:nvPr/>
-        </p:nvSpPr>
-        <p:spPr>
-          <a:xfrm>
-            <a:off x="9183911" y="203074"/>
-            <a:ext cx="2680286" cy="523220"/>
-          </a:xfrm>
-          <a:prstGeom prst="rect">
-            <a:avLst/>
-          </a:prstGeom>
-          <a:noFill/>
-        </p:spPr>
-        <p:txBody>
-          <a:bodyPr wrap="none" rtlCol="0">
-            <a:spAutoFit/>
-          </a:bodyPr>
-          <a:lstStyle/>
-          <a:p>
-            <a:r>
-              <a:rPr lang="en-GB" sz="2800" b="1" dirty="0">
+              <a:rPr lang="en-GB" sz="6600" dirty="0">
                 <a:solidFill>
-                  <a:srgbClr val="FF0000"/>
+                  <a:schemeClr val="bg1"/>
                 </a:solidFill>
               </a:rPr>
-              <a:t>geogbrowns.info</a:t>
-            </a:r>
-          </a:p>
-        </p:txBody>
-      </p:sp>
-      <p:sp>
-        <p:nvSpPr>
-          <p:cNvPr id="15" name="TextBox 14">
-            <a:extLst>
-              <a:ext uri="{FF2B5EF4-FFF2-40B4-BE49-F238E27FC236}">
-                <a16:creationId xmlns:a16="http://schemas.microsoft.com/office/drawing/2014/main" id="{DF521E31-6ACC-45A3-AD05-5D4F12108CAA}"/>
-              </a:ext>
-            </a:extLst>
-          </p:cNvPr>
-          <p:cNvSpPr txBox="1"/>
-          <p:nvPr/>
-        </p:nvSpPr>
-        <p:spPr>
-          <a:xfrm>
-            <a:off x="291920" y="1940190"/>
-            <a:ext cx="3809826" cy="369332"/>
-          </a:xfrm>
-          <a:prstGeom prst="rect">
-            <a:avLst/>
-          </a:prstGeom>
-          <a:noFill/>
-        </p:spPr>
-        <p:txBody>
-          <a:bodyPr wrap="none" rtlCol="0">
-            <a:spAutoFit/>
-          </a:bodyPr>
-          <a:lstStyle/>
-          <a:p>
-            <a:r>
-              <a:rPr lang="en-GB" b="1" dirty="0"/>
-              <a:t>2. Don’t miss Mondays Geogsoc social</a:t>
-            </a:r>
-          </a:p>
-        </p:txBody>
-      </p:sp>
-      <p:sp>
-        <p:nvSpPr>
-          <p:cNvPr id="16" name="TextBox 15">
-            <a:extLst>
-              <a:ext uri="{FF2B5EF4-FFF2-40B4-BE49-F238E27FC236}">
-                <a16:creationId xmlns:a16="http://schemas.microsoft.com/office/drawing/2014/main" id="{01E07B2F-75AD-4623-A0BF-7B1F03D3303A}"/>
-              </a:ext>
-            </a:extLst>
-          </p:cNvPr>
-          <p:cNvSpPr txBox="1"/>
-          <p:nvPr/>
-        </p:nvSpPr>
-        <p:spPr>
-          <a:xfrm>
-            <a:off x="7905702" y="938677"/>
-            <a:ext cx="2122889" cy="369332"/>
-          </a:xfrm>
-          <a:prstGeom prst="rect">
-            <a:avLst/>
-          </a:prstGeom>
-          <a:noFill/>
-        </p:spPr>
-        <p:txBody>
-          <a:bodyPr wrap="square" rtlCol="0">
-            <a:spAutoFit/>
-          </a:bodyPr>
-          <a:lstStyle/>
-          <a:p>
-            <a:r>
-              <a:rPr lang="en-GB" b="1" dirty="0"/>
-              <a:t>3. New publications </a:t>
-            </a:r>
-          </a:p>
-        </p:txBody>
-      </p:sp>
-      <p:sp>
-        <p:nvSpPr>
-          <p:cNvPr id="17" name="TextBox 16">
-            <a:extLst>
-              <a:ext uri="{FF2B5EF4-FFF2-40B4-BE49-F238E27FC236}">
-                <a16:creationId xmlns:a16="http://schemas.microsoft.com/office/drawing/2014/main" id="{5FB7DFFA-1BD0-4051-BAE3-B3863448E634}"/>
-              </a:ext>
-            </a:extLst>
-          </p:cNvPr>
-          <p:cNvSpPr txBox="1"/>
-          <p:nvPr/>
-        </p:nvSpPr>
-        <p:spPr>
-          <a:xfrm>
-            <a:off x="8650839" y="4121165"/>
-            <a:ext cx="3605646" cy="923330"/>
-          </a:xfrm>
-          <a:prstGeom prst="rect">
-            <a:avLst/>
-          </a:prstGeom>
-          <a:noFill/>
-        </p:spPr>
-        <p:txBody>
-          <a:bodyPr wrap="square" rtlCol="0">
-            <a:spAutoFit/>
-          </a:bodyPr>
-          <a:lstStyle/>
-          <a:p>
-            <a:r>
-              <a:rPr lang="en-GB" b="1" dirty="0"/>
-              <a:t>4. Cake Rota &amp; </a:t>
-            </a:r>
-          </a:p>
-          <a:p>
-            <a:r>
-              <a:rPr lang="en-GB" b="1" dirty="0"/>
-              <a:t>How to find people in department </a:t>
-            </a:r>
-          </a:p>
-          <a:p>
-            <a:r>
-              <a:rPr lang="en-GB" b="1" dirty="0"/>
-              <a:t>Tools added</a:t>
-            </a:r>
+              <a:t>16</a:t>
+            </a:r>
+            <a:r>
+              <a:rPr lang="en-GB" sz="6600" baseline="30000" dirty="0">
+                <a:solidFill>
+                  <a:schemeClr val="bg1"/>
+                </a:solidFill>
+              </a:rPr>
+              <a:t>th</a:t>
+            </a:r>
+            <a:r>
+              <a:rPr lang="en-GB" sz="6600" dirty="0">
+                <a:solidFill>
+                  <a:schemeClr val="bg1"/>
+                </a:solidFill>
+              </a:rPr>
+              <a:t> March 2022</a:t>
+            </a:r>
+            <a:endParaRPr lang="en-GI" sz="6600" dirty="0">
+              <a:solidFill>
+                <a:schemeClr val="bg1"/>
+              </a:solidFill>
+            </a:endParaRPr>
           </a:p>
         </p:txBody>
       </p:sp>
     </p:spTree>
     <p:extLst>
       <p:ext uri="{BB962C8B-B14F-4D97-AF65-F5344CB8AC3E}">
-        <p14:creationId xmlns:p14="http://schemas.microsoft.com/office/powerpoint/2010/main" val="2992507873"/>
+        <p14:creationId xmlns:p14="http://schemas.microsoft.com/office/powerpoint/2010/main" val="101023856"/>
       </p:ext>
     </p:extLst>
   </p:cSld>
@@ -4818,10 +4436,10 @@
       </p:grpSpPr>
       <p:sp>
         <p:nvSpPr>
-          <p:cNvPr id="13" name="Rectangle 12">
-            <a:extLst>
-              <a:ext uri="{FF2B5EF4-FFF2-40B4-BE49-F238E27FC236}">
-                <a16:creationId xmlns:a16="http://schemas.microsoft.com/office/drawing/2014/main" id="{FE241E90-D84C-4052-BBFB-FE951E7F13BA}"/>
+          <p:cNvPr id="19" name="Rectangle 18">
+            <a:extLst>
+              <a:ext uri="{FF2B5EF4-FFF2-40B4-BE49-F238E27FC236}">
+                <a16:creationId xmlns:a16="http://schemas.microsoft.com/office/drawing/2014/main" id="{70F82359-2A2B-4F3F-A22E-C08D9CD5A044}"/>
               </a:ext>
             </a:extLst>
           </p:cNvPr>
@@ -4830,8 +4448,8 @@
         </p:nvSpPr>
         <p:spPr>
           <a:xfrm>
-            <a:off x="82193" y="3950600"/>
-            <a:ext cx="12109808" cy="2797730"/>
+            <a:off x="82193" y="1940190"/>
+            <a:ext cx="4204106" cy="4686641"/>
           </a:xfrm>
           <a:prstGeom prst="rect">
             <a:avLst/>
@@ -4873,10 +4491,10 @@
       </p:sp>
       <p:sp>
         <p:nvSpPr>
-          <p:cNvPr id="11" name="Rectangle 10">
-            <a:extLst>
-              <a:ext uri="{FF2B5EF4-FFF2-40B4-BE49-F238E27FC236}">
-                <a16:creationId xmlns:a16="http://schemas.microsoft.com/office/drawing/2014/main" id="{71E9347F-51C9-41FD-9B29-5A486008E10A}"/>
+          <p:cNvPr id="20" name="Rectangle 19">
+            <a:extLst>
+              <a:ext uri="{FF2B5EF4-FFF2-40B4-BE49-F238E27FC236}">
+                <a16:creationId xmlns:a16="http://schemas.microsoft.com/office/drawing/2014/main" id="{993B3AA8-FE53-4CC2-986A-F5AAF43E028B}"/>
               </a:ext>
             </a:extLst>
           </p:cNvPr>
@@ -4885,8 +4503,8 @@
         </p:nvSpPr>
         <p:spPr>
           <a:xfrm>
-            <a:off x="0" y="1134319"/>
-            <a:ext cx="12192000" cy="2897209"/>
+            <a:off x="3575548" y="2397362"/>
+            <a:ext cx="8434942" cy="4302234"/>
           </a:xfrm>
           <a:prstGeom prst="rect">
             <a:avLst/>
@@ -4926,12 +4544,122 @@
           </a:p>
         </p:txBody>
       </p:sp>
+      <p:sp>
+        <p:nvSpPr>
+          <p:cNvPr id="21" name="Rectangle 20">
+            <a:extLst>
+              <a:ext uri="{FF2B5EF4-FFF2-40B4-BE49-F238E27FC236}">
+                <a16:creationId xmlns:a16="http://schemas.microsoft.com/office/drawing/2014/main" id="{79312B81-F622-4C2F-8D2F-850A77F31E6A}"/>
+              </a:ext>
+            </a:extLst>
+          </p:cNvPr>
+          <p:cNvSpPr/>
+          <p:nvPr/>
+        </p:nvSpPr>
+        <p:spPr>
+          <a:xfrm>
+            <a:off x="7355488" y="726294"/>
+            <a:ext cx="4997574" cy="2505435"/>
+          </a:xfrm>
+          <a:prstGeom prst="rect">
+            <a:avLst/>
+          </a:prstGeom>
+          <a:solidFill>
+            <a:schemeClr val="accent4">
+              <a:lumMod val="20000"/>
+              <a:lumOff val="80000"/>
+            </a:schemeClr>
+          </a:solidFill>
+          <a:ln>
+            <a:noFill/>
+          </a:ln>
+        </p:spPr>
+        <p:style>
+          <a:lnRef idx="2">
+            <a:schemeClr val="accent1">
+              <a:shade val="50000"/>
+            </a:schemeClr>
+          </a:lnRef>
+          <a:fillRef idx="1">
+            <a:schemeClr val="accent1"/>
+          </a:fillRef>
+          <a:effectRef idx="0">
+            <a:schemeClr val="accent1"/>
+          </a:effectRef>
+          <a:fontRef idx="minor">
+            <a:schemeClr val="lt1"/>
+          </a:fontRef>
+        </p:style>
+        <p:txBody>
+          <a:bodyPr rtlCol="0" anchor="ctr"/>
+          <a:lstStyle/>
+          <a:p>
+            <a:pPr algn="ctr"/>
+            <a:endParaRPr lang="en-GB"/>
+          </a:p>
+        </p:txBody>
+      </p:sp>
+      <p:sp>
+        <p:nvSpPr>
+          <p:cNvPr id="18" name="Rectangle 17">
+            <a:extLst>
+              <a:ext uri="{FF2B5EF4-FFF2-40B4-BE49-F238E27FC236}">
+                <a16:creationId xmlns:a16="http://schemas.microsoft.com/office/drawing/2014/main" id="{CD62598E-F9C1-46EF-A74D-6D09F87BAD79}"/>
+              </a:ext>
+            </a:extLst>
+          </p:cNvPr>
+          <p:cNvSpPr/>
+          <p:nvPr/>
+        </p:nvSpPr>
+        <p:spPr>
+          <a:xfrm>
+            <a:off x="0" y="546393"/>
+            <a:ext cx="7191909" cy="964381"/>
+          </a:xfrm>
+          <a:prstGeom prst="rect">
+            <a:avLst/>
+          </a:prstGeom>
+          <a:solidFill>
+            <a:schemeClr val="accent1">
+              <a:lumMod val="20000"/>
+              <a:lumOff val="80000"/>
+            </a:schemeClr>
+          </a:solidFill>
+          <a:ln>
+            <a:noFill/>
+          </a:ln>
+        </p:spPr>
+        <p:style>
+          <a:lnRef idx="2">
+            <a:schemeClr val="accent1">
+              <a:shade val="50000"/>
+            </a:schemeClr>
+          </a:lnRef>
+          <a:fillRef idx="1">
+            <a:schemeClr val="accent1"/>
+          </a:fillRef>
+          <a:effectRef idx="0">
+            <a:schemeClr val="accent1"/>
+          </a:effectRef>
+          <a:fontRef idx="minor">
+            <a:schemeClr val="lt1"/>
+          </a:fontRef>
+        </p:style>
+        <p:txBody>
+          <a:bodyPr rtlCol="0" anchor="ctr"/>
+          <a:lstStyle/>
+          <a:p>
+            <a:pPr algn="ctr"/>
+            <a:endParaRPr lang="en-GB"/>
+          </a:p>
+        </p:txBody>
+      </p:sp>
       <p:pic>
         <p:nvPicPr>
-          <p:cNvPr id="5" name="Picture 4">
-            <a:extLst>
-              <a:ext uri="{FF2B5EF4-FFF2-40B4-BE49-F238E27FC236}">
-                <a16:creationId xmlns:a16="http://schemas.microsoft.com/office/drawing/2014/main" id="{49AFAECA-CE32-4868-8C6B-5CC442501FD2}"/>
+          <p:cNvPr id="12" name="Picture 11">
+            <a:extLst>
+              <a:ext uri="{FF2B5EF4-FFF2-40B4-BE49-F238E27FC236}">
+                <a16:creationId xmlns:a16="http://schemas.microsoft.com/office/drawing/2014/main" id="{F3E130FB-A4F8-454A-8A27-95D73B1BD5F2}"/>
               </a:ext>
             </a:extLst>
           </p:cNvPr>
@@ -4948,20 +4676,59 @@
         </p:blipFill>
         <p:spPr>
           <a:xfrm>
-            <a:off x="4467828" y="4184016"/>
-            <a:ext cx="7502203" cy="2470909"/>
+            <a:off x="3814068" y="2603667"/>
+            <a:ext cx="4836771" cy="3809932"/>
           </a:xfrm>
           <a:prstGeom prst="rect">
             <a:avLst/>
           </a:prstGeom>
         </p:spPr>
       </p:pic>
+      <p:sp>
+        <p:nvSpPr>
+          <p:cNvPr id="4" name="TextBox 3">
+            <a:extLst>
+              <a:ext uri="{FF2B5EF4-FFF2-40B4-BE49-F238E27FC236}">
+                <a16:creationId xmlns:a16="http://schemas.microsoft.com/office/drawing/2014/main" id="{5EA35729-094C-428D-AF85-21F47F89CAE8}"/>
+              </a:ext>
+            </a:extLst>
+          </p:cNvPr>
+          <p:cNvSpPr txBox="1"/>
+          <p:nvPr/>
+        </p:nvSpPr>
+        <p:spPr>
+          <a:xfrm>
+            <a:off x="327803" y="109670"/>
+            <a:ext cx="2115131" cy="523220"/>
+          </a:xfrm>
+          <a:prstGeom prst="rect">
+            <a:avLst/>
+          </a:prstGeom>
+          <a:noFill/>
+        </p:spPr>
+        <p:txBody>
+          <a:bodyPr wrap="none" rtlCol="0">
+            <a:spAutoFit/>
+          </a:bodyPr>
+          <a:lstStyle/>
+          <a:p>
+            <a:r>
+              <a:rPr lang="en-GB" sz="2800" b="1" dirty="0">
+                <a:solidFill>
+                  <a:srgbClr val="FF0000"/>
+                </a:solidFill>
+              </a:rPr>
+              <a:t>What’s new?</a:t>
+            </a:r>
+          </a:p>
+        </p:txBody>
+      </p:sp>
       <p:pic>
         <p:nvPicPr>
-          <p:cNvPr id="7" name="Picture 6">
-            <a:extLst>
-              <a:ext uri="{FF2B5EF4-FFF2-40B4-BE49-F238E27FC236}">
-                <a16:creationId xmlns:a16="http://schemas.microsoft.com/office/drawing/2014/main" id="{B4445929-A623-482E-9640-C0D8E9D77869}"/>
+          <p:cNvPr id="6" name="Picture 5">
+            <a:extLst>
+              <a:ext uri="{FF2B5EF4-FFF2-40B4-BE49-F238E27FC236}">
+                <a16:creationId xmlns:a16="http://schemas.microsoft.com/office/drawing/2014/main" id="{4224E59B-4B42-4F89-BFE8-0894B939DEE3}"/>
               </a:ext>
             </a:extLst>
           </p:cNvPr>
@@ -4978,20 +4745,80 @@
         </p:blipFill>
         <p:spPr>
           <a:xfrm>
-            <a:off x="158596" y="1327202"/>
-            <a:ext cx="9467776" cy="2623398"/>
+            <a:off x="3010237" y="906928"/>
+            <a:ext cx="4048108" cy="1059675"/>
           </a:xfrm>
           <a:prstGeom prst="rect">
             <a:avLst/>
           </a:prstGeom>
         </p:spPr>
       </p:pic>
-      <p:sp>
-        <p:nvSpPr>
-          <p:cNvPr id="8" name="TextBox 7">
-            <a:extLst>
-              <a:ext uri="{FF2B5EF4-FFF2-40B4-BE49-F238E27FC236}">
-                <a16:creationId xmlns:a16="http://schemas.microsoft.com/office/drawing/2014/main" id="{EADCC8D0-FAC6-4026-B4EF-481E6CC2275D}"/>
+      <p:pic>
+        <p:nvPicPr>
+          <p:cNvPr id="8" name="Picture 7">
+            <a:extLst>
+              <a:ext uri="{FF2B5EF4-FFF2-40B4-BE49-F238E27FC236}">
+                <a16:creationId xmlns:a16="http://schemas.microsoft.com/office/drawing/2014/main" id="{61FA6FC2-5706-47C7-9A05-307561ECCB0E}"/>
+              </a:ext>
+            </a:extLst>
+          </p:cNvPr>
+          <p:cNvPicPr>
+            <a:picLocks noChangeAspect="1"/>
+          </p:cNvPicPr>
+          <p:nvPr/>
+        </p:nvPicPr>
+        <p:blipFill>
+          <a:blip r:embed="rId4"/>
+          <a:stretch>
+            <a:fillRect/>
+          </a:stretch>
+        </p:blipFill>
+        <p:spPr>
+          <a:xfrm>
+            <a:off x="272907" y="2549728"/>
+            <a:ext cx="2929105" cy="3142875"/>
+          </a:xfrm>
+          <a:prstGeom prst="rect">
+            <a:avLst/>
+          </a:prstGeom>
+        </p:spPr>
+      </p:pic>
+      <p:pic>
+        <p:nvPicPr>
+          <p:cNvPr id="10" name="Picture 9">
+            <a:extLst>
+              <a:ext uri="{FF2B5EF4-FFF2-40B4-BE49-F238E27FC236}">
+                <a16:creationId xmlns:a16="http://schemas.microsoft.com/office/drawing/2014/main" id="{C032E448-E6A5-49CD-B674-014E0FA40367}"/>
+              </a:ext>
+            </a:extLst>
+          </p:cNvPr>
+          <p:cNvPicPr>
+            <a:picLocks noChangeAspect="1"/>
+          </p:cNvPicPr>
+          <p:nvPr/>
+        </p:nvPicPr>
+        <p:blipFill>
+          <a:blip r:embed="rId5"/>
+          <a:stretch>
+            <a:fillRect/>
+          </a:stretch>
+        </p:blipFill>
+        <p:spPr>
+          <a:xfrm>
+            <a:off x="7905702" y="1296672"/>
+            <a:ext cx="4286298" cy="1671451"/>
+          </a:xfrm>
+          <a:prstGeom prst="rect">
+            <a:avLst/>
+          </a:prstGeom>
+        </p:spPr>
+      </p:pic>
+      <p:sp>
+        <p:nvSpPr>
+          <p:cNvPr id="13" name="TextBox 12">
+            <a:extLst>
+              <a:ext uri="{FF2B5EF4-FFF2-40B4-BE49-F238E27FC236}">
+                <a16:creationId xmlns:a16="http://schemas.microsoft.com/office/drawing/2014/main" id="{09179950-DC74-4834-B999-64AEB0C9B309}"/>
               </a:ext>
             </a:extLst>
           </p:cNvPr>
@@ -5000,8 +4827,8 @@
         </p:nvSpPr>
         <p:spPr>
           <a:xfrm>
-            <a:off x="327803" y="109670"/>
-            <a:ext cx="2115131" cy="523220"/>
+            <a:off x="291920" y="905189"/>
+            <a:ext cx="2554738" cy="369332"/>
           </a:xfrm>
           <a:prstGeom prst="rect">
             <a:avLst/>
@@ -5015,22 +4842,18 @@
           <a:lstStyle/>
           <a:p>
             <a:r>
-              <a:rPr lang="en-GB" sz="2800" b="1" dirty="0">
-                <a:solidFill>
-                  <a:srgbClr val="FF0000"/>
-                </a:solidFill>
-              </a:rPr>
-              <a:t>What’s new?</a:t>
-            </a:r>
-          </a:p>
-        </p:txBody>
-      </p:sp>
-      <p:sp>
-        <p:nvSpPr>
-          <p:cNvPr id="9" name="TextBox 8">
-            <a:extLst>
-              <a:ext uri="{FF2B5EF4-FFF2-40B4-BE49-F238E27FC236}">
-                <a16:creationId xmlns:a16="http://schemas.microsoft.com/office/drawing/2014/main" id="{1607868B-EAE9-47CE-908F-7F965A4A98C2}"/>
+              <a:rPr lang="en-GB" b="1" dirty="0"/>
+              <a:t>1. New opportunities tab</a:t>
+            </a:r>
+          </a:p>
+        </p:txBody>
+      </p:sp>
+      <p:sp>
+        <p:nvSpPr>
+          <p:cNvPr id="14" name="TextBox 13">
+            <a:extLst>
+              <a:ext uri="{FF2B5EF4-FFF2-40B4-BE49-F238E27FC236}">
+                <a16:creationId xmlns:a16="http://schemas.microsoft.com/office/drawing/2014/main" id="{F161276A-FF5E-48BC-A91A-5C263203387D}"/>
               </a:ext>
             </a:extLst>
           </p:cNvPr>
@@ -5066,10 +4889,10 @@
       </p:sp>
       <p:sp>
         <p:nvSpPr>
-          <p:cNvPr id="10" name="TextBox 9">
-            <a:extLst>
-              <a:ext uri="{FF2B5EF4-FFF2-40B4-BE49-F238E27FC236}">
-                <a16:creationId xmlns:a16="http://schemas.microsoft.com/office/drawing/2014/main" id="{7F956B51-1CAB-47FA-AABC-347BB8D44F7B}"/>
+          <p:cNvPr id="15" name="TextBox 14">
+            <a:extLst>
+              <a:ext uri="{FF2B5EF4-FFF2-40B4-BE49-F238E27FC236}">
+                <a16:creationId xmlns:a16="http://schemas.microsoft.com/office/drawing/2014/main" id="{DF521E31-6ACC-45A3-AD05-5D4F12108CAA}"/>
               </a:ext>
             </a:extLst>
           </p:cNvPr>
@@ -5078,8 +4901,43 @@
         </p:nvSpPr>
         <p:spPr>
           <a:xfrm>
-            <a:off x="9626372" y="1886467"/>
-            <a:ext cx="2407032" cy="1569660"/>
+            <a:off x="291920" y="1940190"/>
+            <a:ext cx="3809826" cy="369332"/>
+          </a:xfrm>
+          <a:prstGeom prst="rect">
+            <a:avLst/>
+          </a:prstGeom>
+          <a:noFill/>
+        </p:spPr>
+        <p:txBody>
+          <a:bodyPr wrap="none" rtlCol="0">
+            <a:spAutoFit/>
+          </a:bodyPr>
+          <a:lstStyle/>
+          <a:p>
+            <a:r>
+              <a:rPr lang="en-GB" b="1" dirty="0"/>
+              <a:t>2. Don’t miss Mondays Geogsoc social</a:t>
+            </a:r>
+          </a:p>
+        </p:txBody>
+      </p:sp>
+      <p:sp>
+        <p:nvSpPr>
+          <p:cNvPr id="16" name="TextBox 15">
+            <a:extLst>
+              <a:ext uri="{FF2B5EF4-FFF2-40B4-BE49-F238E27FC236}">
+                <a16:creationId xmlns:a16="http://schemas.microsoft.com/office/drawing/2014/main" id="{01E07B2F-75AD-4623-A0BF-7B1F03D3303A}"/>
+              </a:ext>
+            </a:extLst>
+          </p:cNvPr>
+          <p:cNvSpPr txBox="1"/>
+          <p:nvPr/>
+        </p:nvSpPr>
+        <p:spPr>
+          <a:xfrm>
+            <a:off x="7905702" y="938677"/>
+            <a:ext cx="2122889" cy="369332"/>
           </a:xfrm>
           <a:prstGeom prst="rect">
             <a:avLst/>
@@ -5093,18 +4951,18 @@
           <a:lstStyle/>
           <a:p>
             <a:r>
-              <a:rPr lang="en-GB" sz="2400" b="1" dirty="0"/>
-              <a:t>1. Directions to how to update your research profile</a:t>
-            </a:r>
-          </a:p>
-        </p:txBody>
-      </p:sp>
-      <p:sp>
-        <p:nvSpPr>
-          <p:cNvPr id="12" name="TextBox 11">
-            <a:extLst>
-              <a:ext uri="{FF2B5EF4-FFF2-40B4-BE49-F238E27FC236}">
-                <a16:creationId xmlns:a16="http://schemas.microsoft.com/office/drawing/2014/main" id="{D2EDBA25-9334-4AC3-9F1E-A49F03444E41}"/>
+              <a:rPr lang="en-GB" b="1" dirty="0"/>
+              <a:t>3. New publications </a:t>
+            </a:r>
+          </a:p>
+        </p:txBody>
+      </p:sp>
+      <p:sp>
+        <p:nvSpPr>
+          <p:cNvPr id="17" name="TextBox 16">
+            <a:extLst>
+              <a:ext uri="{FF2B5EF4-FFF2-40B4-BE49-F238E27FC236}">
+                <a16:creationId xmlns:a16="http://schemas.microsoft.com/office/drawing/2014/main" id="{5FB7DFFA-1BD0-4051-BAE3-B3863448E634}"/>
               </a:ext>
             </a:extLst>
           </p:cNvPr>
@@ -5113,8 +4971,8 @@
         </p:nvSpPr>
         <p:spPr>
           <a:xfrm>
-            <a:off x="1597808" y="4743062"/>
-            <a:ext cx="2407032" cy="1200329"/>
+            <a:off x="8650839" y="4121165"/>
+            <a:ext cx="3605646" cy="923330"/>
           </a:xfrm>
           <a:prstGeom prst="rect">
             <a:avLst/>
@@ -5128,8 +4986,20 @@
           <a:lstStyle/>
           <a:p>
             <a:r>
-              <a:rPr lang="en-GB" sz="2400" b="1" dirty="0"/>
-              <a:t>2. Tickets for GS Christmas dinner are out!</a:t>
+              <a:rPr lang="en-GB" b="1" dirty="0"/>
+              <a:t>4. Cake Rota &amp; </a:t>
+            </a:r>
+          </a:p>
+          <a:p>
+            <a:r>
+              <a:rPr lang="en-GB" b="1" dirty="0"/>
+              <a:t>How to find people in department </a:t>
+            </a:r>
+          </a:p>
+          <a:p>
+            <a:r>
+              <a:rPr lang="en-GB" b="1" dirty="0"/>
+              <a:t>Tools added</a:t>
             </a:r>
           </a:p>
         </p:txBody>
@@ -5137,7 +5007,7 @@
     </p:spTree>
     <p:extLst>
       <p:ext uri="{BB962C8B-B14F-4D97-AF65-F5344CB8AC3E}">
-        <p14:creationId xmlns:p14="http://schemas.microsoft.com/office/powerpoint/2010/main" val="1489152647"/>
+        <p14:creationId xmlns:p14="http://schemas.microsoft.com/office/powerpoint/2010/main" val="2992507873"/>
       </p:ext>
     </p:extLst>
   </p:cSld>
@@ -5166,10 +5036,10 @@
       </p:grpSpPr>
       <p:sp>
         <p:nvSpPr>
-          <p:cNvPr id="15" name="Rectangle 14">
-            <a:extLst>
-              <a:ext uri="{FF2B5EF4-FFF2-40B4-BE49-F238E27FC236}">
-                <a16:creationId xmlns:a16="http://schemas.microsoft.com/office/drawing/2014/main" id="{986A2E38-A8FD-4657-9F0B-7164A1ACCEDD}"/>
+          <p:cNvPr id="13" name="Rectangle 12">
+            <a:extLst>
+              <a:ext uri="{FF2B5EF4-FFF2-40B4-BE49-F238E27FC236}">
+                <a16:creationId xmlns:a16="http://schemas.microsoft.com/office/drawing/2014/main" id="{FE241E90-D84C-4052-BBFB-FE951E7F13BA}"/>
               </a:ext>
             </a:extLst>
           </p:cNvPr>
@@ -5178,8 +5048,8 @@
         </p:nvSpPr>
         <p:spPr>
           <a:xfrm>
-            <a:off x="5548045" y="3642337"/>
-            <a:ext cx="6643955" cy="3673602"/>
+            <a:off x="82193" y="3950600"/>
+            <a:ext cx="12109808" cy="2797730"/>
           </a:xfrm>
           <a:prstGeom prst="rect">
             <a:avLst/>
@@ -5221,10 +5091,10 @@
       </p:sp>
       <p:sp>
         <p:nvSpPr>
-          <p:cNvPr id="17" name="Rectangle 16">
-            <a:extLst>
-              <a:ext uri="{FF2B5EF4-FFF2-40B4-BE49-F238E27FC236}">
-                <a16:creationId xmlns:a16="http://schemas.microsoft.com/office/drawing/2014/main" id="{DEF4D13E-2C81-49D6-BF3C-677B2832DE12}"/>
+          <p:cNvPr id="11" name="Rectangle 10">
+            <a:extLst>
+              <a:ext uri="{FF2B5EF4-FFF2-40B4-BE49-F238E27FC236}">
+                <a16:creationId xmlns:a16="http://schemas.microsoft.com/office/drawing/2014/main" id="{71E9347F-51C9-41FD-9B29-5A486008E10A}"/>
               </a:ext>
             </a:extLst>
           </p:cNvPr>
@@ -5233,8 +5103,8 @@
         </p:nvSpPr>
         <p:spPr>
           <a:xfrm>
-            <a:off x="-351727" y="3791620"/>
-            <a:ext cx="6352854" cy="3196514"/>
+            <a:off x="0" y="1134319"/>
+            <a:ext cx="12192000" cy="2897209"/>
           </a:xfrm>
           <a:prstGeom prst="rect">
             <a:avLst/>
@@ -5274,200 +5144,12 @@
           </a:p>
         </p:txBody>
       </p:sp>
-      <p:sp>
-        <p:nvSpPr>
-          <p:cNvPr id="16" name="Rectangle 15">
-            <a:extLst>
-              <a:ext uri="{FF2B5EF4-FFF2-40B4-BE49-F238E27FC236}">
-                <a16:creationId xmlns:a16="http://schemas.microsoft.com/office/drawing/2014/main" id="{3D578D0E-5AEE-4D49-B7BE-6D76F950954B}"/>
-              </a:ext>
-            </a:extLst>
-          </p:cNvPr>
-          <p:cNvSpPr/>
-          <p:nvPr/>
-        </p:nvSpPr>
-        <p:spPr>
-          <a:xfrm>
-            <a:off x="5753528" y="726295"/>
-            <a:ext cx="6438472" cy="3065325"/>
-          </a:xfrm>
-          <a:prstGeom prst="rect">
-            <a:avLst/>
-          </a:prstGeom>
-          <a:solidFill>
-            <a:schemeClr val="accent1">
-              <a:lumMod val="20000"/>
-              <a:lumOff val="80000"/>
-            </a:schemeClr>
-          </a:solidFill>
-          <a:ln>
-            <a:noFill/>
-          </a:ln>
-        </p:spPr>
-        <p:style>
-          <a:lnRef idx="2">
-            <a:schemeClr val="accent1">
-              <a:shade val="50000"/>
-            </a:schemeClr>
-          </a:lnRef>
-          <a:fillRef idx="1">
-            <a:schemeClr val="accent1"/>
-          </a:fillRef>
-          <a:effectRef idx="0">
-            <a:schemeClr val="accent1"/>
-          </a:effectRef>
-          <a:fontRef idx="minor">
-            <a:schemeClr val="lt1"/>
-          </a:fontRef>
-        </p:style>
-        <p:txBody>
-          <a:bodyPr rtlCol="0" anchor="ctr"/>
-          <a:lstStyle/>
-          <a:p>
-            <a:pPr algn="ctr"/>
-            <a:endParaRPr lang="en-GB"/>
-          </a:p>
-        </p:txBody>
-      </p:sp>
-      <p:sp>
-        <p:nvSpPr>
-          <p:cNvPr id="14" name="Rectangle 13">
-            <a:extLst>
-              <a:ext uri="{FF2B5EF4-FFF2-40B4-BE49-F238E27FC236}">
-                <a16:creationId xmlns:a16="http://schemas.microsoft.com/office/drawing/2014/main" id="{7AD774FB-DAF8-4FDC-8780-02E49A662B32}"/>
-              </a:ext>
-            </a:extLst>
-          </p:cNvPr>
-          <p:cNvSpPr/>
-          <p:nvPr/>
-        </p:nvSpPr>
-        <p:spPr>
-          <a:xfrm>
-            <a:off x="-14951" y="632890"/>
-            <a:ext cx="5825447" cy="3271484"/>
-          </a:xfrm>
-          <a:prstGeom prst="rect">
-            <a:avLst/>
-          </a:prstGeom>
-          <a:solidFill>
-            <a:schemeClr val="accent4">
-              <a:lumMod val="20000"/>
-              <a:lumOff val="80000"/>
-            </a:schemeClr>
-          </a:solidFill>
-          <a:ln>
-            <a:noFill/>
-          </a:ln>
-        </p:spPr>
-        <p:style>
-          <a:lnRef idx="2">
-            <a:schemeClr val="accent1">
-              <a:shade val="50000"/>
-            </a:schemeClr>
-          </a:lnRef>
-          <a:fillRef idx="1">
-            <a:schemeClr val="accent1"/>
-          </a:fillRef>
-          <a:effectRef idx="0">
-            <a:schemeClr val="accent1"/>
-          </a:effectRef>
-          <a:fontRef idx="minor">
-            <a:schemeClr val="lt1"/>
-          </a:fontRef>
-        </p:style>
-        <p:txBody>
-          <a:bodyPr rtlCol="0" anchor="ctr"/>
-          <a:lstStyle/>
-          <a:p>
-            <a:pPr algn="ctr"/>
-            <a:endParaRPr lang="en-GB"/>
-          </a:p>
-        </p:txBody>
-      </p:sp>
-      <p:sp>
-        <p:nvSpPr>
-          <p:cNvPr id="8" name="TextBox 7">
-            <a:extLst>
-              <a:ext uri="{FF2B5EF4-FFF2-40B4-BE49-F238E27FC236}">
-                <a16:creationId xmlns:a16="http://schemas.microsoft.com/office/drawing/2014/main" id="{EADCC8D0-FAC6-4026-B4EF-481E6CC2275D}"/>
-              </a:ext>
-            </a:extLst>
-          </p:cNvPr>
-          <p:cNvSpPr txBox="1"/>
-          <p:nvPr/>
-        </p:nvSpPr>
-        <p:spPr>
-          <a:xfrm>
-            <a:off x="718824" y="35028"/>
-            <a:ext cx="2115131" cy="523220"/>
-          </a:xfrm>
-          <a:prstGeom prst="rect">
-            <a:avLst/>
-          </a:prstGeom>
-          <a:noFill/>
-        </p:spPr>
-        <p:txBody>
-          <a:bodyPr wrap="none" rtlCol="0">
-            <a:spAutoFit/>
-          </a:bodyPr>
-          <a:lstStyle/>
-          <a:p>
-            <a:r>
-              <a:rPr lang="en-GB" sz="2800" b="1" dirty="0">
-                <a:solidFill>
-                  <a:srgbClr val="FF0000"/>
-                </a:solidFill>
-              </a:rPr>
-              <a:t>What’s new?</a:t>
-            </a:r>
-          </a:p>
-        </p:txBody>
-      </p:sp>
-      <p:sp>
-        <p:nvSpPr>
-          <p:cNvPr id="9" name="TextBox 8">
-            <a:extLst>
-              <a:ext uri="{FF2B5EF4-FFF2-40B4-BE49-F238E27FC236}">
-                <a16:creationId xmlns:a16="http://schemas.microsoft.com/office/drawing/2014/main" id="{1607868B-EAE9-47CE-908F-7F965A4A98C2}"/>
-              </a:ext>
-            </a:extLst>
-          </p:cNvPr>
-          <p:cNvSpPr txBox="1"/>
-          <p:nvPr/>
-        </p:nvSpPr>
-        <p:spPr>
-          <a:xfrm>
-            <a:off x="8567462" y="71144"/>
-            <a:ext cx="2680286" cy="523220"/>
-          </a:xfrm>
-          <a:prstGeom prst="rect">
-            <a:avLst/>
-          </a:prstGeom>
-          <a:noFill/>
-        </p:spPr>
-        <p:txBody>
-          <a:bodyPr wrap="none" rtlCol="0">
-            <a:spAutoFit/>
-          </a:bodyPr>
-          <a:lstStyle/>
-          <a:p>
-            <a:r>
-              <a:rPr lang="en-GB" sz="2800" b="1" dirty="0">
-                <a:solidFill>
-                  <a:srgbClr val="FF0000"/>
-                </a:solidFill>
-              </a:rPr>
-              <a:t>geogbrowns.info</a:t>
-            </a:r>
-          </a:p>
-        </p:txBody>
-      </p:sp>
       <p:pic>
         <p:nvPicPr>
-          <p:cNvPr id="4" name="Picture 3">
-            <a:extLst>
-              <a:ext uri="{FF2B5EF4-FFF2-40B4-BE49-F238E27FC236}">
-                <a16:creationId xmlns:a16="http://schemas.microsoft.com/office/drawing/2014/main" id="{FC0E4B15-13A3-44ED-92EB-28BC5F118CB9}"/>
+          <p:cNvPr id="5" name="Picture 4">
+            <a:extLst>
+              <a:ext uri="{FF2B5EF4-FFF2-40B4-BE49-F238E27FC236}">
+                <a16:creationId xmlns:a16="http://schemas.microsoft.com/office/drawing/2014/main" id="{49AFAECA-CE32-4868-8C6B-5CC442501FD2}"/>
               </a:ext>
             </a:extLst>
           </p:cNvPr>
@@ -5484,8 +5166,8 @@
         </p:blipFill>
         <p:spPr>
           <a:xfrm>
-            <a:off x="7406555" y="1524895"/>
-            <a:ext cx="4691525" cy="1040977"/>
+            <a:off x="4467828" y="4184016"/>
+            <a:ext cx="7502203" cy="2470909"/>
           </a:xfrm>
           <a:prstGeom prst="rect">
             <a:avLst/>
@@ -5494,10 +5176,10 @@
       </p:pic>
       <p:pic>
         <p:nvPicPr>
-          <p:cNvPr id="6" name="Picture 5">
-            <a:extLst>
-              <a:ext uri="{FF2B5EF4-FFF2-40B4-BE49-F238E27FC236}">
-                <a16:creationId xmlns:a16="http://schemas.microsoft.com/office/drawing/2014/main" id="{F115C811-93B6-4F77-A6A5-E3933C30EC77}"/>
+          <p:cNvPr id="7" name="Picture 6">
+            <a:extLst>
+              <a:ext uri="{FF2B5EF4-FFF2-40B4-BE49-F238E27FC236}">
+                <a16:creationId xmlns:a16="http://schemas.microsoft.com/office/drawing/2014/main" id="{B4445929-A623-482E-9640-C0D8E9D77869}"/>
               </a:ext>
             </a:extLst>
           </p:cNvPr>
@@ -5514,139 +5196,20 @@
         </p:blipFill>
         <p:spPr>
           <a:xfrm>
-            <a:off x="7406555" y="2585790"/>
-            <a:ext cx="4785445" cy="921186"/>
+            <a:off x="158596" y="1327202"/>
+            <a:ext cx="9467776" cy="2623398"/>
           </a:xfrm>
           <a:prstGeom prst="rect">
             <a:avLst/>
           </a:prstGeom>
         </p:spPr>
       </p:pic>
-      <p:pic>
-        <p:nvPicPr>
-          <p:cNvPr id="12" name="Picture 11">
-            <a:extLst>
-              <a:ext uri="{FF2B5EF4-FFF2-40B4-BE49-F238E27FC236}">
-                <a16:creationId xmlns:a16="http://schemas.microsoft.com/office/drawing/2014/main" id="{E3C3A717-3A12-45E4-8FB7-EF3548B6EF05}"/>
-              </a:ext>
-            </a:extLst>
-          </p:cNvPr>
-          <p:cNvPicPr>
-            <a:picLocks noChangeAspect="1"/>
-          </p:cNvPicPr>
-          <p:nvPr/>
-        </p:nvPicPr>
-        <p:blipFill>
-          <a:blip r:embed="rId4"/>
-          <a:stretch>
-            <a:fillRect/>
-          </a:stretch>
-        </p:blipFill>
-        <p:spPr>
-          <a:xfrm>
-            <a:off x="7284379" y="3954589"/>
-            <a:ext cx="4724399" cy="2700337"/>
-          </a:xfrm>
-          <a:prstGeom prst="rect">
-            <a:avLst/>
-          </a:prstGeom>
-        </p:spPr>
-      </p:pic>
-      <p:pic>
-        <p:nvPicPr>
-          <p:cNvPr id="13" name="Picture 12">
-            <a:extLst>
-              <a:ext uri="{FF2B5EF4-FFF2-40B4-BE49-F238E27FC236}">
-                <a16:creationId xmlns:a16="http://schemas.microsoft.com/office/drawing/2014/main" id="{58B92E54-5F2C-4A87-8033-959C9B0CFA16}"/>
-              </a:ext>
-            </a:extLst>
-          </p:cNvPr>
-          <p:cNvPicPr>
-            <a:picLocks noChangeAspect="1"/>
-          </p:cNvPicPr>
-          <p:nvPr/>
-        </p:nvPicPr>
-        <p:blipFill rotWithShape="1">
-          <a:blip r:embed="rId5"/>
-          <a:srcRect l="5298" t="424" r="25532" b="72121"/>
-          <a:stretch/>
-        </p:blipFill>
-        <p:spPr>
-          <a:xfrm>
-            <a:off x="7414637" y="1080569"/>
-            <a:ext cx="3398830" cy="444326"/>
-          </a:xfrm>
-          <a:prstGeom prst="rect">
-            <a:avLst/>
-          </a:prstGeom>
-        </p:spPr>
-      </p:pic>
-      <p:pic>
-        <p:nvPicPr>
-          <p:cNvPr id="3" name="Picture 2">
-            <a:extLst>
-              <a:ext uri="{FF2B5EF4-FFF2-40B4-BE49-F238E27FC236}">
-                <a16:creationId xmlns:a16="http://schemas.microsoft.com/office/drawing/2014/main" id="{8B598DB6-EA0B-49E2-8D04-3BEF8D04CCA4}"/>
-              </a:ext>
-            </a:extLst>
-          </p:cNvPr>
-          <p:cNvPicPr>
-            <a:picLocks noChangeAspect="1"/>
-          </p:cNvPicPr>
-          <p:nvPr/>
-        </p:nvPicPr>
-        <p:blipFill>
-          <a:blip r:embed="rId6"/>
-          <a:stretch>
-            <a:fillRect/>
-          </a:stretch>
-        </p:blipFill>
-        <p:spPr>
-          <a:xfrm>
-            <a:off x="212600" y="1134355"/>
-            <a:ext cx="3866239" cy="2657265"/>
-          </a:xfrm>
-          <a:prstGeom prst="rect">
-            <a:avLst/>
-          </a:prstGeom>
-        </p:spPr>
-      </p:pic>
-      <p:pic>
-        <p:nvPicPr>
-          <p:cNvPr id="7" name="Picture 6">
-            <a:extLst>
-              <a:ext uri="{FF2B5EF4-FFF2-40B4-BE49-F238E27FC236}">
-                <a16:creationId xmlns:a16="http://schemas.microsoft.com/office/drawing/2014/main" id="{D86CE367-CA73-4E21-827F-86F419DD8BAF}"/>
-              </a:ext>
-            </a:extLst>
-          </p:cNvPr>
-          <p:cNvPicPr>
-            <a:picLocks noChangeAspect="1"/>
-          </p:cNvPicPr>
-          <p:nvPr/>
-        </p:nvPicPr>
-        <p:blipFill>
-          <a:blip r:embed="rId7"/>
-          <a:stretch>
-            <a:fillRect/>
-          </a:stretch>
-        </p:blipFill>
-        <p:spPr>
-          <a:xfrm>
-            <a:off x="143971" y="3979016"/>
-            <a:ext cx="4482690" cy="2651482"/>
-          </a:xfrm>
-          <a:prstGeom prst="rect">
-            <a:avLst/>
-          </a:prstGeom>
-        </p:spPr>
-      </p:pic>
-      <p:sp>
-        <p:nvSpPr>
-          <p:cNvPr id="11" name="TextBox 10">
-            <a:extLst>
-              <a:ext uri="{FF2B5EF4-FFF2-40B4-BE49-F238E27FC236}">
-                <a16:creationId xmlns:a16="http://schemas.microsoft.com/office/drawing/2014/main" id="{4CC1C8B8-AADB-4931-95FC-6B5F004214AB}"/>
+      <p:sp>
+        <p:nvSpPr>
+          <p:cNvPr id="8" name="TextBox 7">
+            <a:extLst>
+              <a:ext uri="{FF2B5EF4-FFF2-40B4-BE49-F238E27FC236}">
+                <a16:creationId xmlns:a16="http://schemas.microsoft.com/office/drawing/2014/main" id="{EADCC8D0-FAC6-4026-B4EF-481E6CC2275D}"/>
               </a:ext>
             </a:extLst>
           </p:cNvPr>
@@ -5655,15 +5218,91 @@
         </p:nvSpPr>
         <p:spPr>
           <a:xfrm>
-            <a:off x="1545892" y="795801"/>
-            <a:ext cx="1474710" cy="338554"/>
+            <a:off x="327803" y="109670"/>
+            <a:ext cx="2115131" cy="523220"/>
           </a:xfrm>
           <a:prstGeom prst="rect">
             <a:avLst/>
           </a:prstGeom>
-          <a:solidFill>
-            <a:schemeClr val="bg1"/>
-          </a:solidFill>
+          <a:noFill/>
+        </p:spPr>
+        <p:txBody>
+          <a:bodyPr wrap="none" rtlCol="0">
+            <a:spAutoFit/>
+          </a:bodyPr>
+          <a:lstStyle/>
+          <a:p>
+            <a:r>
+              <a:rPr lang="en-GB" sz="2800" b="1" dirty="0">
+                <a:solidFill>
+                  <a:srgbClr val="FF0000"/>
+                </a:solidFill>
+              </a:rPr>
+              <a:t>What’s new?</a:t>
+            </a:r>
+          </a:p>
+        </p:txBody>
+      </p:sp>
+      <p:sp>
+        <p:nvSpPr>
+          <p:cNvPr id="9" name="TextBox 8">
+            <a:extLst>
+              <a:ext uri="{FF2B5EF4-FFF2-40B4-BE49-F238E27FC236}">
+                <a16:creationId xmlns:a16="http://schemas.microsoft.com/office/drawing/2014/main" id="{1607868B-EAE9-47CE-908F-7F965A4A98C2}"/>
+              </a:ext>
+            </a:extLst>
+          </p:cNvPr>
+          <p:cNvSpPr txBox="1"/>
+          <p:nvPr/>
+        </p:nvSpPr>
+        <p:spPr>
+          <a:xfrm>
+            <a:off x="9183911" y="203074"/>
+            <a:ext cx="2680286" cy="523220"/>
+          </a:xfrm>
+          <a:prstGeom prst="rect">
+            <a:avLst/>
+          </a:prstGeom>
+          <a:noFill/>
+        </p:spPr>
+        <p:txBody>
+          <a:bodyPr wrap="none" rtlCol="0">
+            <a:spAutoFit/>
+          </a:bodyPr>
+          <a:lstStyle/>
+          <a:p>
+            <a:r>
+              <a:rPr lang="en-GB" sz="2800" b="1" dirty="0">
+                <a:solidFill>
+                  <a:srgbClr val="FF0000"/>
+                </a:solidFill>
+              </a:rPr>
+              <a:t>geogbrowns.info</a:t>
+            </a:r>
+          </a:p>
+        </p:txBody>
+      </p:sp>
+      <p:sp>
+        <p:nvSpPr>
+          <p:cNvPr id="10" name="TextBox 9">
+            <a:extLst>
+              <a:ext uri="{FF2B5EF4-FFF2-40B4-BE49-F238E27FC236}">
+                <a16:creationId xmlns:a16="http://schemas.microsoft.com/office/drawing/2014/main" id="{7F956B51-1CAB-47FA-AABC-347BB8D44F7B}"/>
+              </a:ext>
+            </a:extLst>
+          </p:cNvPr>
+          <p:cNvSpPr txBox="1"/>
+          <p:nvPr/>
+        </p:nvSpPr>
+        <p:spPr>
+          <a:xfrm>
+            <a:off x="9626372" y="1886467"/>
+            <a:ext cx="2407032" cy="1569660"/>
+          </a:xfrm>
+          <a:prstGeom prst="rect">
+            <a:avLst/>
+          </a:prstGeom>
+          <a:noFill/>
         </p:spPr>
         <p:txBody>
           <a:bodyPr wrap="square" rtlCol="0">
@@ -5671,23 +5310,19 @@
           </a:bodyPr>
           <a:lstStyle/>
           <a:p>
-            <a:pPr algn="ctr"/>
-            <a:r>
-              <a:rPr lang="en-GB" sz="1600" dirty="0">
-                <a:latin typeface="Arial" panose="020B0604020202020204" pitchFamily="34" charset="0"/>
-                <a:cs typeface="Arial" panose="020B0604020202020204" pitchFamily="34" charset="0"/>
-              </a:rPr>
-              <a:t>Tools &amp; Links</a:t>
-            </a:r>
-          </a:p>
-        </p:txBody>
-      </p:sp>
-      <p:sp>
-        <p:nvSpPr>
-          <p:cNvPr id="18" name="TextBox 17">
-            <a:extLst>
-              <a:ext uri="{FF2B5EF4-FFF2-40B4-BE49-F238E27FC236}">
-                <a16:creationId xmlns:a16="http://schemas.microsoft.com/office/drawing/2014/main" id="{981F59D2-6D81-488D-A20E-FDBEF47EF358}"/>
+            <a:r>
+              <a:rPr lang="en-GB" sz="2400" b="1" dirty="0"/>
+              <a:t>1. Directions to how to update your research profile</a:t>
+            </a:r>
+          </a:p>
+        </p:txBody>
+      </p:sp>
+      <p:sp>
+        <p:nvSpPr>
+          <p:cNvPr id="12" name="TextBox 11">
+            <a:extLst>
+              <a:ext uri="{FF2B5EF4-FFF2-40B4-BE49-F238E27FC236}">
+                <a16:creationId xmlns:a16="http://schemas.microsoft.com/office/drawing/2014/main" id="{D2EDBA25-9334-4AC3-9F1E-A49F03444E41}"/>
               </a:ext>
             </a:extLst>
           </p:cNvPr>
@@ -5696,8 +5331,8 @@
         </p:nvSpPr>
         <p:spPr>
           <a:xfrm>
-            <a:off x="4170261" y="1263721"/>
-            <a:ext cx="1648317" cy="1477328"/>
+            <a:off x="1597808" y="4743062"/>
+            <a:ext cx="2407032" cy="1200329"/>
           </a:xfrm>
           <a:prstGeom prst="rect">
             <a:avLst/>
@@ -5711,113 +5346,8 @@
           <a:lstStyle/>
           <a:p>
             <a:r>
-              <a:rPr lang="en-GB" b="1" dirty="0"/>
-              <a:t>1. New tools, all the news and school updates on one place</a:t>
-            </a:r>
-          </a:p>
-        </p:txBody>
-      </p:sp>
-      <p:sp>
-        <p:nvSpPr>
-          <p:cNvPr id="19" name="TextBox 18">
-            <a:extLst>
-              <a:ext uri="{FF2B5EF4-FFF2-40B4-BE49-F238E27FC236}">
-                <a16:creationId xmlns:a16="http://schemas.microsoft.com/office/drawing/2014/main" id="{B74BEE7B-F4C5-4CC5-A8D4-8B3DE777B2FA}"/>
-              </a:ext>
-            </a:extLst>
-          </p:cNvPr>
-          <p:cNvSpPr txBox="1"/>
-          <p:nvPr/>
-        </p:nvSpPr>
-        <p:spPr>
-          <a:xfrm>
-            <a:off x="4619878" y="4798149"/>
-            <a:ext cx="1469206" cy="1200329"/>
-          </a:xfrm>
-          <a:prstGeom prst="rect">
-            <a:avLst/>
-          </a:prstGeom>
-          <a:noFill/>
-        </p:spPr>
-        <p:txBody>
-          <a:bodyPr wrap="square" rtlCol="0">
-            <a:spAutoFit/>
-          </a:bodyPr>
-          <a:lstStyle/>
-          <a:p>
-            <a:r>
-              <a:rPr lang="en-GB" b="1" dirty="0"/>
-              <a:t>2. New articles from your peers and lecturers</a:t>
-            </a:r>
-          </a:p>
-        </p:txBody>
-      </p:sp>
-      <p:sp>
-        <p:nvSpPr>
-          <p:cNvPr id="20" name="TextBox 19">
-            <a:extLst>
-              <a:ext uri="{FF2B5EF4-FFF2-40B4-BE49-F238E27FC236}">
-                <a16:creationId xmlns:a16="http://schemas.microsoft.com/office/drawing/2014/main" id="{8BA56B8F-221C-437A-91CA-3C9A649BE74F}"/>
-              </a:ext>
-            </a:extLst>
-          </p:cNvPr>
-          <p:cNvSpPr txBox="1"/>
-          <p:nvPr/>
-        </p:nvSpPr>
-        <p:spPr>
-          <a:xfrm>
-            <a:off x="5945431" y="1656826"/>
-            <a:ext cx="1469206" cy="646331"/>
-          </a:xfrm>
-          <a:prstGeom prst="rect">
-            <a:avLst/>
-          </a:prstGeom>
-          <a:noFill/>
-        </p:spPr>
-        <p:txBody>
-          <a:bodyPr wrap="square" rtlCol="0">
-            <a:spAutoFit/>
-          </a:bodyPr>
-          <a:lstStyle/>
-          <a:p>
-            <a:r>
-              <a:rPr lang="en-GB" b="1" dirty="0"/>
-              <a:t>3. Important dates </a:t>
-            </a:r>
-          </a:p>
-        </p:txBody>
-      </p:sp>
-      <p:sp>
-        <p:nvSpPr>
-          <p:cNvPr id="21" name="TextBox 20">
-            <a:extLst>
-              <a:ext uri="{FF2B5EF4-FFF2-40B4-BE49-F238E27FC236}">
-                <a16:creationId xmlns:a16="http://schemas.microsoft.com/office/drawing/2014/main" id="{F3399C2C-C336-4221-B875-C3FF9D8011C6}"/>
-              </a:ext>
-            </a:extLst>
-          </p:cNvPr>
-          <p:cNvSpPr txBox="1"/>
-          <p:nvPr/>
-        </p:nvSpPr>
-        <p:spPr>
-          <a:xfrm>
-            <a:off x="6010382" y="4353450"/>
-            <a:ext cx="1469206" cy="1200329"/>
-          </a:xfrm>
-          <a:prstGeom prst="rect">
-            <a:avLst/>
-          </a:prstGeom>
-          <a:noFill/>
-        </p:spPr>
-        <p:txBody>
-          <a:bodyPr wrap="square" rtlCol="0">
-            <a:spAutoFit/>
-          </a:bodyPr>
-          <a:lstStyle/>
-          <a:p>
-            <a:r>
-              <a:rPr lang="en-GB" b="1" dirty="0"/>
-              <a:t>4. All the opportunities at one place</a:t>
+              <a:rPr lang="en-GB" sz="2400" b="1" dirty="0"/>
+              <a:t>2. Tickets for GS Christmas dinner are out!</a:t>
             </a:r>
           </a:p>
         </p:txBody>
@@ -5825,7 +5355,7 @@
     </p:spTree>
     <p:extLst>
       <p:ext uri="{BB962C8B-B14F-4D97-AF65-F5344CB8AC3E}">
-        <p14:creationId xmlns:p14="http://schemas.microsoft.com/office/powerpoint/2010/main" val="1491932171"/>
+        <p14:creationId xmlns:p14="http://schemas.microsoft.com/office/powerpoint/2010/main" val="1489152647"/>
       </p:ext>
     </p:extLst>
   </p:cSld>
@@ -5854,88 +5384,10 @@
       </p:grpSpPr>
       <p:sp>
         <p:nvSpPr>
-          <p:cNvPr id="2" name="TextBox 1">
-            <a:extLst>
-              <a:ext uri="{FF2B5EF4-FFF2-40B4-BE49-F238E27FC236}">
-                <a16:creationId xmlns:a16="http://schemas.microsoft.com/office/drawing/2014/main" id="{632C0D62-B4AD-478D-84C9-33179BDE50E0}"/>
-              </a:ext>
-            </a:extLst>
-          </p:cNvPr>
-          <p:cNvSpPr txBox="1"/>
-          <p:nvPr/>
-        </p:nvSpPr>
-        <p:spPr>
-          <a:xfrm>
-            <a:off x="327803" y="109670"/>
-            <a:ext cx="2115131" cy="523220"/>
-          </a:xfrm>
-          <a:prstGeom prst="rect">
-            <a:avLst/>
-          </a:prstGeom>
-          <a:noFill/>
-        </p:spPr>
-        <p:txBody>
-          <a:bodyPr wrap="none" rtlCol="0">
-            <a:spAutoFit/>
-          </a:bodyPr>
-          <a:lstStyle/>
-          <a:p>
-            <a:r>
-              <a:rPr lang="en-GB" sz="2800" b="1" dirty="0">
-                <a:solidFill>
-                  <a:srgbClr val="FF0000"/>
-                </a:solidFill>
-              </a:rPr>
-              <a:t>What’s new?</a:t>
-            </a:r>
-          </a:p>
-        </p:txBody>
-      </p:sp>
-      <p:sp>
-        <p:nvSpPr>
-          <p:cNvPr id="3" name="TextBox 2">
-            <a:extLst>
-              <a:ext uri="{FF2B5EF4-FFF2-40B4-BE49-F238E27FC236}">
-                <a16:creationId xmlns:a16="http://schemas.microsoft.com/office/drawing/2014/main" id="{EBF31359-98AD-4195-98E1-D422DB412006}"/>
-              </a:ext>
-            </a:extLst>
-          </p:cNvPr>
-          <p:cNvSpPr txBox="1"/>
-          <p:nvPr/>
-        </p:nvSpPr>
-        <p:spPr>
-          <a:xfrm>
-            <a:off x="9183911" y="203074"/>
-            <a:ext cx="2680286" cy="523220"/>
-          </a:xfrm>
-          <a:prstGeom prst="rect">
-            <a:avLst/>
-          </a:prstGeom>
-          <a:noFill/>
-        </p:spPr>
-        <p:txBody>
-          <a:bodyPr wrap="none" rtlCol="0">
-            <a:spAutoFit/>
-          </a:bodyPr>
-          <a:lstStyle/>
-          <a:p>
-            <a:r>
-              <a:rPr lang="en-GB" sz="2800" b="1" dirty="0">
-                <a:solidFill>
-                  <a:srgbClr val="FF0000"/>
-                </a:solidFill>
-              </a:rPr>
-              <a:t>geogbrowns.info</a:t>
-            </a:r>
-          </a:p>
-        </p:txBody>
-      </p:sp>
-      <p:sp>
-        <p:nvSpPr>
-          <p:cNvPr id="4" name="Rectangle 3">
-            <a:extLst>
-              <a:ext uri="{FF2B5EF4-FFF2-40B4-BE49-F238E27FC236}">
-                <a16:creationId xmlns:a16="http://schemas.microsoft.com/office/drawing/2014/main" id="{C47CCC9E-770E-4406-A6E1-CF6DE9317D3D}"/>
+          <p:cNvPr id="15" name="Rectangle 14">
+            <a:extLst>
+              <a:ext uri="{FF2B5EF4-FFF2-40B4-BE49-F238E27FC236}">
+                <a16:creationId xmlns:a16="http://schemas.microsoft.com/office/drawing/2014/main" id="{986A2E38-A8FD-4657-9F0B-7164A1ACCEDD}"/>
               </a:ext>
             </a:extLst>
           </p:cNvPr>
@@ -5944,14 +5396,14 @@
         </p:nvSpPr>
         <p:spPr>
           <a:xfrm>
-            <a:off x="-207033" y="4630534"/>
-            <a:ext cx="12603848" cy="2509100"/>
+            <a:off x="5548045" y="3642337"/>
+            <a:ext cx="6643955" cy="3673602"/>
           </a:xfrm>
           <a:prstGeom prst="rect">
             <a:avLst/>
           </a:prstGeom>
           <a:solidFill>
-            <a:schemeClr val="accent1">
+            <a:schemeClr val="accent4">
               <a:lumMod val="20000"/>
               <a:lumOff val="80000"/>
             </a:schemeClr>
@@ -5987,10 +5439,10 @@
       </p:sp>
       <p:sp>
         <p:nvSpPr>
-          <p:cNvPr id="5" name="Rectangle 4">
-            <a:extLst>
-              <a:ext uri="{FF2B5EF4-FFF2-40B4-BE49-F238E27FC236}">
-                <a16:creationId xmlns:a16="http://schemas.microsoft.com/office/drawing/2014/main" id="{B1223149-D466-401A-BC5C-DF1D37FFE6C2}"/>
+          <p:cNvPr id="17" name="Rectangle 16">
+            <a:extLst>
+              <a:ext uri="{FF2B5EF4-FFF2-40B4-BE49-F238E27FC236}">
+                <a16:creationId xmlns:a16="http://schemas.microsoft.com/office/drawing/2014/main" id="{DEF4D13E-2C81-49D6-BF3C-677B2832DE12}"/>
               </a:ext>
             </a:extLst>
           </p:cNvPr>
@@ -5999,14 +5451,14 @@
         </p:nvSpPr>
         <p:spPr>
           <a:xfrm>
-            <a:off x="0" y="632890"/>
-            <a:ext cx="12396815" cy="4179588"/>
+            <a:off x="-351727" y="3791620"/>
+            <a:ext cx="6352854" cy="3196514"/>
           </a:xfrm>
           <a:prstGeom prst="rect">
             <a:avLst/>
           </a:prstGeom>
           <a:solidFill>
-            <a:schemeClr val="accent4">
+            <a:schemeClr val="accent1">
               <a:lumMod val="20000"/>
               <a:lumOff val="80000"/>
             </a:schemeClr>
@@ -6040,12 +5492,200 @@
           </a:p>
         </p:txBody>
       </p:sp>
+      <p:sp>
+        <p:nvSpPr>
+          <p:cNvPr id="16" name="Rectangle 15">
+            <a:extLst>
+              <a:ext uri="{FF2B5EF4-FFF2-40B4-BE49-F238E27FC236}">
+                <a16:creationId xmlns:a16="http://schemas.microsoft.com/office/drawing/2014/main" id="{3D578D0E-5AEE-4D49-B7BE-6D76F950954B}"/>
+              </a:ext>
+            </a:extLst>
+          </p:cNvPr>
+          <p:cNvSpPr/>
+          <p:nvPr/>
+        </p:nvSpPr>
+        <p:spPr>
+          <a:xfrm>
+            <a:off x="5753528" y="726295"/>
+            <a:ext cx="6438472" cy="3065325"/>
+          </a:xfrm>
+          <a:prstGeom prst="rect">
+            <a:avLst/>
+          </a:prstGeom>
+          <a:solidFill>
+            <a:schemeClr val="accent1">
+              <a:lumMod val="20000"/>
+              <a:lumOff val="80000"/>
+            </a:schemeClr>
+          </a:solidFill>
+          <a:ln>
+            <a:noFill/>
+          </a:ln>
+        </p:spPr>
+        <p:style>
+          <a:lnRef idx="2">
+            <a:schemeClr val="accent1">
+              <a:shade val="50000"/>
+            </a:schemeClr>
+          </a:lnRef>
+          <a:fillRef idx="1">
+            <a:schemeClr val="accent1"/>
+          </a:fillRef>
+          <a:effectRef idx="0">
+            <a:schemeClr val="accent1"/>
+          </a:effectRef>
+          <a:fontRef idx="minor">
+            <a:schemeClr val="lt1"/>
+          </a:fontRef>
+        </p:style>
+        <p:txBody>
+          <a:bodyPr rtlCol="0" anchor="ctr"/>
+          <a:lstStyle/>
+          <a:p>
+            <a:pPr algn="ctr"/>
+            <a:endParaRPr lang="en-GB"/>
+          </a:p>
+        </p:txBody>
+      </p:sp>
+      <p:sp>
+        <p:nvSpPr>
+          <p:cNvPr id="14" name="Rectangle 13">
+            <a:extLst>
+              <a:ext uri="{FF2B5EF4-FFF2-40B4-BE49-F238E27FC236}">
+                <a16:creationId xmlns:a16="http://schemas.microsoft.com/office/drawing/2014/main" id="{7AD774FB-DAF8-4FDC-8780-02E49A662B32}"/>
+              </a:ext>
+            </a:extLst>
+          </p:cNvPr>
+          <p:cNvSpPr/>
+          <p:nvPr/>
+        </p:nvSpPr>
+        <p:spPr>
+          <a:xfrm>
+            <a:off x="-14951" y="632890"/>
+            <a:ext cx="5825447" cy="3271484"/>
+          </a:xfrm>
+          <a:prstGeom prst="rect">
+            <a:avLst/>
+          </a:prstGeom>
+          <a:solidFill>
+            <a:schemeClr val="accent4">
+              <a:lumMod val="20000"/>
+              <a:lumOff val="80000"/>
+            </a:schemeClr>
+          </a:solidFill>
+          <a:ln>
+            <a:noFill/>
+          </a:ln>
+        </p:spPr>
+        <p:style>
+          <a:lnRef idx="2">
+            <a:schemeClr val="accent1">
+              <a:shade val="50000"/>
+            </a:schemeClr>
+          </a:lnRef>
+          <a:fillRef idx="1">
+            <a:schemeClr val="accent1"/>
+          </a:fillRef>
+          <a:effectRef idx="0">
+            <a:schemeClr val="accent1"/>
+          </a:effectRef>
+          <a:fontRef idx="minor">
+            <a:schemeClr val="lt1"/>
+          </a:fontRef>
+        </p:style>
+        <p:txBody>
+          <a:bodyPr rtlCol="0" anchor="ctr"/>
+          <a:lstStyle/>
+          <a:p>
+            <a:pPr algn="ctr"/>
+            <a:endParaRPr lang="en-GB"/>
+          </a:p>
+        </p:txBody>
+      </p:sp>
+      <p:sp>
+        <p:nvSpPr>
+          <p:cNvPr id="8" name="TextBox 7">
+            <a:extLst>
+              <a:ext uri="{FF2B5EF4-FFF2-40B4-BE49-F238E27FC236}">
+                <a16:creationId xmlns:a16="http://schemas.microsoft.com/office/drawing/2014/main" id="{EADCC8D0-FAC6-4026-B4EF-481E6CC2275D}"/>
+              </a:ext>
+            </a:extLst>
+          </p:cNvPr>
+          <p:cNvSpPr txBox="1"/>
+          <p:nvPr/>
+        </p:nvSpPr>
+        <p:spPr>
+          <a:xfrm>
+            <a:off x="718824" y="35028"/>
+            <a:ext cx="2115131" cy="523220"/>
+          </a:xfrm>
+          <a:prstGeom prst="rect">
+            <a:avLst/>
+          </a:prstGeom>
+          <a:noFill/>
+        </p:spPr>
+        <p:txBody>
+          <a:bodyPr wrap="none" rtlCol="0">
+            <a:spAutoFit/>
+          </a:bodyPr>
+          <a:lstStyle/>
+          <a:p>
+            <a:r>
+              <a:rPr lang="en-GB" sz="2800" b="1" dirty="0">
+                <a:solidFill>
+                  <a:srgbClr val="FF0000"/>
+                </a:solidFill>
+              </a:rPr>
+              <a:t>What’s new?</a:t>
+            </a:r>
+          </a:p>
+        </p:txBody>
+      </p:sp>
+      <p:sp>
+        <p:nvSpPr>
+          <p:cNvPr id="9" name="TextBox 8">
+            <a:extLst>
+              <a:ext uri="{FF2B5EF4-FFF2-40B4-BE49-F238E27FC236}">
+                <a16:creationId xmlns:a16="http://schemas.microsoft.com/office/drawing/2014/main" id="{1607868B-EAE9-47CE-908F-7F965A4A98C2}"/>
+              </a:ext>
+            </a:extLst>
+          </p:cNvPr>
+          <p:cNvSpPr txBox="1"/>
+          <p:nvPr/>
+        </p:nvSpPr>
+        <p:spPr>
+          <a:xfrm>
+            <a:off x="8567462" y="71144"/>
+            <a:ext cx="2680286" cy="523220"/>
+          </a:xfrm>
+          <a:prstGeom prst="rect">
+            <a:avLst/>
+          </a:prstGeom>
+          <a:noFill/>
+        </p:spPr>
+        <p:txBody>
+          <a:bodyPr wrap="none" rtlCol="0">
+            <a:spAutoFit/>
+          </a:bodyPr>
+          <a:lstStyle/>
+          <a:p>
+            <a:r>
+              <a:rPr lang="en-GB" sz="2800" b="1" dirty="0">
+                <a:solidFill>
+                  <a:srgbClr val="FF0000"/>
+                </a:solidFill>
+              </a:rPr>
+              <a:t>geogbrowns.info</a:t>
+            </a:r>
+          </a:p>
+        </p:txBody>
+      </p:sp>
       <p:pic>
         <p:nvPicPr>
-          <p:cNvPr id="7" name="Picture 6">
-            <a:extLst>
-              <a:ext uri="{FF2B5EF4-FFF2-40B4-BE49-F238E27FC236}">
-                <a16:creationId xmlns:a16="http://schemas.microsoft.com/office/drawing/2014/main" id="{17222C93-43B3-4830-BB9B-52F171EACD91}"/>
+          <p:cNvPr id="4" name="Picture 3">
+            <a:extLst>
+              <a:ext uri="{FF2B5EF4-FFF2-40B4-BE49-F238E27FC236}">
+                <a16:creationId xmlns:a16="http://schemas.microsoft.com/office/drawing/2014/main" id="{FC0E4B15-13A3-44ED-92EB-28BC5F118CB9}"/>
               </a:ext>
             </a:extLst>
           </p:cNvPr>
@@ -6054,15 +5694,16 @@
           </p:cNvPicPr>
           <p:nvPr/>
         </p:nvPicPr>
-        <p:blipFill rotWithShape="1">
+        <p:blipFill>
           <a:blip r:embed="rId2"/>
-          <a:srcRect t="3357"/>
-          <a:stretch/>
+          <a:stretch>
+            <a:fillRect/>
+          </a:stretch>
         </p:blipFill>
         <p:spPr>
           <a:xfrm>
-            <a:off x="6277817" y="2582072"/>
-            <a:ext cx="2661345" cy="2230406"/>
+            <a:off x="7406555" y="1524895"/>
+            <a:ext cx="4691525" cy="1040977"/>
           </a:xfrm>
           <a:prstGeom prst="rect">
             <a:avLst/>
@@ -6071,10 +5712,10 @@
       </p:pic>
       <p:pic>
         <p:nvPicPr>
-          <p:cNvPr id="9" name="Picture 8">
-            <a:extLst>
-              <a:ext uri="{FF2B5EF4-FFF2-40B4-BE49-F238E27FC236}">
-                <a16:creationId xmlns:a16="http://schemas.microsoft.com/office/drawing/2014/main" id="{4CF4AA19-3E60-4BAB-AC9B-FAAAD16D2DEB}"/>
+          <p:cNvPr id="6" name="Picture 5">
+            <a:extLst>
+              <a:ext uri="{FF2B5EF4-FFF2-40B4-BE49-F238E27FC236}">
+                <a16:creationId xmlns:a16="http://schemas.microsoft.com/office/drawing/2014/main" id="{F115C811-93B6-4F77-A6A5-E3933C30EC77}"/>
               </a:ext>
             </a:extLst>
           </p:cNvPr>
@@ -6091,8 +5732,8 @@
         </p:blipFill>
         <p:spPr>
           <a:xfrm>
-            <a:off x="206031" y="1198594"/>
-            <a:ext cx="2533643" cy="3304395"/>
+            <a:off x="7406555" y="2585790"/>
+            <a:ext cx="4785445" cy="921186"/>
           </a:xfrm>
           <a:prstGeom prst="rect">
             <a:avLst/>
@@ -6101,10 +5742,40 @@
       </p:pic>
       <p:pic>
         <p:nvPicPr>
-          <p:cNvPr id="11" name="Picture 10">
-            <a:extLst>
-              <a:ext uri="{FF2B5EF4-FFF2-40B4-BE49-F238E27FC236}">
-                <a16:creationId xmlns:a16="http://schemas.microsoft.com/office/drawing/2014/main" id="{2B9D9AEB-80AA-46D5-9AF4-1218B9402F0A}"/>
+          <p:cNvPr id="12" name="Picture 11">
+            <a:extLst>
+              <a:ext uri="{FF2B5EF4-FFF2-40B4-BE49-F238E27FC236}">
+                <a16:creationId xmlns:a16="http://schemas.microsoft.com/office/drawing/2014/main" id="{E3C3A717-3A12-45E4-8FB7-EF3548B6EF05}"/>
+              </a:ext>
+            </a:extLst>
+          </p:cNvPr>
+          <p:cNvPicPr>
+            <a:picLocks noChangeAspect="1"/>
+          </p:cNvPicPr>
+          <p:nvPr/>
+        </p:nvPicPr>
+        <p:blipFill>
+          <a:blip r:embed="rId4"/>
+          <a:stretch>
+            <a:fillRect/>
+          </a:stretch>
+        </p:blipFill>
+        <p:spPr>
+          <a:xfrm>
+            <a:off x="7284379" y="3954589"/>
+            <a:ext cx="4724399" cy="2700337"/>
+          </a:xfrm>
+          <a:prstGeom prst="rect">
+            <a:avLst/>
+          </a:prstGeom>
+        </p:spPr>
+      </p:pic>
+      <p:pic>
+        <p:nvPicPr>
+          <p:cNvPr id="13" name="Picture 12">
+            <a:extLst>
+              <a:ext uri="{FF2B5EF4-FFF2-40B4-BE49-F238E27FC236}">
+                <a16:creationId xmlns:a16="http://schemas.microsoft.com/office/drawing/2014/main" id="{58B92E54-5F2C-4A87-8033-959C9B0CFA16}"/>
               </a:ext>
             </a:extLst>
           </p:cNvPr>
@@ -6114,292 +5785,26 @@
           <p:nvPr/>
         </p:nvPicPr>
         <p:blipFill rotWithShape="1">
-          <a:blip r:embed="rId4"/>
-          <a:srcRect l="10574" t="10676" r="6153"/>
+          <a:blip r:embed="rId5"/>
+          <a:srcRect l="5298" t="424" r="25532" b="72121"/>
           <a:stretch/>
         </p:blipFill>
         <p:spPr>
           <a:xfrm>
-            <a:off x="6104920" y="726294"/>
-            <a:ext cx="3566661" cy="1501173"/>
+            <a:off x="7414637" y="1080569"/>
+            <a:ext cx="3398830" cy="444326"/>
           </a:xfrm>
           <a:prstGeom prst="rect">
             <a:avLst/>
           </a:prstGeom>
         </p:spPr>
       </p:pic>
-      <p:sp>
-        <p:nvSpPr>
-          <p:cNvPr id="12" name="TextBox 11">
-            <a:extLst>
-              <a:ext uri="{FF2B5EF4-FFF2-40B4-BE49-F238E27FC236}">
-                <a16:creationId xmlns:a16="http://schemas.microsoft.com/office/drawing/2014/main" id="{FFB99DA8-16CE-4C40-8627-9C4A953D3E27}"/>
-              </a:ext>
-            </a:extLst>
-          </p:cNvPr>
-          <p:cNvSpPr txBox="1"/>
-          <p:nvPr/>
-        </p:nvSpPr>
-        <p:spPr>
-          <a:xfrm>
-            <a:off x="3404534" y="3145504"/>
-            <a:ext cx="2208421" cy="707886"/>
-          </a:xfrm>
-          <a:prstGeom prst="rect">
-            <a:avLst/>
-          </a:prstGeom>
-          <a:solidFill>
-            <a:schemeClr val="bg1"/>
-          </a:solidFill>
-        </p:spPr>
-        <p:txBody>
-          <a:bodyPr wrap="square" rtlCol="0">
-            <a:spAutoFit/>
-          </a:bodyPr>
-          <a:lstStyle/>
-          <a:p>
-            <a:pPr algn="ctr"/>
-            <a:r>
-              <a:rPr lang="en-GB" sz="2000" dirty="0">
-                <a:latin typeface="Arial" panose="020B0604020202020204" pitchFamily="34" charset="0"/>
-                <a:cs typeface="Arial" panose="020B0604020202020204" pitchFamily="34" charset="0"/>
-              </a:rPr>
-              <a:t>Tools &amp; Links – research groups</a:t>
-            </a:r>
-          </a:p>
-        </p:txBody>
-      </p:sp>
-      <p:sp>
-        <p:nvSpPr>
-          <p:cNvPr id="13" name="TextBox 12">
-            <a:extLst>
-              <a:ext uri="{FF2B5EF4-FFF2-40B4-BE49-F238E27FC236}">
-                <a16:creationId xmlns:a16="http://schemas.microsoft.com/office/drawing/2014/main" id="{9C7A8F4E-6393-4000-9A87-B80D8E7ABBB8}"/>
-              </a:ext>
-            </a:extLst>
-          </p:cNvPr>
-          <p:cNvSpPr txBox="1"/>
-          <p:nvPr/>
-        </p:nvSpPr>
-        <p:spPr>
-          <a:xfrm>
-            <a:off x="3571277" y="1050875"/>
-            <a:ext cx="1874937" cy="400110"/>
-          </a:xfrm>
-          <a:prstGeom prst="rect">
-            <a:avLst/>
-          </a:prstGeom>
-          <a:solidFill>
-            <a:schemeClr val="bg1"/>
-          </a:solidFill>
-        </p:spPr>
-        <p:txBody>
-          <a:bodyPr wrap="square" rtlCol="0">
-            <a:spAutoFit/>
-          </a:bodyPr>
-          <a:lstStyle/>
-          <a:p>
-            <a:pPr algn="ctr"/>
-            <a:r>
-              <a:rPr lang="en-GB" sz="2000" dirty="0">
-                <a:latin typeface="Arial" panose="020B0604020202020204" pitchFamily="34" charset="0"/>
-                <a:cs typeface="Arial" panose="020B0604020202020204" pitchFamily="34" charset="0"/>
-              </a:rPr>
-              <a:t>Main page</a:t>
-            </a:r>
-          </a:p>
-        </p:txBody>
-      </p:sp>
-      <p:cxnSp>
-        <p:nvCxnSpPr>
-          <p:cNvPr id="15" name="Straight Arrow Connector 14">
-            <a:extLst>
-              <a:ext uri="{FF2B5EF4-FFF2-40B4-BE49-F238E27FC236}">
-                <a16:creationId xmlns:a16="http://schemas.microsoft.com/office/drawing/2014/main" id="{5F013155-8FEF-49FE-A455-825A8D7DE4C6}"/>
-              </a:ext>
-            </a:extLst>
-          </p:cNvPr>
-          <p:cNvCxnSpPr>
-            <a:cxnSpLocks/>
-            <a:stCxn id="9" idx="3"/>
-            <a:endCxn id="13" idx="1"/>
-          </p:cNvCxnSpPr>
-          <p:nvPr/>
-        </p:nvCxnSpPr>
-        <p:spPr>
-          <a:xfrm flipV="1">
-            <a:off x="2739674" y="1250930"/>
-            <a:ext cx="831603" cy="1599862"/>
-          </a:xfrm>
-          <a:prstGeom prst="straightConnector1">
-            <a:avLst/>
-          </a:prstGeom>
-          <a:ln w="28575">
-            <a:solidFill>
-              <a:schemeClr val="tx1"/>
-            </a:solidFill>
-            <a:tailEnd type="triangle"/>
-          </a:ln>
-        </p:spPr>
-        <p:style>
-          <a:lnRef idx="1">
-            <a:schemeClr val="accent1"/>
-          </a:lnRef>
-          <a:fillRef idx="0">
-            <a:schemeClr val="accent1"/>
-          </a:fillRef>
-          <a:effectRef idx="0">
-            <a:schemeClr val="accent1"/>
-          </a:effectRef>
-          <a:fontRef idx="minor">
-            <a:schemeClr val="tx1"/>
-          </a:fontRef>
-        </p:style>
-      </p:cxnSp>
-      <p:cxnSp>
-        <p:nvCxnSpPr>
-          <p:cNvPr id="17" name="Straight Arrow Connector 16">
-            <a:extLst>
-              <a:ext uri="{FF2B5EF4-FFF2-40B4-BE49-F238E27FC236}">
-                <a16:creationId xmlns:a16="http://schemas.microsoft.com/office/drawing/2014/main" id="{91889BBC-1A7E-4397-BCFA-2B573B3B435E}"/>
-              </a:ext>
-            </a:extLst>
-          </p:cNvPr>
-          <p:cNvCxnSpPr>
-            <a:cxnSpLocks/>
-            <a:stCxn id="9" idx="3"/>
-            <a:endCxn id="12" idx="1"/>
-          </p:cNvCxnSpPr>
-          <p:nvPr/>
-        </p:nvCxnSpPr>
-        <p:spPr>
-          <a:xfrm>
-            <a:off x="2739674" y="2850792"/>
-            <a:ext cx="664860" cy="648655"/>
-          </a:xfrm>
-          <a:prstGeom prst="straightConnector1">
-            <a:avLst/>
-          </a:prstGeom>
-          <a:ln w="28575">
-            <a:solidFill>
-              <a:schemeClr val="tx1"/>
-            </a:solidFill>
-            <a:tailEnd type="triangle"/>
-          </a:ln>
-        </p:spPr>
-        <p:style>
-          <a:lnRef idx="1">
-            <a:schemeClr val="accent1"/>
-          </a:lnRef>
-          <a:fillRef idx="0">
-            <a:schemeClr val="accent1"/>
-          </a:fillRef>
-          <a:effectRef idx="0">
-            <a:schemeClr val="accent1"/>
-          </a:effectRef>
-          <a:fontRef idx="minor">
-            <a:schemeClr val="tx1"/>
-          </a:fontRef>
-        </p:style>
-      </p:cxnSp>
-      <p:cxnSp>
-        <p:nvCxnSpPr>
-          <p:cNvPr id="21" name="Straight Arrow Connector 20">
-            <a:extLst>
-              <a:ext uri="{FF2B5EF4-FFF2-40B4-BE49-F238E27FC236}">
-                <a16:creationId xmlns:a16="http://schemas.microsoft.com/office/drawing/2014/main" id="{F0B24F8E-0D30-43E5-8CD7-46F1E57B30B7}"/>
-              </a:ext>
-            </a:extLst>
-          </p:cNvPr>
-          <p:cNvCxnSpPr>
-            <a:cxnSpLocks/>
-            <a:stCxn id="13" idx="3"/>
-            <a:endCxn id="11" idx="1"/>
-          </p:cNvCxnSpPr>
-          <p:nvPr/>
-        </p:nvCxnSpPr>
-        <p:spPr>
-          <a:xfrm>
-            <a:off x="5446214" y="1250930"/>
-            <a:ext cx="658706" cy="225951"/>
-          </a:xfrm>
-          <a:prstGeom prst="straightConnector1">
-            <a:avLst/>
-          </a:prstGeom>
-          <a:ln w="28575">
-            <a:solidFill>
-              <a:schemeClr val="tx1"/>
-            </a:solidFill>
-            <a:tailEnd type="triangle"/>
-          </a:ln>
-        </p:spPr>
-        <p:style>
-          <a:lnRef idx="1">
-            <a:schemeClr val="accent1"/>
-          </a:lnRef>
-          <a:fillRef idx="0">
-            <a:schemeClr val="accent1"/>
-          </a:fillRef>
-          <a:effectRef idx="0">
-            <a:schemeClr val="accent1"/>
-          </a:effectRef>
-          <a:fontRef idx="minor">
-            <a:schemeClr val="tx1"/>
-          </a:fontRef>
-        </p:style>
-      </p:cxnSp>
-      <p:cxnSp>
-        <p:nvCxnSpPr>
-          <p:cNvPr id="25" name="Straight Arrow Connector 24">
-            <a:extLst>
-              <a:ext uri="{FF2B5EF4-FFF2-40B4-BE49-F238E27FC236}">
-                <a16:creationId xmlns:a16="http://schemas.microsoft.com/office/drawing/2014/main" id="{A27B20E4-90A0-4AD0-A910-1979D13FBEF9}"/>
-              </a:ext>
-            </a:extLst>
-          </p:cNvPr>
-          <p:cNvCxnSpPr>
-            <a:cxnSpLocks/>
-            <a:stCxn id="12" idx="3"/>
-            <a:endCxn id="7" idx="1"/>
-          </p:cNvCxnSpPr>
-          <p:nvPr/>
-        </p:nvCxnSpPr>
-        <p:spPr>
-          <a:xfrm>
-            <a:off x="5612955" y="3499447"/>
-            <a:ext cx="664862" cy="197828"/>
-          </a:xfrm>
-          <a:prstGeom prst="straightConnector1">
-            <a:avLst/>
-          </a:prstGeom>
-          <a:ln w="28575">
-            <a:solidFill>
-              <a:schemeClr val="tx1"/>
-            </a:solidFill>
-            <a:tailEnd type="triangle"/>
-          </a:ln>
-        </p:spPr>
-        <p:style>
-          <a:lnRef idx="1">
-            <a:schemeClr val="accent1"/>
-          </a:lnRef>
-          <a:fillRef idx="0">
-            <a:schemeClr val="accent1"/>
-          </a:fillRef>
-          <a:effectRef idx="0">
-            <a:schemeClr val="accent1"/>
-          </a:effectRef>
-          <a:fontRef idx="minor">
-            <a:schemeClr val="tx1"/>
-          </a:fontRef>
-        </p:style>
-      </p:cxnSp>
       <p:pic>
         <p:nvPicPr>
-          <p:cNvPr id="52" name="Picture 51">
-            <a:extLst>
-              <a:ext uri="{FF2B5EF4-FFF2-40B4-BE49-F238E27FC236}">
-                <a16:creationId xmlns:a16="http://schemas.microsoft.com/office/drawing/2014/main" id="{B4908FE8-CD3B-4352-807D-ADC32B680CFB}"/>
+          <p:cNvPr id="3" name="Picture 2">
+            <a:extLst>
+              <a:ext uri="{FF2B5EF4-FFF2-40B4-BE49-F238E27FC236}">
+                <a16:creationId xmlns:a16="http://schemas.microsoft.com/office/drawing/2014/main" id="{8B598DB6-EA0B-49E2-8D04-3BEF8D04CCA4}"/>
               </a:ext>
             </a:extLst>
           </p:cNvPr>
@@ -6409,27 +5814,57 @@
           <p:nvPr/>
         </p:nvPicPr>
         <p:blipFill>
-          <a:blip r:embed="rId5"/>
+          <a:blip r:embed="rId6"/>
           <a:stretch>
             <a:fillRect/>
           </a:stretch>
         </p:blipFill>
         <p:spPr>
           <a:xfrm>
-            <a:off x="3403191" y="4833290"/>
-            <a:ext cx="6585440" cy="2054308"/>
+            <a:off x="212600" y="1134355"/>
+            <a:ext cx="3866239" cy="2657265"/>
           </a:xfrm>
           <a:prstGeom prst="rect">
             <a:avLst/>
           </a:prstGeom>
         </p:spPr>
       </p:pic>
-      <p:sp>
-        <p:nvSpPr>
-          <p:cNvPr id="53" name="TextBox 52">
-            <a:extLst>
-              <a:ext uri="{FF2B5EF4-FFF2-40B4-BE49-F238E27FC236}">
-                <a16:creationId xmlns:a16="http://schemas.microsoft.com/office/drawing/2014/main" id="{952FC86B-1B62-42AD-8B5D-99B31900222C}"/>
+      <p:pic>
+        <p:nvPicPr>
+          <p:cNvPr id="7" name="Picture 6">
+            <a:extLst>
+              <a:ext uri="{FF2B5EF4-FFF2-40B4-BE49-F238E27FC236}">
+                <a16:creationId xmlns:a16="http://schemas.microsoft.com/office/drawing/2014/main" id="{D86CE367-CA73-4E21-827F-86F419DD8BAF}"/>
+              </a:ext>
+            </a:extLst>
+          </p:cNvPr>
+          <p:cNvPicPr>
+            <a:picLocks noChangeAspect="1"/>
+          </p:cNvPicPr>
+          <p:nvPr/>
+        </p:nvPicPr>
+        <p:blipFill>
+          <a:blip r:embed="rId7"/>
+          <a:stretch>
+            <a:fillRect/>
+          </a:stretch>
+        </p:blipFill>
+        <p:spPr>
+          <a:xfrm>
+            <a:off x="143971" y="3979016"/>
+            <a:ext cx="4482690" cy="2651482"/>
+          </a:xfrm>
+          <a:prstGeom prst="rect">
+            <a:avLst/>
+          </a:prstGeom>
+        </p:spPr>
+      </p:pic>
+      <p:sp>
+        <p:nvSpPr>
+          <p:cNvPr id="11" name="TextBox 10">
+            <a:extLst>
+              <a:ext uri="{FF2B5EF4-FFF2-40B4-BE49-F238E27FC236}">
+                <a16:creationId xmlns:a16="http://schemas.microsoft.com/office/drawing/2014/main" id="{4CC1C8B8-AADB-4931-95FC-6B5F004214AB}"/>
               </a:ext>
             </a:extLst>
           </p:cNvPr>
@@ -6438,13 +5873,15 @@
         </p:nvSpPr>
         <p:spPr>
           <a:xfrm>
-            <a:off x="648693" y="5583445"/>
-            <a:ext cx="2754498" cy="369332"/>
+            <a:off x="1545892" y="795801"/>
+            <a:ext cx="1474710" cy="338554"/>
           </a:xfrm>
           <a:prstGeom prst="rect">
             <a:avLst/>
           </a:prstGeom>
-          <a:noFill/>
+          <a:solidFill>
+            <a:schemeClr val="bg1"/>
+          </a:solidFill>
         </p:spPr>
         <p:txBody>
           <a:bodyPr wrap="square" rtlCol="0">
@@ -6452,19 +5889,23 @@
           </a:bodyPr>
           <a:lstStyle/>
           <a:p>
-            <a:r>
-              <a:rPr lang="en-GB" b="1" dirty="0"/>
-              <a:t>2. Deadline tomorrow.</a:t>
-            </a:r>
-          </a:p>
-        </p:txBody>
-      </p:sp>
-      <p:sp>
-        <p:nvSpPr>
-          <p:cNvPr id="54" name="TextBox 53">
-            <a:extLst>
-              <a:ext uri="{FF2B5EF4-FFF2-40B4-BE49-F238E27FC236}">
-                <a16:creationId xmlns:a16="http://schemas.microsoft.com/office/drawing/2014/main" id="{C7C354F4-3F78-4684-9F0F-FDCA3AA5E8AE}"/>
+            <a:pPr algn="ctr"/>
+            <a:r>
+              <a:rPr lang="en-GB" sz="1600" dirty="0">
+                <a:latin typeface="Arial" panose="020B0604020202020204" pitchFamily="34" charset="0"/>
+                <a:cs typeface="Arial" panose="020B0604020202020204" pitchFamily="34" charset="0"/>
+              </a:rPr>
+              <a:t>Tools &amp; Links</a:t>
+            </a:r>
+          </a:p>
+        </p:txBody>
+      </p:sp>
+      <p:sp>
+        <p:nvSpPr>
+          <p:cNvPr id="18" name="TextBox 17">
+            <a:extLst>
+              <a:ext uri="{FF2B5EF4-FFF2-40B4-BE49-F238E27FC236}">
+                <a16:creationId xmlns:a16="http://schemas.microsoft.com/office/drawing/2014/main" id="{981F59D2-6D81-488D-A20E-FDBEF47EF358}"/>
               </a:ext>
             </a:extLst>
           </p:cNvPr>
@@ -6473,8 +5914,8 @@
         </p:nvSpPr>
         <p:spPr>
           <a:xfrm>
-            <a:off x="9556066" y="2666126"/>
-            <a:ext cx="2921239" cy="369332"/>
+            <a:off x="4170261" y="1263721"/>
+            <a:ext cx="1648317" cy="1477328"/>
           </a:xfrm>
           <a:prstGeom prst="rect">
             <a:avLst/>
@@ -6489,7 +5930,112 @@
           <a:p>
             <a:r>
               <a:rPr lang="en-GB" b="1" dirty="0"/>
-              <a:t>1. Seminars on visible place</a:t>
+              <a:t>1. New tools, all the news and school updates on one place</a:t>
+            </a:r>
+          </a:p>
+        </p:txBody>
+      </p:sp>
+      <p:sp>
+        <p:nvSpPr>
+          <p:cNvPr id="19" name="TextBox 18">
+            <a:extLst>
+              <a:ext uri="{FF2B5EF4-FFF2-40B4-BE49-F238E27FC236}">
+                <a16:creationId xmlns:a16="http://schemas.microsoft.com/office/drawing/2014/main" id="{B74BEE7B-F4C5-4CC5-A8D4-8B3DE777B2FA}"/>
+              </a:ext>
+            </a:extLst>
+          </p:cNvPr>
+          <p:cNvSpPr txBox="1"/>
+          <p:nvPr/>
+        </p:nvSpPr>
+        <p:spPr>
+          <a:xfrm>
+            <a:off x="4619878" y="4798149"/>
+            <a:ext cx="1469206" cy="1200329"/>
+          </a:xfrm>
+          <a:prstGeom prst="rect">
+            <a:avLst/>
+          </a:prstGeom>
+          <a:noFill/>
+        </p:spPr>
+        <p:txBody>
+          <a:bodyPr wrap="square" rtlCol="0">
+            <a:spAutoFit/>
+          </a:bodyPr>
+          <a:lstStyle/>
+          <a:p>
+            <a:r>
+              <a:rPr lang="en-GB" b="1" dirty="0"/>
+              <a:t>2. New articles from your peers and lecturers</a:t>
+            </a:r>
+          </a:p>
+        </p:txBody>
+      </p:sp>
+      <p:sp>
+        <p:nvSpPr>
+          <p:cNvPr id="20" name="TextBox 19">
+            <a:extLst>
+              <a:ext uri="{FF2B5EF4-FFF2-40B4-BE49-F238E27FC236}">
+                <a16:creationId xmlns:a16="http://schemas.microsoft.com/office/drawing/2014/main" id="{8BA56B8F-221C-437A-91CA-3C9A649BE74F}"/>
+              </a:ext>
+            </a:extLst>
+          </p:cNvPr>
+          <p:cNvSpPr txBox="1"/>
+          <p:nvPr/>
+        </p:nvSpPr>
+        <p:spPr>
+          <a:xfrm>
+            <a:off x="5945431" y="1656826"/>
+            <a:ext cx="1469206" cy="646331"/>
+          </a:xfrm>
+          <a:prstGeom prst="rect">
+            <a:avLst/>
+          </a:prstGeom>
+          <a:noFill/>
+        </p:spPr>
+        <p:txBody>
+          <a:bodyPr wrap="square" rtlCol="0">
+            <a:spAutoFit/>
+          </a:bodyPr>
+          <a:lstStyle/>
+          <a:p>
+            <a:r>
+              <a:rPr lang="en-GB" b="1" dirty="0"/>
+              <a:t>3. Important dates </a:t>
+            </a:r>
+          </a:p>
+        </p:txBody>
+      </p:sp>
+      <p:sp>
+        <p:nvSpPr>
+          <p:cNvPr id="21" name="TextBox 20">
+            <a:extLst>
+              <a:ext uri="{FF2B5EF4-FFF2-40B4-BE49-F238E27FC236}">
+                <a16:creationId xmlns:a16="http://schemas.microsoft.com/office/drawing/2014/main" id="{F3399C2C-C336-4221-B875-C3FF9D8011C6}"/>
+              </a:ext>
+            </a:extLst>
+          </p:cNvPr>
+          <p:cNvSpPr txBox="1"/>
+          <p:nvPr/>
+        </p:nvSpPr>
+        <p:spPr>
+          <a:xfrm>
+            <a:off x="6010382" y="4353450"/>
+            <a:ext cx="1469206" cy="1200329"/>
+          </a:xfrm>
+          <a:prstGeom prst="rect">
+            <a:avLst/>
+          </a:prstGeom>
+          <a:noFill/>
+        </p:spPr>
+        <p:txBody>
+          <a:bodyPr wrap="square" rtlCol="0">
+            <a:spAutoFit/>
+          </a:bodyPr>
+          <a:lstStyle/>
+          <a:p>
+            <a:r>
+              <a:rPr lang="en-GB" b="1" dirty="0"/>
+              <a:t>4. All the opportunities at one place</a:t>
             </a:r>
           </a:p>
         </p:txBody>
@@ -6497,7 +6043,7 @@
     </p:spTree>
     <p:extLst>
       <p:ext uri="{BB962C8B-B14F-4D97-AF65-F5344CB8AC3E}">
-        <p14:creationId xmlns:p14="http://schemas.microsoft.com/office/powerpoint/2010/main" val="1798950392"/>
+        <p14:creationId xmlns:p14="http://schemas.microsoft.com/office/powerpoint/2010/main" val="1491932171"/>
       </p:ext>
     </p:extLst>
   </p:cSld>
@@ -6526,10 +6072,88 @@
       </p:grpSpPr>
       <p:sp>
         <p:nvSpPr>
-          <p:cNvPr id="16" name="Rectangle 15">
-            <a:extLst>
-              <a:ext uri="{FF2B5EF4-FFF2-40B4-BE49-F238E27FC236}">
-                <a16:creationId xmlns:a16="http://schemas.microsoft.com/office/drawing/2014/main" id="{C1F3BE31-786A-4533-9910-3DAA86E99B32}"/>
+          <p:cNvPr id="2" name="TextBox 1">
+            <a:extLst>
+              <a:ext uri="{FF2B5EF4-FFF2-40B4-BE49-F238E27FC236}">
+                <a16:creationId xmlns:a16="http://schemas.microsoft.com/office/drawing/2014/main" id="{632C0D62-B4AD-478D-84C9-33179BDE50E0}"/>
+              </a:ext>
+            </a:extLst>
+          </p:cNvPr>
+          <p:cNvSpPr txBox="1"/>
+          <p:nvPr/>
+        </p:nvSpPr>
+        <p:spPr>
+          <a:xfrm>
+            <a:off x="327803" y="109670"/>
+            <a:ext cx="2115131" cy="523220"/>
+          </a:xfrm>
+          <a:prstGeom prst="rect">
+            <a:avLst/>
+          </a:prstGeom>
+          <a:noFill/>
+        </p:spPr>
+        <p:txBody>
+          <a:bodyPr wrap="none" rtlCol="0">
+            <a:spAutoFit/>
+          </a:bodyPr>
+          <a:lstStyle/>
+          <a:p>
+            <a:r>
+              <a:rPr lang="en-GB" sz="2800" b="1" dirty="0">
+                <a:solidFill>
+                  <a:srgbClr val="FF0000"/>
+                </a:solidFill>
+              </a:rPr>
+              <a:t>What’s new?</a:t>
+            </a:r>
+          </a:p>
+        </p:txBody>
+      </p:sp>
+      <p:sp>
+        <p:nvSpPr>
+          <p:cNvPr id="3" name="TextBox 2">
+            <a:extLst>
+              <a:ext uri="{FF2B5EF4-FFF2-40B4-BE49-F238E27FC236}">
+                <a16:creationId xmlns:a16="http://schemas.microsoft.com/office/drawing/2014/main" id="{EBF31359-98AD-4195-98E1-D422DB412006}"/>
+              </a:ext>
+            </a:extLst>
+          </p:cNvPr>
+          <p:cNvSpPr txBox="1"/>
+          <p:nvPr/>
+        </p:nvSpPr>
+        <p:spPr>
+          <a:xfrm>
+            <a:off x="9183911" y="203074"/>
+            <a:ext cx="2680286" cy="523220"/>
+          </a:xfrm>
+          <a:prstGeom prst="rect">
+            <a:avLst/>
+          </a:prstGeom>
+          <a:noFill/>
+        </p:spPr>
+        <p:txBody>
+          <a:bodyPr wrap="none" rtlCol="0">
+            <a:spAutoFit/>
+          </a:bodyPr>
+          <a:lstStyle/>
+          <a:p>
+            <a:r>
+              <a:rPr lang="en-GB" sz="2800" b="1" dirty="0">
+                <a:solidFill>
+                  <a:srgbClr val="FF0000"/>
+                </a:solidFill>
+              </a:rPr>
+              <a:t>geogbrowns.info</a:t>
+            </a:r>
+          </a:p>
+        </p:txBody>
+      </p:sp>
+      <p:sp>
+        <p:nvSpPr>
+          <p:cNvPr id="4" name="Rectangle 3">
+            <a:extLst>
+              <a:ext uri="{FF2B5EF4-FFF2-40B4-BE49-F238E27FC236}">
+                <a16:creationId xmlns:a16="http://schemas.microsoft.com/office/drawing/2014/main" id="{C47CCC9E-770E-4406-A6E1-CF6DE9317D3D}"/>
               </a:ext>
             </a:extLst>
           </p:cNvPr>
@@ -6538,14 +6162,14 @@
         </p:nvSpPr>
         <p:spPr>
           <a:xfrm>
-            <a:off x="7203138" y="726293"/>
-            <a:ext cx="5025995" cy="3958723"/>
+            <a:off x="-207033" y="4630534"/>
+            <a:ext cx="12603848" cy="2509100"/>
           </a:xfrm>
           <a:prstGeom prst="rect">
             <a:avLst/>
           </a:prstGeom>
           <a:solidFill>
-            <a:schemeClr val="accent4">
+            <a:schemeClr val="accent1">
               <a:lumMod val="20000"/>
               <a:lumOff val="80000"/>
             </a:schemeClr>
@@ -6581,10 +6205,10 @@
       </p:sp>
       <p:sp>
         <p:nvSpPr>
-          <p:cNvPr id="15" name="Rectangle 14">
-            <a:extLst>
-              <a:ext uri="{FF2B5EF4-FFF2-40B4-BE49-F238E27FC236}">
-                <a16:creationId xmlns:a16="http://schemas.microsoft.com/office/drawing/2014/main" id="{7D02956C-7E18-4418-8EFE-6364B5A5C6D6}"/>
+          <p:cNvPr id="5" name="Rectangle 4">
+            <a:extLst>
+              <a:ext uri="{FF2B5EF4-FFF2-40B4-BE49-F238E27FC236}">
+                <a16:creationId xmlns:a16="http://schemas.microsoft.com/office/drawing/2014/main" id="{B1223149-D466-401A-BC5C-DF1D37FFE6C2}"/>
               </a:ext>
             </a:extLst>
           </p:cNvPr>
@@ -6593,8 +6217,8 @@
         </p:nvSpPr>
         <p:spPr>
           <a:xfrm>
-            <a:off x="6906494" y="3513762"/>
-            <a:ext cx="5473865" cy="3958723"/>
+            <a:off x="0" y="632890"/>
+            <a:ext cx="12396815" cy="4179588"/>
           </a:xfrm>
           <a:prstGeom prst="rect">
             <a:avLst/>
@@ -6634,12 +6258,496 @@
           </a:p>
         </p:txBody>
       </p:sp>
-      <p:sp>
-        <p:nvSpPr>
-          <p:cNvPr id="14" name="Rectangle 13">
-            <a:extLst>
-              <a:ext uri="{FF2B5EF4-FFF2-40B4-BE49-F238E27FC236}">
-                <a16:creationId xmlns:a16="http://schemas.microsoft.com/office/drawing/2014/main" id="{3C4A605D-A321-4B93-B2DA-B304654C790A}"/>
+      <p:pic>
+        <p:nvPicPr>
+          <p:cNvPr id="7" name="Picture 6">
+            <a:extLst>
+              <a:ext uri="{FF2B5EF4-FFF2-40B4-BE49-F238E27FC236}">
+                <a16:creationId xmlns:a16="http://schemas.microsoft.com/office/drawing/2014/main" id="{17222C93-43B3-4830-BB9B-52F171EACD91}"/>
+              </a:ext>
+            </a:extLst>
+          </p:cNvPr>
+          <p:cNvPicPr>
+            <a:picLocks noChangeAspect="1"/>
+          </p:cNvPicPr>
+          <p:nvPr/>
+        </p:nvPicPr>
+        <p:blipFill rotWithShape="1">
+          <a:blip r:embed="rId2"/>
+          <a:srcRect t="3357"/>
+          <a:stretch/>
+        </p:blipFill>
+        <p:spPr>
+          <a:xfrm>
+            <a:off x="6277817" y="2582072"/>
+            <a:ext cx="2661345" cy="2230406"/>
+          </a:xfrm>
+          <a:prstGeom prst="rect">
+            <a:avLst/>
+          </a:prstGeom>
+        </p:spPr>
+      </p:pic>
+      <p:pic>
+        <p:nvPicPr>
+          <p:cNvPr id="9" name="Picture 8">
+            <a:extLst>
+              <a:ext uri="{FF2B5EF4-FFF2-40B4-BE49-F238E27FC236}">
+                <a16:creationId xmlns:a16="http://schemas.microsoft.com/office/drawing/2014/main" id="{4CF4AA19-3E60-4BAB-AC9B-FAAAD16D2DEB}"/>
+              </a:ext>
+            </a:extLst>
+          </p:cNvPr>
+          <p:cNvPicPr>
+            <a:picLocks noChangeAspect="1"/>
+          </p:cNvPicPr>
+          <p:nvPr/>
+        </p:nvPicPr>
+        <p:blipFill>
+          <a:blip r:embed="rId3"/>
+          <a:stretch>
+            <a:fillRect/>
+          </a:stretch>
+        </p:blipFill>
+        <p:spPr>
+          <a:xfrm>
+            <a:off x="206031" y="1198594"/>
+            <a:ext cx="2533643" cy="3304395"/>
+          </a:xfrm>
+          <a:prstGeom prst="rect">
+            <a:avLst/>
+          </a:prstGeom>
+        </p:spPr>
+      </p:pic>
+      <p:pic>
+        <p:nvPicPr>
+          <p:cNvPr id="11" name="Picture 10">
+            <a:extLst>
+              <a:ext uri="{FF2B5EF4-FFF2-40B4-BE49-F238E27FC236}">
+                <a16:creationId xmlns:a16="http://schemas.microsoft.com/office/drawing/2014/main" id="{2B9D9AEB-80AA-46D5-9AF4-1218B9402F0A}"/>
+              </a:ext>
+            </a:extLst>
+          </p:cNvPr>
+          <p:cNvPicPr>
+            <a:picLocks noChangeAspect="1"/>
+          </p:cNvPicPr>
+          <p:nvPr/>
+        </p:nvPicPr>
+        <p:blipFill rotWithShape="1">
+          <a:blip r:embed="rId4"/>
+          <a:srcRect l="10574" t="10676" r="6153"/>
+          <a:stretch/>
+        </p:blipFill>
+        <p:spPr>
+          <a:xfrm>
+            <a:off x="6104920" y="726294"/>
+            <a:ext cx="3566661" cy="1501173"/>
+          </a:xfrm>
+          <a:prstGeom prst="rect">
+            <a:avLst/>
+          </a:prstGeom>
+        </p:spPr>
+      </p:pic>
+      <p:sp>
+        <p:nvSpPr>
+          <p:cNvPr id="12" name="TextBox 11">
+            <a:extLst>
+              <a:ext uri="{FF2B5EF4-FFF2-40B4-BE49-F238E27FC236}">
+                <a16:creationId xmlns:a16="http://schemas.microsoft.com/office/drawing/2014/main" id="{FFB99DA8-16CE-4C40-8627-9C4A953D3E27}"/>
+              </a:ext>
+            </a:extLst>
+          </p:cNvPr>
+          <p:cNvSpPr txBox="1"/>
+          <p:nvPr/>
+        </p:nvSpPr>
+        <p:spPr>
+          <a:xfrm>
+            <a:off x="3404534" y="3145504"/>
+            <a:ext cx="2208421" cy="707886"/>
+          </a:xfrm>
+          <a:prstGeom prst="rect">
+            <a:avLst/>
+          </a:prstGeom>
+          <a:solidFill>
+            <a:schemeClr val="bg1"/>
+          </a:solidFill>
+        </p:spPr>
+        <p:txBody>
+          <a:bodyPr wrap="square" rtlCol="0">
+            <a:spAutoFit/>
+          </a:bodyPr>
+          <a:lstStyle/>
+          <a:p>
+            <a:pPr algn="ctr"/>
+            <a:r>
+              <a:rPr lang="en-GB" sz="2000" dirty="0">
+                <a:latin typeface="Arial" panose="020B0604020202020204" pitchFamily="34" charset="0"/>
+                <a:cs typeface="Arial" panose="020B0604020202020204" pitchFamily="34" charset="0"/>
+              </a:rPr>
+              <a:t>Tools &amp; Links – research groups</a:t>
+            </a:r>
+          </a:p>
+        </p:txBody>
+      </p:sp>
+      <p:sp>
+        <p:nvSpPr>
+          <p:cNvPr id="13" name="TextBox 12">
+            <a:extLst>
+              <a:ext uri="{FF2B5EF4-FFF2-40B4-BE49-F238E27FC236}">
+                <a16:creationId xmlns:a16="http://schemas.microsoft.com/office/drawing/2014/main" id="{9C7A8F4E-6393-4000-9A87-B80D8E7ABBB8}"/>
+              </a:ext>
+            </a:extLst>
+          </p:cNvPr>
+          <p:cNvSpPr txBox="1"/>
+          <p:nvPr/>
+        </p:nvSpPr>
+        <p:spPr>
+          <a:xfrm>
+            <a:off x="3571277" y="1050875"/>
+            <a:ext cx="1874937" cy="400110"/>
+          </a:xfrm>
+          <a:prstGeom prst="rect">
+            <a:avLst/>
+          </a:prstGeom>
+          <a:solidFill>
+            <a:schemeClr val="bg1"/>
+          </a:solidFill>
+        </p:spPr>
+        <p:txBody>
+          <a:bodyPr wrap="square" rtlCol="0">
+            <a:spAutoFit/>
+          </a:bodyPr>
+          <a:lstStyle/>
+          <a:p>
+            <a:pPr algn="ctr"/>
+            <a:r>
+              <a:rPr lang="en-GB" sz="2000" dirty="0">
+                <a:latin typeface="Arial" panose="020B0604020202020204" pitchFamily="34" charset="0"/>
+                <a:cs typeface="Arial" panose="020B0604020202020204" pitchFamily="34" charset="0"/>
+              </a:rPr>
+              <a:t>Main page</a:t>
+            </a:r>
+          </a:p>
+        </p:txBody>
+      </p:sp>
+      <p:cxnSp>
+        <p:nvCxnSpPr>
+          <p:cNvPr id="15" name="Straight Arrow Connector 14">
+            <a:extLst>
+              <a:ext uri="{FF2B5EF4-FFF2-40B4-BE49-F238E27FC236}">
+                <a16:creationId xmlns:a16="http://schemas.microsoft.com/office/drawing/2014/main" id="{5F013155-8FEF-49FE-A455-825A8D7DE4C6}"/>
+              </a:ext>
+            </a:extLst>
+          </p:cNvPr>
+          <p:cNvCxnSpPr>
+            <a:cxnSpLocks/>
+            <a:stCxn id="9" idx="3"/>
+            <a:endCxn id="13" idx="1"/>
+          </p:cNvCxnSpPr>
+          <p:nvPr/>
+        </p:nvCxnSpPr>
+        <p:spPr>
+          <a:xfrm flipV="1">
+            <a:off x="2739674" y="1250930"/>
+            <a:ext cx="831603" cy="1599862"/>
+          </a:xfrm>
+          <a:prstGeom prst="straightConnector1">
+            <a:avLst/>
+          </a:prstGeom>
+          <a:ln w="28575">
+            <a:solidFill>
+              <a:schemeClr val="tx1"/>
+            </a:solidFill>
+            <a:tailEnd type="triangle"/>
+          </a:ln>
+        </p:spPr>
+        <p:style>
+          <a:lnRef idx="1">
+            <a:schemeClr val="accent1"/>
+          </a:lnRef>
+          <a:fillRef idx="0">
+            <a:schemeClr val="accent1"/>
+          </a:fillRef>
+          <a:effectRef idx="0">
+            <a:schemeClr val="accent1"/>
+          </a:effectRef>
+          <a:fontRef idx="minor">
+            <a:schemeClr val="tx1"/>
+          </a:fontRef>
+        </p:style>
+      </p:cxnSp>
+      <p:cxnSp>
+        <p:nvCxnSpPr>
+          <p:cNvPr id="17" name="Straight Arrow Connector 16">
+            <a:extLst>
+              <a:ext uri="{FF2B5EF4-FFF2-40B4-BE49-F238E27FC236}">
+                <a16:creationId xmlns:a16="http://schemas.microsoft.com/office/drawing/2014/main" id="{91889BBC-1A7E-4397-BCFA-2B573B3B435E}"/>
+              </a:ext>
+            </a:extLst>
+          </p:cNvPr>
+          <p:cNvCxnSpPr>
+            <a:cxnSpLocks/>
+            <a:stCxn id="9" idx="3"/>
+            <a:endCxn id="12" idx="1"/>
+          </p:cNvCxnSpPr>
+          <p:nvPr/>
+        </p:nvCxnSpPr>
+        <p:spPr>
+          <a:xfrm>
+            <a:off x="2739674" y="2850792"/>
+            <a:ext cx="664860" cy="648655"/>
+          </a:xfrm>
+          <a:prstGeom prst="straightConnector1">
+            <a:avLst/>
+          </a:prstGeom>
+          <a:ln w="28575">
+            <a:solidFill>
+              <a:schemeClr val="tx1"/>
+            </a:solidFill>
+            <a:tailEnd type="triangle"/>
+          </a:ln>
+        </p:spPr>
+        <p:style>
+          <a:lnRef idx="1">
+            <a:schemeClr val="accent1"/>
+          </a:lnRef>
+          <a:fillRef idx="0">
+            <a:schemeClr val="accent1"/>
+          </a:fillRef>
+          <a:effectRef idx="0">
+            <a:schemeClr val="accent1"/>
+          </a:effectRef>
+          <a:fontRef idx="minor">
+            <a:schemeClr val="tx1"/>
+          </a:fontRef>
+        </p:style>
+      </p:cxnSp>
+      <p:cxnSp>
+        <p:nvCxnSpPr>
+          <p:cNvPr id="21" name="Straight Arrow Connector 20">
+            <a:extLst>
+              <a:ext uri="{FF2B5EF4-FFF2-40B4-BE49-F238E27FC236}">
+                <a16:creationId xmlns:a16="http://schemas.microsoft.com/office/drawing/2014/main" id="{F0B24F8E-0D30-43E5-8CD7-46F1E57B30B7}"/>
+              </a:ext>
+            </a:extLst>
+          </p:cNvPr>
+          <p:cNvCxnSpPr>
+            <a:cxnSpLocks/>
+            <a:stCxn id="13" idx="3"/>
+            <a:endCxn id="11" idx="1"/>
+          </p:cNvCxnSpPr>
+          <p:nvPr/>
+        </p:nvCxnSpPr>
+        <p:spPr>
+          <a:xfrm>
+            <a:off x="5446214" y="1250930"/>
+            <a:ext cx="658706" cy="225951"/>
+          </a:xfrm>
+          <a:prstGeom prst="straightConnector1">
+            <a:avLst/>
+          </a:prstGeom>
+          <a:ln w="28575">
+            <a:solidFill>
+              <a:schemeClr val="tx1"/>
+            </a:solidFill>
+            <a:tailEnd type="triangle"/>
+          </a:ln>
+        </p:spPr>
+        <p:style>
+          <a:lnRef idx="1">
+            <a:schemeClr val="accent1"/>
+          </a:lnRef>
+          <a:fillRef idx="0">
+            <a:schemeClr val="accent1"/>
+          </a:fillRef>
+          <a:effectRef idx="0">
+            <a:schemeClr val="accent1"/>
+          </a:effectRef>
+          <a:fontRef idx="minor">
+            <a:schemeClr val="tx1"/>
+          </a:fontRef>
+        </p:style>
+      </p:cxnSp>
+      <p:cxnSp>
+        <p:nvCxnSpPr>
+          <p:cNvPr id="25" name="Straight Arrow Connector 24">
+            <a:extLst>
+              <a:ext uri="{FF2B5EF4-FFF2-40B4-BE49-F238E27FC236}">
+                <a16:creationId xmlns:a16="http://schemas.microsoft.com/office/drawing/2014/main" id="{A27B20E4-90A0-4AD0-A910-1979D13FBEF9}"/>
+              </a:ext>
+            </a:extLst>
+          </p:cNvPr>
+          <p:cNvCxnSpPr>
+            <a:cxnSpLocks/>
+            <a:stCxn id="12" idx="3"/>
+            <a:endCxn id="7" idx="1"/>
+          </p:cNvCxnSpPr>
+          <p:nvPr/>
+        </p:nvCxnSpPr>
+        <p:spPr>
+          <a:xfrm>
+            <a:off x="5612955" y="3499447"/>
+            <a:ext cx="664862" cy="197828"/>
+          </a:xfrm>
+          <a:prstGeom prst="straightConnector1">
+            <a:avLst/>
+          </a:prstGeom>
+          <a:ln w="28575">
+            <a:solidFill>
+              <a:schemeClr val="tx1"/>
+            </a:solidFill>
+            <a:tailEnd type="triangle"/>
+          </a:ln>
+        </p:spPr>
+        <p:style>
+          <a:lnRef idx="1">
+            <a:schemeClr val="accent1"/>
+          </a:lnRef>
+          <a:fillRef idx="0">
+            <a:schemeClr val="accent1"/>
+          </a:fillRef>
+          <a:effectRef idx="0">
+            <a:schemeClr val="accent1"/>
+          </a:effectRef>
+          <a:fontRef idx="minor">
+            <a:schemeClr val="tx1"/>
+          </a:fontRef>
+        </p:style>
+      </p:cxnSp>
+      <p:pic>
+        <p:nvPicPr>
+          <p:cNvPr id="52" name="Picture 51">
+            <a:extLst>
+              <a:ext uri="{FF2B5EF4-FFF2-40B4-BE49-F238E27FC236}">
+                <a16:creationId xmlns:a16="http://schemas.microsoft.com/office/drawing/2014/main" id="{B4908FE8-CD3B-4352-807D-ADC32B680CFB}"/>
+              </a:ext>
+            </a:extLst>
+          </p:cNvPr>
+          <p:cNvPicPr>
+            <a:picLocks noChangeAspect="1"/>
+          </p:cNvPicPr>
+          <p:nvPr/>
+        </p:nvPicPr>
+        <p:blipFill>
+          <a:blip r:embed="rId5"/>
+          <a:stretch>
+            <a:fillRect/>
+          </a:stretch>
+        </p:blipFill>
+        <p:spPr>
+          <a:xfrm>
+            <a:off x="3403191" y="4833290"/>
+            <a:ext cx="6585440" cy="2054308"/>
+          </a:xfrm>
+          <a:prstGeom prst="rect">
+            <a:avLst/>
+          </a:prstGeom>
+        </p:spPr>
+      </p:pic>
+      <p:sp>
+        <p:nvSpPr>
+          <p:cNvPr id="53" name="TextBox 52">
+            <a:extLst>
+              <a:ext uri="{FF2B5EF4-FFF2-40B4-BE49-F238E27FC236}">
+                <a16:creationId xmlns:a16="http://schemas.microsoft.com/office/drawing/2014/main" id="{952FC86B-1B62-42AD-8B5D-99B31900222C}"/>
+              </a:ext>
+            </a:extLst>
+          </p:cNvPr>
+          <p:cNvSpPr txBox="1"/>
+          <p:nvPr/>
+        </p:nvSpPr>
+        <p:spPr>
+          <a:xfrm>
+            <a:off x="648693" y="5583445"/>
+            <a:ext cx="2754498" cy="369332"/>
+          </a:xfrm>
+          <a:prstGeom prst="rect">
+            <a:avLst/>
+          </a:prstGeom>
+          <a:noFill/>
+        </p:spPr>
+        <p:txBody>
+          <a:bodyPr wrap="square" rtlCol="0">
+            <a:spAutoFit/>
+          </a:bodyPr>
+          <a:lstStyle/>
+          <a:p>
+            <a:r>
+              <a:rPr lang="en-GB" b="1" dirty="0"/>
+              <a:t>2. Deadline tomorrow.</a:t>
+            </a:r>
+          </a:p>
+        </p:txBody>
+      </p:sp>
+      <p:sp>
+        <p:nvSpPr>
+          <p:cNvPr id="54" name="TextBox 53">
+            <a:extLst>
+              <a:ext uri="{FF2B5EF4-FFF2-40B4-BE49-F238E27FC236}">
+                <a16:creationId xmlns:a16="http://schemas.microsoft.com/office/drawing/2014/main" id="{C7C354F4-3F78-4684-9F0F-FDCA3AA5E8AE}"/>
+              </a:ext>
+            </a:extLst>
+          </p:cNvPr>
+          <p:cNvSpPr txBox="1"/>
+          <p:nvPr/>
+        </p:nvSpPr>
+        <p:spPr>
+          <a:xfrm>
+            <a:off x="9556066" y="2666126"/>
+            <a:ext cx="2921239" cy="369332"/>
+          </a:xfrm>
+          <a:prstGeom prst="rect">
+            <a:avLst/>
+          </a:prstGeom>
+          <a:noFill/>
+        </p:spPr>
+        <p:txBody>
+          <a:bodyPr wrap="square" rtlCol="0">
+            <a:spAutoFit/>
+          </a:bodyPr>
+          <a:lstStyle/>
+          <a:p>
+            <a:r>
+              <a:rPr lang="en-GB" b="1" dirty="0"/>
+              <a:t>1. Seminars on visible place</a:t>
+            </a:r>
+          </a:p>
+        </p:txBody>
+      </p:sp>
+    </p:spTree>
+    <p:extLst>
+      <p:ext uri="{BB962C8B-B14F-4D97-AF65-F5344CB8AC3E}">
+        <p14:creationId xmlns:p14="http://schemas.microsoft.com/office/powerpoint/2010/main" val="1798950392"/>
+      </p:ext>
+    </p:extLst>
+  </p:cSld>
+  <p:clrMapOvr>
+    <a:masterClrMapping/>
+  </p:clrMapOvr>
+</p:sld>
+</file>
+
+<file path=ppt/slides/slide6.xml><?xml version="1.0" encoding="utf-8"?>
+<p:sld xmlns:a="http://schemas.openxmlformats.org/drawingml/2006/main" xmlns:r="http://schemas.openxmlformats.org/officeDocument/2006/relationships" xmlns:p="http://schemas.openxmlformats.org/presentationml/2006/main">
+  <p:cSld>
+    <p:spTree>
+      <p:nvGrpSpPr>
+        <p:cNvPr id="1" name=""/>
+        <p:cNvGrpSpPr/>
+        <p:nvPr/>
+      </p:nvGrpSpPr>
+      <p:grpSpPr>
+        <a:xfrm>
+          <a:off x="0" y="0"/>
+          <a:ext cx="0" cy="0"/>
+          <a:chOff x="0" y="0"/>
+          <a:chExt cx="0" cy="0"/>
+        </a:xfrm>
+      </p:grpSpPr>
+      <p:sp>
+        <p:nvSpPr>
+          <p:cNvPr id="16" name="Rectangle 15">
+            <a:extLst>
+              <a:ext uri="{FF2B5EF4-FFF2-40B4-BE49-F238E27FC236}">
+                <a16:creationId xmlns:a16="http://schemas.microsoft.com/office/drawing/2014/main" id="{C1F3BE31-786A-4533-9910-3DAA86E99B32}"/>
               </a:ext>
             </a:extLst>
           </p:cNvPr>
@@ -6648,14 +6756,14 @@
         </p:nvSpPr>
         <p:spPr>
           <a:xfrm>
-            <a:off x="147183" y="3513762"/>
-            <a:ext cx="6810516" cy="3788923"/>
+            <a:off x="7203138" y="726293"/>
+            <a:ext cx="5025995" cy="3958723"/>
           </a:xfrm>
           <a:prstGeom prst="rect">
             <a:avLst/>
           </a:prstGeom>
           <a:solidFill>
-            <a:schemeClr val="accent1">
+            <a:schemeClr val="accent4">
               <a:lumMod val="20000"/>
               <a:lumOff val="80000"/>
             </a:schemeClr>
@@ -6691,88 +6799,10 @@
       </p:sp>
       <p:sp>
         <p:nvSpPr>
-          <p:cNvPr id="2" name="TextBox 1">
-            <a:extLst>
-              <a:ext uri="{FF2B5EF4-FFF2-40B4-BE49-F238E27FC236}">
-                <a16:creationId xmlns:a16="http://schemas.microsoft.com/office/drawing/2014/main" id="{632C0D62-B4AD-478D-84C9-33179BDE50E0}"/>
-              </a:ext>
-            </a:extLst>
-          </p:cNvPr>
-          <p:cNvSpPr txBox="1"/>
-          <p:nvPr/>
-        </p:nvSpPr>
-        <p:spPr>
-          <a:xfrm>
-            <a:off x="327803" y="109670"/>
-            <a:ext cx="2115131" cy="523220"/>
-          </a:xfrm>
-          <a:prstGeom prst="rect">
-            <a:avLst/>
-          </a:prstGeom>
-          <a:noFill/>
-        </p:spPr>
-        <p:txBody>
-          <a:bodyPr wrap="none" rtlCol="0">
-            <a:spAutoFit/>
-          </a:bodyPr>
-          <a:lstStyle/>
-          <a:p>
-            <a:r>
-              <a:rPr lang="en-GB" sz="2800" b="1" dirty="0">
-                <a:solidFill>
-                  <a:srgbClr val="FF0000"/>
-                </a:solidFill>
-              </a:rPr>
-              <a:t>What’s new?</a:t>
-            </a:r>
-          </a:p>
-        </p:txBody>
-      </p:sp>
-      <p:sp>
-        <p:nvSpPr>
-          <p:cNvPr id="3" name="TextBox 2">
-            <a:extLst>
-              <a:ext uri="{FF2B5EF4-FFF2-40B4-BE49-F238E27FC236}">
-                <a16:creationId xmlns:a16="http://schemas.microsoft.com/office/drawing/2014/main" id="{EBF31359-98AD-4195-98E1-D422DB412006}"/>
-              </a:ext>
-            </a:extLst>
-          </p:cNvPr>
-          <p:cNvSpPr txBox="1"/>
-          <p:nvPr/>
-        </p:nvSpPr>
-        <p:spPr>
-          <a:xfrm>
-            <a:off x="9183911" y="203074"/>
-            <a:ext cx="2680286" cy="523220"/>
-          </a:xfrm>
-          <a:prstGeom prst="rect">
-            <a:avLst/>
-          </a:prstGeom>
-          <a:noFill/>
-        </p:spPr>
-        <p:txBody>
-          <a:bodyPr wrap="none" rtlCol="0">
-            <a:spAutoFit/>
-          </a:bodyPr>
-          <a:lstStyle/>
-          <a:p>
-            <a:r>
-              <a:rPr lang="en-GB" sz="2800" b="1" dirty="0">
-                <a:solidFill>
-                  <a:srgbClr val="FF0000"/>
-                </a:solidFill>
-              </a:rPr>
-              <a:t>geogbrowns.info</a:t>
-            </a:r>
-          </a:p>
-        </p:txBody>
-      </p:sp>
-      <p:sp>
-        <p:nvSpPr>
-          <p:cNvPr id="4" name="Rectangle 3">
-            <a:extLst>
-              <a:ext uri="{FF2B5EF4-FFF2-40B4-BE49-F238E27FC236}">
-                <a16:creationId xmlns:a16="http://schemas.microsoft.com/office/drawing/2014/main" id="{C47CCC9E-770E-4406-A6E1-CF6DE9317D3D}"/>
+          <p:cNvPr id="15" name="Rectangle 14">
+            <a:extLst>
+              <a:ext uri="{FF2B5EF4-FFF2-40B4-BE49-F238E27FC236}">
+                <a16:creationId xmlns:a16="http://schemas.microsoft.com/office/drawing/2014/main" id="{7D02956C-7E18-4418-8EFE-6364B5A5C6D6}"/>
               </a:ext>
             </a:extLst>
           </p:cNvPr>
@@ -6781,14 +6811,14 @@
         </p:nvSpPr>
         <p:spPr>
           <a:xfrm>
-            <a:off x="5025996" y="726293"/>
-            <a:ext cx="4826921" cy="3558031"/>
+            <a:off x="6906494" y="3513762"/>
+            <a:ext cx="5473865" cy="3958723"/>
           </a:xfrm>
           <a:prstGeom prst="rect">
             <a:avLst/>
           </a:prstGeom>
           <a:solidFill>
-            <a:schemeClr val="accent1">
+            <a:schemeClr val="accent4">
               <a:lumMod val="20000"/>
               <a:lumOff val="80000"/>
             </a:schemeClr>
@@ -6824,10 +6854,10 @@
       </p:sp>
       <p:sp>
         <p:nvSpPr>
-          <p:cNvPr id="5" name="Rectangle 4">
-            <a:extLst>
-              <a:ext uri="{FF2B5EF4-FFF2-40B4-BE49-F238E27FC236}">
-                <a16:creationId xmlns:a16="http://schemas.microsoft.com/office/drawing/2014/main" id="{B1223149-D466-401A-BC5C-DF1D37FFE6C2}"/>
+          <p:cNvPr id="14" name="Rectangle 13">
+            <a:extLst>
+              <a:ext uri="{FF2B5EF4-FFF2-40B4-BE49-F238E27FC236}">
+                <a16:creationId xmlns:a16="http://schemas.microsoft.com/office/drawing/2014/main" id="{3C4A605D-A321-4B93-B2DA-B304654C790A}"/>
               </a:ext>
             </a:extLst>
           </p:cNvPr>
@@ -6836,14 +6866,14 @@
         </p:nvSpPr>
         <p:spPr>
           <a:xfrm>
-            <a:off x="1" y="726294"/>
-            <a:ext cx="5025995" cy="3958722"/>
+            <a:off x="147183" y="3513762"/>
+            <a:ext cx="6810516" cy="3788923"/>
           </a:xfrm>
           <a:prstGeom prst="rect">
             <a:avLst/>
           </a:prstGeom>
           <a:solidFill>
-            <a:schemeClr val="accent4">
+            <a:schemeClr val="accent1">
               <a:lumMod val="20000"/>
               <a:lumOff val="80000"/>
             </a:schemeClr>
@@ -6877,6 +6907,194 @@
           </a:p>
         </p:txBody>
       </p:sp>
+      <p:sp>
+        <p:nvSpPr>
+          <p:cNvPr id="2" name="TextBox 1">
+            <a:extLst>
+              <a:ext uri="{FF2B5EF4-FFF2-40B4-BE49-F238E27FC236}">
+                <a16:creationId xmlns:a16="http://schemas.microsoft.com/office/drawing/2014/main" id="{632C0D62-B4AD-478D-84C9-33179BDE50E0}"/>
+              </a:ext>
+            </a:extLst>
+          </p:cNvPr>
+          <p:cNvSpPr txBox="1"/>
+          <p:nvPr/>
+        </p:nvSpPr>
+        <p:spPr>
+          <a:xfrm>
+            <a:off x="327803" y="109670"/>
+            <a:ext cx="2115131" cy="523220"/>
+          </a:xfrm>
+          <a:prstGeom prst="rect">
+            <a:avLst/>
+          </a:prstGeom>
+          <a:noFill/>
+        </p:spPr>
+        <p:txBody>
+          <a:bodyPr wrap="none" rtlCol="0">
+            <a:spAutoFit/>
+          </a:bodyPr>
+          <a:lstStyle/>
+          <a:p>
+            <a:r>
+              <a:rPr lang="en-GB" sz="2800" b="1" dirty="0">
+                <a:solidFill>
+                  <a:srgbClr val="FF0000"/>
+                </a:solidFill>
+              </a:rPr>
+              <a:t>What’s new?</a:t>
+            </a:r>
+          </a:p>
+        </p:txBody>
+      </p:sp>
+      <p:sp>
+        <p:nvSpPr>
+          <p:cNvPr id="3" name="TextBox 2">
+            <a:extLst>
+              <a:ext uri="{FF2B5EF4-FFF2-40B4-BE49-F238E27FC236}">
+                <a16:creationId xmlns:a16="http://schemas.microsoft.com/office/drawing/2014/main" id="{EBF31359-98AD-4195-98E1-D422DB412006}"/>
+              </a:ext>
+            </a:extLst>
+          </p:cNvPr>
+          <p:cNvSpPr txBox="1"/>
+          <p:nvPr/>
+        </p:nvSpPr>
+        <p:spPr>
+          <a:xfrm>
+            <a:off x="9183911" y="203074"/>
+            <a:ext cx="2680286" cy="523220"/>
+          </a:xfrm>
+          <a:prstGeom prst="rect">
+            <a:avLst/>
+          </a:prstGeom>
+          <a:noFill/>
+        </p:spPr>
+        <p:txBody>
+          <a:bodyPr wrap="none" rtlCol="0">
+            <a:spAutoFit/>
+          </a:bodyPr>
+          <a:lstStyle/>
+          <a:p>
+            <a:r>
+              <a:rPr lang="en-GB" sz="2800" b="1" dirty="0">
+                <a:solidFill>
+                  <a:srgbClr val="FF0000"/>
+                </a:solidFill>
+              </a:rPr>
+              <a:t>geogbrowns.info</a:t>
+            </a:r>
+          </a:p>
+        </p:txBody>
+      </p:sp>
+      <p:sp>
+        <p:nvSpPr>
+          <p:cNvPr id="4" name="Rectangle 3">
+            <a:extLst>
+              <a:ext uri="{FF2B5EF4-FFF2-40B4-BE49-F238E27FC236}">
+                <a16:creationId xmlns:a16="http://schemas.microsoft.com/office/drawing/2014/main" id="{C47CCC9E-770E-4406-A6E1-CF6DE9317D3D}"/>
+              </a:ext>
+            </a:extLst>
+          </p:cNvPr>
+          <p:cNvSpPr/>
+          <p:nvPr/>
+        </p:nvSpPr>
+        <p:spPr>
+          <a:xfrm>
+            <a:off x="5025996" y="726293"/>
+            <a:ext cx="4826921" cy="3558031"/>
+          </a:xfrm>
+          <a:prstGeom prst="rect">
+            <a:avLst/>
+          </a:prstGeom>
+          <a:solidFill>
+            <a:schemeClr val="accent1">
+              <a:lumMod val="20000"/>
+              <a:lumOff val="80000"/>
+            </a:schemeClr>
+          </a:solidFill>
+          <a:ln>
+            <a:noFill/>
+          </a:ln>
+        </p:spPr>
+        <p:style>
+          <a:lnRef idx="2">
+            <a:schemeClr val="accent1">
+              <a:shade val="50000"/>
+            </a:schemeClr>
+          </a:lnRef>
+          <a:fillRef idx="1">
+            <a:schemeClr val="accent1"/>
+          </a:fillRef>
+          <a:effectRef idx="0">
+            <a:schemeClr val="accent1"/>
+          </a:effectRef>
+          <a:fontRef idx="minor">
+            <a:schemeClr val="lt1"/>
+          </a:fontRef>
+        </p:style>
+        <p:txBody>
+          <a:bodyPr rtlCol="0" anchor="ctr"/>
+          <a:lstStyle/>
+          <a:p>
+            <a:pPr algn="ctr"/>
+            <a:endParaRPr lang="en-GB"/>
+          </a:p>
+        </p:txBody>
+      </p:sp>
+      <p:sp>
+        <p:nvSpPr>
+          <p:cNvPr id="5" name="Rectangle 4">
+            <a:extLst>
+              <a:ext uri="{FF2B5EF4-FFF2-40B4-BE49-F238E27FC236}">
+                <a16:creationId xmlns:a16="http://schemas.microsoft.com/office/drawing/2014/main" id="{B1223149-D466-401A-BC5C-DF1D37FFE6C2}"/>
+              </a:ext>
+            </a:extLst>
+          </p:cNvPr>
+          <p:cNvSpPr/>
+          <p:nvPr/>
+        </p:nvSpPr>
+        <p:spPr>
+          <a:xfrm>
+            <a:off x="1" y="726294"/>
+            <a:ext cx="5025995" cy="3958722"/>
+          </a:xfrm>
+          <a:prstGeom prst="rect">
+            <a:avLst/>
+          </a:prstGeom>
+          <a:solidFill>
+            <a:schemeClr val="accent4">
+              <a:lumMod val="20000"/>
+              <a:lumOff val="80000"/>
+            </a:schemeClr>
+          </a:solidFill>
+          <a:ln>
+            <a:noFill/>
+          </a:ln>
+        </p:spPr>
+        <p:style>
+          <a:lnRef idx="2">
+            <a:schemeClr val="accent1">
+              <a:shade val="50000"/>
+            </a:schemeClr>
+          </a:lnRef>
+          <a:fillRef idx="1">
+            <a:schemeClr val="accent1"/>
+          </a:fillRef>
+          <a:effectRef idx="0">
+            <a:schemeClr val="accent1"/>
+          </a:effectRef>
+          <a:fontRef idx="minor">
+            <a:schemeClr val="lt1"/>
+          </a:fontRef>
+        </p:style>
+        <p:txBody>
+          <a:bodyPr rtlCol="0" anchor="ctr"/>
+          <a:lstStyle/>
+          <a:p>
+            <a:pPr algn="ctr"/>
+            <a:endParaRPr lang="en-GB"/>
+          </a:p>
+        </p:txBody>
+      </p:sp>
       <p:pic>
         <p:nvPicPr>
           <p:cNvPr id="7" name="Picture 6">
@@ -7076,7 +7294,7 @@
 </p:sld>
 </file>
 
-<file path=ppt/slides/slide6.xml><?xml version="1.0" encoding="utf-8"?>
+<file path=ppt/slides/slide7.xml><?xml version="1.0" encoding="utf-8"?>
 <p:sld xmlns:a="http://schemas.openxmlformats.org/drawingml/2006/main" xmlns:r="http://schemas.openxmlformats.org/officeDocument/2006/relationships" xmlns:p="http://schemas.openxmlformats.org/presentationml/2006/main">
   <p:cSld>
     <p:spTree>
